--- a/Resources/Part1/Part1_Resources.pptx
+++ b/Resources/Part1/Part1_Resources.pptx
@@ -7,6 +7,7 @@
   <p:sldIdLst>
     <p:sldId id="256" r:id="rId2"/>
     <p:sldId id="257" r:id="rId3"/>
+    <p:sldId id="258" r:id="rId4"/>
   </p:sldIdLst>
   <p:sldSz cx="12192000" cy="6858000"/>
   <p:notesSz cx="6858000" cy="9144000"/>
@@ -3781,8 +3782,8 @@
 <file path=ppt/diagrams/data3.xml><?xml version="1.0" encoding="utf-8"?>
 <dgm:dataModel xmlns:dgm="http://schemas.openxmlformats.org/drawingml/2006/diagram" xmlns:a="http://schemas.openxmlformats.org/drawingml/2006/main">
   <dgm:ptLst>
-    <dgm:pt modelId="{76012765-2BF9-4F7B-BCDA-49307689F752}" type="doc">
-      <dgm:prSet loTypeId="urn:microsoft.com/office/officeart/2005/8/layout/hierarchy4" loCatId="relationship" qsTypeId="urn:microsoft.com/office/officeart/2005/8/quickstyle/simple1" qsCatId="simple" csTypeId="urn:microsoft.com/office/officeart/2005/8/colors/accent1_2" csCatId="accent1" phldr="1"/>
+    <dgm:pt modelId="{DD07839C-20CF-4FE4-A481-343BD6861B53}" type="doc">
+      <dgm:prSet loTypeId="urn:microsoft.com/office/officeart/2008/layout/NameandTitleOrganizationalChart" loCatId="hierarchy" qsTypeId="urn:microsoft.com/office/officeart/2005/8/quickstyle/simple1" qsCatId="simple" csTypeId="urn:microsoft.com/office/officeart/2005/8/colors/accent1_2" csCatId="accent1" phldr="1"/>
       <dgm:spPr/>
       <dgm:t>
         <a:bodyPr/>
@@ -3792,7 +3793,7 @@
         </a:p>
       </dgm:t>
     </dgm:pt>
-    <dgm:pt modelId="{CBA249B0-54FB-4D7E-A2F9-3087B5E560E7}">
+    <dgm:pt modelId="{9C2385DC-2B49-4DE6-BFC3-CEF02410BB23}">
       <dgm:prSet phldrT="[テキスト]" custT="1"/>
       <dgm:spPr>
         <a:solidFill>
@@ -3807,26 +3808,26 @@
         <a:lstStyle/>
         <a:p>
           <a:r>
-            <a:rPr lang="en-US" sz="2000" b="1" dirty="0">
+            <a:rPr lang="en-US" sz="1800" b="1" dirty="0">
               <a:solidFill>
                 <a:schemeClr val="tx1"/>
               </a:solidFill>
               <a:latin typeface="Calibri" panose="020F0502020204030204" pitchFamily="34" charset="0"/>
               <a:cs typeface="Calibri" panose="020F0502020204030204" pitchFamily="34" charset="0"/>
             </a:rPr>
-            <a:t>Application</a:t>
+            <a:t>PM</a:t>
           </a:r>
         </a:p>
       </dgm:t>
     </dgm:pt>
-    <dgm:pt modelId="{5CAAA1F7-8E03-423B-BFCE-13D98D6104B2}" type="parTrans" cxnId="{C16BA9A3-4E9B-4CCA-9D60-ECDEAA75F88B}">
+    <dgm:pt modelId="{0B383071-E62E-44C2-A1F5-799603CC6266}" type="parTrans" cxnId="{CC4309EC-67D5-49C9-83AB-59FDAC056736}">
       <dgm:prSet/>
       <dgm:spPr/>
       <dgm:t>
         <a:bodyPr/>
         <a:lstStyle/>
         <a:p>
-          <a:endParaRPr lang="en-US" sz="2000" b="1">
+          <a:endParaRPr lang="en-US" sz="1800" b="1">
             <a:solidFill>
               <a:schemeClr val="tx1"/>
             </a:solidFill>
@@ -3836,14 +3837,19 @@
         </a:p>
       </dgm:t>
     </dgm:pt>
-    <dgm:pt modelId="{75014492-B006-445A-AAF2-BBCA87D2A271}" type="sibTrans" cxnId="{C16BA9A3-4E9B-4CCA-9D60-ECDEAA75F88B}">
-      <dgm:prSet/>
+    <dgm:pt modelId="{94BFA22F-F579-4D72-A57B-29E8690B1028}" type="sibTrans" cxnId="{CC4309EC-67D5-49C9-83AB-59FDAC056736}">
+      <dgm:prSet custT="1"/>
       <dgm:spPr/>
       <dgm:t>
-        <a:bodyPr/>
+        <a:bodyPr anchor="t"/>
         <a:lstStyle/>
         <a:p>
-          <a:endParaRPr lang="en-US" sz="2000" b="1">
+          <a:pPr algn="l">
+            <a:lnSpc>
+              <a:spcPts val="500"/>
+            </a:lnSpc>
+          </a:pPr>
+          <a:endParaRPr lang="en-US" sz="1200" b="1" dirty="0">
             <a:solidFill>
               <a:schemeClr val="tx1"/>
             </a:solidFill>
@@ -3851,9 +3857,60 @@
             <a:cs typeface="Calibri" panose="020F0502020204030204" pitchFamily="34" charset="0"/>
           </a:endParaRPr>
         </a:p>
+        <a:p>
+          <a:pPr algn="l">
+            <a:lnSpc>
+              <a:spcPts val="500"/>
+            </a:lnSpc>
+          </a:pPr>
+          <a:r>
+            <a:rPr lang="en-US" sz="1200" b="1" dirty="0">
+              <a:solidFill>
+                <a:schemeClr val="tx1"/>
+              </a:solidFill>
+              <a:latin typeface="Calibri" panose="020F0502020204030204" pitchFamily="34" charset="0"/>
+              <a:cs typeface="Calibri" panose="020F0502020204030204" pitchFamily="34" charset="0"/>
+            </a:rPr>
+            <a:t>- Project mgmt.</a:t>
+          </a:r>
+        </a:p>
+        <a:p>
+          <a:pPr algn="l">
+            <a:lnSpc>
+              <a:spcPts val="500"/>
+            </a:lnSpc>
+          </a:pPr>
+          <a:r>
+            <a:rPr lang="en-US" sz="1200" b="1" dirty="0">
+              <a:solidFill>
+                <a:schemeClr val="tx1"/>
+              </a:solidFill>
+              <a:latin typeface="Calibri" panose="020F0502020204030204" pitchFamily="34" charset="0"/>
+              <a:cs typeface="Calibri" panose="020F0502020204030204" pitchFamily="34" charset="0"/>
+            </a:rPr>
+            <a:t>- Risk mgmt.</a:t>
+          </a:r>
+        </a:p>
+        <a:p>
+          <a:pPr algn="l">
+            <a:lnSpc>
+              <a:spcPts val="500"/>
+            </a:lnSpc>
+          </a:pPr>
+          <a:r>
+            <a:rPr lang="en-US" sz="1200" b="1" dirty="0">
+              <a:solidFill>
+                <a:schemeClr val="tx1"/>
+              </a:solidFill>
+              <a:latin typeface="Calibri" panose="020F0502020204030204" pitchFamily="34" charset="0"/>
+              <a:cs typeface="Calibri" panose="020F0502020204030204" pitchFamily="34" charset="0"/>
+            </a:rPr>
+            <a:t>- Resource mgmt.</a:t>
+          </a:r>
+        </a:p>
       </dgm:t>
     </dgm:pt>
-    <dgm:pt modelId="{27FE43E6-CF89-4EBE-A575-553507CA283D}">
+    <dgm:pt modelId="{469CAF2B-65C9-408D-8300-13538CF9EE52}" type="asst">
       <dgm:prSet phldrT="[テキスト]" custT="1"/>
       <dgm:spPr>
         <a:solidFill>
@@ -3868,26 +3925,26 @@
         <a:lstStyle/>
         <a:p>
           <a:r>
-            <a:rPr lang="en-US" sz="2000" b="1" dirty="0">
+            <a:rPr lang="en-US" sz="1800" b="1" dirty="0">
               <a:solidFill>
                 <a:schemeClr val="tx1"/>
               </a:solidFill>
               <a:latin typeface="Calibri" panose="020F0502020204030204" pitchFamily="34" charset="0"/>
               <a:cs typeface="Calibri" panose="020F0502020204030204" pitchFamily="34" charset="0"/>
             </a:rPr>
-            <a:t>RTOS</a:t>
+            <a:t>TPM</a:t>
           </a:r>
         </a:p>
       </dgm:t>
     </dgm:pt>
-    <dgm:pt modelId="{2CA6402B-38D7-4765-99CE-C02BF64A70C5}" type="parTrans" cxnId="{85204E13-EDB0-4A17-BFF0-2384FDC1EEA9}">
+    <dgm:pt modelId="{923BF9BF-D91B-46BF-A334-3BE3D7E0132A}" type="parTrans" cxnId="{F91215F4-6FC8-47BC-B0C2-F252AADC0CCF}">
       <dgm:prSet/>
       <dgm:spPr/>
       <dgm:t>
         <a:bodyPr/>
         <a:lstStyle/>
         <a:p>
-          <a:endParaRPr lang="en-US" sz="2000" b="1">
+          <a:endParaRPr lang="en-US" sz="1800" b="1">
             <a:solidFill>
               <a:schemeClr val="tx1"/>
             </a:solidFill>
@@ -3897,14 +3954,84 @@
         </a:p>
       </dgm:t>
     </dgm:pt>
-    <dgm:pt modelId="{FCDE5E3A-3951-4225-B215-4006DE19EE1E}" type="sibTrans" cxnId="{85204E13-EDB0-4A17-BFF0-2384FDC1EEA9}">
-      <dgm:prSet/>
+    <dgm:pt modelId="{4FD3B2C0-866F-4801-B985-FFA07920058B}" type="sibTrans" cxnId="{F91215F4-6FC8-47BC-B0C2-F252AADC0CCF}">
+      <dgm:prSet custT="1"/>
       <dgm:spPr/>
       <dgm:t>
-        <a:bodyPr/>
+        <a:bodyPr anchor="t"/>
         <a:lstStyle/>
         <a:p>
-          <a:endParaRPr lang="en-US" sz="2000" b="1">
+          <a:pPr algn="l">
+            <a:lnSpc>
+              <a:spcPts val="500"/>
+            </a:lnSpc>
+          </a:pPr>
+          <a:endParaRPr lang="en-US" sz="1200" b="1" dirty="0">
+            <a:solidFill>
+              <a:schemeClr val="tx1"/>
+            </a:solidFill>
+            <a:latin typeface="Calibri" panose="020F0502020204030204" pitchFamily="34" charset="0"/>
+            <a:cs typeface="Calibri" panose="020F0502020204030204" pitchFamily="34" charset="0"/>
+          </a:endParaRPr>
+        </a:p>
+        <a:p>
+          <a:pPr algn="l">
+            <a:lnSpc>
+              <a:spcPts val="500"/>
+            </a:lnSpc>
+          </a:pPr>
+          <a:r>
+            <a:rPr lang="en-US" sz="1200" b="1" dirty="0">
+              <a:solidFill>
+                <a:schemeClr val="tx1"/>
+              </a:solidFill>
+              <a:latin typeface="Calibri" panose="020F0502020204030204" pitchFamily="34" charset="0"/>
+              <a:cs typeface="Calibri" panose="020F0502020204030204" pitchFamily="34" charset="0"/>
+            </a:rPr>
+            <a:t>- SwRS</a:t>
+          </a:r>
+        </a:p>
+        <a:p>
+          <a:pPr algn="l">
+            <a:lnSpc>
+              <a:spcPts val="500"/>
+            </a:lnSpc>
+          </a:pPr>
+          <a:r>
+            <a:rPr lang="en-US" sz="1200" b="1" dirty="0">
+              <a:solidFill>
+                <a:schemeClr val="tx1"/>
+              </a:solidFill>
+              <a:latin typeface="Calibri" panose="020F0502020204030204" pitchFamily="34" charset="0"/>
+              <a:cs typeface="Calibri" panose="020F0502020204030204" pitchFamily="34" charset="0"/>
+            </a:rPr>
+            <a:t>- Task mgmt.</a:t>
+          </a:r>
+        </a:p>
+        <a:p>
+          <a:pPr algn="l">
+            <a:lnSpc>
+              <a:spcPts val="500"/>
+            </a:lnSpc>
+          </a:pPr>
+          <a:r>
+            <a:rPr lang="en-US" sz="1200" b="1" dirty="0">
+              <a:solidFill>
+                <a:schemeClr val="tx1"/>
+              </a:solidFill>
+              <a:latin typeface="Calibri" panose="020F0502020204030204" pitchFamily="34" charset="0"/>
+              <a:cs typeface="Calibri" panose="020F0502020204030204" pitchFamily="34" charset="0"/>
+            </a:rPr>
+            <a:t>- Software release</a:t>
+          </a:r>
+        </a:p>
+        <a:p>
+          <a:pPr algn="l">
+            <a:lnSpc>
+              <a:spcPts val="500"/>
+            </a:lnSpc>
+          </a:pPr>
+          <a:endParaRPr lang="en-US" sz="1200" b="1" dirty="0">
             <a:solidFill>
               <a:schemeClr val="tx1"/>
             </a:solidFill>
@@ -3914,7 +4041,7 @@
         </a:p>
       </dgm:t>
     </dgm:pt>
-    <dgm:pt modelId="{7FF0E8F1-984C-49C3-A123-5B84F96D438B}">
+    <dgm:pt modelId="{15258546-0E60-4E49-9C0E-B5A7784AAEB6}">
       <dgm:prSet phldrT="[テキスト]" custT="1"/>
       <dgm:spPr>
         <a:solidFill>
@@ -3929,26 +4056,26 @@
         <a:lstStyle/>
         <a:p>
           <a:r>
-            <a:rPr lang="en-US" sz="2000" b="1" dirty="0">
+            <a:rPr lang="en-US" sz="1800" b="1" dirty="0">
               <a:solidFill>
                 <a:schemeClr val="tx1"/>
               </a:solidFill>
               <a:latin typeface="Calibri" panose="020F0502020204030204" pitchFamily="34" charset="0"/>
               <a:cs typeface="Calibri" panose="020F0502020204030204" pitchFamily="34" charset="0"/>
             </a:rPr>
-            <a:t>Timer</a:t>
+            <a:t>DEV</a:t>
           </a:r>
         </a:p>
       </dgm:t>
     </dgm:pt>
-    <dgm:pt modelId="{7A5B4265-D186-44F4-A84D-D9FAFAC868BA}" type="parTrans" cxnId="{ED21E0D8-F59B-4158-9C1E-ED17571FCD43}">
+    <dgm:pt modelId="{7BBB3885-FB9D-4B4D-84C8-358DA93A8F91}" type="parTrans" cxnId="{0C25E179-3DAA-4717-951E-D3E474268A19}">
       <dgm:prSet/>
       <dgm:spPr/>
       <dgm:t>
         <a:bodyPr/>
         <a:lstStyle/>
         <a:p>
-          <a:endParaRPr lang="en-US" sz="2000" b="1">
+          <a:endParaRPr lang="en-US" sz="1800" b="1">
             <a:solidFill>
               <a:schemeClr val="tx1"/>
             </a:solidFill>
@@ -3958,14 +4085,112 @@
         </a:p>
       </dgm:t>
     </dgm:pt>
-    <dgm:pt modelId="{6371DA64-B8A2-4F27-AD56-65144E122410}" type="sibTrans" cxnId="{ED21E0D8-F59B-4158-9C1E-ED17571FCD43}">
-      <dgm:prSet/>
+    <dgm:pt modelId="{1158C72F-EC3A-4874-9B87-9182DBC6BA3F}" type="sibTrans" cxnId="{0C25E179-3DAA-4717-951E-D3E474268A19}">
+      <dgm:prSet custT="1"/>
       <dgm:spPr/>
       <dgm:t>
         <a:bodyPr/>
         <a:lstStyle/>
         <a:p>
-          <a:endParaRPr lang="en-US" sz="2000" b="1">
+          <a:pPr algn="l">
+            <a:lnSpc>
+              <a:spcPts val="500"/>
+            </a:lnSpc>
+          </a:pPr>
+          <a:endParaRPr lang="en-US" sz="1200" dirty="0">
+            <a:latin typeface="Calibri" panose="020F0502020204030204" pitchFamily="34" charset="0"/>
+            <a:cs typeface="Calibri" panose="020F0502020204030204" pitchFamily="34" charset="0"/>
+          </a:endParaRPr>
+        </a:p>
+        <a:p>
+          <a:pPr algn="l">
+            <a:lnSpc>
+              <a:spcPts val="500"/>
+            </a:lnSpc>
+          </a:pPr>
+          <a:endParaRPr lang="en-US" sz="1200" b="1" dirty="0">
+            <a:solidFill>
+              <a:schemeClr val="tx1"/>
+            </a:solidFill>
+            <a:latin typeface="Calibri" panose="020F0502020204030204" pitchFamily="34" charset="0"/>
+            <a:cs typeface="Calibri" panose="020F0502020204030204" pitchFamily="34" charset="0"/>
+          </a:endParaRPr>
+        </a:p>
+        <a:p>
+          <a:pPr algn="l">
+            <a:lnSpc>
+              <a:spcPts val="500"/>
+            </a:lnSpc>
+          </a:pPr>
+          <a:r>
+            <a:rPr lang="en-US" sz="1200" b="1" dirty="0">
+              <a:solidFill>
+                <a:schemeClr val="tx1"/>
+              </a:solidFill>
+              <a:latin typeface="Calibri" panose="020F0502020204030204" pitchFamily="34" charset="0"/>
+              <a:cs typeface="Calibri" panose="020F0502020204030204" pitchFamily="34" charset="0"/>
+            </a:rPr>
+            <a:t>- SwDD</a:t>
+          </a:r>
+        </a:p>
+        <a:p>
+          <a:pPr algn="l">
+            <a:lnSpc>
+              <a:spcPts val="500"/>
+            </a:lnSpc>
+          </a:pPr>
+          <a:r>
+            <a:rPr lang="en-US" sz="1200" b="1" dirty="0">
+              <a:solidFill>
+                <a:schemeClr val="tx1"/>
+              </a:solidFill>
+              <a:latin typeface="Calibri" panose="020F0502020204030204" pitchFamily="34" charset="0"/>
+              <a:cs typeface="Calibri" panose="020F0502020204030204" pitchFamily="34" charset="0"/>
+            </a:rPr>
+            <a:t>- Implementation(Coding)</a:t>
+          </a:r>
+        </a:p>
+        <a:p>
+          <a:pPr algn="l">
+            <a:lnSpc>
+              <a:spcPts val="500"/>
+            </a:lnSpc>
+          </a:pPr>
+          <a:r>
+            <a:rPr lang="en-US" sz="1200" b="1" dirty="0">
+              <a:solidFill>
+                <a:schemeClr val="tx1"/>
+              </a:solidFill>
+              <a:latin typeface="Calibri" panose="020F0502020204030204" pitchFamily="34" charset="0"/>
+              <a:cs typeface="Calibri" panose="020F0502020204030204" pitchFamily="34" charset="0"/>
+            </a:rPr>
+            <a:t>- Smoke Test</a:t>
+          </a:r>
+        </a:p>
+        <a:p>
+          <a:pPr algn="l">
+            <a:lnSpc>
+              <a:spcPts val="500"/>
+            </a:lnSpc>
+          </a:pPr>
+          <a:r>
+            <a:rPr lang="en-US" sz="1200" b="1" dirty="0">
+              <a:solidFill>
+                <a:schemeClr val="tx1"/>
+              </a:solidFill>
+              <a:latin typeface="Calibri" panose="020F0502020204030204" pitchFamily="34" charset="0"/>
+              <a:cs typeface="Calibri" panose="020F0502020204030204" pitchFamily="34" charset="0"/>
+            </a:rPr>
+            <a:t>- Bug Fix</a:t>
+          </a:r>
+        </a:p>
+        <a:p>
+          <a:pPr algn="l">
+            <a:lnSpc>
+              <a:spcPts val="500"/>
+            </a:lnSpc>
+          </a:pPr>
+          <a:endParaRPr lang="en-US" sz="1200" b="1" dirty="0">
             <a:solidFill>
               <a:schemeClr val="tx1"/>
             </a:solidFill>
@@ -3975,7 +4200,7 @@
         </a:p>
       </dgm:t>
     </dgm:pt>
-    <dgm:pt modelId="{E7080A05-EC3D-441B-9E11-E8757D569D4B}">
+    <dgm:pt modelId="{5B48F98B-84B8-469A-9B52-165BFA176346}">
       <dgm:prSet phldrT="[テキスト]" custT="1"/>
       <dgm:spPr>
         <a:solidFill>
@@ -3990,26 +4215,26 @@
         <a:lstStyle/>
         <a:p>
           <a:r>
-            <a:rPr lang="en-US" sz="2000" b="1" dirty="0">
+            <a:rPr lang="en-US" sz="1800" b="1" dirty="0">
               <a:solidFill>
                 <a:schemeClr val="tx1"/>
               </a:solidFill>
               <a:latin typeface="Calibri" panose="020F0502020204030204" pitchFamily="34" charset="0"/>
               <a:cs typeface="Calibri" panose="020F0502020204030204" pitchFamily="34" charset="0"/>
             </a:rPr>
-            <a:t>GPIO</a:t>
+            <a:t>DEV</a:t>
           </a:r>
         </a:p>
       </dgm:t>
     </dgm:pt>
-    <dgm:pt modelId="{95F9ACB2-826D-4376-9B96-A46C42E347B4}" type="parTrans" cxnId="{57F0D75C-3FCF-4116-B2F6-BC6984FEDC22}">
+    <dgm:pt modelId="{BE59FB1B-498B-46BB-9793-16252B431ABE}" type="parTrans" cxnId="{EBB5ADA4-E582-4FD8-BC7E-7AC22AA273DB}">
       <dgm:prSet/>
       <dgm:spPr/>
       <dgm:t>
         <a:bodyPr/>
         <a:lstStyle/>
         <a:p>
-          <a:endParaRPr lang="en-US" sz="2000" b="1">
+          <a:endParaRPr lang="en-US" sz="1800" b="1">
             <a:solidFill>
               <a:schemeClr val="tx1"/>
             </a:solidFill>
@@ -4019,14 +4244,106 @@
         </a:p>
       </dgm:t>
     </dgm:pt>
-    <dgm:pt modelId="{6ACD537A-7979-46FB-9203-ECF7638F0EF8}" type="sibTrans" cxnId="{57F0D75C-3FCF-4116-B2F6-BC6984FEDC22}">
-      <dgm:prSet/>
+    <dgm:pt modelId="{39941F29-7CE3-46B0-809B-F7C9A75378A5}" type="sibTrans" cxnId="{EBB5ADA4-E582-4FD8-BC7E-7AC22AA273DB}">
+      <dgm:prSet custT="1"/>
       <dgm:spPr/>
       <dgm:t>
         <a:bodyPr/>
         <a:lstStyle/>
         <a:p>
-          <a:endParaRPr lang="en-US" sz="2000" b="1">
+          <a:pPr algn="l">
+            <a:lnSpc>
+              <a:spcPts val="500"/>
+            </a:lnSpc>
+          </a:pPr>
+          <a:endParaRPr lang="en-US" sz="1200" dirty="0"/>
+        </a:p>
+        <a:p>
+          <a:pPr algn="l">
+            <a:lnSpc>
+              <a:spcPts val="500"/>
+            </a:lnSpc>
+          </a:pPr>
+          <a:endParaRPr lang="en-US" sz="1200" dirty="0">
+            <a:latin typeface="Calibri" panose="020F0502020204030204" pitchFamily="34" charset="0"/>
+            <a:cs typeface="Calibri" panose="020F0502020204030204" pitchFamily="34" charset="0"/>
+          </a:endParaRPr>
+        </a:p>
+        <a:p>
+          <a:pPr algn="l">
+            <a:lnSpc>
+              <a:spcPts val="500"/>
+            </a:lnSpc>
+          </a:pPr>
+          <a:r>
+            <a:rPr lang="en-US" sz="1200" b="1" dirty="0">
+              <a:solidFill>
+                <a:schemeClr val="tx1"/>
+              </a:solidFill>
+              <a:latin typeface="Calibri" panose="020F0502020204030204" pitchFamily="34" charset="0"/>
+              <a:cs typeface="Calibri" panose="020F0502020204030204" pitchFamily="34" charset="0"/>
+            </a:rPr>
+            <a:t>- SwDD</a:t>
+          </a:r>
+        </a:p>
+        <a:p>
+          <a:pPr algn="l">
+            <a:lnSpc>
+              <a:spcPts val="500"/>
+            </a:lnSpc>
+          </a:pPr>
+          <a:r>
+            <a:rPr lang="en-US" sz="1200" b="1" dirty="0">
+              <a:solidFill>
+                <a:schemeClr val="tx1"/>
+              </a:solidFill>
+              <a:latin typeface="Calibri" panose="020F0502020204030204" pitchFamily="34" charset="0"/>
+              <a:cs typeface="Calibri" panose="020F0502020204030204" pitchFamily="34" charset="0"/>
+            </a:rPr>
+            <a:t>- Implementation(Coding)</a:t>
+          </a:r>
+        </a:p>
+        <a:p>
+          <a:pPr algn="l">
+            <a:lnSpc>
+              <a:spcPts val="500"/>
+            </a:lnSpc>
+          </a:pPr>
+          <a:r>
+            <a:rPr lang="en-US" sz="1200" b="1" dirty="0">
+              <a:solidFill>
+                <a:schemeClr val="tx1"/>
+              </a:solidFill>
+              <a:latin typeface="Calibri" panose="020F0502020204030204" pitchFamily="34" charset="0"/>
+              <a:cs typeface="Calibri" panose="020F0502020204030204" pitchFamily="34" charset="0"/>
+            </a:rPr>
+            <a:t>- Smoke Test</a:t>
+          </a:r>
+        </a:p>
+        <a:p>
+          <a:pPr algn="l">
+            <a:lnSpc>
+              <a:spcPts val="500"/>
+            </a:lnSpc>
+          </a:pPr>
+          <a:r>
+            <a:rPr lang="en-US" sz="1200" b="1" dirty="0">
+              <a:solidFill>
+                <a:schemeClr val="tx1"/>
+              </a:solidFill>
+              <a:latin typeface="Calibri" panose="020F0502020204030204" pitchFamily="34" charset="0"/>
+              <a:cs typeface="Calibri" panose="020F0502020204030204" pitchFamily="34" charset="0"/>
+            </a:rPr>
+            <a:t>- Bug Fix</a:t>
+          </a:r>
+        </a:p>
+        <a:p>
+          <a:pPr algn="l">
+            <a:lnSpc>
+              <a:spcPts val="500"/>
+            </a:lnSpc>
+          </a:pPr>
+          <a:endParaRPr lang="en-US" sz="1200" b="1" dirty="0">
             <a:solidFill>
               <a:schemeClr val="tx1"/>
             </a:solidFill>
@@ -4036,68 +4353,7 @@
         </a:p>
       </dgm:t>
     </dgm:pt>
-    <dgm:pt modelId="{20CDF5F8-79F5-428B-AAC6-066D805EABC4}">
-      <dgm:prSet phldrT="[テキスト]" custT="1"/>
-      <dgm:spPr>
-        <a:solidFill>
-          <a:schemeClr val="accent2">
-            <a:lumMod val="60000"/>
-            <a:lumOff val="40000"/>
-          </a:schemeClr>
-        </a:solidFill>
-      </dgm:spPr>
-      <dgm:t>
-        <a:bodyPr/>
-        <a:lstStyle/>
-        <a:p>
-          <a:r>
-            <a:rPr lang="en-US" sz="2000" b="1" dirty="0">
-              <a:solidFill>
-                <a:schemeClr val="tx1"/>
-              </a:solidFill>
-              <a:latin typeface="Calibri" panose="020F0502020204030204" pitchFamily="34" charset="0"/>
-              <a:cs typeface="Calibri" panose="020F0502020204030204" pitchFamily="34" charset="0"/>
-            </a:rPr>
-            <a:t>HAL</a:t>
-          </a:r>
-        </a:p>
-      </dgm:t>
-    </dgm:pt>
-    <dgm:pt modelId="{73543673-3F22-48A8-BFBC-970BB09E7281}" type="parTrans" cxnId="{30182594-3F03-4E80-A342-DFEC8781EF31}">
-      <dgm:prSet/>
-      <dgm:spPr/>
-      <dgm:t>
-        <a:bodyPr/>
-        <a:lstStyle/>
-        <a:p>
-          <a:endParaRPr lang="en-US" sz="2000" b="1">
-            <a:solidFill>
-              <a:schemeClr val="tx1"/>
-            </a:solidFill>
-            <a:latin typeface="Calibri" panose="020F0502020204030204" pitchFamily="34" charset="0"/>
-            <a:cs typeface="Calibri" panose="020F0502020204030204" pitchFamily="34" charset="0"/>
-          </a:endParaRPr>
-        </a:p>
-      </dgm:t>
-    </dgm:pt>
-    <dgm:pt modelId="{7D4E0798-3AD1-4C25-B9D1-4765D0A2F9AF}" type="sibTrans" cxnId="{30182594-3F03-4E80-A342-DFEC8781EF31}">
-      <dgm:prSet/>
-      <dgm:spPr/>
-      <dgm:t>
-        <a:bodyPr/>
-        <a:lstStyle/>
-        <a:p>
-          <a:endParaRPr lang="en-US" sz="2000" b="1">
-            <a:solidFill>
-              <a:schemeClr val="tx1"/>
-            </a:solidFill>
-            <a:latin typeface="Calibri" panose="020F0502020204030204" pitchFamily="34" charset="0"/>
-            <a:cs typeface="Calibri" panose="020F0502020204030204" pitchFamily="34" charset="0"/>
-          </a:endParaRPr>
-        </a:p>
-      </dgm:t>
-    </dgm:pt>
-    <dgm:pt modelId="{60540B20-1EC7-4215-94F3-E529ECD76643}">
+    <dgm:pt modelId="{CCC9A5EB-C6FE-48E5-A693-D45991FFC1CC}">
       <dgm:prSet phldrT="[テキスト]" custT="1"/>
       <dgm:spPr>
         <a:solidFill>
@@ -4112,26 +4368,26 @@
         <a:lstStyle/>
         <a:p>
           <a:r>
-            <a:rPr lang="en-US" sz="2000" b="1" dirty="0">
+            <a:rPr lang="en-US" sz="1800" b="1" dirty="0">
               <a:solidFill>
                 <a:schemeClr val="tx1"/>
               </a:solidFill>
               <a:latin typeface="Calibri" panose="020F0502020204030204" pitchFamily="34" charset="0"/>
               <a:cs typeface="Calibri" panose="020F0502020204030204" pitchFamily="34" charset="0"/>
             </a:rPr>
-            <a:t>UART</a:t>
+            <a:t>DEV</a:t>
           </a:r>
         </a:p>
       </dgm:t>
     </dgm:pt>
-    <dgm:pt modelId="{9D4236C4-7AB2-45F3-8511-561ECF172563}" type="parTrans" cxnId="{54453B2A-0E96-40D1-A949-E46A211B9A50}">
+    <dgm:pt modelId="{1FAC8870-9B30-4EBF-AED7-7A8D25D46C84}" type="parTrans" cxnId="{3948EFF7-B459-41A3-A649-DFAEC6811750}">
       <dgm:prSet/>
       <dgm:spPr/>
       <dgm:t>
         <a:bodyPr/>
         <a:lstStyle/>
         <a:p>
-          <a:endParaRPr lang="en-US" sz="2000" b="1">
+          <a:endParaRPr lang="en-US" sz="1800" b="1">
             <a:solidFill>
               <a:schemeClr val="tx1"/>
             </a:solidFill>
@@ -4141,14 +4397,106 @@
         </a:p>
       </dgm:t>
     </dgm:pt>
-    <dgm:pt modelId="{3017FC47-431C-41B1-82D6-C43E93ADDD2A}" type="sibTrans" cxnId="{54453B2A-0E96-40D1-A949-E46A211B9A50}">
-      <dgm:prSet/>
+    <dgm:pt modelId="{0331EEBA-C759-4FFA-B8F2-B5833046B69D}" type="sibTrans" cxnId="{3948EFF7-B459-41A3-A649-DFAEC6811750}">
+      <dgm:prSet custT="1"/>
       <dgm:spPr/>
       <dgm:t>
         <a:bodyPr/>
         <a:lstStyle/>
         <a:p>
-          <a:endParaRPr lang="en-US" sz="2000" b="1">
+          <a:pPr algn="l">
+            <a:lnSpc>
+              <a:spcPts val="500"/>
+            </a:lnSpc>
+          </a:pPr>
+          <a:endParaRPr lang="en-US" sz="1200" dirty="0"/>
+        </a:p>
+        <a:p>
+          <a:pPr algn="l">
+            <a:lnSpc>
+              <a:spcPts val="500"/>
+            </a:lnSpc>
+          </a:pPr>
+          <a:endParaRPr lang="en-US" sz="1200" dirty="0">
+            <a:latin typeface="Calibri" panose="020F0502020204030204" pitchFamily="34" charset="0"/>
+            <a:cs typeface="Calibri" panose="020F0502020204030204" pitchFamily="34" charset="0"/>
+          </a:endParaRPr>
+        </a:p>
+        <a:p>
+          <a:pPr algn="l">
+            <a:lnSpc>
+              <a:spcPts val="500"/>
+            </a:lnSpc>
+          </a:pPr>
+          <a:r>
+            <a:rPr lang="en-US" sz="1200" b="1" dirty="0">
+              <a:solidFill>
+                <a:schemeClr val="tx1"/>
+              </a:solidFill>
+              <a:latin typeface="Calibri" panose="020F0502020204030204" pitchFamily="34" charset="0"/>
+              <a:cs typeface="Calibri" panose="020F0502020204030204" pitchFamily="34" charset="0"/>
+            </a:rPr>
+            <a:t>- SwDD</a:t>
+          </a:r>
+        </a:p>
+        <a:p>
+          <a:pPr algn="l">
+            <a:lnSpc>
+              <a:spcPts val="500"/>
+            </a:lnSpc>
+          </a:pPr>
+          <a:r>
+            <a:rPr lang="en-US" sz="1200" b="1" dirty="0">
+              <a:solidFill>
+                <a:schemeClr val="tx1"/>
+              </a:solidFill>
+              <a:latin typeface="Calibri" panose="020F0502020204030204" pitchFamily="34" charset="0"/>
+              <a:cs typeface="Calibri" panose="020F0502020204030204" pitchFamily="34" charset="0"/>
+            </a:rPr>
+            <a:t>- Implementation(Coding)</a:t>
+          </a:r>
+        </a:p>
+        <a:p>
+          <a:pPr algn="l">
+            <a:lnSpc>
+              <a:spcPts val="500"/>
+            </a:lnSpc>
+          </a:pPr>
+          <a:r>
+            <a:rPr lang="en-US" sz="1200" b="1" dirty="0">
+              <a:solidFill>
+                <a:schemeClr val="tx1"/>
+              </a:solidFill>
+              <a:latin typeface="Calibri" panose="020F0502020204030204" pitchFamily="34" charset="0"/>
+              <a:cs typeface="Calibri" panose="020F0502020204030204" pitchFamily="34" charset="0"/>
+            </a:rPr>
+            <a:t>- Smoke Test</a:t>
+          </a:r>
+        </a:p>
+        <a:p>
+          <a:pPr algn="l">
+            <a:lnSpc>
+              <a:spcPts val="500"/>
+            </a:lnSpc>
+          </a:pPr>
+          <a:r>
+            <a:rPr lang="en-US" sz="1200" b="1" dirty="0">
+              <a:solidFill>
+                <a:schemeClr val="tx1"/>
+              </a:solidFill>
+              <a:latin typeface="Calibri" panose="020F0502020204030204" pitchFamily="34" charset="0"/>
+              <a:cs typeface="Calibri" panose="020F0502020204030204" pitchFamily="34" charset="0"/>
+            </a:rPr>
+            <a:t>- Bug Fix</a:t>
+          </a:r>
+        </a:p>
+        <a:p>
+          <a:pPr algn="l">
+            <a:lnSpc>
+              <a:spcPts val="500"/>
+            </a:lnSpc>
+          </a:pPr>
+          <a:endParaRPr lang="en-US" sz="1200" b="1" dirty="0">
             <a:solidFill>
               <a:schemeClr val="tx1"/>
             </a:solidFill>
@@ -4158,9 +4506,10 @@
         </a:p>
       </dgm:t>
     </dgm:pt>
-    <dgm:pt modelId="{938126E7-D9DB-4C60-9B15-05FF51CFC0DF}" type="pres">
-      <dgm:prSet presAssocID="{76012765-2BF9-4F7B-BCDA-49307689F752}" presName="Name0" presStyleCnt="0">
+    <dgm:pt modelId="{F8CFB45F-260C-45E0-B4C6-19051ABE01A4}" type="pres">
+      <dgm:prSet presAssocID="{DD07839C-20CF-4FE4-A481-343BD6861B53}" presName="hierChild1" presStyleCnt="0">
         <dgm:presLayoutVars>
+          <dgm:orgChart val="1"/>
           <dgm:chPref val="1"/>
           <dgm:dir/>
           <dgm:animOne val="branch"/>
@@ -4170,160 +4519,297 @@
       </dgm:prSet>
       <dgm:spPr/>
     </dgm:pt>
-    <dgm:pt modelId="{923DD858-1C9E-4DEB-9CA9-788EE43B324B}" type="pres">
-      <dgm:prSet presAssocID="{CBA249B0-54FB-4D7E-A2F9-3087B5E560E7}" presName="vertOne" presStyleCnt="0"/>
+    <dgm:pt modelId="{20C1F204-9C83-40ED-9853-31E5E4C419C4}" type="pres">
+      <dgm:prSet presAssocID="{9C2385DC-2B49-4DE6-BFC3-CEF02410BB23}" presName="hierRoot1" presStyleCnt="0">
+        <dgm:presLayoutVars>
+          <dgm:hierBranch val="init"/>
+        </dgm:presLayoutVars>
+      </dgm:prSet>
       <dgm:spPr/>
     </dgm:pt>
-    <dgm:pt modelId="{33539D84-C066-41DE-A74C-C90FE1A510B2}" type="pres">
-      <dgm:prSet presAssocID="{CBA249B0-54FB-4D7E-A2F9-3087B5E560E7}" presName="txOne" presStyleLbl="node0" presStyleIdx="0" presStyleCnt="1">
+    <dgm:pt modelId="{B8BB95B8-2042-4FFF-9B6C-EF67AD4018CE}" type="pres">
+      <dgm:prSet presAssocID="{9C2385DC-2B49-4DE6-BFC3-CEF02410BB23}" presName="rootComposite1" presStyleCnt="0"/>
+      <dgm:spPr/>
+    </dgm:pt>
+    <dgm:pt modelId="{00191DE8-01D0-4844-9168-336DA20C964D}" type="pres">
+      <dgm:prSet presAssocID="{9C2385DC-2B49-4DE6-BFC3-CEF02410BB23}" presName="rootText1" presStyleLbl="node0" presStyleIdx="0" presStyleCnt="1">
+        <dgm:presLayoutVars>
+          <dgm:chMax/>
+          <dgm:chPref val="3"/>
+        </dgm:presLayoutVars>
+      </dgm:prSet>
+      <dgm:spPr/>
+    </dgm:pt>
+    <dgm:pt modelId="{8DA27B87-6529-4EC4-8B31-5F9D7A6B525B}" type="pres">
+      <dgm:prSet presAssocID="{9C2385DC-2B49-4DE6-BFC3-CEF02410BB23}" presName="titleText1" presStyleLbl="fgAcc0" presStyleIdx="0" presStyleCnt="1" custScaleY="186388">
+        <dgm:presLayoutVars>
+          <dgm:chMax val="0"/>
+          <dgm:chPref val="0"/>
+        </dgm:presLayoutVars>
+      </dgm:prSet>
+      <dgm:spPr/>
+    </dgm:pt>
+    <dgm:pt modelId="{0A75A52D-14CD-46DA-BB98-5801F5739090}" type="pres">
+      <dgm:prSet presAssocID="{9C2385DC-2B49-4DE6-BFC3-CEF02410BB23}" presName="rootConnector1" presStyleLbl="node1" presStyleIdx="0" presStyleCnt="3"/>
+      <dgm:spPr/>
+    </dgm:pt>
+    <dgm:pt modelId="{E550C651-30D5-4378-A811-FF2918654F44}" type="pres">
+      <dgm:prSet presAssocID="{9C2385DC-2B49-4DE6-BFC3-CEF02410BB23}" presName="hierChild2" presStyleCnt="0"/>
+      <dgm:spPr/>
+    </dgm:pt>
+    <dgm:pt modelId="{8069ECEE-0946-4E16-AC78-15F4BDBC11A0}" type="pres">
+      <dgm:prSet presAssocID="{7BBB3885-FB9D-4B4D-84C8-358DA93A8F91}" presName="Name37" presStyleLbl="parChTrans1D2" presStyleIdx="0" presStyleCnt="4"/>
+      <dgm:spPr/>
+    </dgm:pt>
+    <dgm:pt modelId="{8F5B21B5-347F-4E26-9585-291DBEFC2154}" type="pres">
+      <dgm:prSet presAssocID="{15258546-0E60-4E49-9C0E-B5A7784AAEB6}" presName="hierRoot2" presStyleCnt="0">
+        <dgm:presLayoutVars>
+          <dgm:hierBranch val="init"/>
+        </dgm:presLayoutVars>
+      </dgm:prSet>
+      <dgm:spPr/>
+    </dgm:pt>
+    <dgm:pt modelId="{F40D4BDF-C8C5-42D6-B253-5AF5CB0B0204}" type="pres">
+      <dgm:prSet presAssocID="{15258546-0E60-4E49-9C0E-B5A7784AAEB6}" presName="rootComposite" presStyleCnt="0"/>
+      <dgm:spPr/>
+    </dgm:pt>
+    <dgm:pt modelId="{20C80743-9E46-403E-A46E-2E0A199270B0}" type="pres">
+      <dgm:prSet presAssocID="{15258546-0E60-4E49-9C0E-B5A7784AAEB6}" presName="rootText" presStyleLbl="node1" presStyleIdx="0" presStyleCnt="3">
+        <dgm:presLayoutVars>
+          <dgm:chMax/>
+          <dgm:chPref val="3"/>
+        </dgm:presLayoutVars>
+      </dgm:prSet>
+      <dgm:spPr/>
+    </dgm:pt>
+    <dgm:pt modelId="{669C0E72-10C7-470E-BF80-24D4AE49C8F8}" type="pres">
+      <dgm:prSet presAssocID="{15258546-0E60-4E49-9C0E-B5A7784AAEB6}" presName="titleText2" presStyleLbl="fgAcc1" presStyleIdx="0" presStyleCnt="3" custScaleX="126368" custScaleY="226895">
+        <dgm:presLayoutVars>
+          <dgm:chMax val="0"/>
+          <dgm:chPref val="0"/>
+        </dgm:presLayoutVars>
+      </dgm:prSet>
+      <dgm:spPr/>
+    </dgm:pt>
+    <dgm:pt modelId="{578C978A-8A08-4F13-B015-760157AF53A2}" type="pres">
+      <dgm:prSet presAssocID="{15258546-0E60-4E49-9C0E-B5A7784AAEB6}" presName="rootConnector" presStyleLbl="node2" presStyleIdx="0" presStyleCnt="0"/>
+      <dgm:spPr/>
+    </dgm:pt>
+    <dgm:pt modelId="{3E3376CD-F1FB-40FF-9C97-47E0680852F4}" type="pres">
+      <dgm:prSet presAssocID="{15258546-0E60-4E49-9C0E-B5A7784AAEB6}" presName="hierChild4" presStyleCnt="0"/>
+      <dgm:spPr/>
+    </dgm:pt>
+    <dgm:pt modelId="{96AB2428-9DC5-48CB-A345-9838B3244F87}" type="pres">
+      <dgm:prSet presAssocID="{15258546-0E60-4E49-9C0E-B5A7784AAEB6}" presName="hierChild5" presStyleCnt="0"/>
+      <dgm:spPr/>
+    </dgm:pt>
+    <dgm:pt modelId="{B9E0545B-AD0D-4905-B350-CBB31406E43B}" type="pres">
+      <dgm:prSet presAssocID="{BE59FB1B-498B-46BB-9793-16252B431ABE}" presName="Name37" presStyleLbl="parChTrans1D2" presStyleIdx="1" presStyleCnt="4"/>
+      <dgm:spPr/>
+    </dgm:pt>
+    <dgm:pt modelId="{DDC34C24-9077-4612-A9FB-41764EDC445A}" type="pres">
+      <dgm:prSet presAssocID="{5B48F98B-84B8-469A-9B52-165BFA176346}" presName="hierRoot2" presStyleCnt="0">
+        <dgm:presLayoutVars>
+          <dgm:hierBranch val="init"/>
+        </dgm:presLayoutVars>
+      </dgm:prSet>
+      <dgm:spPr/>
+    </dgm:pt>
+    <dgm:pt modelId="{13E56550-D1DA-4184-8823-21559FE93EC1}" type="pres">
+      <dgm:prSet presAssocID="{5B48F98B-84B8-469A-9B52-165BFA176346}" presName="rootComposite" presStyleCnt="0"/>
+      <dgm:spPr/>
+    </dgm:pt>
+    <dgm:pt modelId="{D89E2296-F3D5-4E29-8FD9-C4E70765D83D}" type="pres">
+      <dgm:prSet presAssocID="{5B48F98B-84B8-469A-9B52-165BFA176346}" presName="rootText" presStyleLbl="node1" presStyleIdx="1" presStyleCnt="3">
+        <dgm:presLayoutVars>
+          <dgm:chMax/>
+          <dgm:chPref val="3"/>
+        </dgm:presLayoutVars>
+      </dgm:prSet>
+      <dgm:spPr/>
+    </dgm:pt>
+    <dgm:pt modelId="{D969876B-1726-4B57-A2B6-1B7E62FD56DF}" type="pres">
+      <dgm:prSet presAssocID="{5B48F98B-84B8-469A-9B52-165BFA176346}" presName="titleText2" presStyleLbl="fgAcc1" presStyleIdx="1" presStyleCnt="3" custScaleX="126368" custScaleY="226895">
+        <dgm:presLayoutVars>
+          <dgm:chMax val="0"/>
+          <dgm:chPref val="0"/>
+        </dgm:presLayoutVars>
+      </dgm:prSet>
+      <dgm:spPr/>
+    </dgm:pt>
+    <dgm:pt modelId="{FD89F78A-B415-4F7C-9301-54F3651477C3}" type="pres">
+      <dgm:prSet presAssocID="{5B48F98B-84B8-469A-9B52-165BFA176346}" presName="rootConnector" presStyleLbl="node2" presStyleIdx="0" presStyleCnt="0"/>
+      <dgm:spPr/>
+    </dgm:pt>
+    <dgm:pt modelId="{865A4DC3-75CF-4870-9225-E5DC49E27CA0}" type="pres">
+      <dgm:prSet presAssocID="{5B48F98B-84B8-469A-9B52-165BFA176346}" presName="hierChild4" presStyleCnt="0"/>
+      <dgm:spPr/>
+    </dgm:pt>
+    <dgm:pt modelId="{3B108C14-9E94-49A1-AB48-D2F7DF9DDD77}" type="pres">
+      <dgm:prSet presAssocID="{5B48F98B-84B8-469A-9B52-165BFA176346}" presName="hierChild5" presStyleCnt="0"/>
+      <dgm:spPr/>
+    </dgm:pt>
+    <dgm:pt modelId="{1CE74016-E75F-4232-A4B7-4E49589BBEA4}" type="pres">
+      <dgm:prSet presAssocID="{1FAC8870-9B30-4EBF-AED7-7A8D25D46C84}" presName="Name37" presStyleLbl="parChTrans1D2" presStyleIdx="2" presStyleCnt="4"/>
+      <dgm:spPr/>
+    </dgm:pt>
+    <dgm:pt modelId="{8A20382A-B456-4D32-8CA2-CCE8D6699064}" type="pres">
+      <dgm:prSet presAssocID="{CCC9A5EB-C6FE-48E5-A693-D45991FFC1CC}" presName="hierRoot2" presStyleCnt="0">
+        <dgm:presLayoutVars>
+          <dgm:hierBranch val="init"/>
+        </dgm:presLayoutVars>
+      </dgm:prSet>
+      <dgm:spPr/>
+    </dgm:pt>
+    <dgm:pt modelId="{7676CB24-27E4-4C69-9FB7-13E8465B44A5}" type="pres">
+      <dgm:prSet presAssocID="{CCC9A5EB-C6FE-48E5-A693-D45991FFC1CC}" presName="rootComposite" presStyleCnt="0"/>
+      <dgm:spPr/>
+    </dgm:pt>
+    <dgm:pt modelId="{DEEF90CE-7A1B-4B4A-9D20-8634A3AD9F52}" type="pres">
+      <dgm:prSet presAssocID="{CCC9A5EB-C6FE-48E5-A693-D45991FFC1CC}" presName="rootText" presStyleLbl="node1" presStyleIdx="2" presStyleCnt="3">
+        <dgm:presLayoutVars>
+          <dgm:chMax/>
+          <dgm:chPref val="3"/>
+        </dgm:presLayoutVars>
+      </dgm:prSet>
+      <dgm:spPr/>
+    </dgm:pt>
+    <dgm:pt modelId="{BDD45F31-755E-4AC1-841A-A67A4FA3B607}" type="pres">
+      <dgm:prSet presAssocID="{CCC9A5EB-C6FE-48E5-A693-D45991FFC1CC}" presName="titleText2" presStyleLbl="fgAcc1" presStyleIdx="2" presStyleCnt="3" custScaleX="126368" custScaleY="226895">
+        <dgm:presLayoutVars>
+          <dgm:chMax val="0"/>
+          <dgm:chPref val="0"/>
+        </dgm:presLayoutVars>
+      </dgm:prSet>
+      <dgm:spPr/>
+    </dgm:pt>
+    <dgm:pt modelId="{6F1121C2-FF8C-4123-BBDD-C0147CA94110}" type="pres">
+      <dgm:prSet presAssocID="{CCC9A5EB-C6FE-48E5-A693-D45991FFC1CC}" presName="rootConnector" presStyleLbl="node2" presStyleIdx="0" presStyleCnt="0"/>
+      <dgm:spPr/>
+    </dgm:pt>
+    <dgm:pt modelId="{0E057694-D24C-4F6A-992D-3652B6CA63FC}" type="pres">
+      <dgm:prSet presAssocID="{CCC9A5EB-C6FE-48E5-A693-D45991FFC1CC}" presName="hierChild4" presStyleCnt="0"/>
+      <dgm:spPr/>
+    </dgm:pt>
+    <dgm:pt modelId="{5C1A6DD8-0A97-412F-AD53-5A505766C1E1}" type="pres">
+      <dgm:prSet presAssocID="{CCC9A5EB-C6FE-48E5-A693-D45991FFC1CC}" presName="hierChild5" presStyleCnt="0"/>
+      <dgm:spPr/>
+    </dgm:pt>
+    <dgm:pt modelId="{714FFA2E-2CA9-4CEB-A382-A5D3D08C76C5}" type="pres">
+      <dgm:prSet presAssocID="{9C2385DC-2B49-4DE6-BFC3-CEF02410BB23}" presName="hierChild3" presStyleCnt="0"/>
+      <dgm:spPr/>
+    </dgm:pt>
+    <dgm:pt modelId="{429D6235-76FD-42A8-AB81-35F414F9FDE1}" type="pres">
+      <dgm:prSet presAssocID="{923BF9BF-D91B-46BF-A334-3BE3D7E0132A}" presName="Name96" presStyleLbl="parChTrans1D2" presStyleIdx="3" presStyleCnt="4"/>
+      <dgm:spPr/>
+    </dgm:pt>
+    <dgm:pt modelId="{0B2EFBA4-E84C-460E-B90D-D90085B2BB06}" type="pres">
+      <dgm:prSet presAssocID="{469CAF2B-65C9-408D-8300-13538CF9EE52}" presName="hierRoot3" presStyleCnt="0">
+        <dgm:presLayoutVars>
+          <dgm:hierBranch val="init"/>
+        </dgm:presLayoutVars>
+      </dgm:prSet>
+      <dgm:spPr/>
+    </dgm:pt>
+    <dgm:pt modelId="{E6280357-855F-4006-8F82-F228170F4B2F}" type="pres">
+      <dgm:prSet presAssocID="{469CAF2B-65C9-408D-8300-13538CF9EE52}" presName="rootComposite3" presStyleCnt="0"/>
+      <dgm:spPr/>
+    </dgm:pt>
+    <dgm:pt modelId="{965EB960-2907-492E-A29E-DD47E0B8396E}" type="pres">
+      <dgm:prSet presAssocID="{469CAF2B-65C9-408D-8300-13538CF9EE52}" presName="rootText3" presStyleLbl="asst1" presStyleIdx="0" presStyleCnt="1">
         <dgm:presLayoutVars>
           <dgm:chPref val="3"/>
         </dgm:presLayoutVars>
       </dgm:prSet>
       <dgm:spPr/>
     </dgm:pt>
-    <dgm:pt modelId="{9D0110F6-8788-4199-AF27-893105C5EB91}" type="pres">
-      <dgm:prSet presAssocID="{CBA249B0-54FB-4D7E-A2F9-3087B5E560E7}" presName="parTransOne" presStyleCnt="0"/>
-      <dgm:spPr/>
-    </dgm:pt>
-    <dgm:pt modelId="{33B824EB-8405-4080-8E37-0B890C92BDAD}" type="pres">
-      <dgm:prSet presAssocID="{CBA249B0-54FB-4D7E-A2F9-3087B5E560E7}" presName="horzOne" presStyleCnt="0"/>
-      <dgm:spPr/>
-    </dgm:pt>
-    <dgm:pt modelId="{69B9E449-8E2E-4020-B1FC-9EA0C3E9D513}" type="pres">
-      <dgm:prSet presAssocID="{27FE43E6-CF89-4EBE-A575-553507CA283D}" presName="vertTwo" presStyleCnt="0"/>
-      <dgm:spPr/>
-    </dgm:pt>
-    <dgm:pt modelId="{83A6DB45-A30B-45D9-825B-8750C236E8BB}" type="pres">
-      <dgm:prSet presAssocID="{27FE43E6-CF89-4EBE-A575-553507CA283D}" presName="txTwo" presStyleLbl="node2" presStyleIdx="0" presStyleCnt="2">
+    <dgm:pt modelId="{A766BE4D-9779-46B0-8FBE-9AEC7802FB62}" type="pres">
+      <dgm:prSet presAssocID="{469CAF2B-65C9-408D-8300-13538CF9EE52}" presName="titleText3" presStyleLbl="fgAcc2" presStyleIdx="0" presStyleCnt="1" custScaleY="177951">
         <dgm:presLayoutVars>
-          <dgm:chPref val="3"/>
+          <dgm:chMax val="0"/>
+          <dgm:chPref val="0"/>
         </dgm:presLayoutVars>
       </dgm:prSet>
       <dgm:spPr/>
     </dgm:pt>
-    <dgm:pt modelId="{C3DA9F5B-D9BC-4D16-8E38-2A11190547A7}" type="pres">
-      <dgm:prSet presAssocID="{27FE43E6-CF89-4EBE-A575-553507CA283D}" presName="parTransTwo" presStyleCnt="0"/>
+    <dgm:pt modelId="{2825CD60-801B-4839-9368-EB525CCC02C8}" type="pres">
+      <dgm:prSet presAssocID="{469CAF2B-65C9-408D-8300-13538CF9EE52}" presName="rootConnector3" presStyleLbl="asst1" presStyleIdx="0" presStyleCnt="1"/>
       <dgm:spPr/>
     </dgm:pt>
-    <dgm:pt modelId="{33F95259-8FA9-4A16-8F14-3D119F50AEC2}" type="pres">
-      <dgm:prSet presAssocID="{27FE43E6-CF89-4EBE-A575-553507CA283D}" presName="horzTwo" presStyleCnt="0"/>
+    <dgm:pt modelId="{CD8C4259-D185-45DB-BB37-A8910CD8BE61}" type="pres">
+      <dgm:prSet presAssocID="{469CAF2B-65C9-408D-8300-13538CF9EE52}" presName="hierChild6" presStyleCnt="0"/>
       <dgm:spPr/>
     </dgm:pt>
-    <dgm:pt modelId="{BD510336-A209-4809-8986-E272B3ECB3F3}" type="pres">
-      <dgm:prSet presAssocID="{7FF0E8F1-984C-49C3-A123-5B84F96D438B}" presName="vertThree" presStyleCnt="0"/>
-      <dgm:spPr/>
-    </dgm:pt>
-    <dgm:pt modelId="{672A1700-86E5-43FF-8A56-5A66CCDDCB26}" type="pres">
-      <dgm:prSet presAssocID="{7FF0E8F1-984C-49C3-A123-5B84F96D438B}" presName="txThree" presStyleLbl="node3" presStyleIdx="0" presStyleCnt="3">
-        <dgm:presLayoutVars>
-          <dgm:chPref val="3"/>
-        </dgm:presLayoutVars>
-      </dgm:prSet>
-      <dgm:spPr/>
-    </dgm:pt>
-    <dgm:pt modelId="{78BB8B65-1DD2-41DA-8DA6-A0F2CE6B5642}" type="pres">
-      <dgm:prSet presAssocID="{7FF0E8F1-984C-49C3-A123-5B84F96D438B}" presName="horzThree" presStyleCnt="0"/>
-      <dgm:spPr/>
-    </dgm:pt>
-    <dgm:pt modelId="{5D2C0980-828A-44B1-A023-8D0CA39064C3}" type="pres">
-      <dgm:prSet presAssocID="{6371DA64-B8A2-4F27-AD56-65144E122410}" presName="sibSpaceThree" presStyleCnt="0"/>
-      <dgm:spPr/>
-    </dgm:pt>
-    <dgm:pt modelId="{9CFF49D9-C936-48F3-8C3E-B8C00A8659E4}" type="pres">
-      <dgm:prSet presAssocID="{E7080A05-EC3D-441B-9E11-E8757D569D4B}" presName="vertThree" presStyleCnt="0"/>
-      <dgm:spPr/>
-    </dgm:pt>
-    <dgm:pt modelId="{73F0E2EC-EBCE-4659-895A-0F2C9212B4ED}" type="pres">
-      <dgm:prSet presAssocID="{E7080A05-EC3D-441B-9E11-E8757D569D4B}" presName="txThree" presStyleLbl="node3" presStyleIdx="1" presStyleCnt="3">
-        <dgm:presLayoutVars>
-          <dgm:chPref val="3"/>
-        </dgm:presLayoutVars>
-      </dgm:prSet>
-      <dgm:spPr/>
-    </dgm:pt>
-    <dgm:pt modelId="{ED85F9AE-9672-4DEC-922F-A2D488129520}" type="pres">
-      <dgm:prSet presAssocID="{E7080A05-EC3D-441B-9E11-E8757D569D4B}" presName="horzThree" presStyleCnt="0"/>
-      <dgm:spPr/>
-    </dgm:pt>
-    <dgm:pt modelId="{05DFD52A-5AC6-482B-B2EE-BC9F9D85086B}" type="pres">
-      <dgm:prSet presAssocID="{FCDE5E3A-3951-4225-B215-4006DE19EE1E}" presName="sibSpaceTwo" presStyleCnt="0"/>
-      <dgm:spPr/>
-    </dgm:pt>
-    <dgm:pt modelId="{CE44D83A-5731-46DA-999C-7D60588299E3}" type="pres">
-      <dgm:prSet presAssocID="{20CDF5F8-79F5-428B-AAC6-066D805EABC4}" presName="vertTwo" presStyleCnt="0"/>
-      <dgm:spPr/>
-    </dgm:pt>
-    <dgm:pt modelId="{7C57179C-FAB2-4A33-B2CB-A0C73FBD7941}" type="pres">
-      <dgm:prSet presAssocID="{20CDF5F8-79F5-428B-AAC6-066D805EABC4}" presName="txTwo" presStyleLbl="node2" presStyleIdx="1" presStyleCnt="2">
-        <dgm:presLayoutVars>
-          <dgm:chPref val="3"/>
-        </dgm:presLayoutVars>
-      </dgm:prSet>
-      <dgm:spPr/>
-    </dgm:pt>
-    <dgm:pt modelId="{E31FD7EF-36FC-4861-902E-5BFE0EE649F4}" type="pres">
-      <dgm:prSet presAssocID="{20CDF5F8-79F5-428B-AAC6-066D805EABC4}" presName="parTransTwo" presStyleCnt="0"/>
-      <dgm:spPr/>
-    </dgm:pt>
-    <dgm:pt modelId="{7099A3F2-60B9-4724-8BA0-769EAE6BA631}" type="pres">
-      <dgm:prSet presAssocID="{20CDF5F8-79F5-428B-AAC6-066D805EABC4}" presName="horzTwo" presStyleCnt="0"/>
-      <dgm:spPr/>
-    </dgm:pt>
-    <dgm:pt modelId="{6644BFCA-C3A8-4AB9-B9BE-960E4A0545F8}" type="pres">
-      <dgm:prSet presAssocID="{60540B20-1EC7-4215-94F3-E529ECD76643}" presName="vertThree" presStyleCnt="0"/>
-      <dgm:spPr/>
-    </dgm:pt>
-    <dgm:pt modelId="{99099BA9-4AFF-405D-98C9-C381CCD1D880}" type="pres">
-      <dgm:prSet presAssocID="{60540B20-1EC7-4215-94F3-E529ECD76643}" presName="txThree" presStyleLbl="node3" presStyleIdx="2" presStyleCnt="3">
-        <dgm:presLayoutVars>
-          <dgm:chPref val="3"/>
-        </dgm:presLayoutVars>
-      </dgm:prSet>
-      <dgm:spPr/>
-    </dgm:pt>
-    <dgm:pt modelId="{6C68D7F5-8A22-4F4D-99F0-1566A9B6539E}" type="pres">
-      <dgm:prSet presAssocID="{60540B20-1EC7-4215-94F3-E529ECD76643}" presName="horzThree" presStyleCnt="0"/>
+    <dgm:pt modelId="{9D93225E-A2CF-4E27-9C45-CCDEC1568576}" type="pres">
+      <dgm:prSet presAssocID="{469CAF2B-65C9-408D-8300-13538CF9EE52}" presName="hierChild7" presStyleCnt="0"/>
       <dgm:spPr/>
     </dgm:pt>
   </dgm:ptLst>
   <dgm:cxnLst>
-    <dgm:cxn modelId="{85204E13-EDB0-4A17-BFF0-2384FDC1EEA9}" srcId="{CBA249B0-54FB-4D7E-A2F9-3087B5E560E7}" destId="{27FE43E6-CF89-4EBE-A575-553507CA283D}" srcOrd="0" destOrd="0" parTransId="{2CA6402B-38D7-4765-99CE-C02BF64A70C5}" sibTransId="{FCDE5E3A-3951-4225-B215-4006DE19EE1E}"/>
-    <dgm:cxn modelId="{1C35FB18-2A9E-48C9-B7D8-502E1D323992}" type="presOf" srcId="{7FF0E8F1-984C-49C3-A123-5B84F96D438B}" destId="{672A1700-86E5-43FF-8A56-5A66CCDDCB26}" srcOrd="0" destOrd="0" presId="urn:microsoft.com/office/officeart/2005/8/layout/hierarchy4"/>
-    <dgm:cxn modelId="{54453B2A-0E96-40D1-A949-E46A211B9A50}" srcId="{20CDF5F8-79F5-428B-AAC6-066D805EABC4}" destId="{60540B20-1EC7-4215-94F3-E529ECD76643}" srcOrd="0" destOrd="0" parTransId="{9D4236C4-7AB2-45F3-8511-561ECF172563}" sibTransId="{3017FC47-431C-41B1-82D6-C43E93ADDD2A}"/>
-    <dgm:cxn modelId="{57F0D75C-3FCF-4116-B2F6-BC6984FEDC22}" srcId="{27FE43E6-CF89-4EBE-A575-553507CA283D}" destId="{E7080A05-EC3D-441B-9E11-E8757D569D4B}" srcOrd="1" destOrd="0" parTransId="{95F9ACB2-826D-4376-9B96-A46C42E347B4}" sibTransId="{6ACD537A-7979-46FB-9203-ECF7638F0EF8}"/>
-    <dgm:cxn modelId="{94610844-CF3A-46A7-A84E-985E5A35DE2A}" type="presOf" srcId="{60540B20-1EC7-4215-94F3-E529ECD76643}" destId="{99099BA9-4AFF-405D-98C9-C381CCD1D880}" srcOrd="0" destOrd="0" presId="urn:microsoft.com/office/officeart/2005/8/layout/hierarchy4"/>
-    <dgm:cxn modelId="{6D529453-D38B-49A4-9B7D-7C59F587D4E5}" type="presOf" srcId="{76012765-2BF9-4F7B-BCDA-49307689F752}" destId="{938126E7-D9DB-4C60-9B15-05FF51CFC0DF}" srcOrd="0" destOrd="0" presId="urn:microsoft.com/office/officeart/2005/8/layout/hierarchy4"/>
-    <dgm:cxn modelId="{1D5E4685-EF5F-4F7E-B8F9-52A33599B2A1}" type="presOf" srcId="{27FE43E6-CF89-4EBE-A575-553507CA283D}" destId="{83A6DB45-A30B-45D9-825B-8750C236E8BB}" srcOrd="0" destOrd="0" presId="urn:microsoft.com/office/officeart/2005/8/layout/hierarchy4"/>
-    <dgm:cxn modelId="{30182594-3F03-4E80-A342-DFEC8781EF31}" srcId="{CBA249B0-54FB-4D7E-A2F9-3087B5E560E7}" destId="{20CDF5F8-79F5-428B-AAC6-066D805EABC4}" srcOrd="1" destOrd="0" parTransId="{73543673-3F22-48A8-BFBC-970BB09E7281}" sibTransId="{7D4E0798-3AD1-4C25-B9D1-4765D0A2F9AF}"/>
-    <dgm:cxn modelId="{178AA5A1-E325-46F0-AD0C-D9AA22FACA89}" type="presOf" srcId="{CBA249B0-54FB-4D7E-A2F9-3087B5E560E7}" destId="{33539D84-C066-41DE-A74C-C90FE1A510B2}" srcOrd="0" destOrd="0" presId="urn:microsoft.com/office/officeart/2005/8/layout/hierarchy4"/>
-    <dgm:cxn modelId="{C16BA9A3-4E9B-4CCA-9D60-ECDEAA75F88B}" srcId="{76012765-2BF9-4F7B-BCDA-49307689F752}" destId="{CBA249B0-54FB-4D7E-A2F9-3087B5E560E7}" srcOrd="0" destOrd="0" parTransId="{5CAAA1F7-8E03-423B-BFCE-13D98D6104B2}" sibTransId="{75014492-B006-445A-AAF2-BBCA87D2A271}"/>
-    <dgm:cxn modelId="{07FB45C4-77C0-4B57-807D-B7AE675776A5}" type="presOf" srcId="{20CDF5F8-79F5-428B-AAC6-066D805EABC4}" destId="{7C57179C-FAB2-4A33-B2CB-A0C73FBD7941}" srcOrd="0" destOrd="0" presId="urn:microsoft.com/office/officeart/2005/8/layout/hierarchy4"/>
-    <dgm:cxn modelId="{E92F04C6-CC3C-4AE1-8320-9D2FB1E16B20}" type="presOf" srcId="{E7080A05-EC3D-441B-9E11-E8757D569D4B}" destId="{73F0E2EC-EBCE-4659-895A-0F2C9212B4ED}" srcOrd="0" destOrd="0" presId="urn:microsoft.com/office/officeart/2005/8/layout/hierarchy4"/>
-    <dgm:cxn modelId="{ED21E0D8-F59B-4158-9C1E-ED17571FCD43}" srcId="{27FE43E6-CF89-4EBE-A575-553507CA283D}" destId="{7FF0E8F1-984C-49C3-A123-5B84F96D438B}" srcOrd="0" destOrd="0" parTransId="{7A5B4265-D186-44F4-A84D-D9FAFAC868BA}" sibTransId="{6371DA64-B8A2-4F27-AD56-65144E122410}"/>
-    <dgm:cxn modelId="{2B526FAA-46EB-4D39-82E9-8011BAD5A043}" type="presParOf" srcId="{938126E7-D9DB-4C60-9B15-05FF51CFC0DF}" destId="{923DD858-1C9E-4DEB-9CA9-788EE43B324B}" srcOrd="0" destOrd="0" presId="urn:microsoft.com/office/officeart/2005/8/layout/hierarchy4"/>
-    <dgm:cxn modelId="{DF439B5A-A56B-453F-9841-9821DB2CDB28}" type="presParOf" srcId="{923DD858-1C9E-4DEB-9CA9-788EE43B324B}" destId="{33539D84-C066-41DE-A74C-C90FE1A510B2}" srcOrd="0" destOrd="0" presId="urn:microsoft.com/office/officeart/2005/8/layout/hierarchy4"/>
-    <dgm:cxn modelId="{A6B60830-3444-41CC-BC85-F06F3398C239}" type="presParOf" srcId="{923DD858-1C9E-4DEB-9CA9-788EE43B324B}" destId="{9D0110F6-8788-4199-AF27-893105C5EB91}" srcOrd="1" destOrd="0" presId="urn:microsoft.com/office/officeart/2005/8/layout/hierarchy4"/>
-    <dgm:cxn modelId="{A6FA7345-36F9-44F0-B677-0B8A01F50B39}" type="presParOf" srcId="{923DD858-1C9E-4DEB-9CA9-788EE43B324B}" destId="{33B824EB-8405-4080-8E37-0B890C92BDAD}" srcOrd="2" destOrd="0" presId="urn:microsoft.com/office/officeart/2005/8/layout/hierarchy4"/>
-    <dgm:cxn modelId="{F7205273-E5A5-4783-B226-A00A0C87B530}" type="presParOf" srcId="{33B824EB-8405-4080-8E37-0B890C92BDAD}" destId="{69B9E449-8E2E-4020-B1FC-9EA0C3E9D513}" srcOrd="0" destOrd="0" presId="urn:microsoft.com/office/officeart/2005/8/layout/hierarchy4"/>
-    <dgm:cxn modelId="{6BAFC70C-4330-4369-B399-0B4EF98DE629}" type="presParOf" srcId="{69B9E449-8E2E-4020-B1FC-9EA0C3E9D513}" destId="{83A6DB45-A30B-45D9-825B-8750C236E8BB}" srcOrd="0" destOrd="0" presId="urn:microsoft.com/office/officeart/2005/8/layout/hierarchy4"/>
-    <dgm:cxn modelId="{E58F0186-EAC6-4E97-85D6-E1BB8A44135B}" type="presParOf" srcId="{69B9E449-8E2E-4020-B1FC-9EA0C3E9D513}" destId="{C3DA9F5B-D9BC-4D16-8E38-2A11190547A7}" srcOrd="1" destOrd="0" presId="urn:microsoft.com/office/officeart/2005/8/layout/hierarchy4"/>
-    <dgm:cxn modelId="{F67A57EC-8E42-432C-9606-1476B6DC42F9}" type="presParOf" srcId="{69B9E449-8E2E-4020-B1FC-9EA0C3E9D513}" destId="{33F95259-8FA9-4A16-8F14-3D119F50AEC2}" srcOrd="2" destOrd="0" presId="urn:microsoft.com/office/officeart/2005/8/layout/hierarchy4"/>
-    <dgm:cxn modelId="{D20EAFB4-47AE-4F19-9578-400750DE63DC}" type="presParOf" srcId="{33F95259-8FA9-4A16-8F14-3D119F50AEC2}" destId="{BD510336-A209-4809-8986-E272B3ECB3F3}" srcOrd="0" destOrd="0" presId="urn:microsoft.com/office/officeart/2005/8/layout/hierarchy4"/>
-    <dgm:cxn modelId="{AD5B56E1-7B44-474D-8608-A0D4FADCB4FF}" type="presParOf" srcId="{BD510336-A209-4809-8986-E272B3ECB3F3}" destId="{672A1700-86E5-43FF-8A56-5A66CCDDCB26}" srcOrd="0" destOrd="0" presId="urn:microsoft.com/office/officeart/2005/8/layout/hierarchy4"/>
-    <dgm:cxn modelId="{D258BCA9-B929-4FD8-BC22-87B512717BBF}" type="presParOf" srcId="{BD510336-A209-4809-8986-E272B3ECB3F3}" destId="{78BB8B65-1DD2-41DA-8DA6-A0F2CE6B5642}" srcOrd="1" destOrd="0" presId="urn:microsoft.com/office/officeart/2005/8/layout/hierarchy4"/>
-    <dgm:cxn modelId="{8D2CEBDD-BD01-4244-91BA-72FDB79BFF02}" type="presParOf" srcId="{33F95259-8FA9-4A16-8F14-3D119F50AEC2}" destId="{5D2C0980-828A-44B1-A023-8D0CA39064C3}" srcOrd="1" destOrd="0" presId="urn:microsoft.com/office/officeart/2005/8/layout/hierarchy4"/>
-    <dgm:cxn modelId="{3995D110-F639-4A81-87F1-5ECE23F68B14}" type="presParOf" srcId="{33F95259-8FA9-4A16-8F14-3D119F50AEC2}" destId="{9CFF49D9-C936-48F3-8C3E-B8C00A8659E4}" srcOrd="2" destOrd="0" presId="urn:microsoft.com/office/officeart/2005/8/layout/hierarchy4"/>
-    <dgm:cxn modelId="{5B16E8DD-7762-4900-A379-E85FA11BBC45}" type="presParOf" srcId="{9CFF49D9-C936-48F3-8C3E-B8C00A8659E4}" destId="{73F0E2EC-EBCE-4659-895A-0F2C9212B4ED}" srcOrd="0" destOrd="0" presId="urn:microsoft.com/office/officeart/2005/8/layout/hierarchy4"/>
-    <dgm:cxn modelId="{D629B1B7-F762-4346-96D2-29546B00CC59}" type="presParOf" srcId="{9CFF49D9-C936-48F3-8C3E-B8C00A8659E4}" destId="{ED85F9AE-9672-4DEC-922F-A2D488129520}" srcOrd="1" destOrd="0" presId="urn:microsoft.com/office/officeart/2005/8/layout/hierarchy4"/>
-    <dgm:cxn modelId="{7DB5672D-4D3A-48FE-991E-A6D0ABC2ADA8}" type="presParOf" srcId="{33B824EB-8405-4080-8E37-0B890C92BDAD}" destId="{05DFD52A-5AC6-482B-B2EE-BC9F9D85086B}" srcOrd="1" destOrd="0" presId="urn:microsoft.com/office/officeart/2005/8/layout/hierarchy4"/>
-    <dgm:cxn modelId="{927E27BE-6FD5-4E6D-AF81-6B47CC7A8FC8}" type="presParOf" srcId="{33B824EB-8405-4080-8E37-0B890C92BDAD}" destId="{CE44D83A-5731-46DA-999C-7D60588299E3}" srcOrd="2" destOrd="0" presId="urn:microsoft.com/office/officeart/2005/8/layout/hierarchy4"/>
-    <dgm:cxn modelId="{5B76A9CE-648B-498E-82B5-00543FFBA2B0}" type="presParOf" srcId="{CE44D83A-5731-46DA-999C-7D60588299E3}" destId="{7C57179C-FAB2-4A33-B2CB-A0C73FBD7941}" srcOrd="0" destOrd="0" presId="urn:microsoft.com/office/officeart/2005/8/layout/hierarchy4"/>
-    <dgm:cxn modelId="{0F047976-3EBE-480E-AF2B-1956FE4CE130}" type="presParOf" srcId="{CE44D83A-5731-46DA-999C-7D60588299E3}" destId="{E31FD7EF-36FC-4861-902E-5BFE0EE649F4}" srcOrd="1" destOrd="0" presId="urn:microsoft.com/office/officeart/2005/8/layout/hierarchy4"/>
-    <dgm:cxn modelId="{03930BA9-D7D7-45FF-92A2-EA24B299DF2E}" type="presParOf" srcId="{CE44D83A-5731-46DA-999C-7D60588299E3}" destId="{7099A3F2-60B9-4724-8BA0-769EAE6BA631}" srcOrd="2" destOrd="0" presId="urn:microsoft.com/office/officeart/2005/8/layout/hierarchy4"/>
-    <dgm:cxn modelId="{79D62B7A-9502-4350-BF8C-0144CF7B915C}" type="presParOf" srcId="{7099A3F2-60B9-4724-8BA0-769EAE6BA631}" destId="{6644BFCA-C3A8-4AB9-B9BE-960E4A0545F8}" srcOrd="0" destOrd="0" presId="urn:microsoft.com/office/officeart/2005/8/layout/hierarchy4"/>
-    <dgm:cxn modelId="{1903548E-A157-43C4-82E5-5AA857E64D07}" type="presParOf" srcId="{6644BFCA-C3A8-4AB9-B9BE-960E4A0545F8}" destId="{99099BA9-4AFF-405D-98C9-C381CCD1D880}" srcOrd="0" destOrd="0" presId="urn:microsoft.com/office/officeart/2005/8/layout/hierarchy4"/>
-    <dgm:cxn modelId="{779377FA-F65D-4E7C-BC72-244D0E7D22E6}" type="presParOf" srcId="{6644BFCA-C3A8-4AB9-B9BE-960E4A0545F8}" destId="{6C68D7F5-8A22-4F4D-99F0-1566A9B6539E}" srcOrd="1" destOrd="0" presId="urn:microsoft.com/office/officeart/2005/8/layout/hierarchy4"/>
+    <dgm:cxn modelId="{13C7CF01-D82E-47E3-AAE9-5CDB455523F4}" type="presOf" srcId="{0331EEBA-C759-4FFA-B8F2-B5833046B69D}" destId="{BDD45F31-755E-4AC1-841A-A67A4FA3B607}" srcOrd="0" destOrd="0" presId="urn:microsoft.com/office/officeart/2008/layout/NameandTitleOrganizationalChart"/>
+    <dgm:cxn modelId="{2E0F7302-957E-4757-B52F-ED290593930A}" type="presOf" srcId="{94BFA22F-F579-4D72-A57B-29E8690B1028}" destId="{8DA27B87-6529-4EC4-8B31-5F9D7A6B525B}" srcOrd="0" destOrd="0" presId="urn:microsoft.com/office/officeart/2008/layout/NameandTitleOrganizationalChart"/>
+    <dgm:cxn modelId="{F83CBB06-AAEE-4855-86A4-DC907E1249FE}" type="presOf" srcId="{469CAF2B-65C9-408D-8300-13538CF9EE52}" destId="{2825CD60-801B-4839-9368-EB525CCC02C8}" srcOrd="1" destOrd="0" presId="urn:microsoft.com/office/officeart/2008/layout/NameandTitleOrganizationalChart"/>
+    <dgm:cxn modelId="{A939620D-5EFE-4BA0-96A6-4FEFB0795E0F}" type="presOf" srcId="{BE59FB1B-498B-46BB-9793-16252B431ABE}" destId="{B9E0545B-AD0D-4905-B350-CBB31406E43B}" srcOrd="0" destOrd="0" presId="urn:microsoft.com/office/officeart/2008/layout/NameandTitleOrganizationalChart"/>
+    <dgm:cxn modelId="{8FB53418-A54B-493F-8D8D-D72B90A92B17}" type="presOf" srcId="{5B48F98B-84B8-469A-9B52-165BFA176346}" destId="{D89E2296-F3D5-4E29-8FD9-C4E70765D83D}" srcOrd="0" destOrd="0" presId="urn:microsoft.com/office/officeart/2008/layout/NameandTitleOrganizationalChart"/>
+    <dgm:cxn modelId="{C1894A18-39D3-4444-9456-4A097AA660E7}" type="presOf" srcId="{15258546-0E60-4E49-9C0E-B5A7784AAEB6}" destId="{20C80743-9E46-403E-A46E-2E0A199270B0}" srcOrd="0" destOrd="0" presId="urn:microsoft.com/office/officeart/2008/layout/NameandTitleOrganizationalChart"/>
+    <dgm:cxn modelId="{AAD1951B-3E9F-4907-A081-67D82BC26C3F}" type="presOf" srcId="{469CAF2B-65C9-408D-8300-13538CF9EE52}" destId="{965EB960-2907-492E-A29E-DD47E0B8396E}" srcOrd="0" destOrd="0" presId="urn:microsoft.com/office/officeart/2008/layout/NameandTitleOrganizationalChart"/>
+    <dgm:cxn modelId="{A9D4DF1E-2CD3-42EE-BD24-9415B4DFAC38}" type="presOf" srcId="{5B48F98B-84B8-469A-9B52-165BFA176346}" destId="{FD89F78A-B415-4F7C-9301-54F3651477C3}" srcOrd="1" destOrd="0" presId="urn:microsoft.com/office/officeart/2008/layout/NameandTitleOrganizationalChart"/>
+    <dgm:cxn modelId="{3B77A524-FB1C-4FA5-8B55-5761EA7FD430}" type="presOf" srcId="{7BBB3885-FB9D-4B4D-84C8-358DA93A8F91}" destId="{8069ECEE-0946-4E16-AC78-15F4BDBC11A0}" srcOrd="0" destOrd="0" presId="urn:microsoft.com/office/officeart/2008/layout/NameandTitleOrganizationalChart"/>
+    <dgm:cxn modelId="{C700BF43-7613-4D8A-A061-B0028610E137}" type="presOf" srcId="{4FD3B2C0-866F-4801-B985-FFA07920058B}" destId="{A766BE4D-9779-46B0-8FBE-9AEC7802FB62}" srcOrd="0" destOrd="0" presId="urn:microsoft.com/office/officeart/2008/layout/NameandTitleOrganizationalChart"/>
+    <dgm:cxn modelId="{482B8549-5939-44BD-9EF3-E3D2AE39317A}" type="presOf" srcId="{9C2385DC-2B49-4DE6-BFC3-CEF02410BB23}" destId="{00191DE8-01D0-4844-9168-336DA20C964D}" srcOrd="0" destOrd="0" presId="urn:microsoft.com/office/officeart/2008/layout/NameandTitleOrganizationalChart"/>
+    <dgm:cxn modelId="{DFB1EE53-0973-4BEC-8B98-3617C4C8BA8A}" type="presOf" srcId="{1FAC8870-9B30-4EBF-AED7-7A8D25D46C84}" destId="{1CE74016-E75F-4232-A4B7-4E49589BBEA4}" srcOrd="0" destOrd="0" presId="urn:microsoft.com/office/officeart/2008/layout/NameandTitleOrganizationalChart"/>
+    <dgm:cxn modelId="{8EC21555-0BE4-4E59-B784-3E24E19E7DD8}" type="presOf" srcId="{923BF9BF-D91B-46BF-A334-3BE3D7E0132A}" destId="{429D6235-76FD-42A8-AB81-35F414F9FDE1}" srcOrd="0" destOrd="0" presId="urn:microsoft.com/office/officeart/2008/layout/NameandTitleOrganizationalChart"/>
+    <dgm:cxn modelId="{0C25E179-3DAA-4717-951E-D3E474268A19}" srcId="{9C2385DC-2B49-4DE6-BFC3-CEF02410BB23}" destId="{15258546-0E60-4E49-9C0E-B5A7784AAEB6}" srcOrd="1" destOrd="0" parTransId="{7BBB3885-FB9D-4B4D-84C8-358DA93A8F91}" sibTransId="{1158C72F-EC3A-4874-9B87-9182DBC6BA3F}"/>
+    <dgm:cxn modelId="{51DC688E-0683-465C-8135-07201EB152E7}" type="presOf" srcId="{9C2385DC-2B49-4DE6-BFC3-CEF02410BB23}" destId="{0A75A52D-14CD-46DA-BB98-5801F5739090}" srcOrd="1" destOrd="0" presId="urn:microsoft.com/office/officeart/2008/layout/NameandTitleOrganizationalChart"/>
+    <dgm:cxn modelId="{EBB5ADA4-E582-4FD8-BC7E-7AC22AA273DB}" srcId="{9C2385DC-2B49-4DE6-BFC3-CEF02410BB23}" destId="{5B48F98B-84B8-469A-9B52-165BFA176346}" srcOrd="2" destOrd="0" parTransId="{BE59FB1B-498B-46BB-9793-16252B431ABE}" sibTransId="{39941F29-7CE3-46B0-809B-F7C9A75378A5}"/>
+    <dgm:cxn modelId="{4C2D97A6-1F95-4E1A-B4AF-1F0175FEB533}" type="presOf" srcId="{CCC9A5EB-C6FE-48E5-A693-D45991FFC1CC}" destId="{DEEF90CE-7A1B-4B4A-9D20-8634A3AD9F52}" srcOrd="0" destOrd="0" presId="urn:microsoft.com/office/officeart/2008/layout/NameandTitleOrganizationalChart"/>
+    <dgm:cxn modelId="{D271A3C0-13FD-4283-840E-84D3D130D770}" type="presOf" srcId="{15258546-0E60-4E49-9C0E-B5A7784AAEB6}" destId="{578C978A-8A08-4F13-B015-760157AF53A2}" srcOrd="1" destOrd="0" presId="urn:microsoft.com/office/officeart/2008/layout/NameandTitleOrganizationalChart"/>
+    <dgm:cxn modelId="{CC4309EC-67D5-49C9-83AB-59FDAC056736}" srcId="{DD07839C-20CF-4FE4-A481-343BD6861B53}" destId="{9C2385DC-2B49-4DE6-BFC3-CEF02410BB23}" srcOrd="0" destOrd="0" parTransId="{0B383071-E62E-44C2-A1F5-799603CC6266}" sibTransId="{94BFA22F-F579-4D72-A57B-29E8690B1028}"/>
+    <dgm:cxn modelId="{2BBC66EC-9A9B-4B85-994E-7E2944AA6274}" type="presOf" srcId="{CCC9A5EB-C6FE-48E5-A693-D45991FFC1CC}" destId="{6F1121C2-FF8C-4123-BBDD-C0147CA94110}" srcOrd="1" destOrd="0" presId="urn:microsoft.com/office/officeart/2008/layout/NameandTitleOrganizationalChart"/>
+    <dgm:cxn modelId="{49175FEE-4937-4AE5-BD32-70E53EC7E935}" type="presOf" srcId="{DD07839C-20CF-4FE4-A481-343BD6861B53}" destId="{F8CFB45F-260C-45E0-B4C6-19051ABE01A4}" srcOrd="0" destOrd="0" presId="urn:microsoft.com/office/officeart/2008/layout/NameandTitleOrganizationalChart"/>
+    <dgm:cxn modelId="{F91215F4-6FC8-47BC-B0C2-F252AADC0CCF}" srcId="{9C2385DC-2B49-4DE6-BFC3-CEF02410BB23}" destId="{469CAF2B-65C9-408D-8300-13538CF9EE52}" srcOrd="0" destOrd="0" parTransId="{923BF9BF-D91B-46BF-A334-3BE3D7E0132A}" sibTransId="{4FD3B2C0-866F-4801-B985-FFA07920058B}"/>
+    <dgm:cxn modelId="{F3E4EDF4-E3C9-4824-A155-63E874718041}" type="presOf" srcId="{39941F29-7CE3-46B0-809B-F7C9A75378A5}" destId="{D969876B-1726-4B57-A2B6-1B7E62FD56DF}" srcOrd="0" destOrd="0" presId="urn:microsoft.com/office/officeart/2008/layout/NameandTitleOrganizationalChart"/>
+    <dgm:cxn modelId="{66C0CAF7-E5D2-4C46-BB43-A15617418A0C}" type="presOf" srcId="{1158C72F-EC3A-4874-9B87-9182DBC6BA3F}" destId="{669C0E72-10C7-470E-BF80-24D4AE49C8F8}" srcOrd="0" destOrd="0" presId="urn:microsoft.com/office/officeart/2008/layout/NameandTitleOrganizationalChart"/>
+    <dgm:cxn modelId="{3948EFF7-B459-41A3-A649-DFAEC6811750}" srcId="{9C2385DC-2B49-4DE6-BFC3-CEF02410BB23}" destId="{CCC9A5EB-C6FE-48E5-A693-D45991FFC1CC}" srcOrd="3" destOrd="0" parTransId="{1FAC8870-9B30-4EBF-AED7-7A8D25D46C84}" sibTransId="{0331EEBA-C759-4FFA-B8F2-B5833046B69D}"/>
+    <dgm:cxn modelId="{A34E212F-5731-4D1A-8B04-EAEB806EB644}" type="presParOf" srcId="{F8CFB45F-260C-45E0-B4C6-19051ABE01A4}" destId="{20C1F204-9C83-40ED-9853-31E5E4C419C4}" srcOrd="0" destOrd="0" presId="urn:microsoft.com/office/officeart/2008/layout/NameandTitleOrganizationalChart"/>
+    <dgm:cxn modelId="{50974D6C-4BBC-4FE2-AA44-770DC8297E5C}" type="presParOf" srcId="{20C1F204-9C83-40ED-9853-31E5E4C419C4}" destId="{B8BB95B8-2042-4FFF-9B6C-EF67AD4018CE}" srcOrd="0" destOrd="0" presId="urn:microsoft.com/office/officeart/2008/layout/NameandTitleOrganizationalChart"/>
+    <dgm:cxn modelId="{62F5F696-463C-4B59-B967-74D8A73CC90E}" type="presParOf" srcId="{B8BB95B8-2042-4FFF-9B6C-EF67AD4018CE}" destId="{00191DE8-01D0-4844-9168-336DA20C964D}" srcOrd="0" destOrd="0" presId="urn:microsoft.com/office/officeart/2008/layout/NameandTitleOrganizationalChart"/>
+    <dgm:cxn modelId="{4453A938-60D1-4766-BCB8-7ABC4F85A170}" type="presParOf" srcId="{B8BB95B8-2042-4FFF-9B6C-EF67AD4018CE}" destId="{8DA27B87-6529-4EC4-8B31-5F9D7A6B525B}" srcOrd="1" destOrd="0" presId="urn:microsoft.com/office/officeart/2008/layout/NameandTitleOrganizationalChart"/>
+    <dgm:cxn modelId="{7375EEA2-1AC0-402B-92A9-E0F83A32217B}" type="presParOf" srcId="{B8BB95B8-2042-4FFF-9B6C-EF67AD4018CE}" destId="{0A75A52D-14CD-46DA-BB98-5801F5739090}" srcOrd="2" destOrd="0" presId="urn:microsoft.com/office/officeart/2008/layout/NameandTitleOrganizationalChart"/>
+    <dgm:cxn modelId="{34E6BA6C-8439-44CE-AD3F-4CFBFC057C26}" type="presParOf" srcId="{20C1F204-9C83-40ED-9853-31E5E4C419C4}" destId="{E550C651-30D5-4378-A811-FF2918654F44}" srcOrd="1" destOrd="0" presId="urn:microsoft.com/office/officeart/2008/layout/NameandTitleOrganizationalChart"/>
+    <dgm:cxn modelId="{648DAC89-0C13-475E-A988-5869146103A5}" type="presParOf" srcId="{E550C651-30D5-4378-A811-FF2918654F44}" destId="{8069ECEE-0946-4E16-AC78-15F4BDBC11A0}" srcOrd="0" destOrd="0" presId="urn:microsoft.com/office/officeart/2008/layout/NameandTitleOrganizationalChart"/>
+    <dgm:cxn modelId="{8F53E104-EFE7-47FC-AD1F-1D5EF863F191}" type="presParOf" srcId="{E550C651-30D5-4378-A811-FF2918654F44}" destId="{8F5B21B5-347F-4E26-9585-291DBEFC2154}" srcOrd="1" destOrd="0" presId="urn:microsoft.com/office/officeart/2008/layout/NameandTitleOrganizationalChart"/>
+    <dgm:cxn modelId="{3275D849-5E2A-4DD8-BFE6-8CB2E599A51C}" type="presParOf" srcId="{8F5B21B5-347F-4E26-9585-291DBEFC2154}" destId="{F40D4BDF-C8C5-42D6-B253-5AF5CB0B0204}" srcOrd="0" destOrd="0" presId="urn:microsoft.com/office/officeart/2008/layout/NameandTitleOrganizationalChart"/>
+    <dgm:cxn modelId="{CC10FD08-1D4B-4FA3-9E1C-3E144A6032ED}" type="presParOf" srcId="{F40D4BDF-C8C5-42D6-B253-5AF5CB0B0204}" destId="{20C80743-9E46-403E-A46E-2E0A199270B0}" srcOrd="0" destOrd="0" presId="urn:microsoft.com/office/officeart/2008/layout/NameandTitleOrganizationalChart"/>
+    <dgm:cxn modelId="{0C908DFA-4DD2-452C-A775-A3CC9AAFD0BF}" type="presParOf" srcId="{F40D4BDF-C8C5-42D6-B253-5AF5CB0B0204}" destId="{669C0E72-10C7-470E-BF80-24D4AE49C8F8}" srcOrd="1" destOrd="0" presId="urn:microsoft.com/office/officeart/2008/layout/NameandTitleOrganizationalChart"/>
+    <dgm:cxn modelId="{A743FB38-6BA9-4789-A7C3-E44E33B8EFAE}" type="presParOf" srcId="{F40D4BDF-C8C5-42D6-B253-5AF5CB0B0204}" destId="{578C978A-8A08-4F13-B015-760157AF53A2}" srcOrd="2" destOrd="0" presId="urn:microsoft.com/office/officeart/2008/layout/NameandTitleOrganizationalChart"/>
+    <dgm:cxn modelId="{1DB94223-1606-46E0-85AD-82BEFB384900}" type="presParOf" srcId="{8F5B21B5-347F-4E26-9585-291DBEFC2154}" destId="{3E3376CD-F1FB-40FF-9C97-47E0680852F4}" srcOrd="1" destOrd="0" presId="urn:microsoft.com/office/officeart/2008/layout/NameandTitleOrganizationalChart"/>
+    <dgm:cxn modelId="{BE6301CB-202E-4577-8C4D-C2C2B3409404}" type="presParOf" srcId="{8F5B21B5-347F-4E26-9585-291DBEFC2154}" destId="{96AB2428-9DC5-48CB-A345-9838B3244F87}" srcOrd="2" destOrd="0" presId="urn:microsoft.com/office/officeart/2008/layout/NameandTitleOrganizationalChart"/>
+    <dgm:cxn modelId="{CEC56FCA-D803-48C3-BFD5-0F82969FF0FF}" type="presParOf" srcId="{E550C651-30D5-4378-A811-FF2918654F44}" destId="{B9E0545B-AD0D-4905-B350-CBB31406E43B}" srcOrd="2" destOrd="0" presId="urn:microsoft.com/office/officeart/2008/layout/NameandTitleOrganizationalChart"/>
+    <dgm:cxn modelId="{E093FD5B-A155-4BD0-AD3E-F39F2A84CD75}" type="presParOf" srcId="{E550C651-30D5-4378-A811-FF2918654F44}" destId="{DDC34C24-9077-4612-A9FB-41764EDC445A}" srcOrd="3" destOrd="0" presId="urn:microsoft.com/office/officeart/2008/layout/NameandTitleOrganizationalChart"/>
+    <dgm:cxn modelId="{AD038E55-1160-4111-8387-5D988109D3F8}" type="presParOf" srcId="{DDC34C24-9077-4612-A9FB-41764EDC445A}" destId="{13E56550-D1DA-4184-8823-21559FE93EC1}" srcOrd="0" destOrd="0" presId="urn:microsoft.com/office/officeart/2008/layout/NameandTitleOrganizationalChart"/>
+    <dgm:cxn modelId="{B4D4F0FB-0237-40F8-AC98-76FCA68D1676}" type="presParOf" srcId="{13E56550-D1DA-4184-8823-21559FE93EC1}" destId="{D89E2296-F3D5-4E29-8FD9-C4E70765D83D}" srcOrd="0" destOrd="0" presId="urn:microsoft.com/office/officeart/2008/layout/NameandTitleOrganizationalChart"/>
+    <dgm:cxn modelId="{627A40A6-8AF2-4ABD-ADC0-E32EFC5597F1}" type="presParOf" srcId="{13E56550-D1DA-4184-8823-21559FE93EC1}" destId="{D969876B-1726-4B57-A2B6-1B7E62FD56DF}" srcOrd="1" destOrd="0" presId="urn:microsoft.com/office/officeart/2008/layout/NameandTitleOrganizationalChart"/>
+    <dgm:cxn modelId="{C97D6651-526F-4B6E-9DAE-4A836A0D0429}" type="presParOf" srcId="{13E56550-D1DA-4184-8823-21559FE93EC1}" destId="{FD89F78A-B415-4F7C-9301-54F3651477C3}" srcOrd="2" destOrd="0" presId="urn:microsoft.com/office/officeart/2008/layout/NameandTitleOrganizationalChart"/>
+    <dgm:cxn modelId="{9845C6E8-72D6-4E80-913E-F025E5515429}" type="presParOf" srcId="{DDC34C24-9077-4612-A9FB-41764EDC445A}" destId="{865A4DC3-75CF-4870-9225-E5DC49E27CA0}" srcOrd="1" destOrd="0" presId="urn:microsoft.com/office/officeart/2008/layout/NameandTitleOrganizationalChart"/>
+    <dgm:cxn modelId="{BA70EAB8-FF42-46D4-9803-D4E4841E8B0F}" type="presParOf" srcId="{DDC34C24-9077-4612-A9FB-41764EDC445A}" destId="{3B108C14-9E94-49A1-AB48-D2F7DF9DDD77}" srcOrd="2" destOrd="0" presId="urn:microsoft.com/office/officeart/2008/layout/NameandTitleOrganizationalChart"/>
+    <dgm:cxn modelId="{FBF61BFD-65FA-418D-99F5-9CBF48D9CD6B}" type="presParOf" srcId="{E550C651-30D5-4378-A811-FF2918654F44}" destId="{1CE74016-E75F-4232-A4B7-4E49589BBEA4}" srcOrd="4" destOrd="0" presId="urn:microsoft.com/office/officeart/2008/layout/NameandTitleOrganizationalChart"/>
+    <dgm:cxn modelId="{384D0DF3-DACF-4BD5-80A5-EB75DBFA5F8D}" type="presParOf" srcId="{E550C651-30D5-4378-A811-FF2918654F44}" destId="{8A20382A-B456-4D32-8CA2-CCE8D6699064}" srcOrd="5" destOrd="0" presId="urn:microsoft.com/office/officeart/2008/layout/NameandTitleOrganizationalChart"/>
+    <dgm:cxn modelId="{BC0D7C85-A217-4042-8DF7-FE4EEFCB6AC3}" type="presParOf" srcId="{8A20382A-B456-4D32-8CA2-CCE8D6699064}" destId="{7676CB24-27E4-4C69-9FB7-13E8465B44A5}" srcOrd="0" destOrd="0" presId="urn:microsoft.com/office/officeart/2008/layout/NameandTitleOrganizationalChart"/>
+    <dgm:cxn modelId="{E7A5FF93-6B60-4F75-8BA2-7536B223569F}" type="presParOf" srcId="{7676CB24-27E4-4C69-9FB7-13E8465B44A5}" destId="{DEEF90CE-7A1B-4B4A-9D20-8634A3AD9F52}" srcOrd="0" destOrd="0" presId="urn:microsoft.com/office/officeart/2008/layout/NameandTitleOrganizationalChart"/>
+    <dgm:cxn modelId="{9FFC0972-BC47-4F08-88CD-567873C00A5C}" type="presParOf" srcId="{7676CB24-27E4-4C69-9FB7-13E8465B44A5}" destId="{BDD45F31-755E-4AC1-841A-A67A4FA3B607}" srcOrd="1" destOrd="0" presId="urn:microsoft.com/office/officeart/2008/layout/NameandTitleOrganizationalChart"/>
+    <dgm:cxn modelId="{7BA8EFE8-BCDB-43FF-9A2F-A82E0C0E9CD2}" type="presParOf" srcId="{7676CB24-27E4-4C69-9FB7-13E8465B44A5}" destId="{6F1121C2-FF8C-4123-BBDD-C0147CA94110}" srcOrd="2" destOrd="0" presId="urn:microsoft.com/office/officeart/2008/layout/NameandTitleOrganizationalChart"/>
+    <dgm:cxn modelId="{F2C724E8-031B-4051-BBFB-ACE535197C48}" type="presParOf" srcId="{8A20382A-B456-4D32-8CA2-CCE8D6699064}" destId="{0E057694-D24C-4F6A-992D-3652B6CA63FC}" srcOrd="1" destOrd="0" presId="urn:microsoft.com/office/officeart/2008/layout/NameandTitleOrganizationalChart"/>
+    <dgm:cxn modelId="{D645E70E-6933-4D8C-BB97-78C79E183FD8}" type="presParOf" srcId="{8A20382A-B456-4D32-8CA2-CCE8D6699064}" destId="{5C1A6DD8-0A97-412F-AD53-5A505766C1E1}" srcOrd="2" destOrd="0" presId="urn:microsoft.com/office/officeart/2008/layout/NameandTitleOrganizationalChart"/>
+    <dgm:cxn modelId="{1A0EA9AB-A1F0-4ED4-8BA0-B4AB6E553EC7}" type="presParOf" srcId="{20C1F204-9C83-40ED-9853-31E5E4C419C4}" destId="{714FFA2E-2CA9-4CEB-A382-A5D3D08C76C5}" srcOrd="2" destOrd="0" presId="urn:microsoft.com/office/officeart/2008/layout/NameandTitleOrganizationalChart"/>
+    <dgm:cxn modelId="{61B44F07-5A16-4DF4-A4E4-9ADD6F55084E}" type="presParOf" srcId="{714FFA2E-2CA9-4CEB-A382-A5D3D08C76C5}" destId="{429D6235-76FD-42A8-AB81-35F414F9FDE1}" srcOrd="0" destOrd="0" presId="urn:microsoft.com/office/officeart/2008/layout/NameandTitleOrganizationalChart"/>
+    <dgm:cxn modelId="{6BEF0A58-1C56-4B3F-ADDF-B4339B190896}" type="presParOf" srcId="{714FFA2E-2CA9-4CEB-A382-A5D3D08C76C5}" destId="{0B2EFBA4-E84C-460E-B90D-D90085B2BB06}" srcOrd="1" destOrd="0" presId="urn:microsoft.com/office/officeart/2008/layout/NameandTitleOrganizationalChart"/>
+    <dgm:cxn modelId="{058C3B7A-651B-4EAF-B547-1A0DC048CEC9}" type="presParOf" srcId="{0B2EFBA4-E84C-460E-B90D-D90085B2BB06}" destId="{E6280357-855F-4006-8F82-F228170F4B2F}" srcOrd="0" destOrd="0" presId="urn:microsoft.com/office/officeart/2008/layout/NameandTitleOrganizationalChart"/>
+    <dgm:cxn modelId="{AB778114-B88E-4065-AFB6-FEF544017BC3}" type="presParOf" srcId="{E6280357-855F-4006-8F82-F228170F4B2F}" destId="{965EB960-2907-492E-A29E-DD47E0B8396E}" srcOrd="0" destOrd="0" presId="urn:microsoft.com/office/officeart/2008/layout/NameandTitleOrganizationalChart"/>
+    <dgm:cxn modelId="{C4878619-4E70-4A8B-B5A2-5A4130566026}" type="presParOf" srcId="{E6280357-855F-4006-8F82-F228170F4B2F}" destId="{A766BE4D-9779-46B0-8FBE-9AEC7802FB62}" srcOrd="1" destOrd="0" presId="urn:microsoft.com/office/officeart/2008/layout/NameandTitleOrganizationalChart"/>
+    <dgm:cxn modelId="{78C0BF5A-D536-47F4-B02D-69628A7BE09F}" type="presParOf" srcId="{E6280357-855F-4006-8F82-F228170F4B2F}" destId="{2825CD60-801B-4839-9368-EB525CCC02C8}" srcOrd="2" destOrd="0" presId="urn:microsoft.com/office/officeart/2008/layout/NameandTitleOrganizationalChart"/>
+    <dgm:cxn modelId="{EB586059-E90D-408B-B9E0-F0C3B6994419}" type="presParOf" srcId="{0B2EFBA4-E84C-460E-B90D-D90085B2BB06}" destId="{CD8C4259-D185-45DB-BB37-A8910CD8BE61}" srcOrd="1" destOrd="0" presId="urn:microsoft.com/office/officeart/2008/layout/NameandTitleOrganizationalChart"/>
+    <dgm:cxn modelId="{EA1C0CEC-8C86-42F1-8743-0CBEF4F66528}" type="presParOf" srcId="{0B2EFBA4-E84C-460E-B90D-D90085B2BB06}" destId="{9D93225E-A2CF-4E27-9C45-CCDEC1568576}" srcOrd="2" destOrd="0" presId="urn:microsoft.com/office/officeart/2008/layout/NameandTitleOrganizationalChart"/>
   </dgm:cxnLst>
   <dgm:bg/>
   <dgm:whole/>
@@ -5729,20 +6215,263 @@
       <dsp:cNvGrpSpPr/>
     </dsp:nvGrpSpPr>
     <dsp:grpSpPr/>
-    <dsp:sp modelId="{33539D84-C066-41DE-A74C-C90FE1A510B2}">
+    <dsp:sp modelId="{429D6235-76FD-42A8-AB81-35F414F9FDE1}">
       <dsp:nvSpPr>
         <dsp:cNvPr id="0" name=""/>
         <dsp:cNvSpPr/>
       </dsp:nvSpPr>
       <dsp:spPr>
         <a:xfrm>
-          <a:off x="419" y="332"/>
-          <a:ext cx="3656760" cy="718839"/>
+          <a:off x="2872507" y="1135086"/>
+          <a:ext cx="259258" cy="960130"/>
         </a:xfrm>
-        <a:prstGeom prst="roundRect">
-          <a:avLst>
-            <a:gd name="adj" fmla="val 10000"/>
-          </a:avLst>
+        <a:custGeom>
+          <a:avLst/>
+          <a:gdLst/>
+          <a:ahLst/>
+          <a:cxnLst/>
+          <a:rect l="0" t="0" r="0" b="0"/>
+          <a:pathLst>
+            <a:path>
+              <a:moveTo>
+                <a:pt x="259258" y="0"/>
+              </a:moveTo>
+              <a:lnTo>
+                <a:pt x="259258" y="960130"/>
+              </a:lnTo>
+              <a:lnTo>
+                <a:pt x="0" y="960130"/>
+              </a:lnTo>
+            </a:path>
+          </a:pathLst>
+        </a:custGeom>
+        <a:noFill/>
+        <a:ln w="12700" cap="flat" cmpd="sng" algn="ctr">
+          <a:solidFill>
+            <a:schemeClr val="accent1">
+              <a:shade val="60000"/>
+              <a:hueOff val="0"/>
+              <a:satOff val="0"/>
+              <a:lumOff val="0"/>
+              <a:alphaOff val="0"/>
+            </a:schemeClr>
+          </a:solidFill>
+          <a:prstDash val="solid"/>
+          <a:miter lim="800000"/>
+        </a:ln>
+        <a:effectLst/>
+      </dsp:spPr>
+      <dsp:style>
+        <a:lnRef idx="2">
+          <a:scrgbClr r="0" g="0" b="0"/>
+        </a:lnRef>
+        <a:fillRef idx="0">
+          <a:scrgbClr r="0" g="0" b="0"/>
+        </a:fillRef>
+        <a:effectRef idx="0">
+          <a:scrgbClr r="0" g="0" b="0"/>
+        </a:effectRef>
+        <a:fontRef idx="minor"/>
+      </dsp:style>
+    </dsp:sp>
+    <dsp:sp modelId="{1CE74016-E75F-4232-A4B7-4E49589BBEA4}">
+      <dsp:nvSpPr>
+        <dsp:cNvPr id="0" name=""/>
+        <dsp:cNvSpPr/>
+      </dsp:nvSpPr>
+      <dsp:spPr>
+        <a:xfrm>
+          <a:off x="3131765" y="1135086"/>
+          <a:ext cx="2126386" cy="1909211"/>
+        </a:xfrm>
+        <a:custGeom>
+          <a:avLst/>
+          <a:gdLst/>
+          <a:ahLst/>
+          <a:cxnLst/>
+          <a:rect l="0" t="0" r="0" b="0"/>
+          <a:pathLst>
+            <a:path>
+              <a:moveTo>
+                <a:pt x="0" y="0"/>
+              </a:moveTo>
+              <a:lnTo>
+                <a:pt x="0" y="1725843"/>
+              </a:lnTo>
+              <a:lnTo>
+                <a:pt x="2126386" y="1725843"/>
+              </a:lnTo>
+              <a:lnTo>
+                <a:pt x="2126386" y="1909211"/>
+              </a:lnTo>
+            </a:path>
+          </a:pathLst>
+        </a:custGeom>
+        <a:noFill/>
+        <a:ln w="12700" cap="flat" cmpd="sng" algn="ctr">
+          <a:solidFill>
+            <a:schemeClr val="accent1">
+              <a:shade val="60000"/>
+              <a:hueOff val="0"/>
+              <a:satOff val="0"/>
+              <a:lumOff val="0"/>
+              <a:alphaOff val="0"/>
+            </a:schemeClr>
+          </a:solidFill>
+          <a:prstDash val="solid"/>
+          <a:miter lim="800000"/>
+        </a:ln>
+        <a:effectLst/>
+      </dsp:spPr>
+      <dsp:style>
+        <a:lnRef idx="2">
+          <a:scrgbClr r="0" g="0" b="0"/>
+        </a:lnRef>
+        <a:fillRef idx="0">
+          <a:scrgbClr r="0" g="0" b="0"/>
+        </a:fillRef>
+        <a:effectRef idx="0">
+          <a:scrgbClr r="0" g="0" b="0"/>
+        </a:effectRef>
+        <a:fontRef idx="minor"/>
+      </dsp:style>
+    </dsp:sp>
+    <dsp:sp modelId="{B9E0545B-AD0D-4905-B350-CBB31406E43B}">
+      <dsp:nvSpPr>
+        <dsp:cNvPr id="0" name=""/>
+        <dsp:cNvSpPr/>
+      </dsp:nvSpPr>
+      <dsp:spPr>
+        <a:xfrm>
+          <a:off x="2995996" y="1135086"/>
+          <a:ext cx="91440" cy="1909211"/>
+        </a:xfrm>
+        <a:custGeom>
+          <a:avLst/>
+          <a:gdLst/>
+          <a:ahLst/>
+          <a:cxnLst/>
+          <a:rect l="0" t="0" r="0" b="0"/>
+          <a:pathLst>
+            <a:path>
+              <a:moveTo>
+                <a:pt x="135769" y="0"/>
+              </a:moveTo>
+              <a:lnTo>
+                <a:pt x="135769" y="1725843"/>
+              </a:lnTo>
+              <a:lnTo>
+                <a:pt x="45720" y="1725843"/>
+              </a:lnTo>
+              <a:lnTo>
+                <a:pt x="45720" y="1909211"/>
+              </a:lnTo>
+            </a:path>
+          </a:pathLst>
+        </a:custGeom>
+        <a:noFill/>
+        <a:ln w="12700" cap="flat" cmpd="sng" algn="ctr">
+          <a:solidFill>
+            <a:schemeClr val="accent1">
+              <a:shade val="60000"/>
+              <a:hueOff val="0"/>
+              <a:satOff val="0"/>
+              <a:lumOff val="0"/>
+              <a:alphaOff val="0"/>
+            </a:schemeClr>
+          </a:solidFill>
+          <a:prstDash val="solid"/>
+          <a:miter lim="800000"/>
+        </a:ln>
+        <a:effectLst/>
+      </dsp:spPr>
+      <dsp:style>
+        <a:lnRef idx="2">
+          <a:scrgbClr r="0" g="0" b="0"/>
+        </a:lnRef>
+        <a:fillRef idx="0">
+          <a:scrgbClr r="0" g="0" b="0"/>
+        </a:fillRef>
+        <a:effectRef idx="0">
+          <a:scrgbClr r="0" g="0" b="0"/>
+        </a:effectRef>
+        <a:fontRef idx="minor"/>
+      </dsp:style>
+    </dsp:sp>
+    <dsp:sp modelId="{8069ECEE-0946-4E16-AC78-15F4BDBC11A0}">
+      <dsp:nvSpPr>
+        <dsp:cNvPr id="0" name=""/>
+        <dsp:cNvSpPr/>
+      </dsp:nvSpPr>
+      <dsp:spPr>
+        <a:xfrm>
+          <a:off x="825280" y="1135086"/>
+          <a:ext cx="2306485" cy="1909211"/>
+        </a:xfrm>
+        <a:custGeom>
+          <a:avLst/>
+          <a:gdLst/>
+          <a:ahLst/>
+          <a:cxnLst/>
+          <a:rect l="0" t="0" r="0" b="0"/>
+          <a:pathLst>
+            <a:path>
+              <a:moveTo>
+                <a:pt x="2306485" y="0"/>
+              </a:moveTo>
+              <a:lnTo>
+                <a:pt x="2306485" y="1725843"/>
+              </a:lnTo>
+              <a:lnTo>
+                <a:pt x="0" y="1725843"/>
+              </a:lnTo>
+              <a:lnTo>
+                <a:pt x="0" y="1909211"/>
+              </a:lnTo>
+            </a:path>
+          </a:pathLst>
+        </a:custGeom>
+        <a:noFill/>
+        <a:ln w="12700" cap="flat" cmpd="sng" algn="ctr">
+          <a:solidFill>
+            <a:schemeClr val="accent1">
+              <a:shade val="60000"/>
+              <a:hueOff val="0"/>
+              <a:satOff val="0"/>
+              <a:lumOff val="0"/>
+              <a:alphaOff val="0"/>
+            </a:schemeClr>
+          </a:solidFill>
+          <a:prstDash val="solid"/>
+          <a:miter lim="800000"/>
+        </a:ln>
+        <a:effectLst/>
+      </dsp:spPr>
+      <dsp:style>
+        <a:lnRef idx="2">
+          <a:scrgbClr r="0" g="0" b="0"/>
+        </a:lnRef>
+        <a:fillRef idx="0">
+          <a:scrgbClr r="0" g="0" b="0"/>
+        </a:fillRef>
+        <a:effectRef idx="0">
+          <a:scrgbClr r="0" g="0" b="0"/>
+        </a:effectRef>
+        <a:fontRef idx="minor"/>
+      </dsp:style>
+    </dsp:sp>
+    <dsp:sp modelId="{00191DE8-01D0-4844-9168-336DA20C964D}">
+      <dsp:nvSpPr>
+        <dsp:cNvPr id="0" name=""/>
+        <dsp:cNvSpPr/>
+      </dsp:nvSpPr>
+      <dsp:spPr>
+        <a:xfrm>
+          <a:off x="2372855" y="349226"/>
+          <a:ext cx="1517820" cy="785860"/>
+        </a:xfrm>
+        <a:prstGeom prst="rect">
+          <a:avLst/>
         </a:prstGeom>
         <a:solidFill>
           <a:schemeClr val="accent1">
@@ -5779,12 +6508,12 @@
         </a:fontRef>
       </dsp:style>
       <dsp:txBody>
-        <a:bodyPr spcFirstLastPara="0" vert="horz" wrap="square" lIns="76200" tIns="76200" rIns="76200" bIns="76200" numCol="1" spcCol="1270" anchor="ctr" anchorCtr="0">
+        <a:bodyPr spcFirstLastPara="0" vert="horz" wrap="square" lIns="11430" tIns="11430" rIns="11430" bIns="110894" numCol="1" spcCol="1270" anchor="ctr" anchorCtr="0">
           <a:noAutofit/>
         </a:bodyPr>
         <a:lstStyle/>
         <a:p>
-          <a:pPr marL="0" lvl="0" indent="0" algn="ctr" defTabSz="889000">
+          <a:pPr marL="0" lvl="0" indent="0" algn="ctr" defTabSz="800100">
             <a:lnSpc>
               <a:spcPct val="90000"/>
             </a:lnSpc>
@@ -5797,36 +6526,1065 @@
             <a:buNone/>
           </a:pPr>
           <a:r>
-            <a:rPr lang="en-US" sz="2000" b="1" kern="1200" dirty="0">
+            <a:rPr lang="en-US" sz="1800" b="1" kern="1200" dirty="0">
               <a:solidFill>
                 <a:schemeClr val="tx1"/>
               </a:solidFill>
               <a:latin typeface="Calibri" panose="020F0502020204030204" pitchFamily="34" charset="0"/>
               <a:cs typeface="Calibri" panose="020F0502020204030204" pitchFamily="34" charset="0"/>
             </a:rPr>
-            <a:t>Application</a:t>
+            <a:t>PM</a:t>
           </a:r>
         </a:p>
       </dsp:txBody>
       <dsp:txXfrm>
-        <a:off x="21473" y="21386"/>
-        <a:ext cx="3614652" cy="676731"/>
+        <a:off x="2372855" y="349226"/>
+        <a:ext cx="1517820" cy="785860"/>
       </dsp:txXfrm>
     </dsp:sp>
-    <dsp:sp modelId="{83A6DB45-A30B-45D9-825B-8750C236E8BB}">
+    <dsp:sp modelId="{8DA27B87-6529-4EC4-8B31-5F9D7A6B525B}">
       <dsp:nvSpPr>
         <dsp:cNvPr id="0" name=""/>
         <dsp:cNvSpPr/>
       </dsp:nvSpPr>
       <dsp:spPr>
         <a:xfrm>
-          <a:off x="419" y="783580"/>
-          <a:ext cx="2388709" cy="718839"/>
+          <a:off x="2676419" y="847302"/>
+          <a:ext cx="1366038" cy="488249"/>
         </a:xfrm>
-        <a:prstGeom prst="roundRect">
-          <a:avLst>
-            <a:gd name="adj" fmla="val 10000"/>
-          </a:avLst>
+        <a:prstGeom prst="rect">
+          <a:avLst/>
+        </a:prstGeom>
+        <a:solidFill>
+          <a:schemeClr val="lt1">
+            <a:alpha val="90000"/>
+            <a:hueOff val="0"/>
+            <a:satOff val="0"/>
+            <a:lumOff val="0"/>
+            <a:alphaOff val="0"/>
+          </a:schemeClr>
+        </a:solidFill>
+        <a:ln w="12700" cap="flat" cmpd="sng" algn="ctr">
+          <a:solidFill>
+            <a:schemeClr val="accent1">
+              <a:hueOff val="0"/>
+              <a:satOff val="0"/>
+              <a:lumOff val="0"/>
+              <a:alphaOff val="0"/>
+            </a:schemeClr>
+          </a:solidFill>
+          <a:prstDash val="solid"/>
+          <a:miter lim="800000"/>
+        </a:ln>
+        <a:effectLst/>
+      </dsp:spPr>
+      <dsp:style>
+        <a:lnRef idx="2">
+          <a:scrgbClr r="0" g="0" b="0"/>
+        </a:lnRef>
+        <a:fillRef idx="1">
+          <a:scrgbClr r="0" g="0" b="0"/>
+        </a:fillRef>
+        <a:effectRef idx="0">
+          <a:scrgbClr r="0" g="0" b="0"/>
+        </a:effectRef>
+        <a:fontRef idx="minor"/>
+      </dsp:style>
+      <dsp:txBody>
+        <a:bodyPr spcFirstLastPara="0" vert="horz" wrap="square" lIns="30480" tIns="7620" rIns="30480" bIns="7620" numCol="1" spcCol="1270" anchor="t" anchorCtr="0">
+          <a:noAutofit/>
+        </a:bodyPr>
+        <a:lstStyle/>
+        <a:p>
+          <a:pPr marL="0" lvl="0" indent="0" algn="l" defTabSz="533400">
+            <a:lnSpc>
+              <a:spcPts val="500"/>
+            </a:lnSpc>
+            <a:spcBef>
+              <a:spcPct val="0"/>
+            </a:spcBef>
+            <a:spcAft>
+              <a:spcPct val="35000"/>
+            </a:spcAft>
+            <a:buNone/>
+          </a:pPr>
+          <a:endParaRPr lang="en-US" sz="1200" b="1" kern="1200" dirty="0">
+            <a:solidFill>
+              <a:schemeClr val="tx1"/>
+            </a:solidFill>
+            <a:latin typeface="Calibri" panose="020F0502020204030204" pitchFamily="34" charset="0"/>
+            <a:cs typeface="Calibri" panose="020F0502020204030204" pitchFamily="34" charset="0"/>
+          </a:endParaRPr>
+        </a:p>
+        <a:p>
+          <a:pPr marL="0" lvl="0" indent="0" algn="l" defTabSz="533400">
+            <a:lnSpc>
+              <a:spcPts val="500"/>
+            </a:lnSpc>
+            <a:spcBef>
+              <a:spcPct val="0"/>
+            </a:spcBef>
+            <a:spcAft>
+              <a:spcPct val="35000"/>
+            </a:spcAft>
+            <a:buNone/>
+          </a:pPr>
+          <a:r>
+            <a:rPr lang="en-US" sz="1200" b="1" kern="1200" dirty="0">
+              <a:solidFill>
+                <a:schemeClr val="tx1"/>
+              </a:solidFill>
+              <a:latin typeface="Calibri" panose="020F0502020204030204" pitchFamily="34" charset="0"/>
+              <a:cs typeface="Calibri" panose="020F0502020204030204" pitchFamily="34" charset="0"/>
+            </a:rPr>
+            <a:t>- Project mgmt.</a:t>
+          </a:r>
+        </a:p>
+        <a:p>
+          <a:pPr marL="0" lvl="0" indent="0" algn="l" defTabSz="533400">
+            <a:lnSpc>
+              <a:spcPts val="500"/>
+            </a:lnSpc>
+            <a:spcBef>
+              <a:spcPct val="0"/>
+            </a:spcBef>
+            <a:spcAft>
+              <a:spcPct val="35000"/>
+            </a:spcAft>
+            <a:buNone/>
+          </a:pPr>
+          <a:r>
+            <a:rPr lang="en-US" sz="1200" b="1" kern="1200" dirty="0">
+              <a:solidFill>
+                <a:schemeClr val="tx1"/>
+              </a:solidFill>
+              <a:latin typeface="Calibri" panose="020F0502020204030204" pitchFamily="34" charset="0"/>
+              <a:cs typeface="Calibri" panose="020F0502020204030204" pitchFamily="34" charset="0"/>
+            </a:rPr>
+            <a:t>- Risk mgmt.</a:t>
+          </a:r>
+        </a:p>
+        <a:p>
+          <a:pPr marL="0" lvl="0" indent="0" algn="l" defTabSz="533400">
+            <a:lnSpc>
+              <a:spcPts val="500"/>
+            </a:lnSpc>
+            <a:spcBef>
+              <a:spcPct val="0"/>
+            </a:spcBef>
+            <a:spcAft>
+              <a:spcPct val="35000"/>
+            </a:spcAft>
+            <a:buNone/>
+          </a:pPr>
+          <a:r>
+            <a:rPr lang="en-US" sz="1200" b="1" kern="1200" dirty="0">
+              <a:solidFill>
+                <a:schemeClr val="tx1"/>
+              </a:solidFill>
+              <a:latin typeface="Calibri" panose="020F0502020204030204" pitchFamily="34" charset="0"/>
+              <a:cs typeface="Calibri" panose="020F0502020204030204" pitchFamily="34" charset="0"/>
+            </a:rPr>
+            <a:t>- Resource mgmt.</a:t>
+          </a:r>
+        </a:p>
+      </dsp:txBody>
+      <dsp:txXfrm>
+        <a:off x="2676419" y="847302"/>
+        <a:ext cx="1366038" cy="488249"/>
+      </dsp:txXfrm>
+    </dsp:sp>
+    <dsp:sp modelId="{20C80743-9E46-403E-A46E-2E0A199270B0}">
+      <dsp:nvSpPr>
+        <dsp:cNvPr id="0" name=""/>
+        <dsp:cNvSpPr/>
+      </dsp:nvSpPr>
+      <dsp:spPr>
+        <a:xfrm>
+          <a:off x="66370" y="3044297"/>
+          <a:ext cx="1517820" cy="785860"/>
+        </a:xfrm>
+        <a:prstGeom prst="rect">
+          <a:avLst/>
+        </a:prstGeom>
+        <a:solidFill>
+          <a:schemeClr val="accent3">
+            <a:lumMod val="60000"/>
+            <a:lumOff val="40000"/>
+          </a:schemeClr>
+        </a:solidFill>
+        <a:ln w="12700" cap="flat" cmpd="sng" algn="ctr">
+          <a:solidFill>
+            <a:schemeClr val="lt1">
+              <a:hueOff val="0"/>
+              <a:satOff val="0"/>
+              <a:lumOff val="0"/>
+              <a:alphaOff val="0"/>
+            </a:schemeClr>
+          </a:solidFill>
+          <a:prstDash val="solid"/>
+          <a:miter lim="800000"/>
+        </a:ln>
+        <a:effectLst/>
+      </dsp:spPr>
+      <dsp:style>
+        <a:lnRef idx="2">
+          <a:scrgbClr r="0" g="0" b="0"/>
+        </a:lnRef>
+        <a:fillRef idx="1">
+          <a:scrgbClr r="0" g="0" b="0"/>
+        </a:fillRef>
+        <a:effectRef idx="0">
+          <a:scrgbClr r="0" g="0" b="0"/>
+        </a:effectRef>
+        <a:fontRef idx="minor">
+          <a:schemeClr val="lt1"/>
+        </a:fontRef>
+      </dsp:style>
+      <dsp:txBody>
+        <a:bodyPr spcFirstLastPara="0" vert="horz" wrap="square" lIns="11430" tIns="11430" rIns="11430" bIns="110894" numCol="1" spcCol="1270" anchor="ctr" anchorCtr="0">
+          <a:noAutofit/>
+        </a:bodyPr>
+        <a:lstStyle/>
+        <a:p>
+          <a:pPr marL="0" lvl="0" indent="0" algn="ctr" defTabSz="800100">
+            <a:lnSpc>
+              <a:spcPct val="90000"/>
+            </a:lnSpc>
+            <a:spcBef>
+              <a:spcPct val="0"/>
+            </a:spcBef>
+            <a:spcAft>
+              <a:spcPct val="35000"/>
+            </a:spcAft>
+            <a:buNone/>
+          </a:pPr>
+          <a:r>
+            <a:rPr lang="en-US" sz="1800" b="1" kern="1200" dirty="0">
+              <a:solidFill>
+                <a:schemeClr val="tx1"/>
+              </a:solidFill>
+              <a:latin typeface="Calibri" panose="020F0502020204030204" pitchFamily="34" charset="0"/>
+              <a:cs typeface="Calibri" panose="020F0502020204030204" pitchFamily="34" charset="0"/>
+            </a:rPr>
+            <a:t>DEV</a:t>
+          </a:r>
+        </a:p>
+      </dsp:txBody>
+      <dsp:txXfrm>
+        <a:off x="66370" y="3044297"/>
+        <a:ext cx="1517820" cy="785860"/>
+      </dsp:txXfrm>
+    </dsp:sp>
+    <dsp:sp modelId="{669C0E72-10C7-470E-BF80-24D4AE49C8F8}">
+      <dsp:nvSpPr>
+        <dsp:cNvPr id="0" name=""/>
+        <dsp:cNvSpPr/>
+      </dsp:nvSpPr>
+      <dsp:spPr>
+        <a:xfrm>
+          <a:off x="189835" y="3489319"/>
+          <a:ext cx="1726235" cy="594359"/>
+        </a:xfrm>
+        <a:prstGeom prst="rect">
+          <a:avLst/>
+        </a:prstGeom>
+        <a:solidFill>
+          <a:schemeClr val="lt1">
+            <a:alpha val="90000"/>
+            <a:hueOff val="0"/>
+            <a:satOff val="0"/>
+            <a:lumOff val="0"/>
+            <a:alphaOff val="0"/>
+          </a:schemeClr>
+        </a:solidFill>
+        <a:ln w="12700" cap="flat" cmpd="sng" algn="ctr">
+          <a:solidFill>
+            <a:schemeClr val="accent1">
+              <a:hueOff val="0"/>
+              <a:satOff val="0"/>
+              <a:lumOff val="0"/>
+              <a:alphaOff val="0"/>
+            </a:schemeClr>
+          </a:solidFill>
+          <a:prstDash val="solid"/>
+          <a:miter lim="800000"/>
+        </a:ln>
+        <a:effectLst/>
+      </dsp:spPr>
+      <dsp:style>
+        <a:lnRef idx="2">
+          <a:scrgbClr r="0" g="0" b="0"/>
+        </a:lnRef>
+        <a:fillRef idx="1">
+          <a:scrgbClr r="0" g="0" b="0"/>
+        </a:fillRef>
+        <a:effectRef idx="0">
+          <a:scrgbClr r="0" g="0" b="0"/>
+        </a:effectRef>
+        <a:fontRef idx="minor"/>
+      </dsp:style>
+      <dsp:txBody>
+        <a:bodyPr spcFirstLastPara="0" vert="horz" wrap="square" lIns="30480" tIns="7620" rIns="30480" bIns="7620" numCol="1" spcCol="1270" anchor="ctr" anchorCtr="0">
+          <a:noAutofit/>
+        </a:bodyPr>
+        <a:lstStyle/>
+        <a:p>
+          <a:pPr marL="0" lvl="0" indent="0" algn="l" defTabSz="533400">
+            <a:lnSpc>
+              <a:spcPts val="500"/>
+            </a:lnSpc>
+            <a:spcBef>
+              <a:spcPct val="0"/>
+            </a:spcBef>
+            <a:spcAft>
+              <a:spcPct val="35000"/>
+            </a:spcAft>
+            <a:buNone/>
+          </a:pPr>
+          <a:endParaRPr lang="en-US" sz="1200" kern="1200" dirty="0">
+            <a:latin typeface="Calibri" panose="020F0502020204030204" pitchFamily="34" charset="0"/>
+            <a:cs typeface="Calibri" panose="020F0502020204030204" pitchFamily="34" charset="0"/>
+          </a:endParaRPr>
+        </a:p>
+        <a:p>
+          <a:pPr marL="0" lvl="0" indent="0" algn="l" defTabSz="533400">
+            <a:lnSpc>
+              <a:spcPts val="500"/>
+            </a:lnSpc>
+            <a:spcBef>
+              <a:spcPct val="0"/>
+            </a:spcBef>
+            <a:spcAft>
+              <a:spcPct val="35000"/>
+            </a:spcAft>
+            <a:buNone/>
+          </a:pPr>
+          <a:endParaRPr lang="en-US" sz="1200" b="1" kern="1200" dirty="0">
+            <a:solidFill>
+              <a:schemeClr val="tx1"/>
+            </a:solidFill>
+            <a:latin typeface="Calibri" panose="020F0502020204030204" pitchFamily="34" charset="0"/>
+            <a:cs typeface="Calibri" panose="020F0502020204030204" pitchFamily="34" charset="0"/>
+          </a:endParaRPr>
+        </a:p>
+        <a:p>
+          <a:pPr marL="0" lvl="0" indent="0" algn="l" defTabSz="533400">
+            <a:lnSpc>
+              <a:spcPts val="500"/>
+            </a:lnSpc>
+            <a:spcBef>
+              <a:spcPct val="0"/>
+            </a:spcBef>
+            <a:spcAft>
+              <a:spcPct val="35000"/>
+            </a:spcAft>
+            <a:buNone/>
+          </a:pPr>
+          <a:r>
+            <a:rPr lang="en-US" sz="1200" b="1" kern="1200" dirty="0">
+              <a:solidFill>
+                <a:schemeClr val="tx1"/>
+              </a:solidFill>
+              <a:latin typeface="Calibri" panose="020F0502020204030204" pitchFamily="34" charset="0"/>
+              <a:cs typeface="Calibri" panose="020F0502020204030204" pitchFamily="34" charset="0"/>
+            </a:rPr>
+            <a:t>- SwDD</a:t>
+          </a:r>
+        </a:p>
+        <a:p>
+          <a:pPr marL="0" lvl="0" indent="0" algn="l" defTabSz="533400">
+            <a:lnSpc>
+              <a:spcPts val="500"/>
+            </a:lnSpc>
+            <a:spcBef>
+              <a:spcPct val="0"/>
+            </a:spcBef>
+            <a:spcAft>
+              <a:spcPct val="35000"/>
+            </a:spcAft>
+            <a:buNone/>
+          </a:pPr>
+          <a:r>
+            <a:rPr lang="en-US" sz="1200" b="1" kern="1200" dirty="0">
+              <a:solidFill>
+                <a:schemeClr val="tx1"/>
+              </a:solidFill>
+              <a:latin typeface="Calibri" panose="020F0502020204030204" pitchFamily="34" charset="0"/>
+              <a:cs typeface="Calibri" panose="020F0502020204030204" pitchFamily="34" charset="0"/>
+            </a:rPr>
+            <a:t>- Implementation(Coding)</a:t>
+          </a:r>
+        </a:p>
+        <a:p>
+          <a:pPr marL="0" lvl="0" indent="0" algn="l" defTabSz="533400">
+            <a:lnSpc>
+              <a:spcPts val="500"/>
+            </a:lnSpc>
+            <a:spcBef>
+              <a:spcPct val="0"/>
+            </a:spcBef>
+            <a:spcAft>
+              <a:spcPct val="35000"/>
+            </a:spcAft>
+            <a:buNone/>
+          </a:pPr>
+          <a:r>
+            <a:rPr lang="en-US" sz="1200" b="1" kern="1200" dirty="0">
+              <a:solidFill>
+                <a:schemeClr val="tx1"/>
+              </a:solidFill>
+              <a:latin typeface="Calibri" panose="020F0502020204030204" pitchFamily="34" charset="0"/>
+              <a:cs typeface="Calibri" panose="020F0502020204030204" pitchFamily="34" charset="0"/>
+            </a:rPr>
+            <a:t>- Smoke Test</a:t>
+          </a:r>
+        </a:p>
+        <a:p>
+          <a:pPr marL="0" lvl="0" indent="0" algn="l" defTabSz="533400">
+            <a:lnSpc>
+              <a:spcPts val="500"/>
+            </a:lnSpc>
+            <a:spcBef>
+              <a:spcPct val="0"/>
+            </a:spcBef>
+            <a:spcAft>
+              <a:spcPct val="35000"/>
+            </a:spcAft>
+            <a:buNone/>
+          </a:pPr>
+          <a:r>
+            <a:rPr lang="en-US" sz="1200" b="1" kern="1200" dirty="0">
+              <a:solidFill>
+                <a:schemeClr val="tx1"/>
+              </a:solidFill>
+              <a:latin typeface="Calibri" panose="020F0502020204030204" pitchFamily="34" charset="0"/>
+              <a:cs typeface="Calibri" panose="020F0502020204030204" pitchFamily="34" charset="0"/>
+            </a:rPr>
+            <a:t>- Bug Fix</a:t>
+          </a:r>
+        </a:p>
+        <a:p>
+          <a:pPr marL="0" lvl="0" indent="0" algn="l" defTabSz="533400">
+            <a:lnSpc>
+              <a:spcPts val="500"/>
+            </a:lnSpc>
+            <a:spcBef>
+              <a:spcPct val="0"/>
+            </a:spcBef>
+            <a:spcAft>
+              <a:spcPct val="35000"/>
+            </a:spcAft>
+            <a:buNone/>
+          </a:pPr>
+          <a:endParaRPr lang="en-US" sz="1200" b="1" kern="1200" dirty="0">
+            <a:solidFill>
+              <a:schemeClr val="tx1"/>
+            </a:solidFill>
+            <a:latin typeface="Calibri" panose="020F0502020204030204" pitchFamily="34" charset="0"/>
+            <a:cs typeface="Calibri" panose="020F0502020204030204" pitchFamily="34" charset="0"/>
+          </a:endParaRPr>
+        </a:p>
+      </dsp:txBody>
+      <dsp:txXfrm>
+        <a:off x="189835" y="3489319"/>
+        <a:ext cx="1726235" cy="594359"/>
+      </dsp:txXfrm>
+    </dsp:sp>
+    <dsp:sp modelId="{D89E2296-F3D5-4E29-8FD9-C4E70765D83D}">
+      <dsp:nvSpPr>
+        <dsp:cNvPr id="0" name=""/>
+        <dsp:cNvSpPr/>
+      </dsp:nvSpPr>
+      <dsp:spPr>
+        <a:xfrm>
+          <a:off x="2282806" y="3044297"/>
+          <a:ext cx="1517820" cy="785860"/>
+        </a:xfrm>
+        <a:prstGeom prst="rect">
+          <a:avLst/>
+        </a:prstGeom>
+        <a:solidFill>
+          <a:schemeClr val="accent3">
+            <a:lumMod val="60000"/>
+            <a:lumOff val="40000"/>
+          </a:schemeClr>
+        </a:solidFill>
+        <a:ln w="12700" cap="flat" cmpd="sng" algn="ctr">
+          <a:solidFill>
+            <a:schemeClr val="lt1">
+              <a:hueOff val="0"/>
+              <a:satOff val="0"/>
+              <a:lumOff val="0"/>
+              <a:alphaOff val="0"/>
+            </a:schemeClr>
+          </a:solidFill>
+          <a:prstDash val="solid"/>
+          <a:miter lim="800000"/>
+        </a:ln>
+        <a:effectLst/>
+      </dsp:spPr>
+      <dsp:style>
+        <a:lnRef idx="2">
+          <a:scrgbClr r="0" g="0" b="0"/>
+        </a:lnRef>
+        <a:fillRef idx="1">
+          <a:scrgbClr r="0" g="0" b="0"/>
+        </a:fillRef>
+        <a:effectRef idx="0">
+          <a:scrgbClr r="0" g="0" b="0"/>
+        </a:effectRef>
+        <a:fontRef idx="minor">
+          <a:schemeClr val="lt1"/>
+        </a:fontRef>
+      </dsp:style>
+      <dsp:txBody>
+        <a:bodyPr spcFirstLastPara="0" vert="horz" wrap="square" lIns="11430" tIns="11430" rIns="11430" bIns="110894" numCol="1" spcCol="1270" anchor="ctr" anchorCtr="0">
+          <a:noAutofit/>
+        </a:bodyPr>
+        <a:lstStyle/>
+        <a:p>
+          <a:pPr marL="0" lvl="0" indent="0" algn="ctr" defTabSz="800100">
+            <a:lnSpc>
+              <a:spcPct val="90000"/>
+            </a:lnSpc>
+            <a:spcBef>
+              <a:spcPct val="0"/>
+            </a:spcBef>
+            <a:spcAft>
+              <a:spcPct val="35000"/>
+            </a:spcAft>
+            <a:buNone/>
+          </a:pPr>
+          <a:r>
+            <a:rPr lang="en-US" sz="1800" b="1" kern="1200" dirty="0">
+              <a:solidFill>
+                <a:schemeClr val="tx1"/>
+              </a:solidFill>
+              <a:latin typeface="Calibri" panose="020F0502020204030204" pitchFamily="34" charset="0"/>
+              <a:cs typeface="Calibri" panose="020F0502020204030204" pitchFamily="34" charset="0"/>
+            </a:rPr>
+            <a:t>DEV</a:t>
+          </a:r>
+        </a:p>
+      </dsp:txBody>
+      <dsp:txXfrm>
+        <a:off x="2282806" y="3044297"/>
+        <a:ext cx="1517820" cy="785860"/>
+      </dsp:txXfrm>
+    </dsp:sp>
+    <dsp:sp modelId="{D969876B-1726-4B57-A2B6-1B7E62FD56DF}">
+      <dsp:nvSpPr>
+        <dsp:cNvPr id="0" name=""/>
+        <dsp:cNvSpPr/>
+      </dsp:nvSpPr>
+      <dsp:spPr>
+        <a:xfrm>
+          <a:off x="2406271" y="3489319"/>
+          <a:ext cx="1726235" cy="594359"/>
+        </a:xfrm>
+        <a:prstGeom prst="rect">
+          <a:avLst/>
+        </a:prstGeom>
+        <a:solidFill>
+          <a:schemeClr val="lt1">
+            <a:alpha val="90000"/>
+            <a:hueOff val="0"/>
+            <a:satOff val="0"/>
+            <a:lumOff val="0"/>
+            <a:alphaOff val="0"/>
+          </a:schemeClr>
+        </a:solidFill>
+        <a:ln w="12700" cap="flat" cmpd="sng" algn="ctr">
+          <a:solidFill>
+            <a:schemeClr val="accent1">
+              <a:hueOff val="0"/>
+              <a:satOff val="0"/>
+              <a:lumOff val="0"/>
+              <a:alphaOff val="0"/>
+            </a:schemeClr>
+          </a:solidFill>
+          <a:prstDash val="solid"/>
+          <a:miter lim="800000"/>
+        </a:ln>
+        <a:effectLst/>
+      </dsp:spPr>
+      <dsp:style>
+        <a:lnRef idx="2">
+          <a:scrgbClr r="0" g="0" b="0"/>
+        </a:lnRef>
+        <a:fillRef idx="1">
+          <a:scrgbClr r="0" g="0" b="0"/>
+        </a:fillRef>
+        <a:effectRef idx="0">
+          <a:scrgbClr r="0" g="0" b="0"/>
+        </a:effectRef>
+        <a:fontRef idx="minor"/>
+      </dsp:style>
+      <dsp:txBody>
+        <a:bodyPr spcFirstLastPara="0" vert="horz" wrap="square" lIns="30480" tIns="7620" rIns="30480" bIns="7620" numCol="1" spcCol="1270" anchor="ctr" anchorCtr="0">
+          <a:noAutofit/>
+        </a:bodyPr>
+        <a:lstStyle/>
+        <a:p>
+          <a:pPr marL="0" lvl="0" indent="0" algn="l" defTabSz="533400">
+            <a:lnSpc>
+              <a:spcPts val="500"/>
+            </a:lnSpc>
+            <a:spcBef>
+              <a:spcPct val="0"/>
+            </a:spcBef>
+            <a:spcAft>
+              <a:spcPct val="35000"/>
+            </a:spcAft>
+            <a:buNone/>
+          </a:pPr>
+          <a:endParaRPr lang="en-US" sz="1200" kern="1200" dirty="0"/>
+        </a:p>
+        <a:p>
+          <a:pPr marL="0" lvl="0" indent="0" algn="l" defTabSz="533400">
+            <a:lnSpc>
+              <a:spcPts val="500"/>
+            </a:lnSpc>
+            <a:spcBef>
+              <a:spcPct val="0"/>
+            </a:spcBef>
+            <a:spcAft>
+              <a:spcPct val="35000"/>
+            </a:spcAft>
+            <a:buNone/>
+          </a:pPr>
+          <a:endParaRPr lang="en-US" sz="1200" kern="1200" dirty="0">
+            <a:latin typeface="Calibri" panose="020F0502020204030204" pitchFamily="34" charset="0"/>
+            <a:cs typeface="Calibri" panose="020F0502020204030204" pitchFamily="34" charset="0"/>
+          </a:endParaRPr>
+        </a:p>
+        <a:p>
+          <a:pPr marL="0" lvl="0" indent="0" algn="l" defTabSz="533400">
+            <a:lnSpc>
+              <a:spcPts val="500"/>
+            </a:lnSpc>
+            <a:spcBef>
+              <a:spcPct val="0"/>
+            </a:spcBef>
+            <a:spcAft>
+              <a:spcPct val="35000"/>
+            </a:spcAft>
+            <a:buNone/>
+          </a:pPr>
+          <a:r>
+            <a:rPr lang="en-US" sz="1200" b="1" kern="1200" dirty="0">
+              <a:solidFill>
+                <a:schemeClr val="tx1"/>
+              </a:solidFill>
+              <a:latin typeface="Calibri" panose="020F0502020204030204" pitchFamily="34" charset="0"/>
+              <a:cs typeface="Calibri" panose="020F0502020204030204" pitchFamily="34" charset="0"/>
+            </a:rPr>
+            <a:t>- SwDD</a:t>
+          </a:r>
+        </a:p>
+        <a:p>
+          <a:pPr marL="0" lvl="0" indent="0" algn="l" defTabSz="533400">
+            <a:lnSpc>
+              <a:spcPts val="500"/>
+            </a:lnSpc>
+            <a:spcBef>
+              <a:spcPct val="0"/>
+            </a:spcBef>
+            <a:spcAft>
+              <a:spcPct val="35000"/>
+            </a:spcAft>
+            <a:buNone/>
+          </a:pPr>
+          <a:r>
+            <a:rPr lang="en-US" sz="1200" b="1" kern="1200" dirty="0">
+              <a:solidFill>
+                <a:schemeClr val="tx1"/>
+              </a:solidFill>
+              <a:latin typeface="Calibri" panose="020F0502020204030204" pitchFamily="34" charset="0"/>
+              <a:cs typeface="Calibri" panose="020F0502020204030204" pitchFamily="34" charset="0"/>
+            </a:rPr>
+            <a:t>- Implementation(Coding)</a:t>
+          </a:r>
+        </a:p>
+        <a:p>
+          <a:pPr marL="0" lvl="0" indent="0" algn="l" defTabSz="533400">
+            <a:lnSpc>
+              <a:spcPts val="500"/>
+            </a:lnSpc>
+            <a:spcBef>
+              <a:spcPct val="0"/>
+            </a:spcBef>
+            <a:spcAft>
+              <a:spcPct val="35000"/>
+            </a:spcAft>
+            <a:buNone/>
+          </a:pPr>
+          <a:r>
+            <a:rPr lang="en-US" sz="1200" b="1" kern="1200" dirty="0">
+              <a:solidFill>
+                <a:schemeClr val="tx1"/>
+              </a:solidFill>
+              <a:latin typeface="Calibri" panose="020F0502020204030204" pitchFamily="34" charset="0"/>
+              <a:cs typeface="Calibri" panose="020F0502020204030204" pitchFamily="34" charset="0"/>
+            </a:rPr>
+            <a:t>- Smoke Test</a:t>
+          </a:r>
+        </a:p>
+        <a:p>
+          <a:pPr marL="0" lvl="0" indent="0" algn="l" defTabSz="533400">
+            <a:lnSpc>
+              <a:spcPts val="500"/>
+            </a:lnSpc>
+            <a:spcBef>
+              <a:spcPct val="0"/>
+            </a:spcBef>
+            <a:spcAft>
+              <a:spcPct val="35000"/>
+            </a:spcAft>
+            <a:buNone/>
+          </a:pPr>
+          <a:r>
+            <a:rPr lang="en-US" sz="1200" b="1" kern="1200" dirty="0">
+              <a:solidFill>
+                <a:schemeClr val="tx1"/>
+              </a:solidFill>
+              <a:latin typeface="Calibri" panose="020F0502020204030204" pitchFamily="34" charset="0"/>
+              <a:cs typeface="Calibri" panose="020F0502020204030204" pitchFamily="34" charset="0"/>
+            </a:rPr>
+            <a:t>- Bug Fix</a:t>
+          </a:r>
+        </a:p>
+        <a:p>
+          <a:pPr marL="0" lvl="0" indent="0" algn="l" defTabSz="533400">
+            <a:lnSpc>
+              <a:spcPts val="500"/>
+            </a:lnSpc>
+            <a:spcBef>
+              <a:spcPct val="0"/>
+            </a:spcBef>
+            <a:spcAft>
+              <a:spcPct val="35000"/>
+            </a:spcAft>
+            <a:buNone/>
+          </a:pPr>
+          <a:endParaRPr lang="en-US" sz="1200" b="1" kern="1200" dirty="0">
+            <a:solidFill>
+              <a:schemeClr val="tx1"/>
+            </a:solidFill>
+            <a:latin typeface="Calibri" panose="020F0502020204030204" pitchFamily="34" charset="0"/>
+            <a:cs typeface="Calibri" panose="020F0502020204030204" pitchFamily="34" charset="0"/>
+          </a:endParaRPr>
+        </a:p>
+      </dsp:txBody>
+      <dsp:txXfrm>
+        <a:off x="2406271" y="3489319"/>
+        <a:ext cx="1726235" cy="594359"/>
+      </dsp:txXfrm>
+    </dsp:sp>
+    <dsp:sp modelId="{DEEF90CE-7A1B-4B4A-9D20-8634A3AD9F52}">
+      <dsp:nvSpPr>
+        <dsp:cNvPr id="0" name=""/>
+        <dsp:cNvSpPr/>
+      </dsp:nvSpPr>
+      <dsp:spPr>
+        <a:xfrm>
+          <a:off x="4499242" y="3044297"/>
+          <a:ext cx="1517820" cy="785860"/>
+        </a:xfrm>
+        <a:prstGeom prst="rect">
+          <a:avLst/>
+        </a:prstGeom>
+        <a:solidFill>
+          <a:schemeClr val="accent3">
+            <a:lumMod val="60000"/>
+            <a:lumOff val="40000"/>
+          </a:schemeClr>
+        </a:solidFill>
+        <a:ln w="12700" cap="flat" cmpd="sng" algn="ctr">
+          <a:solidFill>
+            <a:schemeClr val="lt1">
+              <a:hueOff val="0"/>
+              <a:satOff val="0"/>
+              <a:lumOff val="0"/>
+              <a:alphaOff val="0"/>
+            </a:schemeClr>
+          </a:solidFill>
+          <a:prstDash val="solid"/>
+          <a:miter lim="800000"/>
+        </a:ln>
+        <a:effectLst/>
+      </dsp:spPr>
+      <dsp:style>
+        <a:lnRef idx="2">
+          <a:scrgbClr r="0" g="0" b="0"/>
+        </a:lnRef>
+        <a:fillRef idx="1">
+          <a:scrgbClr r="0" g="0" b="0"/>
+        </a:fillRef>
+        <a:effectRef idx="0">
+          <a:scrgbClr r="0" g="0" b="0"/>
+        </a:effectRef>
+        <a:fontRef idx="minor">
+          <a:schemeClr val="lt1"/>
+        </a:fontRef>
+      </dsp:style>
+      <dsp:txBody>
+        <a:bodyPr spcFirstLastPara="0" vert="horz" wrap="square" lIns="11430" tIns="11430" rIns="11430" bIns="110894" numCol="1" spcCol="1270" anchor="ctr" anchorCtr="0">
+          <a:noAutofit/>
+        </a:bodyPr>
+        <a:lstStyle/>
+        <a:p>
+          <a:pPr marL="0" lvl="0" indent="0" algn="ctr" defTabSz="800100">
+            <a:lnSpc>
+              <a:spcPct val="90000"/>
+            </a:lnSpc>
+            <a:spcBef>
+              <a:spcPct val="0"/>
+            </a:spcBef>
+            <a:spcAft>
+              <a:spcPct val="35000"/>
+            </a:spcAft>
+            <a:buNone/>
+          </a:pPr>
+          <a:r>
+            <a:rPr lang="en-US" sz="1800" b="1" kern="1200" dirty="0">
+              <a:solidFill>
+                <a:schemeClr val="tx1"/>
+              </a:solidFill>
+              <a:latin typeface="Calibri" panose="020F0502020204030204" pitchFamily="34" charset="0"/>
+              <a:cs typeface="Calibri" panose="020F0502020204030204" pitchFamily="34" charset="0"/>
+            </a:rPr>
+            <a:t>DEV</a:t>
+          </a:r>
+        </a:p>
+      </dsp:txBody>
+      <dsp:txXfrm>
+        <a:off x="4499242" y="3044297"/>
+        <a:ext cx="1517820" cy="785860"/>
+      </dsp:txXfrm>
+    </dsp:sp>
+    <dsp:sp modelId="{BDD45F31-755E-4AC1-841A-A67A4FA3B607}">
+      <dsp:nvSpPr>
+        <dsp:cNvPr id="0" name=""/>
+        <dsp:cNvSpPr/>
+      </dsp:nvSpPr>
+      <dsp:spPr>
+        <a:xfrm>
+          <a:off x="4622708" y="3489319"/>
+          <a:ext cx="1726235" cy="594359"/>
+        </a:xfrm>
+        <a:prstGeom prst="rect">
+          <a:avLst/>
+        </a:prstGeom>
+        <a:solidFill>
+          <a:schemeClr val="lt1">
+            <a:alpha val="90000"/>
+            <a:hueOff val="0"/>
+            <a:satOff val="0"/>
+            <a:lumOff val="0"/>
+            <a:alphaOff val="0"/>
+          </a:schemeClr>
+        </a:solidFill>
+        <a:ln w="12700" cap="flat" cmpd="sng" algn="ctr">
+          <a:solidFill>
+            <a:schemeClr val="accent1">
+              <a:hueOff val="0"/>
+              <a:satOff val="0"/>
+              <a:lumOff val="0"/>
+              <a:alphaOff val="0"/>
+            </a:schemeClr>
+          </a:solidFill>
+          <a:prstDash val="solid"/>
+          <a:miter lim="800000"/>
+        </a:ln>
+        <a:effectLst/>
+      </dsp:spPr>
+      <dsp:style>
+        <a:lnRef idx="2">
+          <a:scrgbClr r="0" g="0" b="0"/>
+        </a:lnRef>
+        <a:fillRef idx="1">
+          <a:scrgbClr r="0" g="0" b="0"/>
+        </a:fillRef>
+        <a:effectRef idx="0">
+          <a:scrgbClr r="0" g="0" b="0"/>
+        </a:effectRef>
+        <a:fontRef idx="minor"/>
+      </dsp:style>
+      <dsp:txBody>
+        <a:bodyPr spcFirstLastPara="0" vert="horz" wrap="square" lIns="30480" tIns="7620" rIns="30480" bIns="7620" numCol="1" spcCol="1270" anchor="ctr" anchorCtr="0">
+          <a:noAutofit/>
+        </a:bodyPr>
+        <a:lstStyle/>
+        <a:p>
+          <a:pPr marL="0" lvl="0" indent="0" algn="l" defTabSz="533400">
+            <a:lnSpc>
+              <a:spcPts val="500"/>
+            </a:lnSpc>
+            <a:spcBef>
+              <a:spcPct val="0"/>
+            </a:spcBef>
+            <a:spcAft>
+              <a:spcPct val="35000"/>
+            </a:spcAft>
+            <a:buNone/>
+          </a:pPr>
+          <a:endParaRPr lang="en-US" sz="1200" kern="1200" dirty="0"/>
+        </a:p>
+        <a:p>
+          <a:pPr marL="0" lvl="0" indent="0" algn="l" defTabSz="533400">
+            <a:lnSpc>
+              <a:spcPts val="500"/>
+            </a:lnSpc>
+            <a:spcBef>
+              <a:spcPct val="0"/>
+            </a:spcBef>
+            <a:spcAft>
+              <a:spcPct val="35000"/>
+            </a:spcAft>
+            <a:buNone/>
+          </a:pPr>
+          <a:endParaRPr lang="en-US" sz="1200" kern="1200" dirty="0">
+            <a:latin typeface="Calibri" panose="020F0502020204030204" pitchFamily="34" charset="0"/>
+            <a:cs typeface="Calibri" panose="020F0502020204030204" pitchFamily="34" charset="0"/>
+          </a:endParaRPr>
+        </a:p>
+        <a:p>
+          <a:pPr marL="0" lvl="0" indent="0" algn="l" defTabSz="533400">
+            <a:lnSpc>
+              <a:spcPts val="500"/>
+            </a:lnSpc>
+            <a:spcBef>
+              <a:spcPct val="0"/>
+            </a:spcBef>
+            <a:spcAft>
+              <a:spcPct val="35000"/>
+            </a:spcAft>
+            <a:buNone/>
+          </a:pPr>
+          <a:r>
+            <a:rPr lang="en-US" sz="1200" b="1" kern="1200" dirty="0">
+              <a:solidFill>
+                <a:schemeClr val="tx1"/>
+              </a:solidFill>
+              <a:latin typeface="Calibri" panose="020F0502020204030204" pitchFamily="34" charset="0"/>
+              <a:cs typeface="Calibri" panose="020F0502020204030204" pitchFamily="34" charset="0"/>
+            </a:rPr>
+            <a:t>- SwDD</a:t>
+          </a:r>
+        </a:p>
+        <a:p>
+          <a:pPr marL="0" lvl="0" indent="0" algn="l" defTabSz="533400">
+            <a:lnSpc>
+              <a:spcPts val="500"/>
+            </a:lnSpc>
+            <a:spcBef>
+              <a:spcPct val="0"/>
+            </a:spcBef>
+            <a:spcAft>
+              <a:spcPct val="35000"/>
+            </a:spcAft>
+            <a:buNone/>
+          </a:pPr>
+          <a:r>
+            <a:rPr lang="en-US" sz="1200" b="1" kern="1200" dirty="0">
+              <a:solidFill>
+                <a:schemeClr val="tx1"/>
+              </a:solidFill>
+              <a:latin typeface="Calibri" panose="020F0502020204030204" pitchFamily="34" charset="0"/>
+              <a:cs typeface="Calibri" panose="020F0502020204030204" pitchFamily="34" charset="0"/>
+            </a:rPr>
+            <a:t>- Implementation(Coding)</a:t>
+          </a:r>
+        </a:p>
+        <a:p>
+          <a:pPr marL="0" lvl="0" indent="0" algn="l" defTabSz="533400">
+            <a:lnSpc>
+              <a:spcPts val="500"/>
+            </a:lnSpc>
+            <a:spcBef>
+              <a:spcPct val="0"/>
+            </a:spcBef>
+            <a:spcAft>
+              <a:spcPct val="35000"/>
+            </a:spcAft>
+            <a:buNone/>
+          </a:pPr>
+          <a:r>
+            <a:rPr lang="en-US" sz="1200" b="1" kern="1200" dirty="0">
+              <a:solidFill>
+                <a:schemeClr val="tx1"/>
+              </a:solidFill>
+              <a:latin typeface="Calibri" panose="020F0502020204030204" pitchFamily="34" charset="0"/>
+              <a:cs typeface="Calibri" panose="020F0502020204030204" pitchFamily="34" charset="0"/>
+            </a:rPr>
+            <a:t>- Smoke Test</a:t>
+          </a:r>
+        </a:p>
+        <a:p>
+          <a:pPr marL="0" lvl="0" indent="0" algn="l" defTabSz="533400">
+            <a:lnSpc>
+              <a:spcPts val="500"/>
+            </a:lnSpc>
+            <a:spcBef>
+              <a:spcPct val="0"/>
+            </a:spcBef>
+            <a:spcAft>
+              <a:spcPct val="35000"/>
+            </a:spcAft>
+            <a:buNone/>
+          </a:pPr>
+          <a:r>
+            <a:rPr lang="en-US" sz="1200" b="1" kern="1200" dirty="0">
+              <a:solidFill>
+                <a:schemeClr val="tx1"/>
+              </a:solidFill>
+              <a:latin typeface="Calibri" panose="020F0502020204030204" pitchFamily="34" charset="0"/>
+              <a:cs typeface="Calibri" panose="020F0502020204030204" pitchFamily="34" charset="0"/>
+            </a:rPr>
+            <a:t>- Bug Fix</a:t>
+          </a:r>
+        </a:p>
+        <a:p>
+          <a:pPr marL="0" lvl="0" indent="0" algn="l" defTabSz="533400">
+            <a:lnSpc>
+              <a:spcPts val="500"/>
+            </a:lnSpc>
+            <a:spcBef>
+              <a:spcPct val="0"/>
+            </a:spcBef>
+            <a:spcAft>
+              <a:spcPct val="35000"/>
+            </a:spcAft>
+            <a:buNone/>
+          </a:pPr>
+          <a:endParaRPr lang="en-US" sz="1200" b="1" kern="1200" dirty="0">
+            <a:solidFill>
+              <a:schemeClr val="tx1"/>
+            </a:solidFill>
+            <a:latin typeface="Calibri" panose="020F0502020204030204" pitchFamily="34" charset="0"/>
+            <a:cs typeface="Calibri" panose="020F0502020204030204" pitchFamily="34" charset="0"/>
+          </a:endParaRPr>
+        </a:p>
+      </dsp:txBody>
+      <dsp:txXfrm>
+        <a:off x="4622708" y="3489319"/>
+        <a:ext cx="1726235" cy="594359"/>
+      </dsp:txXfrm>
+    </dsp:sp>
+    <dsp:sp modelId="{965EB960-2907-492E-A29E-DD47E0B8396E}">
+      <dsp:nvSpPr>
+        <dsp:cNvPr id="0" name=""/>
+        <dsp:cNvSpPr/>
+      </dsp:nvSpPr>
+      <dsp:spPr>
+        <a:xfrm>
+          <a:off x="1354686" y="1702287"/>
+          <a:ext cx="1517820" cy="785860"/>
+        </a:xfrm>
+        <a:prstGeom prst="rect">
+          <a:avLst/>
         </a:prstGeom>
         <a:solidFill>
           <a:schemeClr val="accent2">
@@ -5863,12 +7621,12 @@
         </a:fontRef>
       </dsp:style>
       <dsp:txBody>
-        <a:bodyPr spcFirstLastPara="0" vert="horz" wrap="square" lIns="76200" tIns="76200" rIns="76200" bIns="76200" numCol="1" spcCol="1270" anchor="ctr" anchorCtr="0">
+        <a:bodyPr spcFirstLastPara="0" vert="horz" wrap="square" lIns="11430" tIns="11430" rIns="11430" bIns="110894" numCol="1" spcCol="1270" anchor="ctr" anchorCtr="0">
           <a:noAutofit/>
         </a:bodyPr>
         <a:lstStyle/>
         <a:p>
-          <a:pPr marL="0" lvl="0" indent="0" algn="ctr" defTabSz="889000">
+          <a:pPr marL="0" lvl="0" indent="0" algn="ctr" defTabSz="800100">
             <a:lnSpc>
               <a:spcPct val="90000"/>
             </a:lnSpc>
@@ -5881,46 +7639,47 @@
             <a:buNone/>
           </a:pPr>
           <a:r>
-            <a:rPr lang="en-US" sz="2000" b="1" kern="1200" dirty="0">
+            <a:rPr lang="en-US" sz="1800" b="1" kern="1200" dirty="0">
               <a:solidFill>
                 <a:schemeClr val="tx1"/>
               </a:solidFill>
               <a:latin typeface="Calibri" panose="020F0502020204030204" pitchFamily="34" charset="0"/>
               <a:cs typeface="Calibri" panose="020F0502020204030204" pitchFamily="34" charset="0"/>
             </a:rPr>
-            <a:t>RTOS</a:t>
+            <a:t>TPM</a:t>
           </a:r>
         </a:p>
       </dsp:txBody>
       <dsp:txXfrm>
-        <a:off x="21473" y="804634"/>
-        <a:ext cx="2346601" cy="676731"/>
+        <a:off x="1354686" y="1702287"/>
+        <a:ext cx="1517820" cy="785860"/>
       </dsp:txXfrm>
     </dsp:sp>
-    <dsp:sp modelId="{672A1700-86E5-43FF-8A56-5A66CCDDCB26}">
+    <dsp:sp modelId="{A766BE4D-9779-46B0-8FBE-9AEC7802FB62}">
       <dsp:nvSpPr>
         <dsp:cNvPr id="0" name=""/>
         <dsp:cNvSpPr/>
       </dsp:nvSpPr>
       <dsp:spPr>
         <a:xfrm>
-          <a:off x="419" y="1566827"/>
-          <a:ext cx="1169789" cy="718839"/>
+          <a:off x="1658250" y="2211414"/>
+          <a:ext cx="1366038" cy="466148"/>
         </a:xfrm>
-        <a:prstGeom prst="roundRect">
-          <a:avLst>
-            <a:gd name="adj" fmla="val 10000"/>
-          </a:avLst>
+        <a:prstGeom prst="rect">
+          <a:avLst/>
         </a:prstGeom>
         <a:solidFill>
-          <a:schemeClr val="accent3">
-            <a:lumMod val="60000"/>
-            <a:lumOff val="40000"/>
+          <a:schemeClr val="lt1">
+            <a:alpha val="90000"/>
+            <a:hueOff val="0"/>
+            <a:satOff val="0"/>
+            <a:lumOff val="0"/>
+            <a:alphaOff val="0"/>
           </a:schemeClr>
         </a:solidFill>
         <a:ln w="12700" cap="flat" cmpd="sng" algn="ctr">
           <a:solidFill>
-            <a:schemeClr val="lt1">
+            <a:schemeClr val="accent1">
               <a:hueOff val="0"/>
               <a:satOff val="0"/>
               <a:lumOff val="0"/>
@@ -5942,19 +7701,38 @@
         <a:effectRef idx="0">
           <a:scrgbClr r="0" g="0" b="0"/>
         </a:effectRef>
-        <a:fontRef idx="minor">
-          <a:schemeClr val="lt1"/>
-        </a:fontRef>
+        <a:fontRef idx="minor"/>
       </dsp:style>
       <dsp:txBody>
-        <a:bodyPr spcFirstLastPara="0" vert="horz" wrap="square" lIns="76200" tIns="76200" rIns="76200" bIns="76200" numCol="1" spcCol="1270" anchor="ctr" anchorCtr="0">
+        <a:bodyPr spcFirstLastPara="0" vert="horz" wrap="square" lIns="30480" tIns="7620" rIns="30480" bIns="7620" numCol="1" spcCol="1270" anchor="t" anchorCtr="0">
           <a:noAutofit/>
         </a:bodyPr>
         <a:lstStyle/>
         <a:p>
-          <a:pPr marL="0" lvl="0" indent="0" algn="ctr" defTabSz="889000">
+          <a:pPr marL="0" lvl="0" indent="0" algn="l" defTabSz="533400">
             <a:lnSpc>
-              <a:spcPct val="90000"/>
+              <a:spcPts val="500"/>
+            </a:lnSpc>
+            <a:spcBef>
+              <a:spcPct val="0"/>
+            </a:spcBef>
+            <a:spcAft>
+              <a:spcPct val="35000"/>
+            </a:spcAft>
+            <a:buNone/>
+          </a:pPr>
+          <a:endParaRPr lang="en-US" sz="1200" b="1" kern="1200" dirty="0">
+            <a:solidFill>
+              <a:schemeClr val="tx1"/>
+            </a:solidFill>
+            <a:latin typeface="Calibri" panose="020F0502020204030204" pitchFamily="34" charset="0"/>
+            <a:cs typeface="Calibri" panose="020F0502020204030204" pitchFamily="34" charset="0"/>
+          </a:endParaRPr>
+        </a:p>
+        <a:p>
+          <a:pPr marL="0" lvl="0" indent="0" algn="l" defTabSz="533400">
+            <a:lnSpc>
+              <a:spcPts val="500"/>
             </a:lnSpc>
             <a:spcBef>
               <a:spcPct val="0"/>
@@ -5965,80 +7743,20 @@
             <a:buNone/>
           </a:pPr>
           <a:r>
-            <a:rPr lang="en-US" sz="2000" b="1" kern="1200" dirty="0">
+            <a:rPr lang="en-US" sz="1200" b="1" kern="1200" dirty="0">
               <a:solidFill>
                 <a:schemeClr val="tx1"/>
               </a:solidFill>
               <a:latin typeface="Calibri" panose="020F0502020204030204" pitchFamily="34" charset="0"/>
               <a:cs typeface="Calibri" panose="020F0502020204030204" pitchFamily="34" charset="0"/>
             </a:rPr>
-            <a:t>Timer</a:t>
+            <a:t>- SwRS</a:t>
           </a:r>
         </a:p>
-      </dsp:txBody>
-      <dsp:txXfrm>
-        <a:off x="21473" y="1587881"/>
-        <a:ext cx="1127681" cy="676731"/>
-      </dsp:txXfrm>
-    </dsp:sp>
-    <dsp:sp modelId="{73F0E2EC-EBCE-4659-895A-0F2C9212B4ED}">
-      <dsp:nvSpPr>
-        <dsp:cNvPr id="0" name=""/>
-        <dsp:cNvSpPr/>
-      </dsp:nvSpPr>
-      <dsp:spPr>
-        <a:xfrm>
-          <a:off x="1219339" y="1566827"/>
-          <a:ext cx="1169789" cy="718839"/>
-        </a:xfrm>
-        <a:prstGeom prst="roundRect">
-          <a:avLst>
-            <a:gd name="adj" fmla="val 10000"/>
-          </a:avLst>
-        </a:prstGeom>
-        <a:solidFill>
-          <a:schemeClr val="accent3">
-            <a:lumMod val="60000"/>
-            <a:lumOff val="40000"/>
-          </a:schemeClr>
-        </a:solidFill>
-        <a:ln w="12700" cap="flat" cmpd="sng" algn="ctr">
-          <a:solidFill>
-            <a:schemeClr val="lt1">
-              <a:hueOff val="0"/>
-              <a:satOff val="0"/>
-              <a:lumOff val="0"/>
-              <a:alphaOff val="0"/>
-            </a:schemeClr>
-          </a:solidFill>
-          <a:prstDash val="solid"/>
-          <a:miter lim="800000"/>
-        </a:ln>
-        <a:effectLst/>
-      </dsp:spPr>
-      <dsp:style>
-        <a:lnRef idx="2">
-          <a:scrgbClr r="0" g="0" b="0"/>
-        </a:lnRef>
-        <a:fillRef idx="1">
-          <a:scrgbClr r="0" g="0" b="0"/>
-        </a:fillRef>
-        <a:effectRef idx="0">
-          <a:scrgbClr r="0" g="0" b="0"/>
-        </a:effectRef>
-        <a:fontRef idx="minor">
-          <a:schemeClr val="lt1"/>
-        </a:fontRef>
-      </dsp:style>
-      <dsp:txBody>
-        <a:bodyPr spcFirstLastPara="0" vert="horz" wrap="square" lIns="76200" tIns="76200" rIns="76200" bIns="76200" numCol="1" spcCol="1270" anchor="ctr" anchorCtr="0">
-          <a:noAutofit/>
-        </a:bodyPr>
-        <a:lstStyle/>
         <a:p>
-          <a:pPr marL="0" lvl="0" indent="0" algn="ctr" defTabSz="889000">
+          <a:pPr marL="0" lvl="0" indent="0" algn="l" defTabSz="533400">
             <a:lnSpc>
-              <a:spcPct val="90000"/>
+              <a:spcPts val="500"/>
             </a:lnSpc>
             <a:spcBef>
               <a:spcPct val="0"/>
@@ -6049,80 +7767,20 @@
             <a:buNone/>
           </a:pPr>
           <a:r>
-            <a:rPr lang="en-US" sz="2000" b="1" kern="1200" dirty="0">
+            <a:rPr lang="en-US" sz="1200" b="1" kern="1200" dirty="0">
               <a:solidFill>
                 <a:schemeClr val="tx1"/>
               </a:solidFill>
               <a:latin typeface="Calibri" panose="020F0502020204030204" pitchFamily="34" charset="0"/>
               <a:cs typeface="Calibri" panose="020F0502020204030204" pitchFamily="34" charset="0"/>
             </a:rPr>
-            <a:t>GPIO</a:t>
+            <a:t>- Task mgmt.</a:t>
           </a:r>
         </a:p>
-      </dsp:txBody>
-      <dsp:txXfrm>
-        <a:off x="1240393" y="1587881"/>
-        <a:ext cx="1127681" cy="676731"/>
-      </dsp:txXfrm>
-    </dsp:sp>
-    <dsp:sp modelId="{7C57179C-FAB2-4A33-B2CB-A0C73FBD7941}">
-      <dsp:nvSpPr>
-        <dsp:cNvPr id="0" name=""/>
-        <dsp:cNvSpPr/>
-      </dsp:nvSpPr>
-      <dsp:spPr>
-        <a:xfrm>
-          <a:off x="2487391" y="783580"/>
-          <a:ext cx="1169789" cy="718839"/>
-        </a:xfrm>
-        <a:prstGeom prst="roundRect">
-          <a:avLst>
-            <a:gd name="adj" fmla="val 10000"/>
-          </a:avLst>
-        </a:prstGeom>
-        <a:solidFill>
-          <a:schemeClr val="accent2">
-            <a:lumMod val="60000"/>
-            <a:lumOff val="40000"/>
-          </a:schemeClr>
-        </a:solidFill>
-        <a:ln w="12700" cap="flat" cmpd="sng" algn="ctr">
-          <a:solidFill>
-            <a:schemeClr val="lt1">
-              <a:hueOff val="0"/>
-              <a:satOff val="0"/>
-              <a:lumOff val="0"/>
-              <a:alphaOff val="0"/>
-            </a:schemeClr>
-          </a:solidFill>
-          <a:prstDash val="solid"/>
-          <a:miter lim="800000"/>
-        </a:ln>
-        <a:effectLst/>
-      </dsp:spPr>
-      <dsp:style>
-        <a:lnRef idx="2">
-          <a:scrgbClr r="0" g="0" b="0"/>
-        </a:lnRef>
-        <a:fillRef idx="1">
-          <a:scrgbClr r="0" g="0" b="0"/>
-        </a:fillRef>
-        <a:effectRef idx="0">
-          <a:scrgbClr r="0" g="0" b="0"/>
-        </a:effectRef>
-        <a:fontRef idx="minor">
-          <a:schemeClr val="lt1"/>
-        </a:fontRef>
-      </dsp:style>
-      <dsp:txBody>
-        <a:bodyPr spcFirstLastPara="0" vert="horz" wrap="square" lIns="76200" tIns="76200" rIns="76200" bIns="76200" numCol="1" spcCol="1270" anchor="ctr" anchorCtr="0">
-          <a:noAutofit/>
-        </a:bodyPr>
-        <a:lstStyle/>
         <a:p>
-          <a:pPr marL="0" lvl="0" indent="0" algn="ctr" defTabSz="889000">
+          <a:pPr marL="0" lvl="0" indent="0" algn="l" defTabSz="533400">
             <a:lnSpc>
-              <a:spcPct val="90000"/>
+              <a:spcPts val="500"/>
             </a:lnSpc>
             <a:spcBef>
               <a:spcPct val="0"/>
@@ -6133,80 +7791,20 @@
             <a:buNone/>
           </a:pPr>
           <a:r>
-            <a:rPr lang="en-US" sz="2000" b="1" kern="1200" dirty="0">
+            <a:rPr lang="en-US" sz="1200" b="1" kern="1200" dirty="0">
               <a:solidFill>
                 <a:schemeClr val="tx1"/>
               </a:solidFill>
               <a:latin typeface="Calibri" panose="020F0502020204030204" pitchFamily="34" charset="0"/>
               <a:cs typeface="Calibri" panose="020F0502020204030204" pitchFamily="34" charset="0"/>
             </a:rPr>
-            <a:t>HAL</a:t>
+            <a:t>- Software release</a:t>
           </a:r>
         </a:p>
-      </dsp:txBody>
-      <dsp:txXfrm>
-        <a:off x="2508445" y="804634"/>
-        <a:ext cx="1127681" cy="676731"/>
-      </dsp:txXfrm>
-    </dsp:sp>
-    <dsp:sp modelId="{99099BA9-4AFF-405D-98C9-C381CCD1D880}">
-      <dsp:nvSpPr>
-        <dsp:cNvPr id="0" name=""/>
-        <dsp:cNvSpPr/>
-      </dsp:nvSpPr>
-      <dsp:spPr>
-        <a:xfrm>
-          <a:off x="2487391" y="1566827"/>
-          <a:ext cx="1169789" cy="718839"/>
-        </a:xfrm>
-        <a:prstGeom prst="roundRect">
-          <a:avLst>
-            <a:gd name="adj" fmla="val 10000"/>
-          </a:avLst>
-        </a:prstGeom>
-        <a:solidFill>
-          <a:schemeClr val="accent3">
-            <a:lumMod val="60000"/>
-            <a:lumOff val="40000"/>
-          </a:schemeClr>
-        </a:solidFill>
-        <a:ln w="12700" cap="flat" cmpd="sng" algn="ctr">
-          <a:solidFill>
-            <a:schemeClr val="lt1">
-              <a:hueOff val="0"/>
-              <a:satOff val="0"/>
-              <a:lumOff val="0"/>
-              <a:alphaOff val="0"/>
-            </a:schemeClr>
-          </a:solidFill>
-          <a:prstDash val="solid"/>
-          <a:miter lim="800000"/>
-        </a:ln>
-        <a:effectLst/>
-      </dsp:spPr>
-      <dsp:style>
-        <a:lnRef idx="2">
-          <a:scrgbClr r="0" g="0" b="0"/>
-        </a:lnRef>
-        <a:fillRef idx="1">
-          <a:scrgbClr r="0" g="0" b="0"/>
-        </a:fillRef>
-        <a:effectRef idx="0">
-          <a:scrgbClr r="0" g="0" b="0"/>
-        </a:effectRef>
-        <a:fontRef idx="minor">
-          <a:schemeClr val="lt1"/>
-        </a:fontRef>
-      </dsp:style>
-      <dsp:txBody>
-        <a:bodyPr spcFirstLastPara="0" vert="horz" wrap="square" lIns="76200" tIns="76200" rIns="76200" bIns="76200" numCol="1" spcCol="1270" anchor="ctr" anchorCtr="0">
-          <a:noAutofit/>
-        </a:bodyPr>
-        <a:lstStyle/>
         <a:p>
-          <a:pPr marL="0" lvl="0" indent="0" algn="ctr" defTabSz="889000">
+          <a:pPr marL="0" lvl="0" indent="0" algn="l" defTabSz="533400">
             <a:lnSpc>
-              <a:spcPct val="90000"/>
+              <a:spcPts val="500"/>
             </a:lnSpc>
             <a:spcBef>
               <a:spcPct val="0"/>
@@ -6216,21 +7814,18 @@
             </a:spcAft>
             <a:buNone/>
           </a:pPr>
-          <a:r>
-            <a:rPr lang="en-US" sz="2000" b="1" kern="1200" dirty="0">
-              <a:solidFill>
-                <a:schemeClr val="tx1"/>
-              </a:solidFill>
-              <a:latin typeface="Calibri" panose="020F0502020204030204" pitchFamily="34" charset="0"/>
-              <a:cs typeface="Calibri" panose="020F0502020204030204" pitchFamily="34" charset="0"/>
-            </a:rPr>
-            <a:t>UART</a:t>
-          </a:r>
+          <a:endParaRPr lang="en-US" sz="1200" b="1" kern="1200" dirty="0">
+            <a:solidFill>
+              <a:schemeClr val="tx1"/>
+            </a:solidFill>
+            <a:latin typeface="Calibri" panose="020F0502020204030204" pitchFamily="34" charset="0"/>
+            <a:cs typeface="Calibri" panose="020F0502020204030204" pitchFamily="34" charset="0"/>
+          </a:endParaRPr>
         </a:p>
       </dsp:txBody>
       <dsp:txXfrm>
-        <a:off x="2508445" y="1587881"/>
-        <a:ext cx="1127681" cy="676731"/>
+        <a:off x="1658250" y="2211414"/>
+        <a:ext cx="1366038" cy="466148"/>
       </dsp:txXfrm>
     </dsp:sp>
   </dsp:spTree>
@@ -7542,13 +9137,11 @@
 </file>
 
 <file path=ppt/diagrams/layout3.xml><?xml version="1.0" encoding="utf-8"?>
-<dgm:layoutDef xmlns:dgm="http://schemas.openxmlformats.org/drawingml/2006/diagram" xmlns:a="http://schemas.openxmlformats.org/drawingml/2006/main" uniqueId="urn:microsoft.com/office/officeart/2005/8/layout/hierarchy4">
+<dgm:layoutDef xmlns:dgm="http://schemas.openxmlformats.org/drawingml/2006/diagram" xmlns:a="http://schemas.openxmlformats.org/drawingml/2006/main" uniqueId="urn:microsoft.com/office/officeart/2008/layout/NameandTitleOrganizationalChart">
   <dgm:title val=""/>
   <dgm:desc val=""/>
   <dgm:catLst>
-    <dgm:cat type="hierarchy" pri="4000"/>
-    <dgm:cat type="list" pri="24000"/>
-    <dgm:cat type="relationship" pri="10000"/>
+    <dgm:cat type="hierarchy" pri="1250"/>
   </dgm:catLst>
   <dgm:sampData>
     <dgm:dataModel>
@@ -7557,29 +9150,25 @@
         <dgm:pt modelId="1">
           <dgm:prSet phldr="1"/>
         </dgm:pt>
-        <dgm:pt modelId="2">
-          <dgm:prSet phldr="1"/>
-        </dgm:pt>
-        <dgm:pt modelId="21">
-          <dgm:prSet phldr="1"/>
-        </dgm:pt>
-        <dgm:pt modelId="22">
+        <dgm:pt modelId="2" type="asst">
           <dgm:prSet phldr="1"/>
         </dgm:pt>
         <dgm:pt modelId="3">
           <dgm:prSet phldr="1"/>
         </dgm:pt>
-        <dgm:pt modelId="31">
+        <dgm:pt modelId="4">
+          <dgm:prSet phldr="1"/>
+        </dgm:pt>
+        <dgm:pt modelId="5">
           <dgm:prSet phldr="1"/>
         </dgm:pt>
       </dgm:ptLst>
       <dgm:cxnLst>
-        <dgm:cxn modelId="4" srcId="0" destId="1" srcOrd="0" destOrd="0"/>
-        <dgm:cxn modelId="5" srcId="1" destId="2" srcOrd="0" destOrd="0"/>
-        <dgm:cxn modelId="6" srcId="1" destId="3" srcOrd="1" destOrd="0"/>
-        <dgm:cxn modelId="23" srcId="2" destId="21" srcOrd="0" destOrd="0"/>
-        <dgm:cxn modelId="24" srcId="2" destId="22" srcOrd="1" destOrd="0"/>
-        <dgm:cxn modelId="33" srcId="3" destId="31" srcOrd="0" destOrd="0"/>
+        <dgm:cxn modelId="5" srcId="0" destId="1" srcOrd="0" destOrd="0"/>
+        <dgm:cxn modelId="6" srcId="1" destId="2" srcOrd="0" destOrd="0"/>
+        <dgm:cxn modelId="7" srcId="1" destId="3" srcOrd="1" destOrd="0"/>
+        <dgm:cxn modelId="8" srcId="1" destId="4" srcOrd="2" destOrd="0"/>
+        <dgm:cxn modelId="9" srcId="1" destId="5" srcOrd="3" destOrd="0"/>
       </dgm:cxnLst>
       <dgm:bg/>
       <dgm:whole/>
@@ -7590,13 +9179,13 @@
       <dgm:ptLst>
         <dgm:pt modelId="0" type="doc"/>
         <dgm:pt modelId="1"/>
-        <dgm:pt modelId="11"/>
         <dgm:pt modelId="12"/>
+        <dgm:pt modelId="13"/>
       </dgm:ptLst>
       <dgm:cxnLst>
         <dgm:cxn modelId="2" srcId="0" destId="1" srcOrd="0" destOrd="0"/>
-        <dgm:cxn modelId="13" srcId="1" destId="11" srcOrd="0" destOrd="0"/>
-        <dgm:cxn modelId="14" srcId="1" destId="12" srcOrd="1" destOrd="0"/>
+        <dgm:cxn modelId="16" srcId="1" destId="12" srcOrd="1" destOrd="0"/>
+        <dgm:cxn modelId="17" srcId="1" destId="13" srcOrd="2" destOrd="0"/>
       </dgm:cxnLst>
       <dgm:bg/>
       <dgm:whole/>
@@ -7607,45 +9196,40 @@
       <dgm:ptLst>
         <dgm:pt modelId="0" type="doc"/>
         <dgm:pt modelId="1"/>
-        <dgm:pt modelId="2"/>
-        <dgm:pt modelId="21"/>
-        <dgm:pt modelId="211"/>
-        <dgm:pt modelId="3"/>
-        <dgm:pt modelId="31"/>
-        <dgm:pt modelId="311"/>
+        <dgm:pt modelId="11" type="asst"/>
+        <dgm:pt modelId="12"/>
+        <dgm:pt modelId="13"/>
+        <dgm:pt modelId="14"/>
       </dgm:ptLst>
       <dgm:cxnLst>
-        <dgm:cxn modelId="4" srcId="0" destId="1" srcOrd="0" destOrd="0"/>
-        <dgm:cxn modelId="5" srcId="1" destId="2" srcOrd="0" destOrd="0"/>
-        <dgm:cxn modelId="6" srcId="1" destId="3" srcOrd="1" destOrd="0"/>
-        <dgm:cxn modelId="23" srcId="2" destId="21" srcOrd="0" destOrd="0"/>
-        <dgm:cxn modelId="24" srcId="21" destId="211" srcOrd="0" destOrd="0"/>
-        <dgm:cxn modelId="33" srcId="3" destId="31" srcOrd="0" destOrd="0"/>
-        <dgm:cxn modelId="34" srcId="31" destId="311" srcOrd="0" destOrd="0"/>
+        <dgm:cxn modelId="2" srcId="0" destId="1" srcOrd="0" destOrd="0"/>
+        <dgm:cxn modelId="15" srcId="1" destId="11" srcOrd="0" destOrd="0"/>
+        <dgm:cxn modelId="16" srcId="1" destId="12" srcOrd="1" destOrd="0"/>
+        <dgm:cxn modelId="17" srcId="1" destId="13" srcOrd="2" destOrd="0"/>
+        <dgm:cxn modelId="18" srcId="1" destId="14" srcOrd="2" destOrd="0"/>
       </dgm:cxnLst>
       <dgm:bg/>
       <dgm:whole/>
     </dgm:dataModel>
   </dgm:clrData>
-  <dgm:layoutNode name="Name0">
+  <dgm:layoutNode name="hierChild1">
     <dgm:varLst>
+      <dgm:orgChart val="1"/>
       <dgm:chPref val="1"/>
       <dgm:dir/>
       <dgm:animOne val="branch"/>
       <dgm:animLvl val="lvl"/>
       <dgm:resizeHandles/>
     </dgm:varLst>
-    <dgm:choose name="Name1">
-      <dgm:if name="Name2" func="var" arg="dir" op="equ" val="norm">
-        <dgm:alg type="lin">
+    <dgm:choose name="Name0">
+      <dgm:if name="Name1" func="var" arg="dir" op="equ" val="norm">
+        <dgm:alg type="hierChild">
           <dgm:param type="linDir" val="fromL"/>
-          <dgm:param type="nodeVertAlign" val="t"/>
         </dgm:alg>
       </dgm:if>
-      <dgm:else name="Name3">
-        <dgm:alg type="lin">
+      <dgm:else name="Name2">
+        <dgm:alg type="hierChild">
           <dgm:param type="linDir" val="fromR"/>
-          <dgm:param type="nodeVertAlign" val="t"/>
         </dgm:alg>
       </dgm:else>
     </dgm:choose>
@@ -7654,410 +9238,1080 @@
     </dgm:shape>
     <dgm:presOf/>
     <dgm:constrLst>
-      <dgm:constr type="w" for="ch" forName="vertOne" refType="w"/>
-      <dgm:constr type="w" for="des" forName="horzOne" refType="w"/>
-      <dgm:constr type="w" for="des" forName="txOne" refType="w"/>
-      <dgm:constr type="w" for="des" forName="vertTwo" refType="w"/>
-      <dgm:constr type="w" for="des" forName="horzTwo" refType="w"/>
-      <dgm:constr type="w" for="des" forName="txTwo" refType="w"/>
-      <dgm:constr type="w" for="des" forName="vertThree" refType="w"/>
-      <dgm:constr type="w" for="des" forName="horzThree" refType="w"/>
-      <dgm:constr type="w" for="des" forName="txThree" refType="w"/>
-      <dgm:constr type="w" for="des" forName="vertFour" refType="w"/>
-      <dgm:constr type="w" for="des" forName="horzFour" refType="w"/>
-      <dgm:constr type="w" for="des" forName="txFour" refType="w"/>
-      <dgm:constr type="h" for="des" ptType="node" op="equ"/>
-      <dgm:constr type="h" for="des" forName="txOne" refType="h"/>
-      <dgm:constr type="userH" for="des" ptType="node" refType="h" refFor="des" refForName="txOne"/>
-      <dgm:constr type="primFontSz" for="des" forName="txOne" val="65"/>
-      <dgm:constr type="primFontSz" for="des" forName="txTwo" val="65"/>
-      <dgm:constr type="primFontSz" for="des" forName="txTwo" refType="primFontSz" refFor="des" refForName="txOne" op="lte"/>
-      <dgm:constr type="primFontSz" for="des" forName="txThree" val="65"/>
-      <dgm:constr type="primFontSz" for="des" forName="txThree" refType="primFontSz" refFor="des" refForName="txOne" op="lte"/>
-      <dgm:constr type="primFontSz" for="des" forName="txThree" refType="primFontSz" refFor="des" refForName="txTwo" op="lte"/>
-      <dgm:constr type="primFontSz" for="des" forName="txFour" val="65"/>
-      <dgm:constr type="primFontSz" for="des" forName="txFour" refType="primFontSz" refFor="des" refForName="txOne" op="lte"/>
-      <dgm:constr type="primFontSz" for="des" forName="txFour" refType="primFontSz" refFor="des" refForName="txTwo" op="lte"/>
-      <dgm:constr type="primFontSz" for="des" forName="txFour" refType="primFontSz" refFor="des" refForName="txThree" op="lte"/>
-      <dgm:constr type="w" for="des" forName="sibSpaceOne" refType="w" fact="0.168"/>
-      <dgm:constr type="w" for="des" forName="sibSpaceTwo" refType="w" refFor="des" refForName="sibSpaceOne" op="equ" fact="0.5"/>
-      <dgm:constr type="w" for="des" forName="sibSpaceThree" refType="w" refFor="des" refForName="sibSpaceTwo" op="equ" fact="0.5"/>
-      <dgm:constr type="w" for="des" forName="sibSpaceFour" refType="w" refFor="des" refForName="sibSpaceThree" op="equ" fact="0.5"/>
-      <dgm:constr type="h" for="des" forName="parTransOne" refType="w" fact="0.056"/>
-      <dgm:constr type="h" for="des" forName="parTransTwo" refType="h" refFor="des" refForName="parTransOne" op="equ"/>
-      <dgm:constr type="h" for="des" forName="parTransThree" refType="h" refFor="des" refForName="parTransTwo" op="equ"/>
-      <dgm:constr type="h" for="des" forName="parTransFour" refType="h" refFor="des" refForName="parTransThree" op="equ"/>
+      <dgm:constr type="w" for="des" forName="rootComposite1" refType="w" fact="10"/>
+      <dgm:constr type="h" for="des" forName="rootComposite1" refType="w" refFor="des" refForName="rootComposite1" fact="0.5"/>
+      <dgm:constr type="w" for="des" forName="rootComposite" refType="w" fact="10"/>
+      <dgm:constr type="h" for="des" forName="rootComposite" refType="w" refFor="des" refForName="rootComposite1" fact="0.5"/>
+      <dgm:constr type="w" for="des" forName="rootComposite3" refType="w" fact="10"/>
+      <dgm:constr type="h" for="des" forName="rootComposite3" refType="w" refFor="des" refForName="rootComposite1" fact="0.5"/>
+      <dgm:constr type="primFontSz" for="des" ptType="node" op="equ"/>
+      <dgm:constr type="sp" for="des" op="equ"/>
+      <dgm:constr type="sp" for="des" forName="hierRoot1" refType="w" refFor="des" refForName="rootComposite1" fact="0.21"/>
+      <dgm:constr type="sp" for="des" forName="hierRoot2" refType="sp" refFor="des" refForName="hierRoot1"/>
+      <dgm:constr type="sp" for="des" forName="hierRoot3" refType="sp" refFor="des" refForName="hierRoot1"/>
+      <dgm:constr type="sibSp" refType="w" refFor="des" refForName="rootComposite1" fact="0.21"/>
+      <dgm:constr type="sibSp" for="des" forName="hierChild2" refType="sibSp"/>
+      <dgm:constr type="sibSp" for="des" forName="hierChild3" refType="sibSp"/>
+      <dgm:constr type="sibSp" for="des" forName="hierChild4" refType="sibSp"/>
+      <dgm:constr type="sibSp" for="des" forName="hierChild5" refType="sibSp"/>
+      <dgm:constr type="sibSp" for="des" forName="hierChild6" refType="sibSp"/>
+      <dgm:constr type="sibSp" for="des" forName="hierChild7" refType="sibSp"/>
+      <dgm:constr type="secSibSp" refType="w" refFor="des" refForName="rootComposite1" fact="0.21"/>
+      <dgm:constr type="secSibSp" for="des" forName="hierChild2" refType="secSibSp"/>
+      <dgm:constr type="secSibSp" for="des" forName="hierChild3" refType="secSibSp"/>
+      <dgm:constr type="secSibSp" for="des" forName="hierChild4" refType="secSibSp"/>
+      <dgm:constr type="secSibSp" for="des" forName="hierChild5" refType="secSibSp"/>
+      <dgm:constr type="secSibSp" for="des" forName="hierChild6" refType="secSibSp"/>
+      <dgm:constr type="secSibSp" for="des" forName="hierChild7" refType="secSibSp"/>
     </dgm:constrLst>
     <dgm:ruleLst/>
-    <dgm:forEach name="Name4" axis="ch" ptType="node">
-      <dgm:layoutNode name="vertOne">
-        <dgm:alg type="lin">
-          <dgm:param type="linDir" val="fromT"/>
-        </dgm:alg>
-        <dgm:shape xmlns:r="http://schemas.openxmlformats.org/officeDocument/2006/relationships" r:blip="">
-          <dgm:adjLst/>
-        </dgm:shape>
-        <dgm:presOf/>
-        <dgm:constrLst>
-          <dgm:constr type="w" for="ch" forName="txOne" refType="w" refFor="ch" refForName="horzOne" op="gte"/>
-        </dgm:constrLst>
-        <dgm:ruleLst/>
-        <dgm:layoutNode name="txOne" styleLbl="node0">
+    <dgm:forEach name="Name3" axis="ch">
+      <dgm:forEach name="Name4" axis="self" ptType="node">
+        <dgm:layoutNode name="hierRoot1">
           <dgm:varLst>
-            <dgm:chPref val="3"/>
+            <dgm:hierBranch val="init"/>
           </dgm:varLst>
-          <dgm:alg type="tx"/>
-          <dgm:shape xmlns:r="http://schemas.openxmlformats.org/officeDocument/2006/relationships" type="roundRect" r:blip="">
-            <dgm:adjLst>
-              <dgm:adj idx="1" val="0.1"/>
-            </dgm:adjLst>
-          </dgm:shape>
-          <dgm:presOf axis="self"/>
-          <dgm:constrLst>
-            <dgm:constr type="tMarg" refType="primFontSz" fact="0.3"/>
-            <dgm:constr type="bMarg" refType="primFontSz" fact="0.3"/>
-            <dgm:constr type="lMarg" refType="primFontSz" fact="0.3"/>
-            <dgm:constr type="rMarg" refType="primFontSz" fact="0.3"/>
-          </dgm:constrLst>
-          <dgm:ruleLst>
-            <dgm:rule type="primFontSz" val="5" fact="NaN" max="NaN"/>
-          </dgm:ruleLst>
-        </dgm:layoutNode>
-        <dgm:choose name="Name5">
-          <dgm:if name="Name6" axis="des" ptType="node" func="cnt" op="gt" val="0">
-            <dgm:layoutNode name="parTransOne">
-              <dgm:alg type="sp"/>
-              <dgm:shape xmlns:r="http://schemas.openxmlformats.org/officeDocument/2006/relationships" r:blip="">
-                <dgm:adjLst/>
-              </dgm:shape>
-              <dgm:presOf/>
-              <dgm:constrLst/>
-              <dgm:ruleLst/>
-            </dgm:layoutNode>
-          </dgm:if>
-          <dgm:else name="Name7"/>
-        </dgm:choose>
-        <dgm:layoutNode name="horzOne">
-          <dgm:choose name="Name8">
-            <dgm:if name="Name9" func="var" arg="dir" op="equ" val="norm">
-              <dgm:alg type="lin">
-                <dgm:param type="linDir" val="fromL"/>
-                <dgm:param type="nodeVertAlign" val="t"/>
-              </dgm:alg>
+          <dgm:choose name="Name5">
+            <dgm:if name="Name6" func="var" arg="hierBranch" op="equ" val="l">
+              <dgm:choose name="Name7">
+                <dgm:if name="Name8" axis="ch" ptType="asst" func="cnt" op="gte" val="1">
+                  <dgm:alg type="hierRoot">
+                    <dgm:param type="hierAlign" val="tR"/>
+                  </dgm:alg>
+                  <dgm:constrLst>
+                    <dgm:constr type="alignOff" val="0.65"/>
+                  </dgm:constrLst>
+                </dgm:if>
+                <dgm:else name="Name9">
+                  <dgm:alg type="hierRoot">
+                    <dgm:param type="hierAlign" val="tR"/>
+                  </dgm:alg>
+                  <dgm:constrLst>
+                    <dgm:constr type="alignOff" val="0.25"/>
+                  </dgm:constrLst>
+                </dgm:else>
+              </dgm:choose>
             </dgm:if>
-            <dgm:else name="Name10">
-              <dgm:alg type="lin">
-                <dgm:param type="linDir" val="fromR"/>
-                <dgm:param type="nodeVertAlign" val="t"/>
-              </dgm:alg>
+            <dgm:if name="Name10" func="var" arg="hierBranch" op="equ" val="r">
+              <dgm:choose name="Name11">
+                <dgm:if name="Name12" axis="ch" ptType="asst" func="cnt" op="gte" val="1">
+                  <dgm:alg type="hierRoot">
+                    <dgm:param type="hierAlign" val="tL"/>
+                  </dgm:alg>
+                  <dgm:constrLst>
+                    <dgm:constr type="alignOff" val="0.65"/>
+                  </dgm:constrLst>
+                </dgm:if>
+                <dgm:else name="Name13">
+                  <dgm:alg type="hierRoot">
+                    <dgm:param type="hierAlign" val="tL"/>
+                  </dgm:alg>
+                  <dgm:constrLst>
+                    <dgm:constr type="alignOff" val="0.25"/>
+                  </dgm:constrLst>
+                </dgm:else>
+              </dgm:choose>
+            </dgm:if>
+            <dgm:if name="Name14" func="var" arg="hierBranch" op="equ" val="hang">
+              <dgm:alg type="hierRoot"/>
+              <dgm:constrLst>
+                <dgm:constr type="alignOff" val="0.65"/>
+              </dgm:constrLst>
+            </dgm:if>
+            <dgm:else name="Name15">
+              <dgm:alg type="hierRoot"/>
+              <dgm:constrLst>
+                <dgm:constr type="alignOff"/>
+                <dgm:constr type="bendDist" for="des" ptType="parTrans" refType="sp" fact="0.5"/>
+              </dgm:constrLst>
             </dgm:else>
           </dgm:choose>
           <dgm:shape xmlns:r="http://schemas.openxmlformats.org/officeDocument/2006/relationships" r:blip="">
             <dgm:adjLst/>
           </dgm:shape>
           <dgm:presOf/>
-          <dgm:constrLst/>
-          <dgm:ruleLst>
-            <dgm:rule type="w" val="INF" fact="NaN" max="NaN"/>
-          </dgm:ruleLst>
-          <dgm:forEach name="Name11" axis="ch" ptType="node">
-            <dgm:layoutNode name="vertTwo">
-              <dgm:alg type="lin">
-                <dgm:param type="linDir" val="fromT"/>
-              </dgm:alg>
-              <dgm:shape xmlns:r="http://schemas.openxmlformats.org/officeDocument/2006/relationships" r:blip="">
+          <dgm:ruleLst/>
+          <dgm:layoutNode name="rootComposite1">
+            <dgm:alg type="composite"/>
+            <dgm:shape xmlns:r="http://schemas.openxmlformats.org/officeDocument/2006/relationships" r:blip="">
+              <dgm:adjLst/>
+            </dgm:shape>
+            <dgm:presOf axis="self" ptType="node" cnt="1"/>
+            <dgm:choose name="Name16">
+              <dgm:if name="Name17" func="var" arg="hierBranch" op="equ" val="init">
+                <dgm:constrLst>
+                  <dgm:constr type="l" for="ch" forName="rootText1"/>
+                  <dgm:constr type="t" for="ch" forName="rootText1"/>
+                  <dgm:constr type="w" for="ch" forName="rootText1" refType="w"/>
+                  <dgm:constr type="h" for="ch" forName="rootText1" refType="h" fact="0.9"/>
+                  <dgm:constr type="l" for="ch" forName="titleText1" refType="w" fact="0.2"/>
+                  <dgm:constr type="t" for="ch" forName="titleText1" refType="h" fact="0.7"/>
+                  <dgm:constr type="w" for="ch" forName="titleText1" refType="w" fact="0.9"/>
+                  <dgm:constr type="h" for="ch" forName="titleText1" refType="h" fact="0.3"/>
+                  <dgm:constr type="primFontSz" for="des" forName="titleText1" refType="primFontSz" refFor="des" refForName="rootText1" op="lte"/>
+                  <dgm:constr type="l" for="ch" forName="rootConnector1"/>
+                  <dgm:constr type="t" for="ch" forName="rootConnector1"/>
+                  <dgm:constr type="w" for="ch" forName="rootConnector1" refType="w" refFor="ch" refForName="rootText1" fact="0.2"/>
+                  <dgm:constr type="h" for="ch" forName="rootConnector1" refType="h" refFor="ch" refForName="rootText1"/>
+                </dgm:constrLst>
+              </dgm:if>
+              <dgm:if name="Name18" func="var" arg="hierBranch" op="equ" val="l">
+                <dgm:constrLst>
+                  <dgm:constr type="l" for="ch" forName="rootText1"/>
+                  <dgm:constr type="t" for="ch" forName="rootText1"/>
+                  <dgm:constr type="w" for="ch" forName="rootText1" refType="w"/>
+                  <dgm:constr type="h" for="ch" forName="rootText1" refType="h" fact="0.9"/>
+                  <dgm:constr type="l" for="ch" forName="titleText1" refType="w" fact="0.2"/>
+                  <dgm:constr type="t" for="ch" forName="titleText1" refType="h" fact="0.7"/>
+                  <dgm:constr type="w" for="ch" forName="titleText1" refType="w" fact="0.9"/>
+                  <dgm:constr type="h" for="ch" forName="titleText1" refType="h" fact="0.3"/>
+                  <dgm:constr type="primFontSz" for="des" forName="titleText1" refType="primFontSz" refFor="des" refForName="rootText1" op="lte"/>
+                  <dgm:constr type="r" for="ch" forName="rootConnector1" refType="w"/>
+                  <dgm:constr type="t" for="ch" forName="rootConnector1"/>
+                  <dgm:constr type="w" for="ch" forName="rootConnector1" refType="w" refFor="ch" refForName="rootText1" fact="0.2"/>
+                  <dgm:constr type="h" for="ch" forName="rootConnector1" refType="h" refFor="ch" refForName="rootText1"/>
+                </dgm:constrLst>
+              </dgm:if>
+              <dgm:if name="Name19" func="var" arg="hierBranch" op="equ" val="r">
+                <dgm:constrLst>
+                  <dgm:constr type="l" for="ch" forName="rootText1"/>
+                  <dgm:constr type="t" for="ch" forName="rootText1"/>
+                  <dgm:constr type="w" for="ch" forName="rootText1" refType="w"/>
+                  <dgm:constr type="h" for="ch" forName="rootText1" refType="h" fact="0.9"/>
+                  <dgm:constr type="l" for="ch" forName="titleText1" refType="w" fact="0.2"/>
+                  <dgm:constr type="t" for="ch" forName="titleText1" refType="h" fact="0.7"/>
+                  <dgm:constr type="w" for="ch" forName="titleText1" refType="w" fact="0.9"/>
+                  <dgm:constr type="h" for="ch" forName="titleText1" refType="h" fact="0.3"/>
+                  <dgm:constr type="primFontSz" for="des" forName="titleText1" refType="primFontSz" refFor="des" refForName="rootText1" op="lte"/>
+                  <dgm:constr type="l" for="ch" forName="rootConnector1"/>
+                  <dgm:constr type="t" for="ch" forName="rootConnector1"/>
+                  <dgm:constr type="w" for="ch" forName="rootConnector1" refType="w" refFor="ch" refForName="rootText1" fact="0.2"/>
+                  <dgm:constr type="h" for="ch" forName="rootConnector1" refType="h" refFor="ch" refForName="rootText1"/>
+                </dgm:constrLst>
+              </dgm:if>
+              <dgm:else name="Name20">
+                <dgm:constrLst>
+                  <dgm:constr type="l" for="ch" forName="rootText1"/>
+                  <dgm:constr type="t" for="ch" forName="rootText1"/>
+                  <dgm:constr type="w" for="ch" forName="rootText1" refType="w"/>
+                  <dgm:constr type="h" for="ch" forName="rootText1" refType="h" fact="0.9"/>
+                  <dgm:constr type="l" for="ch" forName="titleText1" refType="w" fact="0.2"/>
+                  <dgm:constr type="t" for="ch" forName="titleText1" refType="h" fact="0.7"/>
+                  <dgm:constr type="w" for="ch" forName="titleText1" refType="w" fact="0.9"/>
+                  <dgm:constr type="h" for="ch" forName="titleText1" refType="h" fact="0.3"/>
+                  <dgm:constr type="primFontSz" for="des" forName="titleText1" refType="primFontSz" refFor="des" refForName="rootText1" op="lte"/>
+                  <dgm:constr type="r" for="ch" forName="rootConnector1" refType="w"/>
+                  <dgm:constr type="t" for="ch" forName="rootConnector1"/>
+                  <dgm:constr type="w" for="ch" forName="rootConnector1" refType="w" refFor="ch" refForName="rootText1" fact="0.2"/>
+                  <dgm:constr type="h" for="ch" forName="rootConnector1" refType="h" refFor="ch" refForName="rootText1"/>
+                </dgm:constrLst>
+              </dgm:else>
+            </dgm:choose>
+            <dgm:ruleLst/>
+            <dgm:layoutNode name="rootText1" styleLbl="node0">
+              <dgm:varLst>
+                <dgm:chMax/>
+                <dgm:chPref val="3"/>
+              </dgm:varLst>
+              <dgm:alg type="tx"/>
+              <dgm:shape xmlns:r="http://schemas.openxmlformats.org/officeDocument/2006/relationships" type="rect" r:blip="">
                 <dgm:adjLst/>
               </dgm:shape>
-              <dgm:presOf/>
+              <dgm:presOf axis="self" ptType="node" cnt="1"/>
               <dgm:constrLst>
-                <dgm:constr type="w" for="ch" forName="txTwo" refType="w" refFor="ch" refForName="horzTwo" op="gte"/>
+                <dgm:constr type="primFontSz" val="65"/>
+                <dgm:constr type="lMarg" refType="primFontSz" fact="0.05"/>
+                <dgm:constr type="rMarg" refType="primFontSz" fact="0.05"/>
+                <dgm:constr type="tMarg" refType="primFontSz" fact="0.05"/>
+                <dgm:constr type="bMarg" refType="h" fact="0.4"/>
               </dgm:constrLst>
+              <dgm:ruleLst>
+                <dgm:rule type="primFontSz" val="5" fact="NaN" max="NaN"/>
+              </dgm:ruleLst>
+            </dgm:layoutNode>
+            <dgm:layoutNode name="titleText1" styleLbl="fgAcc0">
+              <dgm:varLst>
+                <dgm:chMax val="0"/>
+                <dgm:chPref val="0"/>
+              </dgm:varLst>
+              <dgm:alg type="tx">
+                <dgm:param type="parTxLTRAlign" val="r"/>
+              </dgm:alg>
+              <dgm:shape xmlns:r="http://schemas.openxmlformats.org/officeDocument/2006/relationships" type="rect" r:blip="">
+                <dgm:adjLst/>
+              </dgm:shape>
+              <dgm:presOf axis="followSib" ptType="sibTrans" hideLastTrans="0" cnt="1"/>
+              <dgm:constrLst>
+                <dgm:constr type="primFontSz" val="65"/>
+                <dgm:constr type="lMarg" refType="primFontSz" fact="0.2"/>
+                <dgm:constr type="rMarg" refType="primFontSz" fact="0.2"/>
+                <dgm:constr type="tMarg" refType="primFontSz" fact="0.05"/>
+                <dgm:constr type="bMarg" refType="primFontSz" fact="0.05"/>
+              </dgm:constrLst>
+              <dgm:ruleLst>
+                <dgm:rule type="primFontSz" val="5" fact="NaN" max="NaN"/>
+              </dgm:ruleLst>
+            </dgm:layoutNode>
+            <dgm:layoutNode name="rootConnector1" moveWith="rootText1">
+              <dgm:alg type="sp"/>
+              <dgm:shape xmlns:r="http://schemas.openxmlformats.org/officeDocument/2006/relationships" type="rect" r:blip="" hideGeom="1">
+                <dgm:adjLst/>
+              </dgm:shape>
+              <dgm:presOf axis="self" ptType="node" cnt="1"/>
+              <dgm:constrLst/>
               <dgm:ruleLst/>
-              <dgm:layoutNode name="txTwo">
+            </dgm:layoutNode>
+          </dgm:layoutNode>
+          <dgm:layoutNode name="hierChild2">
+            <dgm:choose name="Name21">
+              <dgm:if name="Name22" func="var" arg="hierBranch" op="equ" val="l">
+                <dgm:alg type="hierChild">
+                  <dgm:param type="chAlign" val="r"/>
+                  <dgm:param type="linDir" val="fromT"/>
+                </dgm:alg>
+              </dgm:if>
+              <dgm:if name="Name23" func="var" arg="hierBranch" op="equ" val="r">
+                <dgm:alg type="hierChild">
+                  <dgm:param type="chAlign" val="l"/>
+                  <dgm:param type="linDir" val="fromT"/>
+                </dgm:alg>
+              </dgm:if>
+              <dgm:if name="Name24" func="var" arg="hierBranch" op="equ" val="hang">
+                <dgm:choose name="Name25">
+                  <dgm:if name="Name26" func="var" arg="dir" op="equ" val="norm">
+                    <dgm:alg type="hierChild">
+                      <dgm:param type="chAlign" val="l"/>
+                      <dgm:param type="linDir" val="fromL"/>
+                      <dgm:param type="secChAlign" val="t"/>
+                      <dgm:param type="secLinDir" val="fromT"/>
+                    </dgm:alg>
+                  </dgm:if>
+                  <dgm:else name="Name27">
+                    <dgm:alg type="hierChild">
+                      <dgm:param type="chAlign" val="l"/>
+                      <dgm:param type="linDir" val="fromR"/>
+                      <dgm:param type="secChAlign" val="t"/>
+                      <dgm:param type="secLinDir" val="fromT"/>
+                    </dgm:alg>
+                  </dgm:else>
+                </dgm:choose>
+              </dgm:if>
+              <dgm:else name="Name28">
+                <dgm:choose name="Name29">
+                  <dgm:if name="Name30" func="var" arg="dir" op="equ" val="norm">
+                    <dgm:alg type="hierChild"/>
+                  </dgm:if>
+                  <dgm:else name="Name31">
+                    <dgm:alg type="hierChild">
+                      <dgm:param type="linDir" val="fromR"/>
+                    </dgm:alg>
+                  </dgm:else>
+                </dgm:choose>
+              </dgm:else>
+            </dgm:choose>
+            <dgm:shape xmlns:r="http://schemas.openxmlformats.org/officeDocument/2006/relationships" r:blip="">
+              <dgm:adjLst/>
+            </dgm:shape>
+            <dgm:presOf/>
+            <dgm:constrLst/>
+            <dgm:ruleLst/>
+            <dgm:forEach name="rep2a" axis="ch" ptType="nonAsst">
+              <dgm:forEach name="Name32" axis="precedSib" ptType="parTrans" st="-1" cnt="1">
+                <dgm:choose name="Name33">
+                  <dgm:if name="Name34" func="var" arg="hierBranch" op="equ" val="std">
+                    <dgm:layoutNode name="Name35">
+                      <dgm:alg type="conn">
+                        <dgm:param type="connRout" val="bend"/>
+                        <dgm:param type="dim" val="1D"/>
+                        <dgm:param type="endSty" val="noArr"/>
+                        <dgm:param type="begPts" val="bCtr"/>
+                        <dgm:param type="endPts" val="tCtr"/>
+                        <dgm:param type="bendPt" val="end"/>
+                      </dgm:alg>
+                      <dgm:shape xmlns:r="http://schemas.openxmlformats.org/officeDocument/2006/relationships" type="conn" r:blip="" zOrderOff="-99999">
+                        <dgm:adjLst/>
+                      </dgm:shape>
+                      <dgm:presOf axis="self"/>
+                      <dgm:constrLst>
+                        <dgm:constr type="begPad"/>
+                        <dgm:constr type="endPad"/>
+                      </dgm:constrLst>
+                      <dgm:ruleLst/>
+                    </dgm:layoutNode>
+                  </dgm:if>
+                  <dgm:if name="Name36" func="var" arg="hierBranch" op="equ" val="init">
+                    <dgm:layoutNode name="Name37">
+                      <dgm:choose name="Name38">
+                        <dgm:if name="Name39" axis="self" func="depth" op="lte" val="2">
+                          <dgm:alg type="conn">
+                            <dgm:param type="connRout" val="bend"/>
+                            <dgm:param type="dim" val="1D"/>
+                            <dgm:param type="endSty" val="noArr"/>
+                            <dgm:param type="begPts" val="bCtr"/>
+                            <dgm:param type="endPts" val="tCtr"/>
+                            <dgm:param type="bendPt" val="end"/>
+                          </dgm:alg>
+                        </dgm:if>
+                        <dgm:else name="Name40">
+                          <dgm:alg type="conn">
+                            <dgm:param type="connRout" val="bend"/>
+                            <dgm:param type="dim" val="1D"/>
+                            <dgm:param type="endSty" val="noArr"/>
+                            <dgm:param type="begPts" val="bCtr"/>
+                            <dgm:param type="endPts" val="tCtr"/>
+                            <dgm:param type="bendPt" val="end"/>
+                          </dgm:alg>
+                        </dgm:else>
+                      </dgm:choose>
+                      <dgm:shape xmlns:r="http://schemas.openxmlformats.org/officeDocument/2006/relationships" type="conn" r:blip="" zOrderOff="-99999">
+                        <dgm:adjLst/>
+                      </dgm:shape>
+                      <dgm:presOf axis="self"/>
+                      <dgm:constrLst>
+                        <dgm:constr type="begPad"/>
+                        <dgm:constr type="endPad"/>
+                      </dgm:constrLst>
+                      <dgm:ruleLst/>
+                    </dgm:layoutNode>
+                  </dgm:if>
+                  <dgm:if name="Name41" func="var" arg="hierBranch" op="equ" val="hang">
+                    <dgm:layoutNode name="Name42">
+                      <dgm:alg type="conn">
+                        <dgm:param type="connRout" val="bend"/>
+                        <dgm:param type="dim" val="1D"/>
+                        <dgm:param type="endSty" val="noArr"/>
+                        <dgm:param type="begPts" val="bCtr"/>
+                        <dgm:param type="endPts" val="midL midR"/>
+                      </dgm:alg>
+                      <dgm:shape xmlns:r="http://schemas.openxmlformats.org/officeDocument/2006/relationships" type="conn" r:blip="" zOrderOff="-99999">
+                        <dgm:adjLst/>
+                      </dgm:shape>
+                      <dgm:presOf axis="self"/>
+                      <dgm:constrLst>
+                        <dgm:constr type="begPad"/>
+                        <dgm:constr type="endPad"/>
+                      </dgm:constrLst>
+                      <dgm:ruleLst/>
+                    </dgm:layoutNode>
+                  </dgm:if>
+                  <dgm:else name="Name43">
+                    <dgm:layoutNode name="Name44">
+                      <dgm:choose name="Name45">
+                        <dgm:if name="Name46" axis="self" func="depth" op="lte" val="2">
+                          <dgm:choose name="Name47">
+                            <dgm:if name="Name48" axis="par ch" ptType="node asst" func="cnt" op="gte" val="1">
+                              <dgm:alg type="conn">
+                                <dgm:param type="connRout" val="bend"/>
+                                <dgm:param type="dim" val="1D"/>
+                                <dgm:param type="endSty" val="noArr"/>
+                                <dgm:param type="begPts" val="bCtr"/>
+                                <dgm:param type="endPts" val="midL midR"/>
+                              </dgm:alg>
+                            </dgm:if>
+                            <dgm:else name="Name49">
+                              <dgm:alg type="conn">
+                                <dgm:param type="connRout" val="bend"/>
+                                <dgm:param type="dim" val="1D"/>
+                                <dgm:param type="endSty" val="noArr"/>
+                                <dgm:param type="begPts" val="bCtr"/>
+                                <dgm:param type="endPts" val="midL midR"/>
+                                <dgm:param type="srcNode" val="rootConnector1"/>
+                              </dgm:alg>
+                            </dgm:else>
+                          </dgm:choose>
+                        </dgm:if>
+                        <dgm:else name="Name50">
+                          <dgm:choose name="Name51">
+                            <dgm:if name="Name52" axis="par ch" ptType="node asst" func="cnt" op="gte" val="1">
+                              <dgm:alg type="conn">
+                                <dgm:param type="connRout" val="bend"/>
+                                <dgm:param type="dim" val="1D"/>
+                                <dgm:param type="endSty" val="noArr"/>
+                                <dgm:param type="begPts" val="bCtr"/>
+                                <dgm:param type="endPts" val="midL midR"/>
+                              </dgm:alg>
+                            </dgm:if>
+                            <dgm:else name="Name53">
+                              <dgm:alg type="conn">
+                                <dgm:param type="connRout" val="bend"/>
+                                <dgm:param type="dim" val="1D"/>
+                                <dgm:param type="endSty" val="noArr"/>
+                                <dgm:param type="begPts" val="bCtr"/>
+                                <dgm:param type="endPts" val="midL midR"/>
+                                <dgm:param type="srcNode" val="rootConnector"/>
+                              </dgm:alg>
+                            </dgm:else>
+                          </dgm:choose>
+                        </dgm:else>
+                      </dgm:choose>
+                      <dgm:shape xmlns:r="http://schemas.openxmlformats.org/officeDocument/2006/relationships" type="conn" r:blip="" zOrderOff="-99999">
+                        <dgm:adjLst/>
+                      </dgm:shape>
+                      <dgm:presOf axis="self"/>
+                      <dgm:constrLst>
+                        <dgm:constr type="begPad"/>
+                        <dgm:constr type="endPad"/>
+                      </dgm:constrLst>
+                      <dgm:ruleLst/>
+                    </dgm:layoutNode>
+                  </dgm:else>
+                </dgm:choose>
+              </dgm:forEach>
+              <dgm:layoutNode name="hierRoot2">
                 <dgm:varLst>
-                  <dgm:chPref val="3"/>
+                  <dgm:hierBranch val="init"/>
                 </dgm:varLst>
-                <dgm:alg type="tx"/>
-                <dgm:shape xmlns:r="http://schemas.openxmlformats.org/officeDocument/2006/relationships" type="roundRect" r:blip="">
-                  <dgm:adjLst>
-                    <dgm:adj idx="1" val="0.1"/>
-                  </dgm:adjLst>
-                </dgm:shape>
-                <dgm:presOf axis="self"/>
-                <dgm:constrLst>
-                  <dgm:constr type="userH"/>
-                  <dgm:constr type="h" refType="userH"/>
-                  <dgm:constr type="tMarg" refType="primFontSz" fact="0.3"/>
-                  <dgm:constr type="bMarg" refType="primFontSz" fact="0.3"/>
-                  <dgm:constr type="lMarg" refType="primFontSz" fact="0.3"/>
-                  <dgm:constr type="rMarg" refType="primFontSz" fact="0.3"/>
-                </dgm:constrLst>
-                <dgm:ruleLst>
-                  <dgm:rule type="primFontSz" val="5" fact="NaN" max="NaN"/>
-                </dgm:ruleLst>
-              </dgm:layoutNode>
-              <dgm:choose name="Name12">
-                <dgm:if name="Name13" axis="des" ptType="node" func="cnt" op="gt" val="0">
-                  <dgm:layoutNode name="parTransTwo">
-                    <dgm:alg type="sp"/>
+                <dgm:choose name="Name54">
+                  <dgm:if name="Name55" func="var" arg="hierBranch" op="equ" val="l">
+                    <dgm:choose name="Name56">
+                      <dgm:if name="Name57" axis="ch" ptType="asst" func="cnt" op="gte" val="1">
+                        <dgm:alg type="hierRoot">
+                          <dgm:param type="hierAlign" val="tR"/>
+                        </dgm:alg>
+                        <dgm:shape xmlns:r="http://schemas.openxmlformats.org/officeDocument/2006/relationships" r:blip="">
+                          <dgm:adjLst/>
+                        </dgm:shape>
+                        <dgm:presOf/>
+                        <dgm:constrLst>
+                          <dgm:constr type="alignOff" val="0.65"/>
+                        </dgm:constrLst>
+                      </dgm:if>
+                      <dgm:else name="Name58">
+                        <dgm:alg type="hierRoot">
+                          <dgm:param type="hierAlign" val="tR"/>
+                        </dgm:alg>
+                        <dgm:shape xmlns:r="http://schemas.openxmlformats.org/officeDocument/2006/relationships" r:blip="">
+                          <dgm:adjLst/>
+                        </dgm:shape>
+                        <dgm:presOf/>
+                        <dgm:constrLst>
+                          <dgm:constr type="alignOff" val="0.25"/>
+                        </dgm:constrLst>
+                      </dgm:else>
+                    </dgm:choose>
+                  </dgm:if>
+                  <dgm:if name="Name59" func="var" arg="hierBranch" op="equ" val="r">
+                    <dgm:choose name="Name60">
+                      <dgm:if name="Name61" axis="ch" ptType="asst" func="cnt" op="gte" val="1">
+                        <dgm:alg type="hierRoot">
+                          <dgm:param type="hierAlign" val="tL"/>
+                        </dgm:alg>
+                        <dgm:shape xmlns:r="http://schemas.openxmlformats.org/officeDocument/2006/relationships" r:blip="">
+                          <dgm:adjLst/>
+                        </dgm:shape>
+                        <dgm:presOf/>
+                        <dgm:constrLst>
+                          <dgm:constr type="alignOff" val="0.65"/>
+                        </dgm:constrLst>
+                      </dgm:if>
+                      <dgm:else name="Name62">
+                        <dgm:alg type="hierRoot">
+                          <dgm:param type="hierAlign" val="tL"/>
+                        </dgm:alg>
+                        <dgm:shape xmlns:r="http://schemas.openxmlformats.org/officeDocument/2006/relationships" r:blip="">
+                          <dgm:adjLst/>
+                        </dgm:shape>
+                        <dgm:presOf/>
+                        <dgm:constrLst>
+                          <dgm:constr type="alignOff" val="0.25"/>
+                        </dgm:constrLst>
+                      </dgm:else>
+                    </dgm:choose>
+                  </dgm:if>
+                  <dgm:if name="Name63" func="var" arg="hierBranch" op="equ" val="std">
+                    <dgm:alg type="hierRoot"/>
                     <dgm:shape xmlns:r="http://schemas.openxmlformats.org/officeDocument/2006/relationships" r:blip="">
                       <dgm:adjLst/>
                     </dgm:shape>
                     <dgm:presOf/>
+                    <dgm:constrLst>
+                      <dgm:constr type="alignOff"/>
+                      <dgm:constr type="bendDist" for="des" ptType="parTrans" refType="sp" fact="0.5"/>
+                    </dgm:constrLst>
+                  </dgm:if>
+                  <dgm:if name="Name64" func="var" arg="hierBranch" op="equ" val="init">
+                    <dgm:alg type="hierRoot"/>
+                    <dgm:shape xmlns:r="http://schemas.openxmlformats.org/officeDocument/2006/relationships" r:blip="">
+                      <dgm:adjLst/>
+                    </dgm:shape>
+                    <dgm:presOf/>
+                    <dgm:constrLst>
+                      <dgm:constr type="alignOff"/>
+                      <dgm:constr type="bendDist" for="des" ptType="parTrans" refType="sp" fact="0.5"/>
+                    </dgm:constrLst>
+                  </dgm:if>
+                  <dgm:else name="Name65">
+                    <dgm:alg type="hierRoot"/>
+                    <dgm:shape xmlns:r="http://schemas.openxmlformats.org/officeDocument/2006/relationships" r:blip="">
+                      <dgm:adjLst/>
+                    </dgm:shape>
+                    <dgm:presOf/>
+                    <dgm:constrLst>
+                      <dgm:constr type="alignOff" val="0.65"/>
+                    </dgm:constrLst>
+                  </dgm:else>
+                </dgm:choose>
+                <dgm:ruleLst/>
+                <dgm:layoutNode name="rootComposite">
+                  <dgm:alg type="composite"/>
+                  <dgm:shape xmlns:r="http://schemas.openxmlformats.org/officeDocument/2006/relationships" r:blip="">
+                    <dgm:adjLst/>
+                  </dgm:shape>
+                  <dgm:presOf axis="self" ptType="node" cnt="1"/>
+                  <dgm:choose name="Name66">
+                    <dgm:if name="Name67" func="var" arg="hierBranch" op="equ" val="init">
+                      <dgm:constrLst>
+                        <dgm:constr type="l" for="ch" forName="rootText"/>
+                        <dgm:constr type="t" for="ch" forName="rootText"/>
+                        <dgm:constr type="w" for="ch" forName="rootText" refType="w"/>
+                        <dgm:constr type="h" for="ch" forName="rootText" refType="h" fact="0.9"/>
+                        <dgm:constr type="l" for="ch" forName="titleText2" refType="w" fact="0.2"/>
+                        <dgm:constr type="t" for="ch" forName="titleText2" refType="h" fact="0.7"/>
+                        <dgm:constr type="w" for="ch" forName="titleText2" refType="w" fact="0.9"/>
+                        <dgm:constr type="h" for="ch" forName="titleText2" refType="h" fact="0.3"/>
+                        <dgm:constr type="primFontSz" for="des" forName="titleText2" refType="primFontSz" refFor="des" refForName="rootText1" op="lte"/>
+                        <dgm:constr type="l" for="ch" forName="rootConnector"/>
+                        <dgm:constr type="t" for="ch" forName="rootConnector"/>
+                        <dgm:constr type="w" for="ch" forName="rootConnector" refType="w" refFor="ch" refForName="rootText" fact="0.2"/>
+                        <dgm:constr type="h" for="ch" forName="rootConnector" refType="h" refFor="ch" refForName="rootText"/>
+                      </dgm:constrLst>
+                    </dgm:if>
+                    <dgm:if name="Name68" func="var" arg="hierBranch" op="equ" val="l">
+                      <dgm:constrLst>
+                        <dgm:constr type="l" for="ch" forName="rootText"/>
+                        <dgm:constr type="t" for="ch" forName="rootText"/>
+                        <dgm:constr type="w" for="ch" forName="rootText" refType="w"/>
+                        <dgm:constr type="h" for="ch" forName="rootText" refType="h" fact="0.9"/>
+                        <dgm:constr type="l" for="ch" forName="titleText2" refType="w" fact="0.2"/>
+                        <dgm:constr type="t" for="ch" forName="titleText2" refType="h" fact="0.7"/>
+                        <dgm:constr type="w" for="ch" forName="titleText2" refType="w" fact="0.9"/>
+                        <dgm:constr type="h" for="ch" forName="titleText2" refType="h" fact="0.3"/>
+                        <dgm:constr type="primFontSz" for="des" forName="titleText2" refType="primFontSz" refFor="des" refForName="rootText1" op="lte"/>
+                        <dgm:constr type="r" for="ch" forName="rootConnector" refType="w"/>
+                        <dgm:constr type="t" for="ch" forName="rootConnector"/>
+                        <dgm:constr type="w" for="ch" forName="rootConnector" refType="w" refFor="ch" refForName="rootText" fact="0.2"/>
+                        <dgm:constr type="h" for="ch" forName="rootConnector" refType="h" refFor="ch" refForName="rootText"/>
+                      </dgm:constrLst>
+                    </dgm:if>
+                    <dgm:if name="Name69" func="var" arg="hierBranch" op="equ" val="r">
+                      <dgm:constrLst>
+                        <dgm:constr type="l" for="ch" forName="rootText"/>
+                        <dgm:constr type="t" for="ch" forName="rootText"/>
+                        <dgm:constr type="w" for="ch" forName="rootText" refType="w"/>
+                        <dgm:constr type="h" for="ch" forName="rootText" refType="h" fact="0.9"/>
+                        <dgm:constr type="l" for="ch" forName="titleText2" refType="w" fact="0.2"/>
+                        <dgm:constr type="t" for="ch" forName="titleText2" refType="h" fact="0.7"/>
+                        <dgm:constr type="w" for="ch" forName="titleText2" refType="w" fact="0.9"/>
+                        <dgm:constr type="h" for="ch" forName="titleText2" refType="h" fact="0.3"/>
+                        <dgm:constr type="primFontSz" for="des" forName="titleText2" refType="primFontSz" refFor="des" refForName="rootText1" op="lte"/>
+                        <dgm:constr type="l" for="ch" forName="rootConnector"/>
+                        <dgm:constr type="t" for="ch" forName="rootConnector"/>
+                        <dgm:constr type="w" for="ch" forName="rootConnector" refType="w" refFor="ch" refForName="rootText" fact="0.2"/>
+                        <dgm:constr type="h" for="ch" forName="rootConnector" refType="h" refFor="ch" refForName="rootText"/>
+                      </dgm:constrLst>
+                    </dgm:if>
+                    <dgm:else name="Name70">
+                      <dgm:constrLst>
+                        <dgm:constr type="l" for="ch" forName="rootText"/>
+                        <dgm:constr type="t" for="ch" forName="rootText"/>
+                        <dgm:constr type="w" for="ch" forName="rootText" refType="w"/>
+                        <dgm:constr type="h" for="ch" forName="rootText" refType="h" fact="0.9"/>
+                        <dgm:constr type="l" for="ch" forName="titleText2" refType="w" fact="0.2"/>
+                        <dgm:constr type="t" for="ch" forName="titleText2" refType="h" fact="0.7"/>
+                        <dgm:constr type="w" for="ch" forName="titleText2" refType="w" fact="0.9"/>
+                        <dgm:constr type="h" for="ch" forName="titleText2" refType="h" fact="0.3"/>
+                        <dgm:constr type="primFontSz" for="des" forName="titleText2" refType="primFontSz" refFor="des" refForName="rootText1" op="lte"/>
+                        <dgm:constr type="r" for="ch" forName="rootConnector" refType="w"/>
+                        <dgm:constr type="t" for="ch" forName="rootConnector"/>
+                        <dgm:constr type="w" for="ch" forName="rootConnector" refType="w" refFor="ch" refForName="rootText" fact="0.2"/>
+                        <dgm:constr type="h" for="ch" forName="rootConnector" refType="h" refFor="ch" refForName="rootText"/>
+                      </dgm:constrLst>
+                    </dgm:else>
+                  </dgm:choose>
+                  <dgm:ruleLst/>
+                  <dgm:layoutNode name="rootText" styleLbl="node1">
+                    <dgm:varLst>
+                      <dgm:chMax/>
+                      <dgm:chPref val="3"/>
+                    </dgm:varLst>
+                    <dgm:alg type="tx"/>
+                    <dgm:shape xmlns:r="http://schemas.openxmlformats.org/officeDocument/2006/relationships" type="rect" r:blip="">
+                      <dgm:adjLst/>
+                    </dgm:shape>
+                    <dgm:presOf axis="self" ptType="node" cnt="1"/>
+                    <dgm:constrLst>
+                      <dgm:constr type="primFontSz" val="65"/>
+                      <dgm:constr type="lMarg" refType="primFontSz" fact="0.05"/>
+                      <dgm:constr type="rMarg" refType="primFontSz" fact="0.05"/>
+                      <dgm:constr type="tMarg" refType="primFontSz" fact="0.05"/>
+                      <dgm:constr type="bMarg" refType="h" fact="0.4"/>
+                    </dgm:constrLst>
+                    <dgm:ruleLst>
+                      <dgm:rule type="primFontSz" val="5" fact="NaN" max="NaN"/>
+                    </dgm:ruleLst>
+                  </dgm:layoutNode>
+                  <dgm:layoutNode name="titleText2" styleLbl="fgAcc1">
+                    <dgm:varLst>
+                      <dgm:chMax val="0"/>
+                      <dgm:chPref val="0"/>
+                    </dgm:varLst>
+                    <dgm:alg type="tx">
+                      <dgm:param type="parTxLTRAlign" val="r"/>
+                    </dgm:alg>
+                    <dgm:shape xmlns:r="http://schemas.openxmlformats.org/officeDocument/2006/relationships" type="rect" r:blip="">
+                      <dgm:adjLst/>
+                    </dgm:shape>
+                    <dgm:presOf axis="followSib" ptType="sibTrans" hideLastTrans="0" cnt="1"/>
+                    <dgm:constrLst>
+                      <dgm:constr type="primFontSz" val="65"/>
+                      <dgm:constr type="lMarg" refType="primFontSz" fact="0.2"/>
+                      <dgm:constr type="rMarg" refType="primFontSz" fact="0.2"/>
+                      <dgm:constr type="tMarg" refType="primFontSz" fact="0.05"/>
+                      <dgm:constr type="bMarg" refType="primFontSz" fact="0.05"/>
+                    </dgm:constrLst>
+                    <dgm:ruleLst>
+                      <dgm:rule type="primFontSz" val="5" fact="NaN" max="NaN"/>
+                    </dgm:ruleLst>
+                  </dgm:layoutNode>
+                  <dgm:layoutNode name="rootConnector" moveWith="rootText">
+                    <dgm:alg type="sp"/>
+                    <dgm:shape xmlns:r="http://schemas.openxmlformats.org/officeDocument/2006/relationships" type="rect" r:blip="" hideGeom="1">
+                      <dgm:adjLst/>
+                    </dgm:shape>
+                    <dgm:presOf axis="self" ptType="node" cnt="1"/>
                     <dgm:constrLst/>
                     <dgm:ruleLst/>
                   </dgm:layoutNode>
-                </dgm:if>
-                <dgm:else name="Name14"/>
-              </dgm:choose>
-              <dgm:layoutNode name="horzTwo">
-                <dgm:choose name="Name15">
-                  <dgm:if name="Name16" func="var" arg="dir" op="equ" val="norm">
-                    <dgm:alg type="lin">
-                      <dgm:param type="linDir" val="fromL"/>
-                      <dgm:param type="nodeVertAlign" val="t"/>
-                    </dgm:alg>
-                  </dgm:if>
-                  <dgm:else name="Name17">
-                    <dgm:alg type="lin">
-                      <dgm:param type="linDir" val="fromR"/>
-                      <dgm:param type="nodeVertAlign" val="t"/>
-                    </dgm:alg>
-                  </dgm:else>
-                </dgm:choose>
-                <dgm:shape xmlns:r="http://schemas.openxmlformats.org/officeDocument/2006/relationships" r:blip="">
-                  <dgm:adjLst/>
-                </dgm:shape>
-                <dgm:presOf/>
-                <dgm:constrLst/>
-                <dgm:ruleLst>
-                  <dgm:rule type="w" val="INF" fact="NaN" max="NaN"/>
-                </dgm:ruleLst>
-                <dgm:forEach name="Name18" axis="ch" ptType="node">
-                  <dgm:layoutNode name="vertThree">
-                    <dgm:alg type="lin">
-                      <dgm:param type="linDir" val="fromT"/>
+                </dgm:layoutNode>
+                <dgm:layoutNode name="hierChild4">
+                  <dgm:choose name="Name71">
+                    <dgm:if name="Name72" func="var" arg="hierBranch" op="equ" val="l">
+                      <dgm:alg type="hierChild">
+                        <dgm:param type="chAlign" val="r"/>
+                        <dgm:param type="linDir" val="fromT"/>
+                      </dgm:alg>
+                    </dgm:if>
+                    <dgm:if name="Name73" func="var" arg="hierBranch" op="equ" val="r">
+                      <dgm:alg type="hierChild">
+                        <dgm:param type="chAlign" val="l"/>
+                        <dgm:param type="linDir" val="fromT"/>
+                      </dgm:alg>
+                    </dgm:if>
+                    <dgm:if name="Name74" func="var" arg="hierBranch" op="equ" val="hang">
+                      <dgm:choose name="Name75">
+                        <dgm:if name="Name76" func="var" arg="dir" op="equ" val="norm">
+                          <dgm:alg type="hierChild">
+                            <dgm:param type="chAlign" val="l"/>
+                            <dgm:param type="linDir" val="fromL"/>
+                            <dgm:param type="secChAlign" val="t"/>
+                            <dgm:param type="secLinDir" val="fromT"/>
+                          </dgm:alg>
+                        </dgm:if>
+                        <dgm:else name="Name77">
+                          <dgm:alg type="hierChild">
+                            <dgm:param type="chAlign" val="l"/>
+                            <dgm:param type="linDir" val="fromR"/>
+                            <dgm:param type="secChAlign" val="t"/>
+                            <dgm:param type="secLinDir" val="fromT"/>
+                          </dgm:alg>
+                        </dgm:else>
+                      </dgm:choose>
+                    </dgm:if>
+                    <dgm:if name="Name78" func="var" arg="hierBranch" op="equ" val="std">
+                      <dgm:choose name="Name79">
+                        <dgm:if name="Name80" func="var" arg="dir" op="equ" val="norm">
+                          <dgm:alg type="hierChild"/>
+                        </dgm:if>
+                        <dgm:else name="Name81">
+                          <dgm:alg type="hierChild">
+                            <dgm:param type="linDir" val="fromR"/>
+                          </dgm:alg>
+                        </dgm:else>
+                      </dgm:choose>
+                    </dgm:if>
+                    <dgm:if name="Name82" func="var" arg="hierBranch" op="equ" val="init">
+                      <dgm:choose name="Name83">
+                        <dgm:if name="Name84" func="var" arg="dir" op="equ" val="norm">
+                          <dgm:alg type="hierChild"/>
+                        </dgm:if>
+                        <dgm:else name="Name85">
+                          <dgm:alg type="hierChild">
+                            <dgm:param type="linDir" val="fromR"/>
+                          </dgm:alg>
+                        </dgm:else>
+                      </dgm:choose>
+                    </dgm:if>
+                    <dgm:else name="Name86"/>
+                  </dgm:choose>
+                  <dgm:shape xmlns:r="http://schemas.openxmlformats.org/officeDocument/2006/relationships" r:blip="">
+                    <dgm:adjLst/>
+                  </dgm:shape>
+                  <dgm:presOf/>
+                  <dgm:constrLst/>
+                  <dgm:ruleLst/>
+                  <dgm:forEach name="Name87" ref="rep2a"/>
+                </dgm:layoutNode>
+                <dgm:layoutNode name="hierChild5">
+                  <dgm:choose name="Name88">
+                    <dgm:if name="Name89" func="var" arg="dir" op="equ" val="norm">
+                      <dgm:alg type="hierChild">
+                        <dgm:param type="chAlign" val="l"/>
+                        <dgm:param type="linDir" val="fromL"/>
+                        <dgm:param type="secChAlign" val="t"/>
+                        <dgm:param type="secLinDir" val="fromT"/>
+                      </dgm:alg>
+                    </dgm:if>
+                    <dgm:else name="Name90">
+                      <dgm:alg type="hierChild">
+                        <dgm:param type="chAlign" val="l"/>
+                        <dgm:param type="linDir" val="fromR"/>
+                        <dgm:param type="secChAlign" val="t"/>
+                        <dgm:param type="secLinDir" val="fromT"/>
+                      </dgm:alg>
+                    </dgm:else>
+                  </dgm:choose>
+                  <dgm:shape xmlns:r="http://schemas.openxmlformats.org/officeDocument/2006/relationships" r:blip="">
+                    <dgm:adjLst/>
+                  </dgm:shape>
+                  <dgm:presOf/>
+                  <dgm:constrLst/>
+                  <dgm:ruleLst/>
+                  <dgm:forEach name="Name91" ref="rep2b"/>
+                </dgm:layoutNode>
+              </dgm:layoutNode>
+            </dgm:forEach>
+          </dgm:layoutNode>
+          <dgm:layoutNode name="hierChild3">
+            <dgm:choose name="Name92">
+              <dgm:if name="Name93" func="var" arg="dir" op="equ" val="norm">
+                <dgm:alg type="hierChild">
+                  <dgm:param type="chAlign" val="l"/>
+                  <dgm:param type="linDir" val="fromL"/>
+                  <dgm:param type="secChAlign" val="t"/>
+                  <dgm:param type="secLinDir" val="fromT"/>
+                </dgm:alg>
+              </dgm:if>
+              <dgm:else name="Name94">
+                <dgm:alg type="hierChild">
+                  <dgm:param type="chAlign" val="l"/>
+                  <dgm:param type="linDir" val="fromR"/>
+                  <dgm:param type="secChAlign" val="t"/>
+                  <dgm:param type="secLinDir" val="fromT"/>
+                </dgm:alg>
+              </dgm:else>
+            </dgm:choose>
+            <dgm:shape xmlns:r="http://schemas.openxmlformats.org/officeDocument/2006/relationships" r:blip="">
+              <dgm:adjLst/>
+            </dgm:shape>
+            <dgm:presOf/>
+            <dgm:constrLst/>
+            <dgm:ruleLst/>
+            <dgm:forEach name="rep2b" axis="ch" ptType="asst">
+              <dgm:forEach name="Name95" axis="precedSib" ptType="parTrans" st="-1" cnt="1">
+                <dgm:layoutNode name="Name96">
+                  <dgm:alg type="conn">
+                    <dgm:param type="connRout" val="bend"/>
+                    <dgm:param type="dim" val="1D"/>
+                    <dgm:param type="endSty" val="noArr"/>
+                    <dgm:param type="begPts" val="bCtr"/>
+                    <dgm:param type="endPts" val="midL midR"/>
+                  </dgm:alg>
+                  <dgm:shape xmlns:r="http://schemas.openxmlformats.org/officeDocument/2006/relationships" type="conn" r:blip="" zOrderOff="-99999">
+                    <dgm:adjLst/>
+                  </dgm:shape>
+                  <dgm:presOf axis="self"/>
+                  <dgm:constrLst>
+                    <dgm:constr type="begPad"/>
+                    <dgm:constr type="endPad"/>
+                  </dgm:constrLst>
+                  <dgm:ruleLst/>
+                </dgm:layoutNode>
+              </dgm:forEach>
+              <dgm:layoutNode name="hierRoot3">
+                <dgm:varLst>
+                  <dgm:hierBranch val="init"/>
+                </dgm:varLst>
+                <dgm:choose name="Name97">
+                  <dgm:if name="Name98" func="var" arg="hierBranch" op="equ" val="l">
+                    <dgm:alg type="hierRoot">
+                      <dgm:param type="hierAlign" val="tR"/>
                     </dgm:alg>
                     <dgm:shape xmlns:r="http://schemas.openxmlformats.org/officeDocument/2006/relationships" r:blip="">
                       <dgm:adjLst/>
                     </dgm:shape>
                     <dgm:presOf/>
                     <dgm:constrLst>
-                      <dgm:constr type="w" for="ch" forName="txThree" refType="w" refFor="ch" refForName="horzThree" op="gte"/>
+                      <dgm:constr type="alignOff" val="0.65"/>
                     </dgm:constrLst>
-                    <dgm:ruleLst/>
-                    <dgm:layoutNode name="txThree">
-                      <dgm:varLst>
-                        <dgm:chPref val="3"/>
-                      </dgm:varLst>
-                      <dgm:alg type="tx"/>
-                      <dgm:shape xmlns:r="http://schemas.openxmlformats.org/officeDocument/2006/relationships" type="roundRect" r:blip="">
-                        <dgm:adjLst>
-                          <dgm:adj idx="1" val="0.1"/>
-                        </dgm:adjLst>
-                      </dgm:shape>
-                      <dgm:presOf axis="self"/>
-                      <dgm:constrLst>
-                        <dgm:constr type="userH"/>
-                        <dgm:constr type="h" refType="userH"/>
-                        <dgm:constr type="tMarg" refType="primFontSz" fact="0.3"/>
-                        <dgm:constr type="bMarg" refType="primFontSz" fact="0.3"/>
-                        <dgm:constr type="lMarg" refType="primFontSz" fact="0.3"/>
-                        <dgm:constr type="rMarg" refType="primFontSz" fact="0.3"/>
-                      </dgm:constrLst>
-                      <dgm:ruleLst>
-                        <dgm:rule type="primFontSz" val="5" fact="NaN" max="NaN"/>
-                      </dgm:ruleLst>
-                    </dgm:layoutNode>
-                    <dgm:choose name="Name19">
-                      <dgm:if name="Name20" axis="des" ptType="node" func="cnt" op="gt" val="0">
-                        <dgm:layoutNode name="parTransThree">
-                          <dgm:alg type="sp"/>
-                          <dgm:shape xmlns:r="http://schemas.openxmlformats.org/officeDocument/2006/relationships" r:blip="">
-                            <dgm:adjLst/>
-                          </dgm:shape>
-                          <dgm:presOf/>
-                          <dgm:constrLst/>
-                          <dgm:ruleLst/>
-                        </dgm:layoutNode>
-                      </dgm:if>
-                      <dgm:else name="Name21"/>
-                    </dgm:choose>
-                    <dgm:layoutNode name="horzThree">
-                      <dgm:choose name="Name22">
-                        <dgm:if name="Name23" func="var" arg="dir" op="equ" val="norm">
-                          <dgm:alg type="lin">
-                            <dgm:param type="linDir" val="fromL"/>
-                            <dgm:param type="nodeVertAlign" val="t"/>
-                          </dgm:alg>
-                        </dgm:if>
-                        <dgm:else name="Name24">
-                          <dgm:alg type="lin">
-                            <dgm:param type="linDir" val="fromR"/>
-                            <dgm:param type="nodeVertAlign" val="t"/>
-                          </dgm:alg>
-                        </dgm:else>
-                      </dgm:choose>
-                      <dgm:shape xmlns:r="http://schemas.openxmlformats.org/officeDocument/2006/relationships" r:blip="">
-                        <dgm:adjLst/>
-                      </dgm:shape>
-                      <dgm:presOf/>
-                      <dgm:constrLst/>
-                      <dgm:ruleLst>
-                        <dgm:rule type="w" val="INF" fact="NaN" max="NaN"/>
-                      </dgm:ruleLst>
-                      <dgm:forEach name="repeat" axis="ch" ptType="node">
-                        <dgm:layoutNode name="vertFour">
-                          <dgm:varLst>
-                            <dgm:chPref val="3"/>
-                          </dgm:varLst>
-                          <dgm:alg type="lin">
-                            <dgm:param type="linDir" val="fromT"/>
-                          </dgm:alg>
-                          <dgm:shape xmlns:r="http://schemas.openxmlformats.org/officeDocument/2006/relationships" r:blip="">
-                            <dgm:adjLst/>
-                          </dgm:shape>
-                          <dgm:presOf/>
-                          <dgm:constrLst>
-                            <dgm:constr type="w" for="ch" forName="txFour" refType="w" refFor="ch" refForName="horzFour" op="gte"/>
-                          </dgm:constrLst>
-                          <dgm:ruleLst/>
-                          <dgm:layoutNode name="txFour">
-                            <dgm:varLst>
-                              <dgm:chPref val="3"/>
-                            </dgm:varLst>
-                            <dgm:alg type="tx"/>
-                            <dgm:shape xmlns:r="http://schemas.openxmlformats.org/officeDocument/2006/relationships" type="roundRect" r:blip="">
-                              <dgm:adjLst>
-                                <dgm:adj idx="1" val="0.1"/>
-                              </dgm:adjLst>
-                            </dgm:shape>
-                            <dgm:presOf axis="self"/>
-                            <dgm:constrLst>
-                              <dgm:constr type="userH"/>
-                              <dgm:constr type="h" refType="userH"/>
-                              <dgm:constr type="tMarg" refType="primFontSz" fact="0.3"/>
-                              <dgm:constr type="bMarg" refType="primFontSz" fact="0.3"/>
-                              <dgm:constr type="lMarg" refType="primFontSz" fact="0.3"/>
-                              <dgm:constr type="rMarg" refType="primFontSz" fact="0.3"/>
-                            </dgm:constrLst>
-                            <dgm:ruleLst>
-                              <dgm:rule type="primFontSz" val="5" fact="NaN" max="NaN"/>
-                            </dgm:ruleLst>
-                          </dgm:layoutNode>
-                          <dgm:choose name="Name25">
-                            <dgm:if name="Name26" axis="des" ptType="node" func="cnt" op="gt" val="0">
-                              <dgm:layoutNode name="parTransFour">
-                                <dgm:alg type="sp"/>
-                                <dgm:shape xmlns:r="http://schemas.openxmlformats.org/officeDocument/2006/relationships" r:blip="">
-                                  <dgm:adjLst/>
-                                </dgm:shape>
-                                <dgm:presOf/>
-                                <dgm:constrLst/>
-                                <dgm:ruleLst/>
-                              </dgm:layoutNode>
-                            </dgm:if>
-                            <dgm:else name="Name27"/>
-                          </dgm:choose>
-                          <dgm:layoutNode name="horzFour">
-                            <dgm:choose name="Name28">
-                              <dgm:if name="Name29" func="var" arg="dir" op="equ" val="norm">
-                                <dgm:alg type="lin">
-                                  <dgm:param type="linDir" val="fromL"/>
-                                  <dgm:param type="nodeVertAlign" val="t"/>
-                                </dgm:alg>
-                              </dgm:if>
-                              <dgm:else name="Name30">
-                                <dgm:alg type="lin">
-                                  <dgm:param type="linDir" val="fromR"/>
-                                  <dgm:param type="nodeVertAlign" val="t"/>
-                                </dgm:alg>
-                              </dgm:else>
-                            </dgm:choose>
-                            <dgm:shape xmlns:r="http://schemas.openxmlformats.org/officeDocument/2006/relationships" r:blip="">
-                              <dgm:adjLst/>
-                            </dgm:shape>
-                            <dgm:presOf/>
-                            <dgm:constrLst/>
-                            <dgm:ruleLst>
-                              <dgm:rule type="w" val="INF" fact="NaN" max="NaN"/>
-                            </dgm:ruleLst>
-                            <dgm:forEach name="Name31" ref="repeat"/>
-                          </dgm:layoutNode>
-                        </dgm:layoutNode>
-                        <dgm:choose name="Name32">
-                          <dgm:if name="Name33" axis="self" ptType="node" func="revPos" op="gte" val="2">
-                            <dgm:forEach name="Name34" axis="followSib" ptType="sibTrans" cnt="1">
-                              <dgm:layoutNode name="sibSpaceFour">
-                                <dgm:alg type="sp"/>
-                                <dgm:shape xmlns:r="http://schemas.openxmlformats.org/officeDocument/2006/relationships" r:blip="">
-                                  <dgm:adjLst/>
-                                </dgm:shape>
-                                <dgm:presOf/>
-                                <dgm:constrLst/>
-                                <dgm:ruleLst/>
-                              </dgm:layoutNode>
-                            </dgm:forEach>
-                          </dgm:if>
-                          <dgm:else name="Name35"/>
-                        </dgm:choose>
-                      </dgm:forEach>
-                    </dgm:layoutNode>
-                  </dgm:layoutNode>
-                  <dgm:choose name="Name36">
-                    <dgm:if name="Name37" axis="self" ptType="node" func="revPos" op="gte" val="2">
-                      <dgm:forEach name="Name38" axis="followSib" ptType="sibTrans" cnt="1">
-                        <dgm:layoutNode name="sibSpaceThree">
-                          <dgm:alg type="sp"/>
-                          <dgm:shape xmlns:r="http://schemas.openxmlformats.org/officeDocument/2006/relationships" r:blip="">
-                            <dgm:adjLst/>
-                          </dgm:shape>
-                          <dgm:presOf/>
-                          <dgm:constrLst/>
-                          <dgm:ruleLst/>
-                        </dgm:layoutNode>
-                      </dgm:forEach>
-                    </dgm:if>
-                    <dgm:else name="Name39"/>
-                  </dgm:choose>
-                </dgm:forEach>
-              </dgm:layoutNode>
-            </dgm:layoutNode>
-            <dgm:choose name="Name40">
-              <dgm:if name="Name41" axis="self" ptType="node" func="revPos" op="gte" val="2">
-                <dgm:forEach name="Name42" axis="followSib" ptType="sibTrans" cnt="1">
-                  <dgm:layoutNode name="sibSpaceTwo">
-                    <dgm:alg type="sp"/>
+                  </dgm:if>
+                  <dgm:if name="Name99" func="var" arg="hierBranch" op="equ" val="r">
+                    <dgm:alg type="hierRoot">
+                      <dgm:param type="hierAlign" val="tL"/>
+                    </dgm:alg>
                     <dgm:shape xmlns:r="http://schemas.openxmlformats.org/officeDocument/2006/relationships" r:blip="">
                       <dgm:adjLst/>
                     </dgm:shape>
                     <dgm:presOf/>
+                    <dgm:constrLst>
+                      <dgm:constr type="alignOff" val="0.65"/>
+                    </dgm:constrLst>
+                  </dgm:if>
+                  <dgm:if name="Name100" func="var" arg="hierBranch" op="equ" val="hang">
+                    <dgm:alg type="hierRoot"/>
+                    <dgm:shape xmlns:r="http://schemas.openxmlformats.org/officeDocument/2006/relationships" r:blip="">
+                      <dgm:adjLst/>
+                    </dgm:shape>
+                    <dgm:presOf/>
+                    <dgm:constrLst>
+                      <dgm:constr type="alignOff" val="0.65"/>
+                    </dgm:constrLst>
+                  </dgm:if>
+                  <dgm:if name="Name101" func="var" arg="hierBranch" op="equ" val="std">
+                    <dgm:alg type="hierRoot"/>
+                    <dgm:shape xmlns:r="http://schemas.openxmlformats.org/officeDocument/2006/relationships" r:blip="">
+                      <dgm:adjLst/>
+                    </dgm:shape>
+                    <dgm:presOf/>
+                    <dgm:constrLst>
+                      <dgm:constr type="alignOff"/>
+                      <dgm:constr type="bendDist" for="des" ptType="parTrans" refType="sp" fact="0.5"/>
+                    </dgm:constrLst>
+                  </dgm:if>
+                  <dgm:if name="Name102" func="var" arg="hierBranch" op="equ" val="init">
+                    <dgm:alg type="hierRoot"/>
+                    <dgm:shape xmlns:r="http://schemas.openxmlformats.org/officeDocument/2006/relationships" r:blip="">
+                      <dgm:adjLst/>
+                    </dgm:shape>
+                    <dgm:presOf/>
+                    <dgm:constrLst>
+                      <dgm:constr type="alignOff"/>
+                      <dgm:constr type="bendDist" for="des" ptType="parTrans" refType="sp" fact="0.5"/>
+                    </dgm:constrLst>
+                  </dgm:if>
+                  <dgm:else name="Name103"/>
+                </dgm:choose>
+                <dgm:ruleLst/>
+                <dgm:layoutNode name="rootComposite3">
+                  <dgm:alg type="composite"/>
+                  <dgm:shape xmlns:r="http://schemas.openxmlformats.org/officeDocument/2006/relationships" r:blip="">
+                    <dgm:adjLst/>
+                  </dgm:shape>
+                  <dgm:presOf axis="self" ptType="node" cnt="1"/>
+                  <dgm:choose name="Name104">
+                    <dgm:if name="Name105" func="var" arg="hierBranch" op="equ" val="init">
+                      <dgm:constrLst>
+                        <dgm:constr type="l" for="ch" forName="rootText3"/>
+                        <dgm:constr type="t" for="ch" forName="rootText3"/>
+                        <dgm:constr type="w" for="ch" forName="rootText3" refType="w"/>
+                        <dgm:constr type="h" for="ch" forName="rootText3" refType="h" fact="0.9"/>
+                        <dgm:constr type="l" for="ch" forName="titleText3" refType="w" fact="0.2"/>
+                        <dgm:constr type="t" for="ch" forName="titleText3" refType="h" fact="0.7"/>
+                        <dgm:constr type="w" for="ch" forName="titleText3" refType="w" fact="0.9"/>
+                        <dgm:constr type="h" for="ch" forName="titleText3" refType="h" fact="0.3"/>
+                        <dgm:constr type="primFontSz" for="des" forName="titleText3" refType="primFontSz" refFor="des" refForName="rootText3" op="lte"/>
+                        <dgm:constr type="l" for="ch" forName="rootConnector3"/>
+                        <dgm:constr type="t" for="ch" forName="rootConnector3"/>
+                        <dgm:constr type="w" for="ch" forName="rootConnector3" refType="w" refFor="ch" refForName="rootText3" fact="0.2"/>
+                        <dgm:constr type="h" for="ch" forName="rootConnector3" refType="h" refFor="ch" refForName="rootText3"/>
+                      </dgm:constrLst>
+                    </dgm:if>
+                    <dgm:if name="Name106" func="var" arg="hierBranch" op="equ" val="l">
+                      <dgm:constrLst>
+                        <dgm:constr type="l" for="ch" forName="rootText3"/>
+                        <dgm:constr type="t" for="ch" forName="rootText3"/>
+                        <dgm:constr type="w" for="ch" forName="rootText3" refType="w"/>
+                        <dgm:constr type="h" for="ch" forName="rootText3" refType="h" fact="0.9"/>
+                        <dgm:constr type="l" for="ch" forName="titleText3" refType="w" fact="0.2"/>
+                        <dgm:constr type="t" for="ch" forName="titleText3" refType="h" fact="0.7"/>
+                        <dgm:constr type="w" for="ch" forName="titleText3" refType="w" fact="0.9"/>
+                        <dgm:constr type="h" for="ch" forName="titleText3" refType="h" fact="0.3"/>
+                        <dgm:constr type="primFontSz" for="des" forName="titleText3" refType="primFontSz" refFor="des" refForName="rootText3" op="lte"/>
+                        <dgm:constr type="r" for="ch" forName="rootConnector3" refType="w"/>
+                        <dgm:constr type="t" for="ch" forName="rootConnector3"/>
+                        <dgm:constr type="w" for="ch" forName="rootConnector3" refType="w" refFor="ch" refForName="rootText3" fact="0.2"/>
+                        <dgm:constr type="h" for="ch" forName="rootConnector3" refType="h" refFor="ch" refForName="rootText3"/>
+                      </dgm:constrLst>
+                    </dgm:if>
+                    <dgm:if name="Name107" func="var" arg="hierBranch" op="equ" val="r">
+                      <dgm:constrLst>
+                        <dgm:constr type="l" for="ch" forName="rootText3"/>
+                        <dgm:constr type="t" for="ch" forName="rootText3"/>
+                        <dgm:constr type="w" for="ch" forName="rootText3" refType="w"/>
+                        <dgm:constr type="h" for="ch" forName="rootText3" refType="h" fact="0.9"/>
+                        <dgm:constr type="l" for="ch" forName="titleText3" refType="w" fact="0.2"/>
+                        <dgm:constr type="t" for="ch" forName="titleText3" refType="h" fact="0.7"/>
+                        <dgm:constr type="w" for="ch" forName="titleText3" refType="w" fact="0.9"/>
+                        <dgm:constr type="h" for="ch" forName="titleText3" refType="h" fact="0.3"/>
+                        <dgm:constr type="primFontSz" for="des" forName="titleText3" refType="primFontSz" refFor="des" refForName="rootText3" op="lte"/>
+                        <dgm:constr type="l" for="ch" forName="rootConnector3"/>
+                        <dgm:constr type="t" for="ch" forName="rootConnector3"/>
+                        <dgm:constr type="w" for="ch" forName="rootConnector3" refType="w" refFor="ch" refForName="rootText3" fact="0.2"/>
+                        <dgm:constr type="h" for="ch" forName="rootConnector3" refType="h" refFor="ch" refForName="rootText3"/>
+                      </dgm:constrLst>
+                    </dgm:if>
+                    <dgm:else name="Name108">
+                      <dgm:constrLst>
+                        <dgm:constr type="l" for="ch" forName="rootText3"/>
+                        <dgm:constr type="t" for="ch" forName="rootText3"/>
+                        <dgm:constr type="w" for="ch" forName="rootText3" refType="w"/>
+                        <dgm:constr type="h" for="ch" forName="rootText3" refType="h" fact="0.9"/>
+                        <dgm:constr type="l" for="ch" forName="titleText3" refType="w" fact="0.2"/>
+                        <dgm:constr type="t" for="ch" forName="titleText3" refType="h" fact="0.7"/>
+                        <dgm:constr type="w" for="ch" forName="titleText3" refType="w" fact="0.9"/>
+                        <dgm:constr type="h" for="ch" forName="titleText3" refType="h" fact="0.3"/>
+                        <dgm:constr type="primFontSz" for="des" forName="titleText3" refType="primFontSz" refFor="des" refForName="rootText3" op="lte"/>
+                        <dgm:constr type="r" for="ch" forName="rootConnector3" refType="w"/>
+                        <dgm:constr type="t" for="ch" forName="rootConnector3"/>
+                        <dgm:constr type="w" for="ch" forName="rootConnector3" refType="w" refFor="ch" refForName="rootText3" fact="0.2"/>
+                        <dgm:constr type="h" for="ch" forName="rootConnector3" refType="h" refFor="ch" refForName="rootText3"/>
+                      </dgm:constrLst>
+                    </dgm:else>
+                  </dgm:choose>
+                  <dgm:ruleLst/>
+                  <dgm:layoutNode name="rootText3" styleLbl="asst1">
+                    <dgm:varLst>
+                      <dgm:chPref val="3"/>
+                    </dgm:varLst>
+                    <dgm:alg type="tx"/>
+                    <dgm:shape xmlns:r="http://schemas.openxmlformats.org/officeDocument/2006/relationships" type="rect" r:blip="">
+                      <dgm:adjLst/>
+                    </dgm:shape>
+                    <dgm:presOf axis="self" ptType="node" cnt="1"/>
+                    <dgm:constrLst>
+                      <dgm:constr type="primFontSz" val="65"/>
+                      <dgm:constr type="lMarg" refType="primFontSz" fact="0.05"/>
+                      <dgm:constr type="rMarg" refType="primFontSz" fact="0.05"/>
+                      <dgm:constr type="tMarg" refType="primFontSz" fact="0.05"/>
+                      <dgm:constr type="bMarg" refType="h" fact="0.4"/>
+                    </dgm:constrLst>
+                    <dgm:ruleLst>
+                      <dgm:rule type="primFontSz" val="5" fact="NaN" max="NaN"/>
+                    </dgm:ruleLst>
+                  </dgm:layoutNode>
+                  <dgm:layoutNode name="titleText3" styleLbl="fgAcc2">
+                    <dgm:varLst>
+                      <dgm:chMax val="0"/>
+                      <dgm:chPref val="0"/>
+                    </dgm:varLst>
+                    <dgm:alg type="tx">
+                      <dgm:param type="parTxLTRAlign" val="r"/>
+                    </dgm:alg>
+                    <dgm:shape xmlns:r="http://schemas.openxmlformats.org/officeDocument/2006/relationships" type="rect" r:blip="">
+                      <dgm:adjLst/>
+                    </dgm:shape>
+                    <dgm:presOf axis="followSib" ptType="sibTrans" hideLastTrans="0" cnt="1"/>
+                    <dgm:constrLst>
+                      <dgm:constr type="primFontSz" val="65"/>
+                      <dgm:constr type="lMarg" refType="primFontSz" fact="0.2"/>
+                      <dgm:constr type="rMarg" refType="primFontSz" fact="0.2"/>
+                      <dgm:constr type="tMarg" refType="primFontSz" fact="0.05"/>
+                      <dgm:constr type="bMarg" refType="primFontSz" fact="0.05"/>
+                    </dgm:constrLst>
+                    <dgm:ruleLst>
+                      <dgm:rule type="primFontSz" val="5" fact="NaN" max="NaN"/>
+                    </dgm:ruleLst>
+                  </dgm:layoutNode>
+                  <dgm:layoutNode name="rootConnector3" moveWith="rootText1">
+                    <dgm:alg type="sp"/>
+                    <dgm:shape xmlns:r="http://schemas.openxmlformats.org/officeDocument/2006/relationships" type="rect" r:blip="" hideGeom="1">
+                      <dgm:adjLst/>
+                    </dgm:shape>
+                    <dgm:presOf axis="self" ptType="node" cnt="1"/>
                     <dgm:constrLst/>
                     <dgm:ruleLst/>
                   </dgm:layoutNode>
-                </dgm:forEach>
-              </dgm:if>
-              <dgm:else name="Name43"/>
-            </dgm:choose>
-          </dgm:forEach>
+                </dgm:layoutNode>
+                <dgm:layoutNode name="hierChild6">
+                  <dgm:choose name="Name109">
+                    <dgm:if name="Name110" func="var" arg="hierBranch" op="equ" val="l">
+                      <dgm:alg type="hierChild">
+                        <dgm:param type="chAlign" val="r"/>
+                        <dgm:param type="linDir" val="fromT"/>
+                      </dgm:alg>
+                    </dgm:if>
+                    <dgm:if name="Name111" func="var" arg="hierBranch" op="equ" val="r">
+                      <dgm:alg type="hierChild">
+                        <dgm:param type="chAlign" val="l"/>
+                        <dgm:param type="linDir" val="fromT"/>
+                      </dgm:alg>
+                    </dgm:if>
+                    <dgm:if name="Name112" func="var" arg="hierBranch" op="equ" val="hang">
+                      <dgm:choose name="Name113">
+                        <dgm:if name="Name114" func="var" arg="dir" op="equ" val="norm">
+                          <dgm:alg type="hierChild">
+                            <dgm:param type="chAlign" val="l"/>
+                            <dgm:param type="linDir" val="fromL"/>
+                            <dgm:param type="secChAlign" val="t"/>
+                            <dgm:param type="secLinDir" val="fromT"/>
+                          </dgm:alg>
+                        </dgm:if>
+                        <dgm:else name="Name115">
+                          <dgm:alg type="hierChild">
+                            <dgm:param type="chAlign" val="l"/>
+                            <dgm:param type="linDir" val="fromR"/>
+                            <dgm:param type="secChAlign" val="t"/>
+                            <dgm:param type="secLinDir" val="fromT"/>
+                          </dgm:alg>
+                        </dgm:else>
+                      </dgm:choose>
+                    </dgm:if>
+                    <dgm:if name="Name116" func="var" arg="hierBranch" op="equ" val="std">
+                      <dgm:choose name="Name117">
+                        <dgm:if name="Name118" func="var" arg="dir" op="equ" val="norm">
+                          <dgm:alg type="hierChild"/>
+                        </dgm:if>
+                        <dgm:else name="Name119">
+                          <dgm:alg type="hierChild">
+                            <dgm:param type="linDir" val="fromR"/>
+                          </dgm:alg>
+                        </dgm:else>
+                      </dgm:choose>
+                    </dgm:if>
+                    <dgm:if name="Name120" func="var" arg="hierBranch" op="equ" val="init">
+                      <dgm:alg type="hierChild"/>
+                    </dgm:if>
+                    <dgm:else name="Name121"/>
+                  </dgm:choose>
+                  <dgm:shape xmlns:r="http://schemas.openxmlformats.org/officeDocument/2006/relationships" r:blip="">
+                    <dgm:adjLst/>
+                  </dgm:shape>
+                  <dgm:presOf/>
+                  <dgm:constrLst/>
+                  <dgm:ruleLst/>
+                  <dgm:forEach name="Name122" ref="rep2a"/>
+                </dgm:layoutNode>
+                <dgm:layoutNode name="hierChild7">
+                  <dgm:choose name="Name123">
+                    <dgm:if name="Name124" func="var" arg="dir" op="equ" val="norm">
+                      <dgm:alg type="hierChild">
+                        <dgm:param type="chAlign" val="l"/>
+                        <dgm:param type="linDir" val="fromL"/>
+                        <dgm:param type="secChAlign" val="t"/>
+                        <dgm:param type="secLinDir" val="fromT"/>
+                      </dgm:alg>
+                    </dgm:if>
+                    <dgm:else name="Name125">
+                      <dgm:alg type="hierChild">
+                        <dgm:param type="chAlign" val="l"/>
+                        <dgm:param type="linDir" val="fromR"/>
+                        <dgm:param type="secChAlign" val="t"/>
+                        <dgm:param type="secLinDir" val="fromT"/>
+                      </dgm:alg>
+                    </dgm:else>
+                  </dgm:choose>
+                  <dgm:shape xmlns:r="http://schemas.openxmlformats.org/officeDocument/2006/relationships" r:blip="">
+                    <dgm:adjLst/>
+                  </dgm:shape>
+                  <dgm:presOf/>
+                  <dgm:constrLst/>
+                  <dgm:ruleLst/>
+                  <dgm:forEach name="Name126" ref="rep2b"/>
+                </dgm:layoutNode>
+              </dgm:layoutNode>
+            </dgm:forEach>
+          </dgm:layoutNode>
         </dgm:layoutNode>
-      </dgm:layoutNode>
-      <dgm:choose name="Name44">
-        <dgm:if name="Name45" axis="self" ptType="node" func="revPos" op="gte" val="2">
-          <dgm:forEach name="Name46" axis="followSib" ptType="sibTrans" cnt="1">
-            <dgm:layoutNode name="sibSpaceOne">
-              <dgm:alg type="sp"/>
-              <dgm:shape xmlns:r="http://schemas.openxmlformats.org/officeDocument/2006/relationships" r:blip="">
-                <dgm:adjLst/>
-              </dgm:shape>
-              <dgm:presOf/>
-              <dgm:constrLst/>
-              <dgm:ruleLst/>
-            </dgm:layoutNode>
-          </dgm:forEach>
-        </dgm:if>
-        <dgm:else name="Name47"/>
-      </dgm:choose>
+      </dgm:forEach>
     </dgm:forEach>
   </dgm:layoutNode>
 </dgm:layoutDef>
@@ -11312,7 +13566,7 @@
           <a:p>
             <a:fld id="{1A086832-2622-4354-BD9D-64D40320B320}" type="datetimeFigureOut">
               <a:rPr kumimoji="1" lang="ja-JP" altLang="en-US" smtClean="0"/>
-              <a:t>2024/9/14</a:t>
+              <a:t>2024/9/15</a:t>
             </a:fld>
             <a:endParaRPr kumimoji="1" lang="ja-JP" altLang="en-US"/>
           </a:p>
@@ -11542,7 +13796,7 @@
           <a:p>
             <a:fld id="{1A086832-2622-4354-BD9D-64D40320B320}" type="datetimeFigureOut">
               <a:rPr kumimoji="1" lang="ja-JP" altLang="en-US" smtClean="0"/>
-              <a:t>2024/9/14</a:t>
+              <a:t>2024/9/15</a:t>
             </a:fld>
             <a:endParaRPr kumimoji="1" lang="ja-JP" altLang="en-US"/>
           </a:p>
@@ -11782,7 +14036,7 @@
           <a:p>
             <a:fld id="{1A086832-2622-4354-BD9D-64D40320B320}" type="datetimeFigureOut">
               <a:rPr kumimoji="1" lang="ja-JP" altLang="en-US" smtClean="0"/>
-              <a:t>2024/9/14</a:t>
+              <a:t>2024/9/15</a:t>
             </a:fld>
             <a:endParaRPr kumimoji="1" lang="ja-JP" altLang="en-US"/>
           </a:p>
@@ -12012,7 +14266,7 @@
           <a:p>
             <a:fld id="{1A086832-2622-4354-BD9D-64D40320B320}" type="datetimeFigureOut">
               <a:rPr kumimoji="1" lang="ja-JP" altLang="en-US" smtClean="0"/>
-              <a:t>2024/9/14</a:t>
+              <a:t>2024/9/15</a:t>
             </a:fld>
             <a:endParaRPr kumimoji="1" lang="ja-JP" altLang="en-US"/>
           </a:p>
@@ -12287,7 +14541,7 @@
           <a:p>
             <a:fld id="{1A086832-2622-4354-BD9D-64D40320B320}" type="datetimeFigureOut">
               <a:rPr kumimoji="1" lang="ja-JP" altLang="en-US" smtClean="0"/>
-              <a:t>2024/9/14</a:t>
+              <a:t>2024/9/15</a:t>
             </a:fld>
             <a:endParaRPr kumimoji="1" lang="ja-JP" altLang="en-US"/>
           </a:p>
@@ -12616,7 +14870,7 @@
           <a:p>
             <a:fld id="{1A086832-2622-4354-BD9D-64D40320B320}" type="datetimeFigureOut">
               <a:rPr kumimoji="1" lang="ja-JP" altLang="en-US" smtClean="0"/>
-              <a:t>2024/9/14</a:t>
+              <a:t>2024/9/15</a:t>
             </a:fld>
             <a:endParaRPr kumimoji="1" lang="ja-JP" altLang="en-US"/>
           </a:p>
@@ -13092,7 +15346,7 @@
           <a:p>
             <a:fld id="{1A086832-2622-4354-BD9D-64D40320B320}" type="datetimeFigureOut">
               <a:rPr kumimoji="1" lang="ja-JP" altLang="en-US" smtClean="0"/>
-              <a:t>2024/9/14</a:t>
+              <a:t>2024/9/15</a:t>
             </a:fld>
             <a:endParaRPr kumimoji="1" lang="ja-JP" altLang="en-US"/>
           </a:p>
@@ -13233,7 +15487,7 @@
           <a:p>
             <a:fld id="{1A086832-2622-4354-BD9D-64D40320B320}" type="datetimeFigureOut">
               <a:rPr kumimoji="1" lang="ja-JP" altLang="en-US" smtClean="0"/>
-              <a:t>2024/9/14</a:t>
+              <a:t>2024/9/15</a:t>
             </a:fld>
             <a:endParaRPr kumimoji="1" lang="ja-JP" altLang="en-US"/>
           </a:p>
@@ -13346,7 +15600,7 @@
           <a:p>
             <a:fld id="{1A086832-2622-4354-BD9D-64D40320B320}" type="datetimeFigureOut">
               <a:rPr kumimoji="1" lang="ja-JP" altLang="en-US" smtClean="0"/>
-              <a:t>2024/9/14</a:t>
+              <a:t>2024/9/15</a:t>
             </a:fld>
             <a:endParaRPr kumimoji="1" lang="ja-JP" altLang="en-US"/>
           </a:p>
@@ -13689,7 +15943,7 @@
           <a:p>
             <a:fld id="{1A086832-2622-4354-BD9D-64D40320B320}" type="datetimeFigureOut">
               <a:rPr kumimoji="1" lang="ja-JP" altLang="en-US" smtClean="0"/>
-              <a:t>2024/9/14</a:t>
+              <a:t>2024/9/15</a:t>
             </a:fld>
             <a:endParaRPr kumimoji="1" lang="ja-JP" altLang="en-US"/>
           </a:p>
@@ -13977,7 +16231,7 @@
           <a:p>
             <a:fld id="{1A086832-2622-4354-BD9D-64D40320B320}" type="datetimeFigureOut">
               <a:rPr kumimoji="1" lang="ja-JP" altLang="en-US" smtClean="0"/>
-              <a:t>2024/9/14</a:t>
+              <a:t>2024/9/15</a:t>
             </a:fld>
             <a:endParaRPr kumimoji="1" lang="ja-JP" altLang="en-US"/>
           </a:p>
@@ -14250,7 +16504,7 @@
           <a:p>
             <a:fld id="{1A086832-2622-4354-BD9D-64D40320B320}" type="datetimeFigureOut">
               <a:rPr kumimoji="1" lang="ja-JP" altLang="en-US" smtClean="0"/>
-              <a:t>2024/9/14</a:t>
+              <a:t>2024/9/15</a:t>
             </a:fld>
             <a:endParaRPr kumimoji="1" lang="ja-JP" altLang="en-US"/>
           </a:p>
@@ -15791,42 +18045,1455 @@
           <a:chExt cx="0" cy="0"/>
         </a:xfrm>
       </p:grpSpPr>
-      <p:graphicFrame>
-        <p:nvGraphicFramePr>
-          <p:cNvPr id="5" name="図表 4">
+      <p:grpSp>
+        <p:nvGrpSpPr>
+          <p:cNvPr id="4" name="グループ化 3">
             <a:extLst>
               <a:ext uri="{FF2B5EF4-FFF2-40B4-BE49-F238E27FC236}">
-                <a16:creationId xmlns:a16="http://schemas.microsoft.com/office/drawing/2014/main" id="{59DD4688-5209-4266-9A68-7227D139848A}"/>
+                <a16:creationId xmlns:a16="http://schemas.microsoft.com/office/drawing/2014/main" id="{9C79BD39-4545-49E5-9ED4-5CAD47EBA2B6}"/>
               </a:ext>
             </a:extLst>
           </p:cNvPr>
-          <p:cNvGraphicFramePr>
-            <a:graphicFrameLocks/>
-          </p:cNvGraphicFramePr>
-          <p:nvPr>
-            <p:extLst>
-              <p:ext uri="{D42A27DB-BD31-4B8C-83A1-F6EECF244321}">
-                <p14:modId xmlns:p14="http://schemas.microsoft.com/office/powerpoint/2010/main" val="3425338014"/>
-              </p:ext>
-            </p:extLst>
-          </p:nvPr>
-        </p:nvGraphicFramePr>
-        <p:xfrm>
-          <a:off x="2032000" y="719665"/>
-          <a:ext cx="3657600" cy="2286000"/>
-        </p:xfrm>
-        <a:graphic>
-          <a:graphicData uri="http://schemas.openxmlformats.org/drawingml/2006/diagram">
-            <dgm:relIds xmlns:dgm="http://schemas.openxmlformats.org/drawingml/2006/diagram" xmlns:r="http://schemas.openxmlformats.org/officeDocument/2006/relationships" r:dm="rId2" r:lo="rId3" r:qs="rId4" r:cs="rId5"/>
-          </a:graphicData>
-        </a:graphic>
-      </p:graphicFrame>
+          <p:cNvGrpSpPr/>
+          <p:nvPr/>
+        </p:nvGrpSpPr>
+        <p:grpSpPr>
+          <a:xfrm>
+            <a:off x="1264848" y="2167309"/>
+            <a:ext cx="1169789" cy="718839"/>
+            <a:chOff x="2487391" y="783580"/>
+            <a:chExt cx="1169789" cy="718839"/>
+          </a:xfrm>
+          <a:solidFill>
+            <a:schemeClr val="accent1">
+              <a:lumMod val="60000"/>
+              <a:lumOff val="40000"/>
+            </a:schemeClr>
+          </a:solidFill>
+        </p:grpSpPr>
+        <p:sp>
+          <p:nvSpPr>
+            <p:cNvPr id="7" name="四角形: 角を丸くする 6">
+              <a:extLst>
+                <a:ext uri="{FF2B5EF4-FFF2-40B4-BE49-F238E27FC236}">
+                  <a16:creationId xmlns:a16="http://schemas.microsoft.com/office/drawing/2014/main" id="{08148D08-68FC-47E7-A9CF-89E8EE02ED98}"/>
+                </a:ext>
+              </a:extLst>
+            </p:cNvPr>
+            <p:cNvSpPr/>
+            <p:nvPr/>
+          </p:nvSpPr>
+          <p:spPr>
+            <a:xfrm>
+              <a:off x="2487391" y="783580"/>
+              <a:ext cx="1169789" cy="718839"/>
+            </a:xfrm>
+            <a:prstGeom prst="roundRect">
+              <a:avLst>
+                <a:gd name="adj" fmla="val 10000"/>
+              </a:avLst>
+            </a:prstGeom>
+            <a:grpFill/>
+          </p:spPr>
+          <p:style>
+            <a:lnRef idx="2">
+              <a:schemeClr val="lt1">
+                <a:hueOff val="0"/>
+                <a:satOff val="0"/>
+                <a:lumOff val="0"/>
+                <a:alphaOff val="0"/>
+              </a:schemeClr>
+            </a:lnRef>
+            <a:fillRef idx="1">
+              <a:scrgbClr r="0" g="0" b="0"/>
+            </a:fillRef>
+            <a:effectRef idx="0">
+              <a:schemeClr val="accent1">
+                <a:hueOff val="0"/>
+                <a:satOff val="0"/>
+                <a:lumOff val="0"/>
+                <a:alphaOff val="0"/>
+              </a:schemeClr>
+            </a:effectRef>
+            <a:fontRef idx="minor">
+              <a:schemeClr val="lt1"/>
+            </a:fontRef>
+          </p:style>
+        </p:sp>
+        <p:sp>
+          <p:nvSpPr>
+            <p:cNvPr id="8" name="四角形: 角を丸くする 4">
+              <a:extLst>
+                <a:ext uri="{FF2B5EF4-FFF2-40B4-BE49-F238E27FC236}">
+                  <a16:creationId xmlns:a16="http://schemas.microsoft.com/office/drawing/2014/main" id="{6A8B32C3-A695-4B47-A361-00B78AE53512}"/>
+                </a:ext>
+              </a:extLst>
+            </p:cNvPr>
+            <p:cNvSpPr txBox="1"/>
+            <p:nvPr/>
+          </p:nvSpPr>
+          <p:spPr>
+            <a:xfrm>
+              <a:off x="2508445" y="804634"/>
+              <a:ext cx="1127681" cy="676731"/>
+            </a:xfrm>
+            <a:prstGeom prst="rect">
+              <a:avLst/>
+            </a:prstGeom>
+            <a:grpFill/>
+          </p:spPr>
+          <p:style>
+            <a:lnRef idx="0">
+              <a:scrgbClr r="0" g="0" b="0"/>
+            </a:lnRef>
+            <a:fillRef idx="0">
+              <a:scrgbClr r="0" g="0" b="0"/>
+            </a:fillRef>
+            <a:effectRef idx="0">
+              <a:scrgbClr r="0" g="0" b="0"/>
+            </a:effectRef>
+            <a:fontRef idx="minor">
+              <a:schemeClr val="lt1"/>
+            </a:fontRef>
+          </p:style>
+          <p:txBody>
+            <a:bodyPr spcFirstLastPara="0" vert="horz" wrap="square" lIns="76200" tIns="76200" rIns="76200" bIns="76200" numCol="1" spcCol="1270" anchor="ctr" anchorCtr="0">
+              <a:noAutofit/>
+            </a:bodyPr>
+            <a:lstStyle/>
+            <a:p>
+              <a:pPr marL="0" lvl="0" indent="0" algn="ctr" defTabSz="889000">
+                <a:lnSpc>
+                  <a:spcPct val="90000"/>
+                </a:lnSpc>
+                <a:spcBef>
+                  <a:spcPct val="0"/>
+                </a:spcBef>
+                <a:spcAft>
+                  <a:spcPct val="35000"/>
+                </a:spcAft>
+                <a:buNone/>
+              </a:pPr>
+              <a:r>
+                <a:rPr lang="en-US" sz="2000" b="1" kern="1200" dirty="0">
+                  <a:solidFill>
+                    <a:schemeClr val="tx1"/>
+                  </a:solidFill>
+                  <a:latin typeface="Calibri" panose="020F0502020204030204" pitchFamily="34" charset="0"/>
+                  <a:cs typeface="Calibri" panose="020F0502020204030204" pitchFamily="34" charset="0"/>
+                </a:rPr>
+                <a:t>Planned</a:t>
+              </a:r>
+            </a:p>
+          </p:txBody>
+        </p:sp>
+      </p:grpSp>
+      <p:grpSp>
+        <p:nvGrpSpPr>
+          <p:cNvPr id="10" name="グループ化 9">
+            <a:extLst>
+              <a:ext uri="{FF2B5EF4-FFF2-40B4-BE49-F238E27FC236}">
+                <a16:creationId xmlns:a16="http://schemas.microsoft.com/office/drawing/2014/main" id="{4136764E-AF54-4D7C-A5AC-4A8E3E7C7171}"/>
+              </a:ext>
+            </a:extLst>
+          </p:cNvPr>
+          <p:cNvGrpSpPr/>
+          <p:nvPr/>
+        </p:nvGrpSpPr>
+        <p:grpSpPr>
+          <a:xfrm>
+            <a:off x="2935656" y="2167309"/>
+            <a:ext cx="1169789" cy="718839"/>
+            <a:chOff x="2487391" y="783580"/>
+            <a:chExt cx="1169789" cy="718839"/>
+          </a:xfrm>
+          <a:solidFill>
+            <a:schemeClr val="accent2">
+              <a:lumMod val="60000"/>
+              <a:lumOff val="40000"/>
+            </a:schemeClr>
+          </a:solidFill>
+        </p:grpSpPr>
+        <p:sp>
+          <p:nvSpPr>
+            <p:cNvPr id="11" name="四角形: 角を丸くする 10">
+              <a:extLst>
+                <a:ext uri="{FF2B5EF4-FFF2-40B4-BE49-F238E27FC236}">
+                  <a16:creationId xmlns:a16="http://schemas.microsoft.com/office/drawing/2014/main" id="{B28D1C41-2902-4E00-9AF0-051AD3BAFCD2}"/>
+                </a:ext>
+              </a:extLst>
+            </p:cNvPr>
+            <p:cNvSpPr/>
+            <p:nvPr/>
+          </p:nvSpPr>
+          <p:spPr>
+            <a:xfrm>
+              <a:off x="2487391" y="783580"/>
+              <a:ext cx="1169789" cy="718839"/>
+            </a:xfrm>
+            <a:prstGeom prst="roundRect">
+              <a:avLst>
+                <a:gd name="adj" fmla="val 10000"/>
+              </a:avLst>
+            </a:prstGeom>
+            <a:grpFill/>
+          </p:spPr>
+          <p:style>
+            <a:lnRef idx="2">
+              <a:schemeClr val="lt1">
+                <a:hueOff val="0"/>
+                <a:satOff val="0"/>
+                <a:lumOff val="0"/>
+                <a:alphaOff val="0"/>
+              </a:schemeClr>
+            </a:lnRef>
+            <a:fillRef idx="1">
+              <a:scrgbClr r="0" g="0" b="0"/>
+            </a:fillRef>
+            <a:effectRef idx="0">
+              <a:schemeClr val="accent1">
+                <a:hueOff val="0"/>
+                <a:satOff val="0"/>
+                <a:lumOff val="0"/>
+                <a:alphaOff val="0"/>
+              </a:schemeClr>
+            </a:effectRef>
+            <a:fontRef idx="minor">
+              <a:schemeClr val="lt1"/>
+            </a:fontRef>
+          </p:style>
+        </p:sp>
+        <p:sp>
+          <p:nvSpPr>
+            <p:cNvPr id="12" name="四角形: 角を丸くする 4">
+              <a:extLst>
+                <a:ext uri="{FF2B5EF4-FFF2-40B4-BE49-F238E27FC236}">
+                  <a16:creationId xmlns:a16="http://schemas.microsoft.com/office/drawing/2014/main" id="{E0BB3731-1CF9-4941-BF09-D13C3CEC0CE5}"/>
+                </a:ext>
+              </a:extLst>
+            </p:cNvPr>
+            <p:cNvSpPr txBox="1"/>
+            <p:nvPr/>
+          </p:nvSpPr>
+          <p:spPr>
+            <a:xfrm>
+              <a:off x="2508445" y="804634"/>
+              <a:ext cx="1127681" cy="676731"/>
+            </a:xfrm>
+            <a:prstGeom prst="rect">
+              <a:avLst/>
+            </a:prstGeom>
+            <a:grpFill/>
+          </p:spPr>
+          <p:style>
+            <a:lnRef idx="0">
+              <a:scrgbClr r="0" g="0" b="0"/>
+            </a:lnRef>
+            <a:fillRef idx="0">
+              <a:scrgbClr r="0" g="0" b="0"/>
+            </a:fillRef>
+            <a:effectRef idx="0">
+              <a:scrgbClr r="0" g="0" b="0"/>
+            </a:effectRef>
+            <a:fontRef idx="minor">
+              <a:schemeClr val="lt1"/>
+            </a:fontRef>
+          </p:style>
+          <p:txBody>
+            <a:bodyPr spcFirstLastPara="0" vert="horz" wrap="square" lIns="76200" tIns="76200" rIns="76200" bIns="76200" numCol="1" spcCol="1270" anchor="ctr" anchorCtr="0">
+              <a:noAutofit/>
+            </a:bodyPr>
+            <a:lstStyle/>
+            <a:p>
+              <a:pPr marL="0" lvl="0" indent="0" algn="ctr" defTabSz="889000">
+                <a:lnSpc>
+                  <a:spcPct val="90000"/>
+                </a:lnSpc>
+                <a:spcBef>
+                  <a:spcPct val="0"/>
+                </a:spcBef>
+                <a:spcAft>
+                  <a:spcPct val="35000"/>
+                </a:spcAft>
+                <a:buNone/>
+              </a:pPr>
+              <a:r>
+                <a:rPr lang="en-US" sz="2000" b="1" kern="1200" dirty="0">
+                  <a:solidFill>
+                    <a:schemeClr val="tx1"/>
+                  </a:solidFill>
+                  <a:latin typeface="Calibri" panose="020F0502020204030204" pitchFamily="34" charset="0"/>
+                  <a:cs typeface="Calibri" panose="020F0502020204030204" pitchFamily="34" charset="0"/>
+                </a:rPr>
+                <a:t>InWork</a:t>
+              </a:r>
+            </a:p>
+          </p:txBody>
+        </p:sp>
+      </p:grpSp>
+      <p:cxnSp>
+        <p:nvCxnSpPr>
+          <p:cNvPr id="3" name="コネクタ: カギ線 2">
+            <a:extLst>
+              <a:ext uri="{FF2B5EF4-FFF2-40B4-BE49-F238E27FC236}">
+                <a16:creationId xmlns:a16="http://schemas.microsoft.com/office/drawing/2014/main" id="{6F9C61CB-429E-422B-9655-225BD5D8C21F}"/>
+              </a:ext>
+            </a:extLst>
+          </p:cNvPr>
+          <p:cNvCxnSpPr>
+            <a:cxnSpLocks/>
+            <a:stCxn id="8" idx="3"/>
+            <a:endCxn id="12" idx="1"/>
+          </p:cNvCxnSpPr>
+          <p:nvPr/>
+        </p:nvCxnSpPr>
+        <p:spPr>
+          <a:xfrm>
+            <a:off x="2413583" y="2526729"/>
+            <a:ext cx="543127" cy="0"/>
+          </a:xfrm>
+          <a:prstGeom prst="straightConnector1">
+            <a:avLst/>
+          </a:prstGeom>
+          <a:ln w="50800">
+            <a:solidFill>
+              <a:schemeClr val="accent2"/>
+            </a:solidFill>
+            <a:prstDash val="sysDot"/>
+            <a:headEnd w="sm" len="sm"/>
+            <a:tailEnd type="triangle" w="sm" len="sm"/>
+          </a:ln>
+        </p:spPr>
+        <p:style>
+          <a:lnRef idx="1">
+            <a:schemeClr val="accent1"/>
+          </a:lnRef>
+          <a:fillRef idx="0">
+            <a:schemeClr val="accent1"/>
+          </a:fillRef>
+          <a:effectRef idx="0">
+            <a:schemeClr val="accent1"/>
+          </a:effectRef>
+          <a:fontRef idx="minor">
+            <a:schemeClr val="tx1"/>
+          </a:fontRef>
+        </p:style>
+      </p:cxnSp>
+      <p:grpSp>
+        <p:nvGrpSpPr>
+          <p:cNvPr id="13" name="グループ化 12">
+            <a:extLst>
+              <a:ext uri="{FF2B5EF4-FFF2-40B4-BE49-F238E27FC236}">
+                <a16:creationId xmlns:a16="http://schemas.microsoft.com/office/drawing/2014/main" id="{A1171965-9A38-4EC0-A527-9743954679D0}"/>
+              </a:ext>
+            </a:extLst>
+          </p:cNvPr>
+          <p:cNvGrpSpPr/>
+          <p:nvPr/>
+        </p:nvGrpSpPr>
+        <p:grpSpPr>
+          <a:xfrm>
+            <a:off x="4606464" y="2167309"/>
+            <a:ext cx="1169789" cy="718839"/>
+            <a:chOff x="2487391" y="783580"/>
+            <a:chExt cx="1169789" cy="718839"/>
+          </a:xfrm>
+          <a:solidFill>
+            <a:schemeClr val="accent2">
+              <a:lumMod val="60000"/>
+              <a:lumOff val="40000"/>
+            </a:schemeClr>
+          </a:solidFill>
+        </p:grpSpPr>
+        <p:sp>
+          <p:nvSpPr>
+            <p:cNvPr id="14" name="四角形: 角を丸くする 13">
+              <a:extLst>
+                <a:ext uri="{FF2B5EF4-FFF2-40B4-BE49-F238E27FC236}">
+                  <a16:creationId xmlns:a16="http://schemas.microsoft.com/office/drawing/2014/main" id="{6B7A9D4B-026A-4932-86B9-8778110CFE73}"/>
+                </a:ext>
+              </a:extLst>
+            </p:cNvPr>
+            <p:cNvSpPr/>
+            <p:nvPr/>
+          </p:nvSpPr>
+          <p:spPr>
+            <a:xfrm>
+              <a:off x="2487391" y="783580"/>
+              <a:ext cx="1169789" cy="718839"/>
+            </a:xfrm>
+            <a:prstGeom prst="roundRect">
+              <a:avLst>
+                <a:gd name="adj" fmla="val 10000"/>
+              </a:avLst>
+            </a:prstGeom>
+            <a:grpFill/>
+          </p:spPr>
+          <p:style>
+            <a:lnRef idx="2">
+              <a:schemeClr val="lt1">
+                <a:hueOff val="0"/>
+                <a:satOff val="0"/>
+                <a:lumOff val="0"/>
+                <a:alphaOff val="0"/>
+              </a:schemeClr>
+            </a:lnRef>
+            <a:fillRef idx="1">
+              <a:scrgbClr r="0" g="0" b="0"/>
+            </a:fillRef>
+            <a:effectRef idx="0">
+              <a:schemeClr val="accent1">
+                <a:hueOff val="0"/>
+                <a:satOff val="0"/>
+                <a:lumOff val="0"/>
+                <a:alphaOff val="0"/>
+              </a:schemeClr>
+            </a:effectRef>
+            <a:fontRef idx="minor">
+              <a:schemeClr val="lt1"/>
+            </a:fontRef>
+          </p:style>
+        </p:sp>
+        <p:sp>
+          <p:nvSpPr>
+            <p:cNvPr id="15" name="四角形: 角を丸くする 4">
+              <a:extLst>
+                <a:ext uri="{FF2B5EF4-FFF2-40B4-BE49-F238E27FC236}">
+                  <a16:creationId xmlns:a16="http://schemas.microsoft.com/office/drawing/2014/main" id="{75150D64-C301-4520-AB16-6BE425CA91D0}"/>
+                </a:ext>
+              </a:extLst>
+            </p:cNvPr>
+            <p:cNvSpPr txBox="1"/>
+            <p:nvPr/>
+          </p:nvSpPr>
+          <p:spPr>
+            <a:xfrm>
+              <a:off x="2508445" y="804634"/>
+              <a:ext cx="1127681" cy="676731"/>
+            </a:xfrm>
+            <a:prstGeom prst="rect">
+              <a:avLst/>
+            </a:prstGeom>
+            <a:grpFill/>
+          </p:spPr>
+          <p:style>
+            <a:lnRef idx="0">
+              <a:scrgbClr r="0" g="0" b="0"/>
+            </a:lnRef>
+            <a:fillRef idx="0">
+              <a:scrgbClr r="0" g="0" b="0"/>
+            </a:fillRef>
+            <a:effectRef idx="0">
+              <a:scrgbClr r="0" g="0" b="0"/>
+            </a:effectRef>
+            <a:fontRef idx="minor">
+              <a:schemeClr val="lt1"/>
+            </a:fontRef>
+          </p:style>
+          <p:txBody>
+            <a:bodyPr spcFirstLastPara="0" vert="horz" wrap="square" lIns="76200" tIns="76200" rIns="76200" bIns="76200" numCol="1" spcCol="1270" anchor="ctr" anchorCtr="0">
+              <a:noAutofit/>
+            </a:bodyPr>
+            <a:lstStyle/>
+            <a:p>
+              <a:pPr marL="0" lvl="0" indent="0" algn="ctr" defTabSz="889000">
+                <a:lnSpc>
+                  <a:spcPct val="90000"/>
+                </a:lnSpc>
+                <a:spcBef>
+                  <a:spcPct val="0"/>
+                </a:spcBef>
+                <a:spcAft>
+                  <a:spcPct val="35000"/>
+                </a:spcAft>
+                <a:buNone/>
+              </a:pPr>
+              <a:r>
+                <a:rPr lang="en-US" sz="2000" b="1" kern="1200" dirty="0">
+                  <a:solidFill>
+                    <a:schemeClr val="tx1"/>
+                  </a:solidFill>
+                  <a:latin typeface="Calibri" panose="020F0502020204030204" pitchFamily="34" charset="0"/>
+                  <a:cs typeface="Calibri" panose="020F0502020204030204" pitchFamily="34" charset="0"/>
+                </a:rPr>
+                <a:t>Done</a:t>
+              </a:r>
+            </a:p>
+          </p:txBody>
+        </p:sp>
+      </p:grpSp>
+      <p:grpSp>
+        <p:nvGrpSpPr>
+          <p:cNvPr id="16" name="グループ化 15">
+            <a:extLst>
+              <a:ext uri="{FF2B5EF4-FFF2-40B4-BE49-F238E27FC236}">
+                <a16:creationId xmlns:a16="http://schemas.microsoft.com/office/drawing/2014/main" id="{7E3B3769-22A9-43D9-921B-AC2DBEC49DBF}"/>
+              </a:ext>
+            </a:extLst>
+          </p:cNvPr>
+          <p:cNvGrpSpPr/>
+          <p:nvPr/>
+        </p:nvGrpSpPr>
+        <p:grpSpPr>
+          <a:xfrm>
+            <a:off x="6277272" y="2169313"/>
+            <a:ext cx="1169789" cy="718839"/>
+            <a:chOff x="2487391" y="783580"/>
+            <a:chExt cx="1169789" cy="718839"/>
+          </a:xfrm>
+          <a:solidFill>
+            <a:schemeClr val="accent1">
+              <a:lumMod val="60000"/>
+              <a:lumOff val="40000"/>
+            </a:schemeClr>
+          </a:solidFill>
+        </p:grpSpPr>
+        <p:sp>
+          <p:nvSpPr>
+            <p:cNvPr id="17" name="四角形: 角を丸くする 16">
+              <a:extLst>
+                <a:ext uri="{FF2B5EF4-FFF2-40B4-BE49-F238E27FC236}">
+                  <a16:creationId xmlns:a16="http://schemas.microsoft.com/office/drawing/2014/main" id="{5A90CDA5-2A04-4BE1-88BE-FC4CF3AA1C1A}"/>
+                </a:ext>
+              </a:extLst>
+            </p:cNvPr>
+            <p:cNvSpPr/>
+            <p:nvPr/>
+          </p:nvSpPr>
+          <p:spPr>
+            <a:xfrm>
+              <a:off x="2487391" y="783580"/>
+              <a:ext cx="1169789" cy="718839"/>
+            </a:xfrm>
+            <a:prstGeom prst="roundRect">
+              <a:avLst>
+                <a:gd name="adj" fmla="val 10000"/>
+              </a:avLst>
+            </a:prstGeom>
+            <a:grpFill/>
+          </p:spPr>
+          <p:style>
+            <a:lnRef idx="2">
+              <a:schemeClr val="lt1">
+                <a:hueOff val="0"/>
+                <a:satOff val="0"/>
+                <a:lumOff val="0"/>
+                <a:alphaOff val="0"/>
+              </a:schemeClr>
+            </a:lnRef>
+            <a:fillRef idx="1">
+              <a:scrgbClr r="0" g="0" b="0"/>
+            </a:fillRef>
+            <a:effectRef idx="0">
+              <a:schemeClr val="accent1">
+                <a:hueOff val="0"/>
+                <a:satOff val="0"/>
+                <a:lumOff val="0"/>
+                <a:alphaOff val="0"/>
+              </a:schemeClr>
+            </a:effectRef>
+            <a:fontRef idx="minor">
+              <a:schemeClr val="lt1"/>
+            </a:fontRef>
+          </p:style>
+        </p:sp>
+        <p:sp>
+          <p:nvSpPr>
+            <p:cNvPr id="18" name="四角形: 角を丸くする 4">
+              <a:extLst>
+                <a:ext uri="{FF2B5EF4-FFF2-40B4-BE49-F238E27FC236}">
+                  <a16:creationId xmlns:a16="http://schemas.microsoft.com/office/drawing/2014/main" id="{25B69D93-E0C7-4CDB-8C47-E49A6DC1929B}"/>
+                </a:ext>
+              </a:extLst>
+            </p:cNvPr>
+            <p:cNvSpPr txBox="1"/>
+            <p:nvPr/>
+          </p:nvSpPr>
+          <p:spPr>
+            <a:xfrm>
+              <a:off x="2508445" y="804634"/>
+              <a:ext cx="1127681" cy="676731"/>
+            </a:xfrm>
+            <a:prstGeom prst="rect">
+              <a:avLst/>
+            </a:prstGeom>
+            <a:grpFill/>
+          </p:spPr>
+          <p:style>
+            <a:lnRef idx="0">
+              <a:scrgbClr r="0" g="0" b="0"/>
+            </a:lnRef>
+            <a:fillRef idx="0">
+              <a:scrgbClr r="0" g="0" b="0"/>
+            </a:fillRef>
+            <a:effectRef idx="0">
+              <a:scrgbClr r="0" g="0" b="0"/>
+            </a:effectRef>
+            <a:fontRef idx="minor">
+              <a:schemeClr val="lt1"/>
+            </a:fontRef>
+          </p:style>
+          <p:txBody>
+            <a:bodyPr spcFirstLastPara="0" vert="horz" wrap="square" lIns="76200" tIns="76200" rIns="76200" bIns="76200" numCol="1" spcCol="1270" anchor="ctr" anchorCtr="0">
+              <a:noAutofit/>
+            </a:bodyPr>
+            <a:lstStyle/>
+            <a:p>
+              <a:pPr marL="0" lvl="0" indent="0" algn="ctr" defTabSz="889000">
+                <a:lnSpc>
+                  <a:spcPct val="90000"/>
+                </a:lnSpc>
+                <a:spcBef>
+                  <a:spcPct val="0"/>
+                </a:spcBef>
+                <a:spcAft>
+                  <a:spcPct val="35000"/>
+                </a:spcAft>
+                <a:buNone/>
+              </a:pPr>
+              <a:r>
+                <a:rPr lang="en-US" sz="2000" b="1" dirty="0">
+                  <a:solidFill>
+                    <a:schemeClr val="tx1"/>
+                  </a:solidFill>
+                  <a:latin typeface="Calibri" panose="020F0502020204030204" pitchFamily="34" charset="0"/>
+                  <a:cs typeface="Calibri" panose="020F0502020204030204" pitchFamily="34" charset="0"/>
+                </a:rPr>
+                <a:t>InReview</a:t>
+              </a:r>
+              <a:endParaRPr lang="en-US" sz="2000" b="1" kern="1200" dirty="0">
+                <a:solidFill>
+                  <a:schemeClr val="tx1"/>
+                </a:solidFill>
+                <a:latin typeface="Calibri" panose="020F0502020204030204" pitchFamily="34" charset="0"/>
+                <a:cs typeface="Calibri" panose="020F0502020204030204" pitchFamily="34" charset="0"/>
+              </a:endParaRPr>
+            </a:p>
+          </p:txBody>
+        </p:sp>
+      </p:grpSp>
+      <p:grpSp>
+        <p:nvGrpSpPr>
+          <p:cNvPr id="22" name="グループ化 21">
+            <a:extLst>
+              <a:ext uri="{FF2B5EF4-FFF2-40B4-BE49-F238E27FC236}">
+                <a16:creationId xmlns:a16="http://schemas.microsoft.com/office/drawing/2014/main" id="{A7D349F9-7BC4-4630-9952-78083A76BBF8}"/>
+              </a:ext>
+            </a:extLst>
+          </p:cNvPr>
+          <p:cNvGrpSpPr/>
+          <p:nvPr/>
+        </p:nvGrpSpPr>
+        <p:grpSpPr>
+          <a:xfrm>
+            <a:off x="2937660" y="3541706"/>
+            <a:ext cx="1169789" cy="718839"/>
+            <a:chOff x="2487391" y="783580"/>
+            <a:chExt cx="1169789" cy="718839"/>
+          </a:xfrm>
+          <a:solidFill>
+            <a:schemeClr val="accent2">
+              <a:lumMod val="60000"/>
+              <a:lumOff val="40000"/>
+            </a:schemeClr>
+          </a:solidFill>
+        </p:grpSpPr>
+        <p:sp>
+          <p:nvSpPr>
+            <p:cNvPr id="23" name="四角形: 角を丸くする 22">
+              <a:extLst>
+                <a:ext uri="{FF2B5EF4-FFF2-40B4-BE49-F238E27FC236}">
+                  <a16:creationId xmlns:a16="http://schemas.microsoft.com/office/drawing/2014/main" id="{173CA579-985E-493D-A368-1FBCC8E34CD8}"/>
+                </a:ext>
+              </a:extLst>
+            </p:cNvPr>
+            <p:cNvSpPr/>
+            <p:nvPr/>
+          </p:nvSpPr>
+          <p:spPr>
+            <a:xfrm>
+              <a:off x="2487391" y="783580"/>
+              <a:ext cx="1169789" cy="718839"/>
+            </a:xfrm>
+            <a:prstGeom prst="roundRect">
+              <a:avLst>
+                <a:gd name="adj" fmla="val 10000"/>
+              </a:avLst>
+            </a:prstGeom>
+            <a:grpFill/>
+          </p:spPr>
+          <p:style>
+            <a:lnRef idx="2">
+              <a:schemeClr val="lt1">
+                <a:hueOff val="0"/>
+                <a:satOff val="0"/>
+                <a:lumOff val="0"/>
+                <a:alphaOff val="0"/>
+              </a:schemeClr>
+            </a:lnRef>
+            <a:fillRef idx="1">
+              <a:scrgbClr r="0" g="0" b="0"/>
+            </a:fillRef>
+            <a:effectRef idx="0">
+              <a:schemeClr val="accent1">
+                <a:hueOff val="0"/>
+                <a:satOff val="0"/>
+                <a:lumOff val="0"/>
+                <a:alphaOff val="0"/>
+              </a:schemeClr>
+            </a:effectRef>
+            <a:fontRef idx="minor">
+              <a:schemeClr val="lt1"/>
+            </a:fontRef>
+          </p:style>
+        </p:sp>
+        <p:sp>
+          <p:nvSpPr>
+            <p:cNvPr id="24" name="四角形: 角を丸くする 4">
+              <a:extLst>
+                <a:ext uri="{FF2B5EF4-FFF2-40B4-BE49-F238E27FC236}">
+                  <a16:creationId xmlns:a16="http://schemas.microsoft.com/office/drawing/2014/main" id="{77EF6FB8-2CED-42C3-A6D7-D5E9849CCEE1}"/>
+                </a:ext>
+              </a:extLst>
+            </p:cNvPr>
+            <p:cNvSpPr txBox="1"/>
+            <p:nvPr/>
+          </p:nvSpPr>
+          <p:spPr>
+            <a:xfrm>
+              <a:off x="2508445" y="804634"/>
+              <a:ext cx="1127681" cy="676731"/>
+            </a:xfrm>
+            <a:prstGeom prst="rect">
+              <a:avLst/>
+            </a:prstGeom>
+            <a:grpFill/>
+          </p:spPr>
+          <p:style>
+            <a:lnRef idx="0">
+              <a:scrgbClr r="0" g="0" b="0"/>
+            </a:lnRef>
+            <a:fillRef idx="0">
+              <a:scrgbClr r="0" g="0" b="0"/>
+            </a:fillRef>
+            <a:effectRef idx="0">
+              <a:scrgbClr r="0" g="0" b="0"/>
+            </a:effectRef>
+            <a:fontRef idx="minor">
+              <a:schemeClr val="lt1"/>
+            </a:fontRef>
+          </p:style>
+          <p:txBody>
+            <a:bodyPr spcFirstLastPara="0" vert="horz" wrap="square" lIns="76200" tIns="76200" rIns="76200" bIns="76200" numCol="1" spcCol="1270" anchor="ctr" anchorCtr="0">
+              <a:noAutofit/>
+            </a:bodyPr>
+            <a:lstStyle/>
+            <a:p>
+              <a:pPr marL="0" lvl="0" indent="0" algn="ctr" defTabSz="889000">
+                <a:lnSpc>
+                  <a:spcPct val="90000"/>
+                </a:lnSpc>
+                <a:spcBef>
+                  <a:spcPct val="0"/>
+                </a:spcBef>
+                <a:spcAft>
+                  <a:spcPct val="35000"/>
+                </a:spcAft>
+                <a:buNone/>
+              </a:pPr>
+              <a:r>
+                <a:rPr lang="en-US" sz="2000" b="1" kern="1200" dirty="0">
+                  <a:solidFill>
+                    <a:schemeClr val="tx1"/>
+                  </a:solidFill>
+                  <a:latin typeface="Calibri" panose="020F0502020204030204" pitchFamily="34" charset="0"/>
+                  <a:cs typeface="Calibri" panose="020F0502020204030204" pitchFamily="34" charset="0"/>
+                </a:rPr>
+                <a:t>Canceled</a:t>
+              </a:r>
+            </a:p>
+          </p:txBody>
+        </p:sp>
+      </p:grpSp>
+      <p:grpSp>
+        <p:nvGrpSpPr>
+          <p:cNvPr id="32" name="グループ化 31">
+            <a:extLst>
+              <a:ext uri="{FF2B5EF4-FFF2-40B4-BE49-F238E27FC236}">
+                <a16:creationId xmlns:a16="http://schemas.microsoft.com/office/drawing/2014/main" id="{27957427-592A-4E84-AB5D-0356F0BF7AA5}"/>
+              </a:ext>
+            </a:extLst>
+          </p:cNvPr>
+          <p:cNvGrpSpPr/>
+          <p:nvPr/>
+        </p:nvGrpSpPr>
+        <p:grpSpPr>
+          <a:xfrm>
+            <a:off x="8930550" y="2161792"/>
+            <a:ext cx="1169789" cy="718839"/>
+            <a:chOff x="2487391" y="783580"/>
+            <a:chExt cx="1169789" cy="718839"/>
+          </a:xfrm>
+          <a:solidFill>
+            <a:schemeClr val="accent3">
+              <a:lumMod val="60000"/>
+              <a:lumOff val="40000"/>
+            </a:schemeClr>
+          </a:solidFill>
+        </p:grpSpPr>
+        <p:sp>
+          <p:nvSpPr>
+            <p:cNvPr id="33" name="四角形: 角を丸くする 32">
+              <a:extLst>
+                <a:ext uri="{FF2B5EF4-FFF2-40B4-BE49-F238E27FC236}">
+                  <a16:creationId xmlns:a16="http://schemas.microsoft.com/office/drawing/2014/main" id="{874367DB-76AB-48A4-BFC3-068EC1FD6018}"/>
+                </a:ext>
+              </a:extLst>
+            </p:cNvPr>
+            <p:cNvSpPr/>
+            <p:nvPr/>
+          </p:nvSpPr>
+          <p:spPr>
+            <a:xfrm>
+              <a:off x="2487391" y="783580"/>
+              <a:ext cx="1169789" cy="718839"/>
+            </a:xfrm>
+            <a:prstGeom prst="roundRect">
+              <a:avLst>
+                <a:gd name="adj" fmla="val 10000"/>
+              </a:avLst>
+            </a:prstGeom>
+            <a:grpFill/>
+          </p:spPr>
+          <p:style>
+            <a:lnRef idx="2">
+              <a:schemeClr val="lt1">
+                <a:hueOff val="0"/>
+                <a:satOff val="0"/>
+                <a:lumOff val="0"/>
+                <a:alphaOff val="0"/>
+              </a:schemeClr>
+            </a:lnRef>
+            <a:fillRef idx="1">
+              <a:scrgbClr r="0" g="0" b="0"/>
+            </a:fillRef>
+            <a:effectRef idx="0">
+              <a:schemeClr val="accent1">
+                <a:hueOff val="0"/>
+                <a:satOff val="0"/>
+                <a:lumOff val="0"/>
+                <a:alphaOff val="0"/>
+              </a:schemeClr>
+            </a:effectRef>
+            <a:fontRef idx="minor">
+              <a:schemeClr val="lt1"/>
+            </a:fontRef>
+          </p:style>
+        </p:sp>
+        <p:sp>
+          <p:nvSpPr>
+            <p:cNvPr id="34" name="四角形: 角を丸くする 4">
+              <a:extLst>
+                <a:ext uri="{FF2B5EF4-FFF2-40B4-BE49-F238E27FC236}">
+                  <a16:creationId xmlns:a16="http://schemas.microsoft.com/office/drawing/2014/main" id="{C15B94D0-B1B7-4159-9064-317405830723}"/>
+                </a:ext>
+              </a:extLst>
+            </p:cNvPr>
+            <p:cNvSpPr txBox="1"/>
+            <p:nvPr/>
+          </p:nvSpPr>
+          <p:spPr>
+            <a:xfrm>
+              <a:off x="2508445" y="804634"/>
+              <a:ext cx="1127681" cy="676731"/>
+            </a:xfrm>
+            <a:prstGeom prst="rect">
+              <a:avLst/>
+            </a:prstGeom>
+            <a:grpFill/>
+          </p:spPr>
+          <p:style>
+            <a:lnRef idx="0">
+              <a:scrgbClr r="0" g="0" b="0"/>
+            </a:lnRef>
+            <a:fillRef idx="0">
+              <a:scrgbClr r="0" g="0" b="0"/>
+            </a:fillRef>
+            <a:effectRef idx="0">
+              <a:scrgbClr r="0" g="0" b="0"/>
+            </a:effectRef>
+            <a:fontRef idx="minor">
+              <a:schemeClr val="lt1"/>
+            </a:fontRef>
+          </p:style>
+          <p:txBody>
+            <a:bodyPr spcFirstLastPara="0" vert="horz" wrap="square" lIns="76200" tIns="76200" rIns="76200" bIns="76200" numCol="1" spcCol="1270" anchor="ctr" anchorCtr="0">
+              <a:noAutofit/>
+            </a:bodyPr>
+            <a:lstStyle/>
+            <a:p>
+              <a:pPr marL="0" lvl="0" indent="0" algn="ctr" defTabSz="889000">
+                <a:lnSpc>
+                  <a:spcPct val="90000"/>
+                </a:lnSpc>
+                <a:spcBef>
+                  <a:spcPct val="0"/>
+                </a:spcBef>
+                <a:spcAft>
+                  <a:spcPct val="35000"/>
+                </a:spcAft>
+                <a:buNone/>
+              </a:pPr>
+              <a:r>
+                <a:rPr lang="en-US" sz="2000" b="1" kern="1200" dirty="0">
+                  <a:solidFill>
+                    <a:schemeClr val="tx1"/>
+                  </a:solidFill>
+                  <a:latin typeface="Calibri" panose="020F0502020204030204" pitchFamily="34" charset="0"/>
+                  <a:cs typeface="Calibri" panose="020F0502020204030204" pitchFamily="34" charset="0"/>
+                </a:rPr>
+                <a:t>Closed</a:t>
+              </a:r>
+            </a:p>
+          </p:txBody>
+        </p:sp>
+      </p:grpSp>
+      <p:grpSp>
+        <p:nvGrpSpPr>
+          <p:cNvPr id="35" name="グループ化 34">
+            <a:extLst>
+              <a:ext uri="{FF2B5EF4-FFF2-40B4-BE49-F238E27FC236}">
+                <a16:creationId xmlns:a16="http://schemas.microsoft.com/office/drawing/2014/main" id="{6C53B8BA-3713-49E8-9560-0D108C7C01F5}"/>
+              </a:ext>
+            </a:extLst>
+          </p:cNvPr>
+          <p:cNvGrpSpPr/>
+          <p:nvPr/>
+        </p:nvGrpSpPr>
+        <p:grpSpPr>
+          <a:xfrm>
+            <a:off x="2914602" y="792912"/>
+            <a:ext cx="1169789" cy="718839"/>
+            <a:chOff x="2487391" y="783580"/>
+            <a:chExt cx="1169789" cy="718839"/>
+          </a:xfrm>
+          <a:solidFill>
+            <a:schemeClr val="accent2">
+              <a:lumMod val="60000"/>
+              <a:lumOff val="40000"/>
+            </a:schemeClr>
+          </a:solidFill>
+        </p:grpSpPr>
+        <p:sp>
+          <p:nvSpPr>
+            <p:cNvPr id="36" name="四角形: 角を丸くする 35">
+              <a:extLst>
+                <a:ext uri="{FF2B5EF4-FFF2-40B4-BE49-F238E27FC236}">
+                  <a16:creationId xmlns:a16="http://schemas.microsoft.com/office/drawing/2014/main" id="{77932208-D21B-4051-9E1B-DDC01E355328}"/>
+                </a:ext>
+              </a:extLst>
+            </p:cNvPr>
+            <p:cNvSpPr/>
+            <p:nvPr/>
+          </p:nvSpPr>
+          <p:spPr>
+            <a:xfrm>
+              <a:off x="2487391" y="783580"/>
+              <a:ext cx="1169789" cy="718839"/>
+            </a:xfrm>
+            <a:prstGeom prst="roundRect">
+              <a:avLst>
+                <a:gd name="adj" fmla="val 10000"/>
+              </a:avLst>
+            </a:prstGeom>
+            <a:grpFill/>
+          </p:spPr>
+          <p:style>
+            <a:lnRef idx="2">
+              <a:schemeClr val="lt1">
+                <a:hueOff val="0"/>
+                <a:satOff val="0"/>
+                <a:lumOff val="0"/>
+                <a:alphaOff val="0"/>
+              </a:schemeClr>
+            </a:lnRef>
+            <a:fillRef idx="1">
+              <a:scrgbClr r="0" g="0" b="0"/>
+            </a:fillRef>
+            <a:effectRef idx="0">
+              <a:schemeClr val="accent1">
+                <a:hueOff val="0"/>
+                <a:satOff val="0"/>
+                <a:lumOff val="0"/>
+                <a:alphaOff val="0"/>
+              </a:schemeClr>
+            </a:effectRef>
+            <a:fontRef idx="minor">
+              <a:schemeClr val="lt1"/>
+            </a:fontRef>
+          </p:style>
+        </p:sp>
+        <p:sp>
+          <p:nvSpPr>
+            <p:cNvPr id="37" name="四角形: 角を丸くする 4">
+              <a:extLst>
+                <a:ext uri="{FF2B5EF4-FFF2-40B4-BE49-F238E27FC236}">
+                  <a16:creationId xmlns:a16="http://schemas.microsoft.com/office/drawing/2014/main" id="{64564BED-50F8-4600-A8BB-7637671D5797}"/>
+                </a:ext>
+              </a:extLst>
+            </p:cNvPr>
+            <p:cNvSpPr txBox="1"/>
+            <p:nvPr/>
+          </p:nvSpPr>
+          <p:spPr>
+            <a:xfrm>
+              <a:off x="2527495" y="804634"/>
+              <a:ext cx="1127681" cy="676731"/>
+            </a:xfrm>
+            <a:prstGeom prst="rect">
+              <a:avLst/>
+            </a:prstGeom>
+            <a:grpFill/>
+          </p:spPr>
+          <p:style>
+            <a:lnRef idx="0">
+              <a:scrgbClr r="0" g="0" b="0"/>
+            </a:lnRef>
+            <a:fillRef idx="0">
+              <a:scrgbClr r="0" g="0" b="0"/>
+            </a:fillRef>
+            <a:effectRef idx="0">
+              <a:scrgbClr r="0" g="0" b="0"/>
+            </a:effectRef>
+            <a:fontRef idx="minor">
+              <a:schemeClr val="lt1"/>
+            </a:fontRef>
+          </p:style>
+          <p:txBody>
+            <a:bodyPr spcFirstLastPara="0" vert="horz" wrap="square" lIns="76200" tIns="76200" rIns="76200" bIns="76200" numCol="1" spcCol="1270" anchor="ctr" anchorCtr="0">
+              <a:noAutofit/>
+            </a:bodyPr>
+            <a:lstStyle/>
+            <a:p>
+              <a:pPr marL="0" lvl="0" indent="0" algn="ctr" defTabSz="889000">
+                <a:lnSpc>
+                  <a:spcPct val="90000"/>
+                </a:lnSpc>
+                <a:spcBef>
+                  <a:spcPct val="0"/>
+                </a:spcBef>
+                <a:spcAft>
+                  <a:spcPct val="35000"/>
+                </a:spcAft>
+                <a:buNone/>
+              </a:pPr>
+              <a:r>
+                <a:rPr lang="en-US" sz="2000" b="1" kern="1200" dirty="0">
+                  <a:solidFill>
+                    <a:schemeClr val="tx1"/>
+                  </a:solidFill>
+                  <a:latin typeface="Calibri" panose="020F0502020204030204" pitchFamily="34" charset="0"/>
+                  <a:cs typeface="Calibri" panose="020F0502020204030204" pitchFamily="34" charset="0"/>
+                </a:rPr>
+                <a:t>Pending</a:t>
+              </a:r>
+            </a:p>
+          </p:txBody>
+        </p:sp>
+      </p:grpSp>
+      <p:cxnSp>
+        <p:nvCxnSpPr>
+          <p:cNvPr id="38" name="コネクタ: カギ線 2">
+            <a:extLst>
+              <a:ext uri="{FF2B5EF4-FFF2-40B4-BE49-F238E27FC236}">
+                <a16:creationId xmlns:a16="http://schemas.microsoft.com/office/drawing/2014/main" id="{B09F2829-3F0A-4B16-BBD6-33DC727BA120}"/>
+              </a:ext>
+            </a:extLst>
+          </p:cNvPr>
+          <p:cNvCxnSpPr>
+            <a:cxnSpLocks/>
+            <a:stCxn id="12" idx="0"/>
+            <a:endCxn id="37" idx="2"/>
+          </p:cNvCxnSpPr>
+          <p:nvPr/>
+        </p:nvCxnSpPr>
+        <p:spPr>
+          <a:xfrm flipH="1" flipV="1">
+            <a:off x="3518547" y="1490697"/>
+            <a:ext cx="2004" cy="697666"/>
+          </a:xfrm>
+          <a:prstGeom prst="straightConnector1">
+            <a:avLst/>
+          </a:prstGeom>
+          <a:ln w="50800">
+            <a:solidFill>
+              <a:schemeClr val="accent2"/>
+            </a:solidFill>
+            <a:prstDash val="sysDot"/>
+            <a:headEnd w="sm" len="sm"/>
+            <a:tailEnd type="triangle" w="sm" len="sm"/>
+          </a:ln>
+        </p:spPr>
+        <p:style>
+          <a:lnRef idx="1">
+            <a:schemeClr val="accent1"/>
+          </a:lnRef>
+          <a:fillRef idx="0">
+            <a:schemeClr val="accent1"/>
+          </a:fillRef>
+          <a:effectRef idx="0">
+            <a:schemeClr val="accent1"/>
+          </a:effectRef>
+          <a:fontRef idx="minor">
+            <a:schemeClr val="tx1"/>
+          </a:fontRef>
+        </p:style>
+      </p:cxnSp>
+      <p:cxnSp>
+        <p:nvCxnSpPr>
+          <p:cNvPr id="41" name="コネクタ: カギ線 2">
+            <a:extLst>
+              <a:ext uri="{FF2B5EF4-FFF2-40B4-BE49-F238E27FC236}">
+                <a16:creationId xmlns:a16="http://schemas.microsoft.com/office/drawing/2014/main" id="{A15C4ED5-5313-4647-94EE-A08E69CB2B79}"/>
+              </a:ext>
+            </a:extLst>
+          </p:cNvPr>
+          <p:cNvCxnSpPr>
+            <a:cxnSpLocks/>
+            <a:stCxn id="12" idx="2"/>
+            <a:endCxn id="24" idx="0"/>
+          </p:cNvCxnSpPr>
+          <p:nvPr/>
+        </p:nvCxnSpPr>
+        <p:spPr>
+          <a:xfrm>
+            <a:off x="3520551" y="2865094"/>
+            <a:ext cx="2004" cy="697666"/>
+          </a:xfrm>
+          <a:prstGeom prst="straightConnector1">
+            <a:avLst/>
+          </a:prstGeom>
+          <a:ln w="50800">
+            <a:solidFill>
+              <a:schemeClr val="accent2"/>
+            </a:solidFill>
+            <a:prstDash val="sysDot"/>
+            <a:headEnd w="sm" len="sm"/>
+            <a:tailEnd type="triangle" w="sm" len="sm"/>
+          </a:ln>
+        </p:spPr>
+        <p:style>
+          <a:lnRef idx="1">
+            <a:schemeClr val="accent1"/>
+          </a:lnRef>
+          <a:fillRef idx="0">
+            <a:schemeClr val="accent1"/>
+          </a:fillRef>
+          <a:effectRef idx="0">
+            <a:schemeClr val="accent1"/>
+          </a:effectRef>
+          <a:fontRef idx="minor">
+            <a:schemeClr val="tx1"/>
+          </a:fontRef>
+        </p:style>
+      </p:cxnSp>
+      <p:cxnSp>
+        <p:nvCxnSpPr>
+          <p:cNvPr id="44" name="コネクタ: カギ線 2">
+            <a:extLst>
+              <a:ext uri="{FF2B5EF4-FFF2-40B4-BE49-F238E27FC236}">
+                <a16:creationId xmlns:a16="http://schemas.microsoft.com/office/drawing/2014/main" id="{A5192F17-8ABA-4841-96EC-D31F14580ABF}"/>
+              </a:ext>
+            </a:extLst>
+          </p:cNvPr>
+          <p:cNvCxnSpPr>
+            <a:cxnSpLocks/>
+            <a:stCxn id="12" idx="3"/>
+            <a:endCxn id="15" idx="1"/>
+          </p:cNvCxnSpPr>
+          <p:nvPr/>
+        </p:nvCxnSpPr>
+        <p:spPr>
+          <a:xfrm>
+            <a:off x="4084391" y="2526729"/>
+            <a:ext cx="543127" cy="0"/>
+          </a:xfrm>
+          <a:prstGeom prst="straightConnector1">
+            <a:avLst/>
+          </a:prstGeom>
+          <a:ln w="50800">
+            <a:solidFill>
+              <a:schemeClr val="accent2"/>
+            </a:solidFill>
+            <a:prstDash val="sysDot"/>
+            <a:headEnd w="sm" len="sm"/>
+            <a:tailEnd type="triangle" w="sm" len="sm"/>
+          </a:ln>
+        </p:spPr>
+        <p:style>
+          <a:lnRef idx="1">
+            <a:schemeClr val="accent1"/>
+          </a:lnRef>
+          <a:fillRef idx="0">
+            <a:schemeClr val="accent1"/>
+          </a:fillRef>
+          <a:effectRef idx="0">
+            <a:schemeClr val="accent1"/>
+          </a:effectRef>
+          <a:fontRef idx="minor">
+            <a:schemeClr val="tx1"/>
+          </a:fontRef>
+        </p:style>
+      </p:cxnSp>
+      <p:cxnSp>
+        <p:nvCxnSpPr>
+          <p:cNvPr id="47" name="コネクタ: カギ線 2">
+            <a:extLst>
+              <a:ext uri="{FF2B5EF4-FFF2-40B4-BE49-F238E27FC236}">
+                <a16:creationId xmlns:a16="http://schemas.microsoft.com/office/drawing/2014/main" id="{D5470018-1E2A-47BF-8C42-A8F0E4FA4779}"/>
+              </a:ext>
+            </a:extLst>
+          </p:cNvPr>
+          <p:cNvCxnSpPr>
+            <a:cxnSpLocks/>
+            <a:stCxn id="15" idx="3"/>
+            <a:endCxn id="18" idx="1"/>
+          </p:cNvCxnSpPr>
+          <p:nvPr/>
+        </p:nvCxnSpPr>
+        <p:spPr>
+          <a:xfrm>
+            <a:off x="5755199" y="2526729"/>
+            <a:ext cx="543127" cy="2004"/>
+          </a:xfrm>
+          <a:prstGeom prst="straightConnector1">
+            <a:avLst/>
+          </a:prstGeom>
+          <a:ln w="50800">
+            <a:solidFill>
+              <a:schemeClr val="accent2"/>
+            </a:solidFill>
+            <a:prstDash val="sysDot"/>
+            <a:headEnd w="sm" len="sm"/>
+            <a:tailEnd type="triangle" w="sm" len="sm"/>
+          </a:ln>
+        </p:spPr>
+        <p:style>
+          <a:lnRef idx="1">
+            <a:schemeClr val="accent1"/>
+          </a:lnRef>
+          <a:fillRef idx="0">
+            <a:schemeClr val="accent1"/>
+          </a:fillRef>
+          <a:effectRef idx="0">
+            <a:schemeClr val="accent1"/>
+          </a:effectRef>
+          <a:fontRef idx="minor">
+            <a:schemeClr val="tx1"/>
+          </a:fontRef>
+        </p:style>
+      </p:cxnSp>
+      <p:cxnSp>
+        <p:nvCxnSpPr>
+          <p:cNvPr id="50" name="コネクタ: カギ線 2">
+            <a:extLst>
+              <a:ext uri="{FF2B5EF4-FFF2-40B4-BE49-F238E27FC236}">
+                <a16:creationId xmlns:a16="http://schemas.microsoft.com/office/drawing/2014/main" id="{B4348C95-F055-472A-B208-086966C27FB2}"/>
+              </a:ext>
+            </a:extLst>
+          </p:cNvPr>
+          <p:cNvCxnSpPr>
+            <a:cxnSpLocks/>
+            <a:stCxn id="18" idx="3"/>
+            <a:endCxn id="34" idx="1"/>
+          </p:cNvCxnSpPr>
+          <p:nvPr/>
+        </p:nvCxnSpPr>
+        <p:spPr>
+          <a:xfrm flipV="1">
+            <a:off x="7426007" y="2521212"/>
+            <a:ext cx="1525597" cy="7521"/>
+          </a:xfrm>
+          <a:prstGeom prst="straightConnector1">
+            <a:avLst/>
+          </a:prstGeom>
+          <a:ln w="50800">
+            <a:solidFill>
+              <a:schemeClr val="accent1"/>
+            </a:solidFill>
+            <a:prstDash val="sysDot"/>
+            <a:headEnd w="sm" len="sm"/>
+            <a:tailEnd type="triangle" w="sm" len="sm"/>
+          </a:ln>
+        </p:spPr>
+        <p:style>
+          <a:lnRef idx="1">
+            <a:schemeClr val="accent1"/>
+          </a:lnRef>
+          <a:fillRef idx="0">
+            <a:schemeClr val="accent1"/>
+          </a:fillRef>
+          <a:effectRef idx="0">
+            <a:schemeClr val="accent1"/>
+          </a:effectRef>
+          <a:fontRef idx="minor">
+            <a:schemeClr val="tx1"/>
+          </a:fontRef>
+        </p:style>
+      </p:cxnSp>
+      <p:cxnSp>
+        <p:nvCxnSpPr>
+          <p:cNvPr id="55" name="コネクタ: カギ線 2">
+            <a:extLst>
+              <a:ext uri="{FF2B5EF4-FFF2-40B4-BE49-F238E27FC236}">
+                <a16:creationId xmlns:a16="http://schemas.microsoft.com/office/drawing/2014/main" id="{70330BA5-2671-4EA0-BE4B-0ED191F22E3F}"/>
+              </a:ext>
+            </a:extLst>
+          </p:cNvPr>
+          <p:cNvCxnSpPr>
+            <a:cxnSpLocks/>
+            <a:stCxn id="37" idx="3"/>
+            <a:endCxn id="18" idx="0"/>
+          </p:cNvCxnSpPr>
+          <p:nvPr/>
+        </p:nvCxnSpPr>
+        <p:spPr>
+          <a:xfrm>
+            <a:off x="4082387" y="1152332"/>
+            <a:ext cx="2779780" cy="1038035"/>
+          </a:xfrm>
+          <a:prstGeom prst="bentConnector2">
+            <a:avLst/>
+          </a:prstGeom>
+          <a:ln w="50800">
+            <a:solidFill>
+              <a:schemeClr val="accent1"/>
+            </a:solidFill>
+            <a:prstDash val="sysDot"/>
+            <a:headEnd w="sm" len="sm"/>
+            <a:tailEnd type="triangle" w="sm" len="sm"/>
+          </a:ln>
+        </p:spPr>
+        <p:style>
+          <a:lnRef idx="1">
+            <a:schemeClr val="accent1"/>
+          </a:lnRef>
+          <a:fillRef idx="0">
+            <a:schemeClr val="accent1"/>
+          </a:fillRef>
+          <a:effectRef idx="0">
+            <a:schemeClr val="accent1"/>
+          </a:effectRef>
+          <a:fontRef idx="minor">
+            <a:schemeClr val="tx1"/>
+          </a:fontRef>
+        </p:style>
+      </p:cxnSp>
+      <p:cxnSp>
+        <p:nvCxnSpPr>
+          <p:cNvPr id="58" name="コネクタ: カギ線 2">
+            <a:extLst>
+              <a:ext uri="{FF2B5EF4-FFF2-40B4-BE49-F238E27FC236}">
+                <a16:creationId xmlns:a16="http://schemas.microsoft.com/office/drawing/2014/main" id="{A2E38D4B-721B-4816-BD25-4A9272319525}"/>
+              </a:ext>
+            </a:extLst>
+          </p:cNvPr>
+          <p:cNvCxnSpPr>
+            <a:cxnSpLocks/>
+            <a:stCxn id="23" idx="3"/>
+            <a:endCxn id="17" idx="2"/>
+          </p:cNvCxnSpPr>
+          <p:nvPr/>
+        </p:nvCxnSpPr>
+        <p:spPr>
+          <a:xfrm flipV="1">
+            <a:off x="4107449" y="2888152"/>
+            <a:ext cx="2754718" cy="1012974"/>
+          </a:xfrm>
+          <a:prstGeom prst="bentConnector2">
+            <a:avLst/>
+          </a:prstGeom>
+          <a:ln w="50800">
+            <a:solidFill>
+              <a:schemeClr val="accent1"/>
+            </a:solidFill>
+            <a:prstDash val="sysDot"/>
+            <a:headEnd w="sm" len="sm"/>
+            <a:tailEnd type="triangle" w="sm" len="sm"/>
+          </a:ln>
+        </p:spPr>
+        <p:style>
+          <a:lnRef idx="1">
+            <a:schemeClr val="accent1"/>
+          </a:lnRef>
+          <a:fillRef idx="0">
+            <a:schemeClr val="accent1"/>
+          </a:fillRef>
+          <a:effectRef idx="0">
+            <a:schemeClr val="accent1"/>
+          </a:effectRef>
+          <a:fontRef idx="minor">
+            <a:schemeClr val="tx1"/>
+          </a:fontRef>
+        </p:style>
+      </p:cxnSp>
+      <p:cxnSp>
+        <p:nvCxnSpPr>
+          <p:cNvPr id="61" name="コネクタ: カギ線 2">
+            <a:extLst>
+              <a:ext uri="{FF2B5EF4-FFF2-40B4-BE49-F238E27FC236}">
+                <a16:creationId xmlns:a16="http://schemas.microsoft.com/office/drawing/2014/main" id="{B63DB7F1-5CB3-4CC4-B5BB-45F8286DBD75}"/>
+              </a:ext>
+            </a:extLst>
+          </p:cNvPr>
+          <p:cNvCxnSpPr>
+            <a:cxnSpLocks/>
+            <a:stCxn id="18" idx="3"/>
+            <a:endCxn id="7" idx="2"/>
+          </p:cNvCxnSpPr>
+          <p:nvPr/>
+        </p:nvCxnSpPr>
+        <p:spPr>
+          <a:xfrm flipH="1">
+            <a:off x="1849743" y="2528733"/>
+            <a:ext cx="5576264" cy="357415"/>
+          </a:xfrm>
+          <a:prstGeom prst="bentConnector4">
+            <a:avLst>
+              <a:gd name="adj1" fmla="val -11752"/>
+              <a:gd name="adj2" fmla="val 603146"/>
+            </a:avLst>
+          </a:prstGeom>
+          <a:ln w="50800">
+            <a:solidFill>
+              <a:schemeClr val="accent1"/>
+            </a:solidFill>
+            <a:prstDash val="sysDot"/>
+            <a:headEnd w="sm" len="sm"/>
+            <a:tailEnd type="triangle" w="sm" len="sm"/>
+          </a:ln>
+        </p:spPr>
+        <p:style>
+          <a:lnRef idx="1">
+            <a:schemeClr val="accent1"/>
+          </a:lnRef>
+          <a:fillRef idx="0">
+            <a:schemeClr val="accent1"/>
+          </a:fillRef>
+          <a:effectRef idx="0">
+            <a:schemeClr val="accent1"/>
+          </a:effectRef>
+          <a:fontRef idx="minor">
+            <a:schemeClr val="tx1"/>
+          </a:fontRef>
+        </p:style>
+      </p:cxnSp>
       <p:sp>
         <p:nvSpPr>
-          <p:cNvPr id="6" name="テキスト ボックス 5">
+          <p:cNvPr id="67" name="テキスト ボックス 66">
             <a:extLst>
               <a:ext uri="{FF2B5EF4-FFF2-40B4-BE49-F238E27FC236}">
-                <a16:creationId xmlns:a16="http://schemas.microsoft.com/office/drawing/2014/main" id="{69904640-479A-4B51-B5D8-A2C0FEC1FCCB}"/>
+                <a16:creationId xmlns:a16="http://schemas.microsoft.com/office/drawing/2014/main" id="{92B6B3AF-8F61-4D24-A467-03C39654AA2B}"/>
               </a:ext>
             </a:extLst>
           </p:cNvPr>
@@ -15835,8 +19502,8 @@
         </p:nvSpPr>
         <p:spPr>
           <a:xfrm>
-            <a:off x="2624179" y="3059668"/>
-            <a:ext cx="2473241" cy="369332"/>
+            <a:off x="3892160" y="4816823"/>
+            <a:ext cx="3185296" cy="369332"/>
           </a:xfrm>
           <a:prstGeom prst="rect">
             <a:avLst/>
@@ -15854,7 +19521,806 @@
                 <a:latin typeface="Calibri" panose="020F0502020204030204" pitchFamily="34" charset="0"/>
                 <a:cs typeface="Calibri" panose="020F0502020204030204" pitchFamily="34" charset="0"/>
               </a:rPr>
-              <a:t>Software Block Diagram</a:t>
+              <a:t>Task (Issue, Artifact) Work Flow</a:t>
+            </a:r>
+          </a:p>
+        </p:txBody>
+      </p:sp>
+      <p:grpSp>
+        <p:nvGrpSpPr>
+          <p:cNvPr id="68" name="グループ化 67">
+            <a:extLst>
+              <a:ext uri="{FF2B5EF4-FFF2-40B4-BE49-F238E27FC236}">
+                <a16:creationId xmlns:a16="http://schemas.microsoft.com/office/drawing/2014/main" id="{314BC1C3-CE69-4C2D-8966-92D6CD12C09F}"/>
+              </a:ext>
+            </a:extLst>
+          </p:cNvPr>
+          <p:cNvGrpSpPr/>
+          <p:nvPr/>
+        </p:nvGrpSpPr>
+        <p:grpSpPr>
+          <a:xfrm>
+            <a:off x="1243794" y="813966"/>
+            <a:ext cx="1169789" cy="365760"/>
+            <a:chOff x="2487391" y="783580"/>
+            <a:chExt cx="1169789" cy="718839"/>
+          </a:xfrm>
+          <a:solidFill>
+            <a:schemeClr val="accent1">
+              <a:lumMod val="60000"/>
+              <a:lumOff val="40000"/>
+            </a:schemeClr>
+          </a:solidFill>
+        </p:grpSpPr>
+        <p:sp>
+          <p:nvSpPr>
+            <p:cNvPr id="69" name="四角形: 角を丸くする 68">
+              <a:extLst>
+                <a:ext uri="{FF2B5EF4-FFF2-40B4-BE49-F238E27FC236}">
+                  <a16:creationId xmlns:a16="http://schemas.microsoft.com/office/drawing/2014/main" id="{B1C5D4BB-A5A0-4B27-A710-28377DD0220F}"/>
+                </a:ext>
+              </a:extLst>
+            </p:cNvPr>
+            <p:cNvSpPr/>
+            <p:nvPr/>
+          </p:nvSpPr>
+          <p:spPr>
+            <a:xfrm>
+              <a:off x="2487391" y="783580"/>
+              <a:ext cx="1169789" cy="718839"/>
+            </a:xfrm>
+            <a:prstGeom prst="roundRect">
+              <a:avLst>
+                <a:gd name="adj" fmla="val 10000"/>
+              </a:avLst>
+            </a:prstGeom>
+            <a:grpFill/>
+          </p:spPr>
+          <p:style>
+            <a:lnRef idx="2">
+              <a:schemeClr val="lt1">
+                <a:hueOff val="0"/>
+                <a:satOff val="0"/>
+                <a:lumOff val="0"/>
+                <a:alphaOff val="0"/>
+              </a:schemeClr>
+            </a:lnRef>
+            <a:fillRef idx="1">
+              <a:scrgbClr r="0" g="0" b="0"/>
+            </a:fillRef>
+            <a:effectRef idx="0">
+              <a:schemeClr val="accent1">
+                <a:hueOff val="0"/>
+                <a:satOff val="0"/>
+                <a:lumOff val="0"/>
+                <a:alphaOff val="0"/>
+              </a:schemeClr>
+            </a:effectRef>
+            <a:fontRef idx="minor">
+              <a:schemeClr val="lt1"/>
+            </a:fontRef>
+          </p:style>
+        </p:sp>
+        <p:sp>
+          <p:nvSpPr>
+            <p:cNvPr id="70" name="四角形: 角を丸くする 4">
+              <a:extLst>
+                <a:ext uri="{FF2B5EF4-FFF2-40B4-BE49-F238E27FC236}">
+                  <a16:creationId xmlns:a16="http://schemas.microsoft.com/office/drawing/2014/main" id="{844E8806-D499-467F-A7F4-E57E21289BF0}"/>
+                </a:ext>
+              </a:extLst>
+            </p:cNvPr>
+            <p:cNvSpPr txBox="1"/>
+            <p:nvPr/>
+          </p:nvSpPr>
+          <p:spPr>
+            <a:xfrm>
+              <a:off x="2508445" y="804634"/>
+              <a:ext cx="1127681" cy="676731"/>
+            </a:xfrm>
+            <a:prstGeom prst="rect">
+              <a:avLst/>
+            </a:prstGeom>
+            <a:grpFill/>
+          </p:spPr>
+          <p:style>
+            <a:lnRef idx="0">
+              <a:scrgbClr r="0" g="0" b="0"/>
+            </a:lnRef>
+            <a:fillRef idx="0">
+              <a:scrgbClr r="0" g="0" b="0"/>
+            </a:fillRef>
+            <a:effectRef idx="0">
+              <a:scrgbClr r="0" g="0" b="0"/>
+            </a:effectRef>
+            <a:fontRef idx="minor">
+              <a:schemeClr val="lt1"/>
+            </a:fontRef>
+          </p:style>
+          <p:txBody>
+            <a:bodyPr spcFirstLastPara="0" vert="horz" wrap="square" lIns="76200" tIns="76200" rIns="76200" bIns="76200" numCol="1" spcCol="1270" anchor="ctr" anchorCtr="0">
+              <a:noAutofit/>
+            </a:bodyPr>
+            <a:lstStyle/>
+            <a:p>
+              <a:pPr marL="0" lvl="0" indent="0" algn="ctr" defTabSz="889000">
+                <a:lnSpc>
+                  <a:spcPct val="90000"/>
+                </a:lnSpc>
+                <a:spcBef>
+                  <a:spcPct val="0"/>
+                </a:spcBef>
+                <a:spcAft>
+                  <a:spcPct val="35000"/>
+                </a:spcAft>
+                <a:buNone/>
+              </a:pPr>
+              <a:r>
+                <a:rPr lang="en-US" b="1" kern="1200" dirty="0">
+                  <a:solidFill>
+                    <a:schemeClr val="tx1"/>
+                  </a:solidFill>
+                  <a:latin typeface="Calibri" panose="020F0502020204030204" pitchFamily="34" charset="0"/>
+                  <a:cs typeface="Calibri" panose="020F0502020204030204" pitchFamily="34" charset="0"/>
+                </a:rPr>
+                <a:t>Manager</a:t>
+              </a:r>
+            </a:p>
+          </p:txBody>
+        </p:sp>
+      </p:grpSp>
+      <p:grpSp>
+        <p:nvGrpSpPr>
+          <p:cNvPr id="71" name="グループ化 70">
+            <a:extLst>
+              <a:ext uri="{FF2B5EF4-FFF2-40B4-BE49-F238E27FC236}">
+                <a16:creationId xmlns:a16="http://schemas.microsoft.com/office/drawing/2014/main" id="{C362B270-80DB-4430-839C-943EFC1DC2B6}"/>
+              </a:ext>
+            </a:extLst>
+          </p:cNvPr>
+          <p:cNvGrpSpPr/>
+          <p:nvPr/>
+        </p:nvGrpSpPr>
+        <p:grpSpPr>
+          <a:xfrm>
+            <a:off x="1264848" y="1294060"/>
+            <a:ext cx="1169789" cy="365760"/>
+            <a:chOff x="2487391" y="783580"/>
+            <a:chExt cx="1169789" cy="718839"/>
+          </a:xfrm>
+          <a:solidFill>
+            <a:schemeClr val="accent2">
+              <a:lumMod val="60000"/>
+              <a:lumOff val="40000"/>
+            </a:schemeClr>
+          </a:solidFill>
+        </p:grpSpPr>
+        <p:sp>
+          <p:nvSpPr>
+            <p:cNvPr id="72" name="四角形: 角を丸くする 71">
+              <a:extLst>
+                <a:ext uri="{FF2B5EF4-FFF2-40B4-BE49-F238E27FC236}">
+                  <a16:creationId xmlns:a16="http://schemas.microsoft.com/office/drawing/2014/main" id="{0C285957-EED8-4290-B5AE-AA0963A596AC}"/>
+                </a:ext>
+              </a:extLst>
+            </p:cNvPr>
+            <p:cNvSpPr/>
+            <p:nvPr/>
+          </p:nvSpPr>
+          <p:spPr>
+            <a:xfrm>
+              <a:off x="2487391" y="783580"/>
+              <a:ext cx="1169789" cy="718839"/>
+            </a:xfrm>
+            <a:prstGeom prst="roundRect">
+              <a:avLst>
+                <a:gd name="adj" fmla="val 10000"/>
+              </a:avLst>
+            </a:prstGeom>
+            <a:grpFill/>
+          </p:spPr>
+          <p:style>
+            <a:lnRef idx="2">
+              <a:schemeClr val="lt1">
+                <a:hueOff val="0"/>
+                <a:satOff val="0"/>
+                <a:lumOff val="0"/>
+                <a:alphaOff val="0"/>
+              </a:schemeClr>
+            </a:lnRef>
+            <a:fillRef idx="1">
+              <a:scrgbClr r="0" g="0" b="0"/>
+            </a:fillRef>
+            <a:effectRef idx="0">
+              <a:schemeClr val="accent1">
+                <a:hueOff val="0"/>
+                <a:satOff val="0"/>
+                <a:lumOff val="0"/>
+                <a:alphaOff val="0"/>
+              </a:schemeClr>
+            </a:effectRef>
+            <a:fontRef idx="minor">
+              <a:schemeClr val="lt1"/>
+            </a:fontRef>
+          </p:style>
+        </p:sp>
+        <p:sp>
+          <p:nvSpPr>
+            <p:cNvPr id="73" name="四角形: 角を丸くする 4">
+              <a:extLst>
+                <a:ext uri="{FF2B5EF4-FFF2-40B4-BE49-F238E27FC236}">
+                  <a16:creationId xmlns:a16="http://schemas.microsoft.com/office/drawing/2014/main" id="{778E9798-E86D-4B55-B259-1C08D6D49ECA}"/>
+                </a:ext>
+              </a:extLst>
+            </p:cNvPr>
+            <p:cNvSpPr txBox="1"/>
+            <p:nvPr/>
+          </p:nvSpPr>
+          <p:spPr>
+            <a:xfrm>
+              <a:off x="2508445" y="804634"/>
+              <a:ext cx="1127681" cy="676731"/>
+            </a:xfrm>
+            <a:prstGeom prst="rect">
+              <a:avLst/>
+            </a:prstGeom>
+            <a:grpFill/>
+          </p:spPr>
+          <p:style>
+            <a:lnRef idx="0">
+              <a:scrgbClr r="0" g="0" b="0"/>
+            </a:lnRef>
+            <a:fillRef idx="0">
+              <a:scrgbClr r="0" g="0" b="0"/>
+            </a:fillRef>
+            <a:effectRef idx="0">
+              <a:scrgbClr r="0" g="0" b="0"/>
+            </a:effectRef>
+            <a:fontRef idx="minor">
+              <a:schemeClr val="lt1"/>
+            </a:fontRef>
+          </p:style>
+          <p:txBody>
+            <a:bodyPr spcFirstLastPara="0" vert="horz" wrap="square" lIns="76200" tIns="76200" rIns="76200" bIns="76200" numCol="1" spcCol="1270" anchor="ctr" anchorCtr="0">
+              <a:noAutofit/>
+            </a:bodyPr>
+            <a:lstStyle/>
+            <a:p>
+              <a:pPr marL="0" lvl="0" indent="0" algn="ctr" defTabSz="889000">
+                <a:lnSpc>
+                  <a:spcPct val="90000"/>
+                </a:lnSpc>
+                <a:spcBef>
+                  <a:spcPct val="0"/>
+                </a:spcBef>
+                <a:spcAft>
+                  <a:spcPct val="35000"/>
+                </a:spcAft>
+                <a:buNone/>
+              </a:pPr>
+              <a:r>
+                <a:rPr lang="en-US" b="1" kern="1200" dirty="0">
+                  <a:solidFill>
+                    <a:schemeClr val="tx1"/>
+                  </a:solidFill>
+                  <a:latin typeface="Calibri" panose="020F0502020204030204" pitchFamily="34" charset="0"/>
+                  <a:cs typeface="Calibri" panose="020F0502020204030204" pitchFamily="34" charset="0"/>
+                </a:rPr>
+                <a:t>Developer</a:t>
+              </a:r>
+            </a:p>
+          </p:txBody>
+        </p:sp>
+      </p:grpSp>
+    </p:spTree>
+    <p:extLst>
+      <p:ext uri="{BB962C8B-B14F-4D97-AF65-F5344CB8AC3E}">
+        <p14:creationId xmlns:p14="http://schemas.microsoft.com/office/powerpoint/2010/main" val="746859706"/>
+      </p:ext>
+    </p:extLst>
+  </p:cSld>
+  <p:clrMapOvr>
+    <a:masterClrMapping/>
+  </p:clrMapOvr>
+</p:sld>
+</file>
+
+<file path=ppt/slides/slide3.xml><?xml version="1.0" encoding="utf-8"?>
+<p:sld xmlns:a="http://schemas.openxmlformats.org/drawingml/2006/main" xmlns:r="http://schemas.openxmlformats.org/officeDocument/2006/relationships" xmlns:p="http://schemas.openxmlformats.org/presentationml/2006/main">
+  <p:cSld>
+    <p:spTree>
+      <p:nvGrpSpPr>
+        <p:cNvPr id="1" name=""/>
+        <p:cNvGrpSpPr/>
+        <p:nvPr/>
+      </p:nvGrpSpPr>
+      <p:grpSpPr>
+        <a:xfrm>
+          <a:off x="0" y="0"/>
+          <a:ext cx="0" cy="0"/>
+          <a:chOff x="0" y="0"/>
+          <a:chExt cx="0" cy="0"/>
+        </a:xfrm>
+      </p:grpSpPr>
+      <p:graphicFrame>
+        <p:nvGraphicFramePr>
+          <p:cNvPr id="4" name="図表 3">
+            <a:extLst>
+              <a:ext uri="{FF2B5EF4-FFF2-40B4-BE49-F238E27FC236}">
+                <a16:creationId xmlns:a16="http://schemas.microsoft.com/office/drawing/2014/main" id="{8948BF91-AECE-43BA-B9AF-ADFAD62F1EB3}"/>
+              </a:ext>
+            </a:extLst>
+          </p:cNvPr>
+          <p:cNvGraphicFramePr/>
+          <p:nvPr>
+            <p:extLst>
+              <p:ext uri="{D42A27DB-BD31-4B8C-83A1-F6EECF244321}">
+                <p14:modId xmlns:p14="http://schemas.microsoft.com/office/powerpoint/2010/main" val="1588011184"/>
+              </p:ext>
+            </p:extLst>
+          </p:nvPr>
+        </p:nvGraphicFramePr>
+        <p:xfrm>
+          <a:off x="2032000" y="719666"/>
+          <a:ext cx="6415314" cy="4432905"/>
+        </p:xfrm>
+        <a:graphic>
+          <a:graphicData uri="http://schemas.openxmlformats.org/drawingml/2006/diagram">
+            <dgm:relIds xmlns:dgm="http://schemas.openxmlformats.org/drawingml/2006/diagram" xmlns:r="http://schemas.openxmlformats.org/officeDocument/2006/relationships" r:dm="rId2" r:lo="rId3" r:qs="rId4" r:cs="rId5"/>
+          </a:graphicData>
+        </a:graphic>
+      </p:graphicFrame>
+      <p:grpSp>
+        <p:nvGrpSpPr>
+          <p:cNvPr id="5" name="グループ化 4">
+            <a:extLst>
+              <a:ext uri="{FF2B5EF4-FFF2-40B4-BE49-F238E27FC236}">
+                <a16:creationId xmlns:a16="http://schemas.microsoft.com/office/drawing/2014/main" id="{7D088B1A-D01D-48D8-A6D1-AEFCCB68EC44}"/>
+              </a:ext>
+            </a:extLst>
+          </p:cNvPr>
+          <p:cNvGrpSpPr/>
+          <p:nvPr/>
+        </p:nvGrpSpPr>
+        <p:grpSpPr>
+          <a:xfrm>
+            <a:off x="2032000" y="1039630"/>
+            <a:ext cx="1828800" cy="274320"/>
+            <a:chOff x="2372855" y="349226"/>
+            <a:chExt cx="1517820" cy="785860"/>
+          </a:xfrm>
+        </p:grpSpPr>
+        <p:sp>
+          <p:nvSpPr>
+            <p:cNvPr id="6" name="正方形/長方形 5">
+              <a:extLst>
+                <a:ext uri="{FF2B5EF4-FFF2-40B4-BE49-F238E27FC236}">
+                  <a16:creationId xmlns:a16="http://schemas.microsoft.com/office/drawing/2014/main" id="{337A29E7-4205-4899-B1AD-D5E00AA0A04B}"/>
+                </a:ext>
+              </a:extLst>
+            </p:cNvPr>
+            <p:cNvSpPr/>
+            <p:nvPr/>
+          </p:nvSpPr>
+          <p:spPr>
+            <a:xfrm>
+              <a:off x="2372855" y="349226"/>
+              <a:ext cx="1517820" cy="785860"/>
+            </a:xfrm>
+            <a:prstGeom prst="rect">
+              <a:avLst/>
+            </a:prstGeom>
+            <a:solidFill>
+              <a:schemeClr val="accent1">
+                <a:lumMod val="60000"/>
+                <a:lumOff val="40000"/>
+              </a:schemeClr>
+            </a:solidFill>
+          </p:spPr>
+          <p:style>
+            <a:lnRef idx="2">
+              <a:schemeClr val="lt1">
+                <a:hueOff val="0"/>
+                <a:satOff val="0"/>
+                <a:lumOff val="0"/>
+                <a:alphaOff val="0"/>
+              </a:schemeClr>
+            </a:lnRef>
+            <a:fillRef idx="1">
+              <a:scrgbClr r="0" g="0" b="0"/>
+            </a:fillRef>
+            <a:effectRef idx="0">
+              <a:schemeClr val="accent1">
+                <a:hueOff val="0"/>
+                <a:satOff val="0"/>
+                <a:lumOff val="0"/>
+                <a:alphaOff val="0"/>
+              </a:schemeClr>
+            </a:effectRef>
+            <a:fontRef idx="minor">
+              <a:schemeClr val="lt1"/>
+            </a:fontRef>
+          </p:style>
+        </p:sp>
+        <p:sp>
+          <p:nvSpPr>
+            <p:cNvPr id="7" name="テキスト ボックス 6">
+              <a:extLst>
+                <a:ext uri="{FF2B5EF4-FFF2-40B4-BE49-F238E27FC236}">
+                  <a16:creationId xmlns:a16="http://schemas.microsoft.com/office/drawing/2014/main" id="{A3D52280-13CA-42A3-8A5B-A408E9B8A6DE}"/>
+                </a:ext>
+              </a:extLst>
+            </p:cNvPr>
+            <p:cNvSpPr txBox="1"/>
+            <p:nvPr/>
+          </p:nvSpPr>
+          <p:spPr>
+            <a:xfrm>
+              <a:off x="2372855" y="349226"/>
+              <a:ext cx="1517820" cy="785860"/>
+            </a:xfrm>
+            <a:prstGeom prst="rect">
+              <a:avLst/>
+            </a:prstGeom>
+          </p:spPr>
+          <p:style>
+            <a:lnRef idx="0">
+              <a:scrgbClr r="0" g="0" b="0"/>
+            </a:lnRef>
+            <a:fillRef idx="0">
+              <a:scrgbClr r="0" g="0" b="0"/>
+            </a:fillRef>
+            <a:effectRef idx="0">
+              <a:scrgbClr r="0" g="0" b="0"/>
+            </a:effectRef>
+            <a:fontRef idx="minor">
+              <a:schemeClr val="lt1"/>
+            </a:fontRef>
+          </p:style>
+          <p:txBody>
+            <a:bodyPr spcFirstLastPara="0" vert="horz" wrap="square" lIns="11430" tIns="11430" rIns="11430" bIns="110894" numCol="1" spcCol="1270" anchor="ctr" anchorCtr="0">
+              <a:noAutofit/>
+            </a:bodyPr>
+            <a:lstStyle/>
+            <a:p>
+              <a:pPr marL="0" lvl="0" indent="0" algn="ctr" defTabSz="800100">
+                <a:lnSpc>
+                  <a:spcPct val="90000"/>
+                </a:lnSpc>
+                <a:spcBef>
+                  <a:spcPct val="0"/>
+                </a:spcBef>
+                <a:spcAft>
+                  <a:spcPct val="35000"/>
+                </a:spcAft>
+                <a:buNone/>
+              </a:pPr>
+              <a:r>
+                <a:rPr lang="en-US" sz="1200" b="1" kern="1200" dirty="0">
+                  <a:solidFill>
+                    <a:schemeClr val="tx1"/>
+                  </a:solidFill>
+                  <a:latin typeface="Calibri" panose="020F0502020204030204" pitchFamily="34" charset="0"/>
+                  <a:cs typeface="Calibri" panose="020F0502020204030204" pitchFamily="34" charset="0"/>
+                </a:rPr>
+                <a:t>Project Manager</a:t>
+              </a:r>
+            </a:p>
+          </p:txBody>
+        </p:sp>
+      </p:grpSp>
+      <p:grpSp>
+        <p:nvGrpSpPr>
+          <p:cNvPr id="8" name="グループ化 7">
+            <a:extLst>
+              <a:ext uri="{FF2B5EF4-FFF2-40B4-BE49-F238E27FC236}">
+                <a16:creationId xmlns:a16="http://schemas.microsoft.com/office/drawing/2014/main" id="{9A4FB12B-416C-48E8-BE54-0DC6B9AEFB4B}"/>
+              </a:ext>
+            </a:extLst>
+          </p:cNvPr>
+          <p:cNvGrpSpPr/>
+          <p:nvPr/>
+        </p:nvGrpSpPr>
+        <p:grpSpPr>
+          <a:xfrm>
+            <a:off x="2032000" y="1359594"/>
+            <a:ext cx="1828800" cy="274320"/>
+            <a:chOff x="1354686" y="1702287"/>
+            <a:chExt cx="1517820" cy="785860"/>
+          </a:xfrm>
+        </p:grpSpPr>
+        <p:sp>
+          <p:nvSpPr>
+            <p:cNvPr id="9" name="正方形/長方形 8">
+              <a:extLst>
+                <a:ext uri="{FF2B5EF4-FFF2-40B4-BE49-F238E27FC236}">
+                  <a16:creationId xmlns:a16="http://schemas.microsoft.com/office/drawing/2014/main" id="{9B9A3803-6B8C-40C1-B449-2407B86C3B9D}"/>
+                </a:ext>
+              </a:extLst>
+            </p:cNvPr>
+            <p:cNvSpPr/>
+            <p:nvPr/>
+          </p:nvSpPr>
+          <p:spPr>
+            <a:xfrm>
+              <a:off x="1354686" y="1702287"/>
+              <a:ext cx="1517820" cy="785860"/>
+            </a:xfrm>
+            <a:prstGeom prst="rect">
+              <a:avLst/>
+            </a:prstGeom>
+            <a:solidFill>
+              <a:schemeClr val="accent2">
+                <a:lumMod val="60000"/>
+                <a:lumOff val="40000"/>
+              </a:schemeClr>
+            </a:solidFill>
+          </p:spPr>
+          <p:style>
+            <a:lnRef idx="2">
+              <a:schemeClr val="lt1">
+                <a:hueOff val="0"/>
+                <a:satOff val="0"/>
+                <a:lumOff val="0"/>
+                <a:alphaOff val="0"/>
+              </a:schemeClr>
+            </a:lnRef>
+            <a:fillRef idx="1">
+              <a:scrgbClr r="0" g="0" b="0"/>
+            </a:fillRef>
+            <a:effectRef idx="0">
+              <a:schemeClr val="accent1">
+                <a:hueOff val="0"/>
+                <a:satOff val="0"/>
+                <a:lumOff val="0"/>
+                <a:alphaOff val="0"/>
+              </a:schemeClr>
+            </a:effectRef>
+            <a:fontRef idx="minor">
+              <a:schemeClr val="lt1"/>
+            </a:fontRef>
+          </p:style>
+        </p:sp>
+        <p:sp>
+          <p:nvSpPr>
+            <p:cNvPr id="10" name="テキスト ボックス 9">
+              <a:extLst>
+                <a:ext uri="{FF2B5EF4-FFF2-40B4-BE49-F238E27FC236}">
+                  <a16:creationId xmlns:a16="http://schemas.microsoft.com/office/drawing/2014/main" id="{92004C9A-DB01-4201-BDF5-2CFD71643CEE}"/>
+                </a:ext>
+              </a:extLst>
+            </p:cNvPr>
+            <p:cNvSpPr txBox="1"/>
+            <p:nvPr/>
+          </p:nvSpPr>
+          <p:spPr>
+            <a:xfrm>
+              <a:off x="1354686" y="1702287"/>
+              <a:ext cx="1517820" cy="785860"/>
+            </a:xfrm>
+            <a:prstGeom prst="rect">
+              <a:avLst/>
+            </a:prstGeom>
+          </p:spPr>
+          <p:style>
+            <a:lnRef idx="0">
+              <a:scrgbClr r="0" g="0" b="0"/>
+            </a:lnRef>
+            <a:fillRef idx="0">
+              <a:scrgbClr r="0" g="0" b="0"/>
+            </a:fillRef>
+            <a:effectRef idx="0">
+              <a:scrgbClr r="0" g="0" b="0"/>
+            </a:effectRef>
+            <a:fontRef idx="minor">
+              <a:schemeClr val="lt1"/>
+            </a:fontRef>
+          </p:style>
+          <p:txBody>
+            <a:bodyPr spcFirstLastPara="0" vert="horz" wrap="square" lIns="11430" tIns="11430" rIns="11430" bIns="110894" numCol="1" spcCol="1270" anchor="ctr" anchorCtr="0">
+              <a:noAutofit/>
+            </a:bodyPr>
+            <a:lstStyle/>
+            <a:p>
+              <a:pPr marL="0" lvl="0" indent="0" algn="ctr" defTabSz="800100">
+                <a:lnSpc>
+                  <a:spcPct val="90000"/>
+                </a:lnSpc>
+                <a:spcBef>
+                  <a:spcPct val="0"/>
+                </a:spcBef>
+                <a:spcAft>
+                  <a:spcPct val="35000"/>
+                </a:spcAft>
+                <a:buNone/>
+              </a:pPr>
+              <a:r>
+                <a:rPr lang="en-US" sz="1200" b="1" kern="1200" dirty="0">
+                  <a:solidFill>
+                    <a:schemeClr val="tx1"/>
+                  </a:solidFill>
+                  <a:latin typeface="Calibri" panose="020F0502020204030204" pitchFamily="34" charset="0"/>
+                  <a:cs typeface="Calibri" panose="020F0502020204030204" pitchFamily="34" charset="0"/>
+                </a:rPr>
+                <a:t>Technical Project Manager</a:t>
+              </a:r>
+            </a:p>
+          </p:txBody>
+        </p:sp>
+      </p:grpSp>
+      <p:grpSp>
+        <p:nvGrpSpPr>
+          <p:cNvPr id="11" name="グループ化 10">
+            <a:extLst>
+              <a:ext uri="{FF2B5EF4-FFF2-40B4-BE49-F238E27FC236}">
+                <a16:creationId xmlns:a16="http://schemas.microsoft.com/office/drawing/2014/main" id="{803DA76E-C083-4A3A-8D96-F9E04CF5AE9D}"/>
+              </a:ext>
+            </a:extLst>
+          </p:cNvPr>
+          <p:cNvGrpSpPr/>
+          <p:nvPr/>
+        </p:nvGrpSpPr>
+        <p:grpSpPr>
+          <a:xfrm>
+            <a:off x="2032000" y="1679558"/>
+            <a:ext cx="1828800" cy="274320"/>
+            <a:chOff x="66370" y="3044297"/>
+            <a:chExt cx="1517820" cy="785860"/>
+          </a:xfrm>
+        </p:grpSpPr>
+        <p:sp>
+          <p:nvSpPr>
+            <p:cNvPr id="12" name="正方形/長方形 11">
+              <a:extLst>
+                <a:ext uri="{FF2B5EF4-FFF2-40B4-BE49-F238E27FC236}">
+                  <a16:creationId xmlns:a16="http://schemas.microsoft.com/office/drawing/2014/main" id="{749E0FA8-76E9-4FCE-AD63-1D384C513649}"/>
+                </a:ext>
+              </a:extLst>
+            </p:cNvPr>
+            <p:cNvSpPr/>
+            <p:nvPr/>
+          </p:nvSpPr>
+          <p:spPr>
+            <a:xfrm>
+              <a:off x="66370" y="3044297"/>
+              <a:ext cx="1517820" cy="785860"/>
+            </a:xfrm>
+            <a:prstGeom prst="rect">
+              <a:avLst/>
+            </a:prstGeom>
+            <a:solidFill>
+              <a:schemeClr val="accent3">
+                <a:lumMod val="60000"/>
+                <a:lumOff val="40000"/>
+              </a:schemeClr>
+            </a:solidFill>
+          </p:spPr>
+          <p:style>
+            <a:lnRef idx="2">
+              <a:schemeClr val="lt1">
+                <a:hueOff val="0"/>
+                <a:satOff val="0"/>
+                <a:lumOff val="0"/>
+                <a:alphaOff val="0"/>
+              </a:schemeClr>
+            </a:lnRef>
+            <a:fillRef idx="1">
+              <a:scrgbClr r="0" g="0" b="0"/>
+            </a:fillRef>
+            <a:effectRef idx="0">
+              <a:schemeClr val="accent1">
+                <a:hueOff val="0"/>
+                <a:satOff val="0"/>
+                <a:lumOff val="0"/>
+                <a:alphaOff val="0"/>
+              </a:schemeClr>
+            </a:effectRef>
+            <a:fontRef idx="minor">
+              <a:schemeClr val="lt1"/>
+            </a:fontRef>
+          </p:style>
+        </p:sp>
+        <p:sp>
+          <p:nvSpPr>
+            <p:cNvPr id="13" name="テキスト ボックス 12">
+              <a:extLst>
+                <a:ext uri="{FF2B5EF4-FFF2-40B4-BE49-F238E27FC236}">
+                  <a16:creationId xmlns:a16="http://schemas.microsoft.com/office/drawing/2014/main" id="{FA597134-B148-4B50-A9AF-76C0281E25FA}"/>
+                </a:ext>
+              </a:extLst>
+            </p:cNvPr>
+            <p:cNvSpPr txBox="1"/>
+            <p:nvPr/>
+          </p:nvSpPr>
+          <p:spPr>
+            <a:xfrm>
+              <a:off x="66370" y="3044297"/>
+              <a:ext cx="1517820" cy="785860"/>
+            </a:xfrm>
+            <a:prstGeom prst="rect">
+              <a:avLst/>
+            </a:prstGeom>
+          </p:spPr>
+          <p:style>
+            <a:lnRef idx="0">
+              <a:scrgbClr r="0" g="0" b="0"/>
+            </a:lnRef>
+            <a:fillRef idx="0">
+              <a:scrgbClr r="0" g="0" b="0"/>
+            </a:fillRef>
+            <a:effectRef idx="0">
+              <a:scrgbClr r="0" g="0" b="0"/>
+            </a:effectRef>
+            <a:fontRef idx="minor">
+              <a:schemeClr val="lt1"/>
+            </a:fontRef>
+          </p:style>
+          <p:txBody>
+            <a:bodyPr spcFirstLastPara="0" vert="horz" wrap="square" lIns="11430" tIns="11430" rIns="11430" bIns="110894" numCol="1" spcCol="1270" anchor="ctr" anchorCtr="0">
+              <a:noAutofit/>
+            </a:bodyPr>
+            <a:lstStyle/>
+            <a:p>
+              <a:pPr marL="0" lvl="0" indent="0" algn="ctr" defTabSz="800100">
+                <a:lnSpc>
+                  <a:spcPct val="90000"/>
+                </a:lnSpc>
+                <a:spcBef>
+                  <a:spcPct val="0"/>
+                </a:spcBef>
+                <a:spcAft>
+                  <a:spcPct val="35000"/>
+                </a:spcAft>
+                <a:buNone/>
+              </a:pPr>
+              <a:r>
+                <a:rPr lang="en-US" sz="1200" b="1" kern="1200" dirty="0">
+                  <a:solidFill>
+                    <a:schemeClr val="tx1"/>
+                  </a:solidFill>
+                  <a:latin typeface="Calibri" panose="020F0502020204030204" pitchFamily="34" charset="0"/>
+                  <a:cs typeface="Calibri" panose="020F0502020204030204" pitchFamily="34" charset="0"/>
+                </a:rPr>
+                <a:t>Developer</a:t>
+              </a:r>
+            </a:p>
+          </p:txBody>
+        </p:sp>
+      </p:grpSp>
+      <p:sp>
+        <p:nvSpPr>
+          <p:cNvPr id="14" name="テキスト ボックス 13">
+            <a:extLst>
+              <a:ext uri="{FF2B5EF4-FFF2-40B4-BE49-F238E27FC236}">
+                <a16:creationId xmlns:a16="http://schemas.microsoft.com/office/drawing/2014/main" id="{620E809F-B68B-46BF-943D-21FF502333FD}"/>
+              </a:ext>
+            </a:extLst>
+          </p:cNvPr>
+          <p:cNvSpPr txBox="1"/>
+          <p:nvPr/>
+        </p:nvSpPr>
+        <p:spPr>
+          <a:xfrm>
+            <a:off x="3002378" y="4904123"/>
+            <a:ext cx="4474558" cy="369332"/>
+          </a:xfrm>
+          <a:prstGeom prst="rect">
+            <a:avLst/>
+          </a:prstGeom>
+          <a:noFill/>
+        </p:spPr>
+        <p:txBody>
+          <a:bodyPr wrap="none" rtlCol="0">
+            <a:spAutoFit/>
+          </a:bodyPr>
+          <a:lstStyle/>
+          <a:p>
+            <a:r>
+              <a:rPr lang="en-US" b="1" dirty="0">
+                <a:latin typeface="Calibri" panose="020F0502020204030204" pitchFamily="34" charset="0"/>
+                <a:cs typeface="Calibri" panose="020F0502020204030204" pitchFamily="34" charset="0"/>
+              </a:rPr>
+              <a:t>Software Development Division Organization</a:t>
             </a:r>
           </a:p>
         </p:txBody>
@@ -15862,7 +20328,7 @@
     </p:spTree>
     <p:extLst>
       <p:ext uri="{BB962C8B-B14F-4D97-AF65-F5344CB8AC3E}">
-        <p14:creationId xmlns:p14="http://schemas.microsoft.com/office/powerpoint/2010/main" val="746859706"/>
+        <p14:creationId xmlns:p14="http://schemas.microsoft.com/office/powerpoint/2010/main" val="1883075268"/>
       </p:ext>
     </p:extLst>
   </p:cSld>

--- a/Resources/Part1/Part1_Resources.pptx
+++ b/Resources/Part1/Part1_Resources.pptx
@@ -2396,7 +2396,7 @@
               <a:latin typeface="Calibri" panose="020F0502020204030204" pitchFamily="34" charset="0"/>
               <a:cs typeface="Calibri" panose="020F0502020204030204" pitchFamily="34" charset="0"/>
             </a:rPr>
-            <a:t>Evaluation Board (NUCLEO-F446RE)</a:t>
+            <a:t>Evaluation Board (NUCLEO-G0B1RE)</a:t>
           </a:r>
           <a:endParaRPr lang="en-US" sz="2000" b="1" dirty="0">
             <a:solidFill>
@@ -2530,7 +2530,7 @@
               <a:latin typeface="Calibri" panose="020F0502020204030204" pitchFamily="34" charset="0"/>
               <a:cs typeface="Calibri" panose="020F0502020204030204" pitchFamily="34" charset="0"/>
             </a:rPr>
-            <a:t>MCU(STM32F446RE)</a:t>
+            <a:t>MCU(STM32G0B1RE)</a:t>
           </a:r>
         </a:p>
       </dgm:t>
@@ -2586,7 +2586,7 @@
           <a:r>
             <a:rPr lang="en-US" sz="1200" b="1" dirty="0">
               <a:solidFill>
-                <a:schemeClr val="tx1"/>
+                <a:srgbClr val="FF0000"/>
               </a:solidFill>
               <a:latin typeface="Calibri" panose="020F0502020204030204" pitchFamily="34" charset="0"/>
               <a:cs typeface="Calibri" panose="020F0502020204030204" pitchFamily="34" charset="0"/>
@@ -2647,7 +2647,7 @@
           <a:r>
             <a:rPr lang="en-US" sz="1200" b="1" dirty="0">
               <a:solidFill>
-                <a:schemeClr val="tx1"/>
+                <a:srgbClr val="FF0000"/>
               </a:solidFill>
               <a:latin typeface="Calibri" panose="020F0502020204030204" pitchFamily="34" charset="0"/>
               <a:cs typeface="Calibri" panose="020F0502020204030204" pitchFamily="34" charset="0"/>
@@ -3319,7 +3319,7 @@
               <a:latin typeface="Calibri" panose="020F0502020204030204" pitchFamily="34" charset="0"/>
               <a:cs typeface="Calibri" panose="020F0502020204030204" pitchFamily="34" charset="0"/>
             </a:rPr>
-            <a:t>RTOS</a:t>
+            <a:t>FreeRTOS</a:t>
           </a:r>
         </a:p>
       </dgm:t>
@@ -4899,7 +4899,7 @@
               <a:latin typeface="Calibri" panose="020F0502020204030204" pitchFamily="34" charset="0"/>
               <a:cs typeface="Calibri" panose="020F0502020204030204" pitchFamily="34" charset="0"/>
             </a:rPr>
-            <a:t>Evaluation Board (NUCLEO-F446RE)</a:t>
+            <a:t>Evaluation Board (NUCLEO-G0B1RE)</a:t>
           </a:r>
           <a:endParaRPr lang="en-US" sz="2000" b="1" kern="1200" dirty="0">
             <a:solidFill>
@@ -5213,7 +5213,7 @@
               <a:latin typeface="Calibri" panose="020F0502020204030204" pitchFamily="34" charset="0"/>
               <a:cs typeface="Calibri" panose="020F0502020204030204" pitchFamily="34" charset="0"/>
             </a:rPr>
-            <a:t>MCU(STM32F446RE)</a:t>
+            <a:t>MCU(STM32G0B1RE)</a:t>
           </a:r>
         </a:p>
       </dsp:txBody>
@@ -5284,7 +5284,7 @@
           <a:r>
             <a:rPr lang="en-US" sz="1200" b="1" kern="1200" dirty="0">
               <a:solidFill>
-                <a:schemeClr val="tx1"/>
+                <a:srgbClr val="FF0000"/>
               </a:solidFill>
               <a:latin typeface="Calibri" panose="020F0502020204030204" pitchFamily="34" charset="0"/>
               <a:cs typeface="Calibri" panose="020F0502020204030204" pitchFamily="34" charset="0"/>
@@ -5360,7 +5360,7 @@
           <a:r>
             <a:rPr lang="en-US" sz="1200" b="1" kern="1200" dirty="0">
               <a:solidFill>
-                <a:schemeClr val="tx1"/>
+                <a:srgbClr val="FF0000"/>
               </a:solidFill>
               <a:latin typeface="Calibri" panose="020F0502020204030204" pitchFamily="34" charset="0"/>
               <a:cs typeface="Calibri" panose="020F0502020204030204" pitchFamily="34" charset="0"/>
@@ -5706,8 +5706,8 @@
       </dsp:nvSpPr>
       <dsp:spPr>
         <a:xfrm>
-          <a:off x="419" y="332"/>
-          <a:ext cx="3656760" cy="718839"/>
+          <a:off x="329" y="1302"/>
+          <a:ext cx="2872081" cy="650546"/>
         </a:xfrm>
         <a:prstGeom prst="roundRect">
           <a:avLst>
@@ -5779,8 +5779,8 @@
         </a:p>
       </dsp:txBody>
       <dsp:txXfrm>
-        <a:off x="21473" y="21386"/>
-        <a:ext cx="3614652" cy="676731"/>
+        <a:off x="19383" y="20356"/>
+        <a:ext cx="2833973" cy="612438"/>
       </dsp:txXfrm>
     </dsp:sp>
     <dsp:sp modelId="{83A6DB45-A30B-45D9-825B-8750C236E8BB}">
@@ -5790,8 +5790,8 @@
       </dsp:nvSpPr>
       <dsp:spPr>
         <a:xfrm>
-          <a:off x="419" y="783580"/>
-          <a:ext cx="2388709" cy="718839"/>
+          <a:off x="329" y="702751"/>
+          <a:ext cx="1876132" cy="650546"/>
         </a:xfrm>
         <a:prstGeom prst="roundRect">
           <a:avLst>
@@ -5858,13 +5858,13 @@
               <a:latin typeface="Calibri" panose="020F0502020204030204" pitchFamily="34" charset="0"/>
               <a:cs typeface="Calibri" panose="020F0502020204030204" pitchFamily="34" charset="0"/>
             </a:rPr>
-            <a:t>RTOS</a:t>
+            <a:t>FreeRTOS</a:t>
           </a:r>
         </a:p>
       </dsp:txBody>
       <dsp:txXfrm>
-        <a:off x="21473" y="804634"/>
-        <a:ext cx="2346601" cy="676731"/>
+        <a:off x="19383" y="721805"/>
+        <a:ext cx="1838024" cy="612438"/>
       </dsp:txXfrm>
     </dsp:sp>
     <dsp:sp modelId="{672A1700-86E5-43FF-8A56-5A66CCDDCB26}">
@@ -5874,8 +5874,8 @@
       </dsp:nvSpPr>
       <dsp:spPr>
         <a:xfrm>
-          <a:off x="419" y="1566827"/>
-          <a:ext cx="1169789" cy="718839"/>
+          <a:off x="329" y="1404199"/>
+          <a:ext cx="918772" cy="650546"/>
         </a:xfrm>
         <a:prstGeom prst="roundRect">
           <a:avLst>
@@ -5947,8 +5947,8 @@
         </a:p>
       </dsp:txBody>
       <dsp:txXfrm>
-        <a:off x="21473" y="1587881"/>
-        <a:ext cx="1127681" cy="676731"/>
+        <a:off x="19383" y="1423253"/>
+        <a:ext cx="880664" cy="612438"/>
       </dsp:txXfrm>
     </dsp:sp>
     <dsp:sp modelId="{73F0E2EC-EBCE-4659-895A-0F2C9212B4ED}">
@@ -5958,8 +5958,8 @@
       </dsp:nvSpPr>
       <dsp:spPr>
         <a:xfrm>
-          <a:off x="1219339" y="1566827"/>
-          <a:ext cx="1169789" cy="718839"/>
+          <a:off x="957690" y="1404199"/>
+          <a:ext cx="918772" cy="650546"/>
         </a:xfrm>
         <a:prstGeom prst="roundRect">
           <a:avLst>
@@ -6031,8 +6031,8 @@
         </a:p>
       </dsp:txBody>
       <dsp:txXfrm>
-        <a:off x="1240393" y="1587881"/>
-        <a:ext cx="1127681" cy="676731"/>
+        <a:off x="976744" y="1423253"/>
+        <a:ext cx="880664" cy="612438"/>
       </dsp:txXfrm>
     </dsp:sp>
     <dsp:sp modelId="{7C57179C-FAB2-4A33-B2CB-A0C73FBD7941}">
@@ -6042,8 +6042,8 @@
       </dsp:nvSpPr>
       <dsp:spPr>
         <a:xfrm>
-          <a:off x="2487391" y="783580"/>
-          <a:ext cx="1169789" cy="718839"/>
+          <a:off x="1953639" y="702751"/>
+          <a:ext cx="918772" cy="650546"/>
         </a:xfrm>
         <a:prstGeom prst="roundRect">
           <a:avLst>
@@ -6115,8 +6115,8 @@
         </a:p>
       </dsp:txBody>
       <dsp:txXfrm>
-        <a:off x="2508445" y="804634"/>
-        <a:ext cx="1127681" cy="676731"/>
+        <a:off x="1972693" y="721805"/>
+        <a:ext cx="880664" cy="612438"/>
       </dsp:txXfrm>
     </dsp:sp>
     <dsp:sp modelId="{99099BA9-4AFF-405D-98C9-C381CCD1D880}">
@@ -6126,8 +6126,8 @@
       </dsp:nvSpPr>
       <dsp:spPr>
         <a:xfrm>
-          <a:off x="2487391" y="1566827"/>
-          <a:ext cx="1169789" cy="718839"/>
+          <a:off x="1953639" y="1404199"/>
+          <a:ext cx="918772" cy="650546"/>
         </a:xfrm>
         <a:prstGeom prst="roundRect">
           <a:avLst>
@@ -6199,8 +6199,8 @@
         </a:p>
       </dsp:txBody>
       <dsp:txXfrm>
-        <a:off x="2508445" y="1587881"/>
-        <a:ext cx="1127681" cy="676731"/>
+        <a:off x="1972693" y="1423253"/>
+        <a:ext cx="880664" cy="612438"/>
       </dsp:txXfrm>
     </dsp:sp>
   </dsp:spTree>
@@ -13566,7 +13566,7 @@
           <a:p>
             <a:fld id="{1A086832-2622-4354-BD9D-64D40320B320}" type="datetimeFigureOut">
               <a:rPr kumimoji="1" lang="ja-JP" altLang="en-US" smtClean="0"/>
-              <a:t>2024/9/15</a:t>
+              <a:t>2024/9/22</a:t>
             </a:fld>
             <a:endParaRPr kumimoji="1" lang="ja-JP" altLang="en-US"/>
           </a:p>
@@ -13796,7 +13796,7 @@
           <a:p>
             <a:fld id="{1A086832-2622-4354-BD9D-64D40320B320}" type="datetimeFigureOut">
               <a:rPr kumimoji="1" lang="ja-JP" altLang="en-US" smtClean="0"/>
-              <a:t>2024/9/15</a:t>
+              <a:t>2024/9/22</a:t>
             </a:fld>
             <a:endParaRPr kumimoji="1" lang="ja-JP" altLang="en-US"/>
           </a:p>
@@ -14036,7 +14036,7 @@
           <a:p>
             <a:fld id="{1A086832-2622-4354-BD9D-64D40320B320}" type="datetimeFigureOut">
               <a:rPr kumimoji="1" lang="ja-JP" altLang="en-US" smtClean="0"/>
-              <a:t>2024/9/15</a:t>
+              <a:t>2024/9/22</a:t>
             </a:fld>
             <a:endParaRPr kumimoji="1" lang="ja-JP" altLang="en-US"/>
           </a:p>
@@ -14266,7 +14266,7 @@
           <a:p>
             <a:fld id="{1A086832-2622-4354-BD9D-64D40320B320}" type="datetimeFigureOut">
               <a:rPr kumimoji="1" lang="ja-JP" altLang="en-US" smtClean="0"/>
-              <a:t>2024/9/15</a:t>
+              <a:t>2024/9/22</a:t>
             </a:fld>
             <a:endParaRPr kumimoji="1" lang="ja-JP" altLang="en-US"/>
           </a:p>
@@ -14541,7 +14541,7 @@
           <a:p>
             <a:fld id="{1A086832-2622-4354-BD9D-64D40320B320}" type="datetimeFigureOut">
               <a:rPr kumimoji="1" lang="ja-JP" altLang="en-US" smtClean="0"/>
-              <a:t>2024/9/15</a:t>
+              <a:t>2024/9/22</a:t>
             </a:fld>
             <a:endParaRPr kumimoji="1" lang="ja-JP" altLang="en-US"/>
           </a:p>
@@ -14870,7 +14870,7 @@
           <a:p>
             <a:fld id="{1A086832-2622-4354-BD9D-64D40320B320}" type="datetimeFigureOut">
               <a:rPr kumimoji="1" lang="ja-JP" altLang="en-US" smtClean="0"/>
-              <a:t>2024/9/15</a:t>
+              <a:t>2024/9/22</a:t>
             </a:fld>
             <a:endParaRPr kumimoji="1" lang="ja-JP" altLang="en-US"/>
           </a:p>
@@ -15346,7 +15346,7 @@
           <a:p>
             <a:fld id="{1A086832-2622-4354-BD9D-64D40320B320}" type="datetimeFigureOut">
               <a:rPr kumimoji="1" lang="ja-JP" altLang="en-US" smtClean="0"/>
-              <a:t>2024/9/15</a:t>
+              <a:t>2024/9/22</a:t>
             </a:fld>
             <a:endParaRPr kumimoji="1" lang="ja-JP" altLang="en-US"/>
           </a:p>
@@ -15487,7 +15487,7 @@
           <a:p>
             <a:fld id="{1A086832-2622-4354-BD9D-64D40320B320}" type="datetimeFigureOut">
               <a:rPr kumimoji="1" lang="ja-JP" altLang="en-US" smtClean="0"/>
-              <a:t>2024/9/15</a:t>
+              <a:t>2024/9/22</a:t>
             </a:fld>
             <a:endParaRPr kumimoji="1" lang="ja-JP" altLang="en-US"/>
           </a:p>
@@ -15600,7 +15600,7 @@
           <a:p>
             <a:fld id="{1A086832-2622-4354-BD9D-64D40320B320}" type="datetimeFigureOut">
               <a:rPr kumimoji="1" lang="ja-JP" altLang="en-US" smtClean="0"/>
-              <a:t>2024/9/15</a:t>
+              <a:t>2024/9/22</a:t>
             </a:fld>
             <a:endParaRPr kumimoji="1" lang="ja-JP" altLang="en-US"/>
           </a:p>
@@ -15943,7 +15943,7 @@
           <a:p>
             <a:fld id="{1A086832-2622-4354-BD9D-64D40320B320}" type="datetimeFigureOut">
               <a:rPr kumimoji="1" lang="ja-JP" altLang="en-US" smtClean="0"/>
-              <a:t>2024/9/15</a:t>
+              <a:t>2024/9/22</a:t>
             </a:fld>
             <a:endParaRPr kumimoji="1" lang="ja-JP" altLang="en-US"/>
           </a:p>
@@ -16231,7 +16231,7 @@
           <a:p>
             <a:fld id="{1A086832-2622-4354-BD9D-64D40320B320}" type="datetimeFigureOut">
               <a:rPr kumimoji="1" lang="ja-JP" altLang="en-US" smtClean="0"/>
-              <a:t>2024/9/15</a:t>
+              <a:t>2024/9/22</a:t>
             </a:fld>
             <a:endParaRPr kumimoji="1" lang="ja-JP" altLang="en-US"/>
           </a:p>
@@ -16504,7 +16504,7 @@
           <a:p>
             <a:fld id="{1A086832-2622-4354-BD9D-64D40320B320}" type="datetimeFigureOut">
               <a:rPr kumimoji="1" lang="ja-JP" altLang="en-US" smtClean="0"/>
-              <a:t>2024/9/15</a:t>
+              <a:t>2024/9/22</a:t>
             </a:fld>
             <a:endParaRPr kumimoji="1" lang="ja-JP" altLang="en-US"/>
           </a:p>
@@ -16934,7 +16934,7 @@
           <p:nvPr>
             <p:extLst>
               <p:ext uri="{D42A27DB-BD31-4B8C-83A1-F6EECF244321}">
-                <p14:modId xmlns:p14="http://schemas.microsoft.com/office/powerpoint/2010/main" val="411248048"/>
+                <p14:modId xmlns:p14="http://schemas.microsoft.com/office/powerpoint/2010/main" val="2478008323"/>
               </p:ext>
             </p:extLst>
           </p:nvPr>
@@ -17418,14 +17418,14 @@
           <p:nvPr>
             <p:extLst>
               <p:ext uri="{D42A27DB-BD31-4B8C-83A1-F6EECF244321}">
-                <p14:modId xmlns:p14="http://schemas.microsoft.com/office/powerpoint/2010/main" val="4043125057"/>
+                <p14:modId xmlns:p14="http://schemas.microsoft.com/office/powerpoint/2010/main" val="3041818190"/>
               </p:ext>
             </p:extLst>
           </p:nvPr>
         </p:nvGraphicFramePr>
         <p:xfrm>
-          <a:off x="7821929" y="3060700"/>
-          <a:ext cx="3657600" cy="2286000"/>
+          <a:off x="7821929" y="3266706"/>
+          <a:ext cx="2872741" cy="2056049"/>
         </p:xfrm>
         <a:graphic>
           <a:graphicData uri="http://schemas.openxmlformats.org/drawingml/2006/diagram">
@@ -17447,7 +17447,7 @@
         </p:nvSpPr>
         <p:spPr>
           <a:xfrm>
-            <a:off x="8414108" y="5451182"/>
+            <a:off x="8021678" y="5445147"/>
             <a:ext cx="2473241" cy="369332"/>
           </a:xfrm>
           <a:prstGeom prst="rect">
@@ -17710,7 +17710,7 @@
               <a:r>
                 <a:rPr lang="en-US" sz="1200" b="1" kern="1200" dirty="0">
                   <a:solidFill>
-                    <a:schemeClr val="tx1"/>
+                    <a:srgbClr val="FF0000"/>
                   </a:solidFill>
                   <a:latin typeface="Calibri" panose="020F0502020204030204" pitchFamily="34" charset="0"/>
                   <a:cs typeface="Calibri" panose="020F0502020204030204" pitchFamily="34" charset="0"/>

--- a/Resources/Part1/Part1_Resources.pptx
+++ b/Resources/Part1/Part1_Resources.pptx
@@ -8,6 +8,9 @@
     <p:sldId id="256" r:id="rId2"/>
     <p:sldId id="257" r:id="rId3"/>
     <p:sldId id="258" r:id="rId4"/>
+    <p:sldId id="259" r:id="rId5"/>
+    <p:sldId id="260" r:id="rId6"/>
+    <p:sldId id="261" r:id="rId7"/>
   </p:sldIdLst>
   <p:sldSz cx="12192000" cy="6858000"/>
   <p:notesSz cx="6858000" cy="9144000"/>
@@ -13566,7 +13569,7 @@
           <a:p>
             <a:fld id="{1A086832-2622-4354-BD9D-64D40320B320}" type="datetimeFigureOut">
               <a:rPr kumimoji="1" lang="ja-JP" altLang="en-US" smtClean="0"/>
-              <a:t>2024/9/22</a:t>
+              <a:t>2024/9/29</a:t>
             </a:fld>
             <a:endParaRPr kumimoji="1" lang="ja-JP" altLang="en-US"/>
           </a:p>
@@ -13796,7 +13799,7 @@
           <a:p>
             <a:fld id="{1A086832-2622-4354-BD9D-64D40320B320}" type="datetimeFigureOut">
               <a:rPr kumimoji="1" lang="ja-JP" altLang="en-US" smtClean="0"/>
-              <a:t>2024/9/22</a:t>
+              <a:t>2024/9/29</a:t>
             </a:fld>
             <a:endParaRPr kumimoji="1" lang="ja-JP" altLang="en-US"/>
           </a:p>
@@ -14036,7 +14039,7 @@
           <a:p>
             <a:fld id="{1A086832-2622-4354-BD9D-64D40320B320}" type="datetimeFigureOut">
               <a:rPr kumimoji="1" lang="ja-JP" altLang="en-US" smtClean="0"/>
-              <a:t>2024/9/22</a:t>
+              <a:t>2024/9/29</a:t>
             </a:fld>
             <a:endParaRPr kumimoji="1" lang="ja-JP" altLang="en-US"/>
           </a:p>
@@ -14266,7 +14269,7 @@
           <a:p>
             <a:fld id="{1A086832-2622-4354-BD9D-64D40320B320}" type="datetimeFigureOut">
               <a:rPr kumimoji="1" lang="ja-JP" altLang="en-US" smtClean="0"/>
-              <a:t>2024/9/22</a:t>
+              <a:t>2024/9/29</a:t>
             </a:fld>
             <a:endParaRPr kumimoji="1" lang="ja-JP" altLang="en-US"/>
           </a:p>
@@ -14541,7 +14544,7 @@
           <a:p>
             <a:fld id="{1A086832-2622-4354-BD9D-64D40320B320}" type="datetimeFigureOut">
               <a:rPr kumimoji="1" lang="ja-JP" altLang="en-US" smtClean="0"/>
-              <a:t>2024/9/22</a:t>
+              <a:t>2024/9/29</a:t>
             </a:fld>
             <a:endParaRPr kumimoji="1" lang="ja-JP" altLang="en-US"/>
           </a:p>
@@ -14870,7 +14873,7 @@
           <a:p>
             <a:fld id="{1A086832-2622-4354-BD9D-64D40320B320}" type="datetimeFigureOut">
               <a:rPr kumimoji="1" lang="ja-JP" altLang="en-US" smtClean="0"/>
-              <a:t>2024/9/22</a:t>
+              <a:t>2024/9/29</a:t>
             </a:fld>
             <a:endParaRPr kumimoji="1" lang="ja-JP" altLang="en-US"/>
           </a:p>
@@ -15346,7 +15349,7 @@
           <a:p>
             <a:fld id="{1A086832-2622-4354-BD9D-64D40320B320}" type="datetimeFigureOut">
               <a:rPr kumimoji="1" lang="ja-JP" altLang="en-US" smtClean="0"/>
-              <a:t>2024/9/22</a:t>
+              <a:t>2024/9/29</a:t>
             </a:fld>
             <a:endParaRPr kumimoji="1" lang="ja-JP" altLang="en-US"/>
           </a:p>
@@ -15487,7 +15490,7 @@
           <a:p>
             <a:fld id="{1A086832-2622-4354-BD9D-64D40320B320}" type="datetimeFigureOut">
               <a:rPr kumimoji="1" lang="ja-JP" altLang="en-US" smtClean="0"/>
-              <a:t>2024/9/22</a:t>
+              <a:t>2024/9/29</a:t>
             </a:fld>
             <a:endParaRPr kumimoji="1" lang="ja-JP" altLang="en-US"/>
           </a:p>
@@ -15600,7 +15603,7 @@
           <a:p>
             <a:fld id="{1A086832-2622-4354-BD9D-64D40320B320}" type="datetimeFigureOut">
               <a:rPr kumimoji="1" lang="ja-JP" altLang="en-US" smtClean="0"/>
-              <a:t>2024/9/22</a:t>
+              <a:t>2024/9/29</a:t>
             </a:fld>
             <a:endParaRPr kumimoji="1" lang="ja-JP" altLang="en-US"/>
           </a:p>
@@ -15943,7 +15946,7 @@
           <a:p>
             <a:fld id="{1A086832-2622-4354-BD9D-64D40320B320}" type="datetimeFigureOut">
               <a:rPr kumimoji="1" lang="ja-JP" altLang="en-US" smtClean="0"/>
-              <a:t>2024/9/22</a:t>
+              <a:t>2024/9/29</a:t>
             </a:fld>
             <a:endParaRPr kumimoji="1" lang="ja-JP" altLang="en-US"/>
           </a:p>
@@ -16231,7 +16234,7 @@
           <a:p>
             <a:fld id="{1A086832-2622-4354-BD9D-64D40320B320}" type="datetimeFigureOut">
               <a:rPr kumimoji="1" lang="ja-JP" altLang="en-US" smtClean="0"/>
-              <a:t>2024/9/22</a:t>
+              <a:t>2024/9/29</a:t>
             </a:fld>
             <a:endParaRPr kumimoji="1" lang="ja-JP" altLang="en-US"/>
           </a:p>
@@ -16504,7 +16507,7 @@
           <a:p>
             <a:fld id="{1A086832-2622-4354-BD9D-64D40320B320}" type="datetimeFigureOut">
               <a:rPr kumimoji="1" lang="ja-JP" altLang="en-US" smtClean="0"/>
-              <a:t>2024/9/22</a:t>
+              <a:t>2024/9/29</a:t>
             </a:fld>
             <a:endParaRPr kumimoji="1" lang="ja-JP" altLang="en-US"/>
           </a:p>
@@ -20338,6 +20341,1209 @@
 </p:sld>
 </file>
 
+<file path=ppt/slides/slide4.xml><?xml version="1.0" encoding="utf-8"?>
+<p:sld xmlns:a="http://schemas.openxmlformats.org/drawingml/2006/main" xmlns:r="http://schemas.openxmlformats.org/officeDocument/2006/relationships" xmlns:p="http://schemas.openxmlformats.org/presentationml/2006/main">
+  <p:cSld>
+    <p:spTree>
+      <p:nvGrpSpPr>
+        <p:cNvPr id="1" name=""/>
+        <p:cNvGrpSpPr/>
+        <p:nvPr/>
+      </p:nvGrpSpPr>
+      <p:grpSpPr>
+        <a:xfrm>
+          <a:off x="0" y="0"/>
+          <a:ext cx="0" cy="0"/>
+          <a:chOff x="0" y="0"/>
+          <a:chExt cx="0" cy="0"/>
+        </a:xfrm>
+      </p:grpSpPr>
+      <p:pic>
+        <p:nvPicPr>
+          <p:cNvPr id="4" name="図 3">
+            <a:extLst>
+              <a:ext uri="{FF2B5EF4-FFF2-40B4-BE49-F238E27FC236}">
+                <a16:creationId xmlns:a16="http://schemas.microsoft.com/office/drawing/2014/main" id="{BA4B80BB-8ACF-42B2-A67C-699CA08A0E85}"/>
+              </a:ext>
+            </a:extLst>
+          </p:cNvPr>
+          <p:cNvPicPr>
+            <a:picLocks noChangeAspect="1"/>
+          </p:cNvPicPr>
+          <p:nvPr/>
+        </p:nvPicPr>
+        <p:blipFill>
+          <a:blip r:embed="rId2"/>
+          <a:stretch>
+            <a:fillRect/>
+          </a:stretch>
+        </p:blipFill>
+        <p:spPr>
+          <a:xfrm>
+            <a:off x="2799584" y="2026612"/>
+            <a:ext cx="6592832" cy="2804776"/>
+          </a:xfrm>
+          <a:prstGeom prst="rect">
+            <a:avLst/>
+          </a:prstGeom>
+        </p:spPr>
+      </p:pic>
+      <p:sp>
+        <p:nvSpPr>
+          <p:cNvPr id="5" name="テキスト ボックス 4">
+            <a:extLst>
+              <a:ext uri="{FF2B5EF4-FFF2-40B4-BE49-F238E27FC236}">
+                <a16:creationId xmlns:a16="http://schemas.microsoft.com/office/drawing/2014/main" id="{5BFCD5D5-B8F6-4208-A97F-48A51B4EA936}"/>
+              </a:ext>
+            </a:extLst>
+          </p:cNvPr>
+          <p:cNvSpPr txBox="1"/>
+          <p:nvPr/>
+        </p:nvSpPr>
+        <p:spPr>
+          <a:xfrm>
+            <a:off x="5057093" y="822121"/>
+            <a:ext cx="2077813" cy="461665"/>
+          </a:xfrm>
+          <a:prstGeom prst="rect">
+            <a:avLst/>
+          </a:prstGeom>
+          <a:noFill/>
+        </p:spPr>
+        <p:txBody>
+          <a:bodyPr wrap="none" rtlCol="0">
+            <a:spAutoFit/>
+          </a:bodyPr>
+          <a:lstStyle/>
+          <a:p>
+            <a:r>
+              <a:rPr lang="en-US" sz="2400" dirty="0">
+                <a:latin typeface="Calibri" panose="020F0502020204030204" pitchFamily="34" charset="0"/>
+                <a:cs typeface="Calibri" panose="020F0502020204030204" pitchFamily="34" charset="0"/>
+              </a:rPr>
+              <a:t>Hello Cube #01</a:t>
+            </a:r>
+          </a:p>
+        </p:txBody>
+      </p:sp>
+      <p:sp>
+        <p:nvSpPr>
+          <p:cNvPr id="9" name="正方形/長方形 8">
+            <a:extLst>
+              <a:ext uri="{FF2B5EF4-FFF2-40B4-BE49-F238E27FC236}">
+                <a16:creationId xmlns:a16="http://schemas.microsoft.com/office/drawing/2014/main" id="{1411F0E9-E207-4182-B624-EEE56BF899DC}"/>
+              </a:ext>
+            </a:extLst>
+          </p:cNvPr>
+          <p:cNvSpPr/>
+          <p:nvPr/>
+        </p:nvSpPr>
+        <p:spPr>
+          <a:xfrm>
+            <a:off x="2799584" y="2373549"/>
+            <a:ext cx="2618722" cy="214008"/>
+          </a:xfrm>
+          <a:prstGeom prst="rect">
+            <a:avLst/>
+          </a:prstGeom>
+          <a:noFill/>
+          <a:ln w="25400">
+            <a:solidFill>
+              <a:srgbClr val="FF0000"/>
+            </a:solidFill>
+          </a:ln>
+        </p:spPr>
+        <p:style>
+          <a:lnRef idx="2">
+            <a:schemeClr val="accent1">
+              <a:shade val="50000"/>
+            </a:schemeClr>
+          </a:lnRef>
+          <a:fillRef idx="1">
+            <a:schemeClr val="accent1"/>
+          </a:fillRef>
+          <a:effectRef idx="0">
+            <a:schemeClr val="accent1"/>
+          </a:effectRef>
+          <a:fontRef idx="minor">
+            <a:schemeClr val="lt1"/>
+          </a:fontRef>
+        </p:style>
+        <p:txBody>
+          <a:bodyPr rtlCol="0" anchor="ctr"/>
+          <a:lstStyle/>
+          <a:p>
+            <a:pPr algn="ctr"/>
+            <a:endParaRPr lang="en-US"/>
+          </a:p>
+        </p:txBody>
+      </p:sp>
+      <p:sp>
+        <p:nvSpPr>
+          <p:cNvPr id="10" name="正方形/長方形 9">
+            <a:extLst>
+              <a:ext uri="{FF2B5EF4-FFF2-40B4-BE49-F238E27FC236}">
+                <a16:creationId xmlns:a16="http://schemas.microsoft.com/office/drawing/2014/main" id="{3F3EA596-CE98-4D3C-9DA8-0E059C7121A0}"/>
+              </a:ext>
+            </a:extLst>
+          </p:cNvPr>
+          <p:cNvSpPr/>
+          <p:nvPr/>
+        </p:nvSpPr>
+        <p:spPr>
+          <a:xfrm>
+            <a:off x="5418306" y="2710758"/>
+            <a:ext cx="2618722" cy="214008"/>
+          </a:xfrm>
+          <a:prstGeom prst="rect">
+            <a:avLst/>
+          </a:prstGeom>
+          <a:noFill/>
+          <a:ln w="25400">
+            <a:solidFill>
+              <a:srgbClr val="FF0000"/>
+            </a:solidFill>
+          </a:ln>
+        </p:spPr>
+        <p:style>
+          <a:lnRef idx="2">
+            <a:schemeClr val="accent1">
+              <a:shade val="50000"/>
+            </a:schemeClr>
+          </a:lnRef>
+          <a:fillRef idx="1">
+            <a:schemeClr val="accent1"/>
+          </a:fillRef>
+          <a:effectRef idx="0">
+            <a:schemeClr val="accent1"/>
+          </a:effectRef>
+          <a:fontRef idx="minor">
+            <a:schemeClr val="lt1"/>
+          </a:fontRef>
+        </p:style>
+        <p:txBody>
+          <a:bodyPr rtlCol="0" anchor="ctr"/>
+          <a:lstStyle/>
+          <a:p>
+            <a:pPr algn="ctr"/>
+            <a:endParaRPr lang="en-US"/>
+          </a:p>
+        </p:txBody>
+      </p:sp>
+      <p:cxnSp>
+        <p:nvCxnSpPr>
+          <p:cNvPr id="12" name="コネクタ: 曲線 11">
+            <a:extLst>
+              <a:ext uri="{FF2B5EF4-FFF2-40B4-BE49-F238E27FC236}">
+                <a16:creationId xmlns:a16="http://schemas.microsoft.com/office/drawing/2014/main" id="{4F5C2514-82E7-4F53-B8E9-207A88C2703D}"/>
+              </a:ext>
+            </a:extLst>
+          </p:cNvPr>
+          <p:cNvCxnSpPr>
+            <a:cxnSpLocks/>
+            <a:stCxn id="9" idx="2"/>
+            <a:endCxn id="10" idx="1"/>
+          </p:cNvCxnSpPr>
+          <p:nvPr/>
+        </p:nvCxnSpPr>
+        <p:spPr>
+          <a:xfrm rot="16200000" flipH="1">
+            <a:off x="4648523" y="2047978"/>
+            <a:ext cx="230205" cy="1309361"/>
+          </a:xfrm>
+          <a:prstGeom prst="curvedConnector2">
+            <a:avLst/>
+          </a:prstGeom>
+          <a:ln w="19050">
+            <a:solidFill>
+              <a:srgbClr val="FF0000"/>
+            </a:solidFill>
+            <a:prstDash val="sysDash"/>
+            <a:tailEnd type="triangle"/>
+          </a:ln>
+        </p:spPr>
+        <p:style>
+          <a:lnRef idx="1">
+            <a:schemeClr val="accent1"/>
+          </a:lnRef>
+          <a:fillRef idx="0">
+            <a:schemeClr val="accent1"/>
+          </a:fillRef>
+          <a:effectRef idx="0">
+            <a:schemeClr val="accent1"/>
+          </a:effectRef>
+          <a:fontRef idx="minor">
+            <a:schemeClr val="tx1"/>
+          </a:fontRef>
+        </p:style>
+      </p:cxnSp>
+    </p:spTree>
+    <p:extLst>
+      <p:ext uri="{BB962C8B-B14F-4D97-AF65-F5344CB8AC3E}">
+        <p14:creationId xmlns:p14="http://schemas.microsoft.com/office/powerpoint/2010/main" val="1615557028"/>
+      </p:ext>
+    </p:extLst>
+  </p:cSld>
+  <p:clrMapOvr>
+    <a:masterClrMapping/>
+  </p:clrMapOvr>
+</p:sld>
+</file>
+
+<file path=ppt/slides/slide5.xml><?xml version="1.0" encoding="utf-8"?>
+<p:sld xmlns:a="http://schemas.openxmlformats.org/drawingml/2006/main" xmlns:r="http://schemas.openxmlformats.org/officeDocument/2006/relationships" xmlns:p="http://schemas.openxmlformats.org/presentationml/2006/main">
+  <p:cSld>
+    <p:spTree>
+      <p:nvGrpSpPr>
+        <p:cNvPr id="1" name=""/>
+        <p:cNvGrpSpPr/>
+        <p:nvPr/>
+      </p:nvGrpSpPr>
+      <p:grpSpPr>
+        <a:xfrm>
+          <a:off x="0" y="0"/>
+          <a:ext cx="0" cy="0"/>
+          <a:chOff x="0" y="0"/>
+          <a:chExt cx="0" cy="0"/>
+        </a:xfrm>
+      </p:grpSpPr>
+      <p:pic>
+        <p:nvPicPr>
+          <p:cNvPr id="4" name="図 3">
+            <a:extLst>
+              <a:ext uri="{FF2B5EF4-FFF2-40B4-BE49-F238E27FC236}">
+                <a16:creationId xmlns:a16="http://schemas.microsoft.com/office/drawing/2014/main" id="{C102E0F1-B250-4F92-A1C9-F19EAF748911}"/>
+              </a:ext>
+            </a:extLst>
+          </p:cNvPr>
+          <p:cNvPicPr>
+            <a:picLocks noChangeAspect="1"/>
+          </p:cNvPicPr>
+          <p:nvPr/>
+        </p:nvPicPr>
+        <p:blipFill>
+          <a:blip r:embed="rId2"/>
+          <a:stretch>
+            <a:fillRect/>
+          </a:stretch>
+        </p:blipFill>
+        <p:spPr>
+          <a:xfrm>
+            <a:off x="2695532" y="1498223"/>
+            <a:ext cx="6800936" cy="5087159"/>
+          </a:xfrm>
+          <a:prstGeom prst="rect">
+            <a:avLst/>
+          </a:prstGeom>
+        </p:spPr>
+      </p:pic>
+      <p:sp>
+        <p:nvSpPr>
+          <p:cNvPr id="5" name="テキスト ボックス 4">
+            <a:extLst>
+              <a:ext uri="{FF2B5EF4-FFF2-40B4-BE49-F238E27FC236}">
+                <a16:creationId xmlns:a16="http://schemas.microsoft.com/office/drawing/2014/main" id="{C933DC4D-80D1-4534-B480-31948A12C9BF}"/>
+              </a:ext>
+            </a:extLst>
+          </p:cNvPr>
+          <p:cNvSpPr txBox="1"/>
+          <p:nvPr/>
+        </p:nvSpPr>
+        <p:spPr>
+          <a:xfrm>
+            <a:off x="5057093" y="822121"/>
+            <a:ext cx="2077813" cy="461665"/>
+          </a:xfrm>
+          <a:prstGeom prst="rect">
+            <a:avLst/>
+          </a:prstGeom>
+          <a:noFill/>
+        </p:spPr>
+        <p:txBody>
+          <a:bodyPr wrap="none" rtlCol="0">
+            <a:spAutoFit/>
+          </a:bodyPr>
+          <a:lstStyle/>
+          <a:p>
+            <a:r>
+              <a:rPr lang="en-US" sz="2400" dirty="0">
+                <a:latin typeface="Calibri" panose="020F0502020204030204" pitchFamily="34" charset="0"/>
+                <a:cs typeface="Calibri" panose="020F0502020204030204" pitchFamily="34" charset="0"/>
+              </a:rPr>
+              <a:t>Hello Cube #01</a:t>
+            </a:r>
+          </a:p>
+        </p:txBody>
+      </p:sp>
+      <p:sp>
+        <p:nvSpPr>
+          <p:cNvPr id="6" name="正方形/長方形 5">
+            <a:extLst>
+              <a:ext uri="{FF2B5EF4-FFF2-40B4-BE49-F238E27FC236}">
+                <a16:creationId xmlns:a16="http://schemas.microsoft.com/office/drawing/2014/main" id="{9CF137A3-96CD-4731-9FCC-C6890A8B468D}"/>
+              </a:ext>
+            </a:extLst>
+          </p:cNvPr>
+          <p:cNvSpPr/>
+          <p:nvPr/>
+        </p:nvSpPr>
+        <p:spPr>
+          <a:xfrm>
+            <a:off x="3120596" y="3531141"/>
+            <a:ext cx="1149847" cy="214008"/>
+          </a:xfrm>
+          <a:prstGeom prst="rect">
+            <a:avLst/>
+          </a:prstGeom>
+          <a:noFill/>
+          <a:ln w="25400">
+            <a:solidFill>
+              <a:srgbClr val="FF0000"/>
+            </a:solidFill>
+          </a:ln>
+        </p:spPr>
+        <p:style>
+          <a:lnRef idx="2">
+            <a:schemeClr val="accent1">
+              <a:shade val="50000"/>
+            </a:schemeClr>
+          </a:lnRef>
+          <a:fillRef idx="1">
+            <a:schemeClr val="accent1"/>
+          </a:fillRef>
+          <a:effectRef idx="0">
+            <a:schemeClr val="accent1"/>
+          </a:effectRef>
+          <a:fontRef idx="minor">
+            <a:schemeClr val="lt1"/>
+          </a:fontRef>
+        </p:style>
+        <p:txBody>
+          <a:bodyPr rtlCol="0" anchor="ctr"/>
+          <a:lstStyle/>
+          <a:p>
+            <a:pPr algn="ctr"/>
+            <a:endParaRPr lang="en-US"/>
+          </a:p>
+        </p:txBody>
+      </p:sp>
+      <p:cxnSp>
+        <p:nvCxnSpPr>
+          <p:cNvPr id="7" name="コネクタ: 曲線 6">
+            <a:extLst>
+              <a:ext uri="{FF2B5EF4-FFF2-40B4-BE49-F238E27FC236}">
+                <a16:creationId xmlns:a16="http://schemas.microsoft.com/office/drawing/2014/main" id="{0E751B06-77F1-4154-B2C6-B1B19A4DEC2A}"/>
+              </a:ext>
+            </a:extLst>
+          </p:cNvPr>
+          <p:cNvCxnSpPr>
+            <a:cxnSpLocks/>
+            <a:stCxn id="6" idx="2"/>
+            <a:endCxn id="8" idx="1"/>
+          </p:cNvCxnSpPr>
+          <p:nvPr/>
+        </p:nvCxnSpPr>
+        <p:spPr>
+          <a:xfrm rot="16200000" flipH="1">
+            <a:off x="3314834" y="4125834"/>
+            <a:ext cx="1467256" cy="705885"/>
+          </a:xfrm>
+          <a:prstGeom prst="curvedConnector2">
+            <a:avLst/>
+          </a:prstGeom>
+          <a:ln w="19050">
+            <a:solidFill>
+              <a:srgbClr val="FF0000"/>
+            </a:solidFill>
+            <a:prstDash val="sysDash"/>
+            <a:tailEnd type="triangle"/>
+          </a:ln>
+        </p:spPr>
+        <p:style>
+          <a:lnRef idx="1">
+            <a:schemeClr val="accent1"/>
+          </a:lnRef>
+          <a:fillRef idx="0">
+            <a:schemeClr val="accent1"/>
+          </a:fillRef>
+          <a:effectRef idx="0">
+            <a:schemeClr val="accent1"/>
+          </a:effectRef>
+          <a:fontRef idx="minor">
+            <a:schemeClr val="tx1"/>
+          </a:fontRef>
+        </p:style>
+      </p:cxnSp>
+      <p:sp>
+        <p:nvSpPr>
+          <p:cNvPr id="8" name="正方形/長方形 7">
+            <a:extLst>
+              <a:ext uri="{FF2B5EF4-FFF2-40B4-BE49-F238E27FC236}">
+                <a16:creationId xmlns:a16="http://schemas.microsoft.com/office/drawing/2014/main" id="{09CEAE4C-1608-412B-8406-EDE442815896}"/>
+              </a:ext>
+            </a:extLst>
+          </p:cNvPr>
+          <p:cNvSpPr/>
+          <p:nvPr/>
+        </p:nvSpPr>
+        <p:spPr>
+          <a:xfrm>
+            <a:off x="4401405" y="4471482"/>
+            <a:ext cx="4937148" cy="1481846"/>
+          </a:xfrm>
+          <a:prstGeom prst="rect">
+            <a:avLst/>
+          </a:prstGeom>
+          <a:noFill/>
+          <a:ln w="25400">
+            <a:solidFill>
+              <a:srgbClr val="FF0000"/>
+            </a:solidFill>
+          </a:ln>
+        </p:spPr>
+        <p:style>
+          <a:lnRef idx="2">
+            <a:schemeClr val="accent1">
+              <a:shade val="50000"/>
+            </a:schemeClr>
+          </a:lnRef>
+          <a:fillRef idx="1">
+            <a:schemeClr val="accent1"/>
+          </a:fillRef>
+          <a:effectRef idx="0">
+            <a:schemeClr val="accent1"/>
+          </a:effectRef>
+          <a:fontRef idx="minor">
+            <a:schemeClr val="lt1"/>
+          </a:fontRef>
+        </p:style>
+        <p:txBody>
+          <a:bodyPr rtlCol="0" anchor="ctr"/>
+          <a:lstStyle/>
+          <a:p>
+            <a:pPr algn="ctr"/>
+            <a:endParaRPr lang="en-US"/>
+          </a:p>
+        </p:txBody>
+      </p:sp>
+      <p:cxnSp>
+        <p:nvCxnSpPr>
+          <p:cNvPr id="9" name="コネクタ: 曲線 8">
+            <a:extLst>
+              <a:ext uri="{FF2B5EF4-FFF2-40B4-BE49-F238E27FC236}">
+                <a16:creationId xmlns:a16="http://schemas.microsoft.com/office/drawing/2014/main" id="{428DC320-27E1-4751-9C19-BA71800ED433}"/>
+              </a:ext>
+            </a:extLst>
+          </p:cNvPr>
+          <p:cNvCxnSpPr>
+            <a:cxnSpLocks/>
+            <a:stCxn id="8" idx="2"/>
+            <a:endCxn id="10" idx="1"/>
+          </p:cNvCxnSpPr>
+          <p:nvPr/>
+        </p:nvCxnSpPr>
+        <p:spPr>
+          <a:xfrm rot="16200000" flipH="1">
+            <a:off x="7165524" y="5657783"/>
+            <a:ext cx="497418" cy="1088508"/>
+          </a:xfrm>
+          <a:prstGeom prst="curvedConnector2">
+            <a:avLst/>
+          </a:prstGeom>
+          <a:ln w="19050">
+            <a:solidFill>
+              <a:srgbClr val="FF0000"/>
+            </a:solidFill>
+            <a:prstDash val="sysDash"/>
+            <a:tailEnd type="triangle"/>
+          </a:ln>
+        </p:spPr>
+        <p:style>
+          <a:lnRef idx="1">
+            <a:schemeClr val="accent1"/>
+          </a:lnRef>
+          <a:fillRef idx="0">
+            <a:schemeClr val="accent1"/>
+          </a:fillRef>
+          <a:effectRef idx="0">
+            <a:schemeClr val="accent1"/>
+          </a:effectRef>
+          <a:fontRef idx="minor">
+            <a:schemeClr val="tx1"/>
+          </a:fontRef>
+        </p:style>
+      </p:cxnSp>
+      <p:sp>
+        <p:nvSpPr>
+          <p:cNvPr id="10" name="正方形/長方形 9">
+            <a:extLst>
+              <a:ext uri="{FF2B5EF4-FFF2-40B4-BE49-F238E27FC236}">
+                <a16:creationId xmlns:a16="http://schemas.microsoft.com/office/drawing/2014/main" id="{CFDD7F46-6669-442D-889D-BC7C4E374FFC}"/>
+              </a:ext>
+            </a:extLst>
+          </p:cNvPr>
+          <p:cNvSpPr/>
+          <p:nvPr/>
+        </p:nvSpPr>
+        <p:spPr>
+          <a:xfrm>
+            <a:off x="7958487" y="6335566"/>
+            <a:ext cx="553216" cy="230360"/>
+          </a:xfrm>
+          <a:prstGeom prst="rect">
+            <a:avLst/>
+          </a:prstGeom>
+          <a:noFill/>
+          <a:ln w="25400">
+            <a:solidFill>
+              <a:srgbClr val="FF0000"/>
+            </a:solidFill>
+          </a:ln>
+        </p:spPr>
+        <p:style>
+          <a:lnRef idx="2">
+            <a:schemeClr val="accent1">
+              <a:shade val="50000"/>
+            </a:schemeClr>
+          </a:lnRef>
+          <a:fillRef idx="1">
+            <a:schemeClr val="accent1"/>
+          </a:fillRef>
+          <a:effectRef idx="0">
+            <a:schemeClr val="accent1"/>
+          </a:effectRef>
+          <a:fontRef idx="minor">
+            <a:schemeClr val="lt1"/>
+          </a:fontRef>
+        </p:style>
+        <p:txBody>
+          <a:bodyPr rtlCol="0" anchor="ctr"/>
+          <a:lstStyle/>
+          <a:p>
+            <a:pPr algn="ctr"/>
+            <a:endParaRPr lang="en-US"/>
+          </a:p>
+        </p:txBody>
+      </p:sp>
+      <p:sp>
+        <p:nvSpPr>
+          <p:cNvPr id="15" name="正方形/長方形 14">
+            <a:extLst>
+              <a:ext uri="{FF2B5EF4-FFF2-40B4-BE49-F238E27FC236}">
+                <a16:creationId xmlns:a16="http://schemas.microsoft.com/office/drawing/2014/main" id="{404004DE-77E9-4305-A668-F0CA5E2935B9}"/>
+              </a:ext>
+            </a:extLst>
+          </p:cNvPr>
+          <p:cNvSpPr/>
+          <p:nvPr/>
+        </p:nvSpPr>
+        <p:spPr>
+          <a:xfrm>
+            <a:off x="6969506" y="4714673"/>
+            <a:ext cx="1639473" cy="411804"/>
+          </a:xfrm>
+          <a:prstGeom prst="rect">
+            <a:avLst/>
+          </a:prstGeom>
+          <a:noFill/>
+          <a:ln w="25400">
+            <a:solidFill>
+              <a:srgbClr val="FF0000"/>
+            </a:solidFill>
+            <a:prstDash val="sysDash"/>
+          </a:ln>
+        </p:spPr>
+        <p:style>
+          <a:lnRef idx="2">
+            <a:schemeClr val="accent1">
+              <a:shade val="50000"/>
+            </a:schemeClr>
+          </a:lnRef>
+          <a:fillRef idx="1">
+            <a:schemeClr val="accent1"/>
+          </a:fillRef>
+          <a:effectRef idx="0">
+            <a:schemeClr val="accent1"/>
+          </a:effectRef>
+          <a:fontRef idx="minor">
+            <a:schemeClr val="lt1"/>
+          </a:fontRef>
+        </p:style>
+        <p:txBody>
+          <a:bodyPr rtlCol="0" anchor="ctr"/>
+          <a:lstStyle/>
+          <a:p>
+            <a:pPr algn="ctr"/>
+            <a:endParaRPr lang="en-US"/>
+          </a:p>
+        </p:txBody>
+      </p:sp>
+    </p:spTree>
+    <p:extLst>
+      <p:ext uri="{BB962C8B-B14F-4D97-AF65-F5344CB8AC3E}">
+        <p14:creationId xmlns:p14="http://schemas.microsoft.com/office/powerpoint/2010/main" val="3052565336"/>
+      </p:ext>
+    </p:extLst>
+  </p:cSld>
+  <p:clrMapOvr>
+    <a:masterClrMapping/>
+  </p:clrMapOvr>
+</p:sld>
+</file>
+
+<file path=ppt/slides/slide6.xml><?xml version="1.0" encoding="utf-8"?>
+<p:sld xmlns:a="http://schemas.openxmlformats.org/drawingml/2006/main" xmlns:r="http://schemas.openxmlformats.org/officeDocument/2006/relationships" xmlns:p="http://schemas.openxmlformats.org/presentationml/2006/main">
+  <p:cSld>
+    <p:spTree>
+      <p:nvGrpSpPr>
+        <p:cNvPr id="1" name=""/>
+        <p:cNvGrpSpPr/>
+        <p:nvPr/>
+      </p:nvGrpSpPr>
+      <p:grpSpPr>
+        <a:xfrm>
+          <a:off x="0" y="0"/>
+          <a:ext cx="0" cy="0"/>
+          <a:chOff x="0" y="0"/>
+          <a:chExt cx="0" cy="0"/>
+        </a:xfrm>
+      </p:grpSpPr>
+      <p:pic>
+        <p:nvPicPr>
+          <p:cNvPr id="4" name="図 3">
+            <a:extLst>
+              <a:ext uri="{FF2B5EF4-FFF2-40B4-BE49-F238E27FC236}">
+                <a16:creationId xmlns:a16="http://schemas.microsoft.com/office/drawing/2014/main" id="{AD198A32-AD97-4A5B-BE48-B8E10D3AD22F}"/>
+              </a:ext>
+            </a:extLst>
+          </p:cNvPr>
+          <p:cNvPicPr>
+            <a:picLocks noChangeAspect="1"/>
+          </p:cNvPicPr>
+          <p:nvPr/>
+        </p:nvPicPr>
+        <p:blipFill>
+          <a:blip r:embed="rId2"/>
+          <a:stretch>
+            <a:fillRect/>
+          </a:stretch>
+        </p:blipFill>
+        <p:spPr>
+          <a:xfrm>
+            <a:off x="894623" y="1623410"/>
+            <a:ext cx="10402752" cy="4248743"/>
+          </a:xfrm>
+          <a:prstGeom prst="rect">
+            <a:avLst/>
+          </a:prstGeom>
+        </p:spPr>
+      </p:pic>
+      <p:sp>
+        <p:nvSpPr>
+          <p:cNvPr id="5" name="テキスト ボックス 4">
+            <a:extLst>
+              <a:ext uri="{FF2B5EF4-FFF2-40B4-BE49-F238E27FC236}">
+                <a16:creationId xmlns:a16="http://schemas.microsoft.com/office/drawing/2014/main" id="{CE6B3328-F84E-4B99-A363-96F392C6946C}"/>
+              </a:ext>
+            </a:extLst>
+          </p:cNvPr>
+          <p:cNvSpPr txBox="1"/>
+          <p:nvPr/>
+        </p:nvSpPr>
+        <p:spPr>
+          <a:xfrm>
+            <a:off x="5057093" y="822121"/>
+            <a:ext cx="2077813" cy="461665"/>
+          </a:xfrm>
+          <a:prstGeom prst="rect">
+            <a:avLst/>
+          </a:prstGeom>
+          <a:noFill/>
+        </p:spPr>
+        <p:txBody>
+          <a:bodyPr wrap="none" rtlCol="0">
+            <a:spAutoFit/>
+          </a:bodyPr>
+          <a:lstStyle/>
+          <a:p>
+            <a:r>
+              <a:rPr lang="en-US" sz="2400" dirty="0">
+                <a:latin typeface="Calibri" panose="020F0502020204030204" pitchFamily="34" charset="0"/>
+                <a:cs typeface="Calibri" panose="020F0502020204030204" pitchFamily="34" charset="0"/>
+              </a:rPr>
+              <a:t>Hello Cube #03</a:t>
+            </a:r>
+          </a:p>
+        </p:txBody>
+      </p:sp>
+      <p:sp>
+        <p:nvSpPr>
+          <p:cNvPr id="6" name="正方形/長方形 5">
+            <a:extLst>
+              <a:ext uri="{FF2B5EF4-FFF2-40B4-BE49-F238E27FC236}">
+                <a16:creationId xmlns:a16="http://schemas.microsoft.com/office/drawing/2014/main" id="{963D523C-0A72-4E5D-B0A3-BF45B87879F2}"/>
+              </a:ext>
+            </a:extLst>
+          </p:cNvPr>
+          <p:cNvSpPr/>
+          <p:nvPr/>
+        </p:nvSpPr>
+        <p:spPr>
+          <a:xfrm>
+            <a:off x="990239" y="3064214"/>
+            <a:ext cx="1324945" cy="184825"/>
+          </a:xfrm>
+          <a:prstGeom prst="rect">
+            <a:avLst/>
+          </a:prstGeom>
+          <a:noFill/>
+          <a:ln w="25400">
+            <a:solidFill>
+              <a:srgbClr val="FF0000"/>
+            </a:solidFill>
+          </a:ln>
+        </p:spPr>
+        <p:style>
+          <a:lnRef idx="2">
+            <a:schemeClr val="accent1">
+              <a:shade val="50000"/>
+            </a:schemeClr>
+          </a:lnRef>
+          <a:fillRef idx="1">
+            <a:schemeClr val="accent1"/>
+          </a:fillRef>
+          <a:effectRef idx="0">
+            <a:schemeClr val="accent1"/>
+          </a:effectRef>
+          <a:fontRef idx="minor">
+            <a:schemeClr val="lt1"/>
+          </a:fontRef>
+        </p:style>
+        <p:txBody>
+          <a:bodyPr rtlCol="0" anchor="ctr"/>
+          <a:lstStyle/>
+          <a:p>
+            <a:pPr algn="ctr"/>
+            <a:endParaRPr lang="en-US"/>
+          </a:p>
+        </p:txBody>
+      </p:sp>
+      <p:cxnSp>
+        <p:nvCxnSpPr>
+          <p:cNvPr id="7" name="コネクタ: 曲線 6">
+            <a:extLst>
+              <a:ext uri="{FF2B5EF4-FFF2-40B4-BE49-F238E27FC236}">
+                <a16:creationId xmlns:a16="http://schemas.microsoft.com/office/drawing/2014/main" id="{39FB2ECA-511E-45CC-9200-28A48D5D9E21}"/>
+              </a:ext>
+            </a:extLst>
+          </p:cNvPr>
+          <p:cNvCxnSpPr>
+            <a:cxnSpLocks/>
+            <a:stCxn id="6" idx="2"/>
+            <a:endCxn id="8" idx="1"/>
+          </p:cNvCxnSpPr>
+          <p:nvPr/>
+        </p:nvCxnSpPr>
+        <p:spPr>
+          <a:xfrm rot="16200000" flipH="1">
+            <a:off x="2953951" y="1947799"/>
+            <a:ext cx="139430" cy="2741909"/>
+          </a:xfrm>
+          <a:prstGeom prst="curvedConnector2">
+            <a:avLst/>
+          </a:prstGeom>
+          <a:ln w="19050">
+            <a:solidFill>
+              <a:srgbClr val="FF0000"/>
+            </a:solidFill>
+            <a:prstDash val="sysDash"/>
+            <a:tailEnd type="triangle"/>
+          </a:ln>
+        </p:spPr>
+        <p:style>
+          <a:lnRef idx="1">
+            <a:schemeClr val="accent1"/>
+          </a:lnRef>
+          <a:fillRef idx="0">
+            <a:schemeClr val="accent1"/>
+          </a:fillRef>
+          <a:effectRef idx="0">
+            <a:schemeClr val="accent1"/>
+          </a:effectRef>
+          <a:fontRef idx="minor">
+            <a:schemeClr val="tx1"/>
+          </a:fontRef>
+        </p:style>
+      </p:cxnSp>
+      <p:sp>
+        <p:nvSpPr>
+          <p:cNvPr id="8" name="正方形/長方形 7">
+            <a:extLst>
+              <a:ext uri="{FF2B5EF4-FFF2-40B4-BE49-F238E27FC236}">
+                <a16:creationId xmlns:a16="http://schemas.microsoft.com/office/drawing/2014/main" id="{655DCD60-2C98-4E5D-B6BB-F19A18279679}"/>
+              </a:ext>
+            </a:extLst>
+          </p:cNvPr>
+          <p:cNvSpPr/>
+          <p:nvPr/>
+        </p:nvSpPr>
+        <p:spPr>
+          <a:xfrm>
+            <a:off x="4394621" y="3255524"/>
+            <a:ext cx="618336" cy="265889"/>
+          </a:xfrm>
+          <a:prstGeom prst="rect">
+            <a:avLst/>
+          </a:prstGeom>
+          <a:noFill/>
+          <a:ln w="25400">
+            <a:solidFill>
+              <a:srgbClr val="FF0000"/>
+            </a:solidFill>
+          </a:ln>
+        </p:spPr>
+        <p:style>
+          <a:lnRef idx="2">
+            <a:schemeClr val="accent1">
+              <a:shade val="50000"/>
+            </a:schemeClr>
+          </a:lnRef>
+          <a:fillRef idx="1">
+            <a:schemeClr val="accent1"/>
+          </a:fillRef>
+          <a:effectRef idx="0">
+            <a:schemeClr val="accent1"/>
+          </a:effectRef>
+          <a:fontRef idx="minor">
+            <a:schemeClr val="lt1"/>
+          </a:fontRef>
+        </p:style>
+        <p:txBody>
+          <a:bodyPr rtlCol="0" anchor="ctr"/>
+          <a:lstStyle/>
+          <a:p>
+            <a:pPr algn="ctr"/>
+            <a:endParaRPr lang="en-US"/>
+          </a:p>
+        </p:txBody>
+      </p:sp>
+      <p:cxnSp>
+        <p:nvCxnSpPr>
+          <p:cNvPr id="9" name="コネクタ: 曲線 8">
+            <a:extLst>
+              <a:ext uri="{FF2B5EF4-FFF2-40B4-BE49-F238E27FC236}">
+                <a16:creationId xmlns:a16="http://schemas.microsoft.com/office/drawing/2014/main" id="{A1310D24-46C1-4279-9898-983EADB0E76F}"/>
+              </a:ext>
+            </a:extLst>
+          </p:cNvPr>
+          <p:cNvCxnSpPr>
+            <a:cxnSpLocks/>
+            <a:stCxn id="8" idx="2"/>
+            <a:endCxn id="11" idx="1"/>
+          </p:cNvCxnSpPr>
+          <p:nvPr/>
+        </p:nvCxnSpPr>
+        <p:spPr>
+          <a:xfrm rot="5400000" flipH="1" flipV="1">
+            <a:off x="4695448" y="2120864"/>
+            <a:ext cx="1408889" cy="1392209"/>
+          </a:xfrm>
+          <a:prstGeom prst="curvedConnector4">
+            <a:avLst>
+              <a:gd name="adj1" fmla="val -16226"/>
+              <a:gd name="adj2" fmla="val 61103"/>
+            </a:avLst>
+          </a:prstGeom>
+          <a:ln w="19050">
+            <a:solidFill>
+              <a:srgbClr val="FF0000"/>
+            </a:solidFill>
+            <a:prstDash val="sysDash"/>
+            <a:tailEnd type="triangle"/>
+          </a:ln>
+        </p:spPr>
+        <p:style>
+          <a:lnRef idx="1">
+            <a:schemeClr val="accent1"/>
+          </a:lnRef>
+          <a:fillRef idx="0">
+            <a:schemeClr val="accent1"/>
+          </a:fillRef>
+          <a:effectRef idx="0">
+            <a:schemeClr val="accent1"/>
+          </a:effectRef>
+          <a:fontRef idx="minor">
+            <a:schemeClr val="tx1"/>
+          </a:fontRef>
+        </p:style>
+      </p:cxnSp>
+      <p:sp>
+        <p:nvSpPr>
+          <p:cNvPr id="11" name="正方形/長方形 10">
+            <a:extLst>
+              <a:ext uri="{FF2B5EF4-FFF2-40B4-BE49-F238E27FC236}">
+                <a16:creationId xmlns:a16="http://schemas.microsoft.com/office/drawing/2014/main" id="{D38B639E-448A-4801-8373-C45B6A7FE944}"/>
+              </a:ext>
+            </a:extLst>
+          </p:cNvPr>
+          <p:cNvSpPr/>
+          <p:nvPr/>
+        </p:nvSpPr>
+        <p:spPr>
+          <a:xfrm>
+            <a:off x="6095998" y="1958503"/>
+            <a:ext cx="2940997" cy="308042"/>
+          </a:xfrm>
+          <a:prstGeom prst="rect">
+            <a:avLst/>
+          </a:prstGeom>
+          <a:noFill/>
+          <a:ln w="25400">
+            <a:solidFill>
+              <a:srgbClr val="FF0000"/>
+            </a:solidFill>
+          </a:ln>
+        </p:spPr>
+        <p:style>
+          <a:lnRef idx="2">
+            <a:schemeClr val="accent1">
+              <a:shade val="50000"/>
+            </a:schemeClr>
+          </a:lnRef>
+          <a:fillRef idx="1">
+            <a:schemeClr val="accent1"/>
+          </a:fillRef>
+          <a:effectRef idx="0">
+            <a:schemeClr val="accent1"/>
+          </a:effectRef>
+          <a:fontRef idx="minor">
+            <a:schemeClr val="lt1"/>
+          </a:fontRef>
+        </p:style>
+        <p:txBody>
+          <a:bodyPr rtlCol="0" anchor="ctr"/>
+          <a:lstStyle/>
+          <a:p>
+            <a:pPr algn="ctr"/>
+            <a:endParaRPr lang="en-US"/>
+          </a:p>
+        </p:txBody>
+      </p:sp>
+      <p:sp>
+        <p:nvSpPr>
+          <p:cNvPr id="14" name="正方形/長方形 13">
+            <a:extLst>
+              <a:ext uri="{FF2B5EF4-FFF2-40B4-BE49-F238E27FC236}">
+                <a16:creationId xmlns:a16="http://schemas.microsoft.com/office/drawing/2014/main" id="{86E47F26-B8CD-4AC3-AF30-EE0D5901079E}"/>
+              </a:ext>
+            </a:extLst>
+          </p:cNvPr>
+          <p:cNvSpPr/>
+          <p:nvPr/>
+        </p:nvSpPr>
+        <p:spPr>
+          <a:xfrm>
+            <a:off x="9036995" y="5457217"/>
+            <a:ext cx="1147865" cy="308042"/>
+          </a:xfrm>
+          <a:prstGeom prst="rect">
+            <a:avLst/>
+          </a:prstGeom>
+          <a:noFill/>
+          <a:ln w="25400">
+            <a:solidFill>
+              <a:srgbClr val="FF0000"/>
+            </a:solidFill>
+          </a:ln>
+        </p:spPr>
+        <p:style>
+          <a:lnRef idx="2">
+            <a:schemeClr val="accent1">
+              <a:shade val="50000"/>
+            </a:schemeClr>
+          </a:lnRef>
+          <a:fillRef idx="1">
+            <a:schemeClr val="accent1"/>
+          </a:fillRef>
+          <a:effectRef idx="0">
+            <a:schemeClr val="accent1"/>
+          </a:effectRef>
+          <a:fontRef idx="minor">
+            <a:schemeClr val="lt1"/>
+          </a:fontRef>
+        </p:style>
+        <p:txBody>
+          <a:bodyPr rtlCol="0" anchor="ctr"/>
+          <a:lstStyle/>
+          <a:p>
+            <a:pPr algn="ctr"/>
+            <a:endParaRPr lang="en-US"/>
+          </a:p>
+        </p:txBody>
+      </p:sp>
+      <p:sp>
+        <p:nvSpPr>
+          <p:cNvPr id="15" name="正方形/長方形 14">
+            <a:extLst>
+              <a:ext uri="{FF2B5EF4-FFF2-40B4-BE49-F238E27FC236}">
+                <a16:creationId xmlns:a16="http://schemas.microsoft.com/office/drawing/2014/main" id="{DA589605-1A60-49DD-8D17-0ECCCE807285}"/>
+              </a:ext>
+            </a:extLst>
+          </p:cNvPr>
+          <p:cNvSpPr/>
+          <p:nvPr/>
+        </p:nvSpPr>
+        <p:spPr>
+          <a:xfrm>
+            <a:off x="3155006" y="5453974"/>
+            <a:ext cx="979249" cy="308042"/>
+          </a:xfrm>
+          <a:prstGeom prst="rect">
+            <a:avLst/>
+          </a:prstGeom>
+          <a:noFill/>
+          <a:ln w="25400">
+            <a:solidFill>
+              <a:srgbClr val="FF0000"/>
+            </a:solidFill>
+          </a:ln>
+        </p:spPr>
+        <p:style>
+          <a:lnRef idx="2">
+            <a:schemeClr val="accent1">
+              <a:shade val="50000"/>
+            </a:schemeClr>
+          </a:lnRef>
+          <a:fillRef idx="1">
+            <a:schemeClr val="accent1"/>
+          </a:fillRef>
+          <a:effectRef idx="0">
+            <a:schemeClr val="accent1"/>
+          </a:effectRef>
+          <a:fontRef idx="minor">
+            <a:schemeClr val="lt1"/>
+          </a:fontRef>
+        </p:style>
+        <p:txBody>
+          <a:bodyPr rtlCol="0" anchor="ctr"/>
+          <a:lstStyle/>
+          <a:p>
+            <a:pPr algn="ctr"/>
+            <a:endParaRPr lang="en-US"/>
+          </a:p>
+        </p:txBody>
+      </p:sp>
+      <p:cxnSp>
+        <p:nvCxnSpPr>
+          <p:cNvPr id="16" name="コネクタ: 曲線 15">
+            <a:extLst>
+              <a:ext uri="{FF2B5EF4-FFF2-40B4-BE49-F238E27FC236}">
+                <a16:creationId xmlns:a16="http://schemas.microsoft.com/office/drawing/2014/main" id="{680D2D54-6B5C-4627-A714-7F2347B9ED6E}"/>
+              </a:ext>
+            </a:extLst>
+          </p:cNvPr>
+          <p:cNvCxnSpPr>
+            <a:cxnSpLocks/>
+            <a:stCxn id="11" idx="2"/>
+            <a:endCxn id="14" idx="1"/>
+          </p:cNvCxnSpPr>
+          <p:nvPr/>
+        </p:nvCxnSpPr>
+        <p:spPr>
+          <a:xfrm rot="16200000" flipH="1">
+            <a:off x="6629400" y="3203642"/>
+            <a:ext cx="3344693" cy="1470498"/>
+          </a:xfrm>
+          <a:prstGeom prst="curvedConnector2">
+            <a:avLst/>
+          </a:prstGeom>
+          <a:ln w="19050">
+            <a:solidFill>
+              <a:srgbClr val="FF0000"/>
+            </a:solidFill>
+            <a:prstDash val="sysDash"/>
+            <a:tailEnd type="triangle"/>
+          </a:ln>
+        </p:spPr>
+        <p:style>
+          <a:lnRef idx="1">
+            <a:schemeClr val="accent1"/>
+          </a:lnRef>
+          <a:fillRef idx="0">
+            <a:schemeClr val="accent1"/>
+          </a:fillRef>
+          <a:effectRef idx="0">
+            <a:schemeClr val="accent1"/>
+          </a:effectRef>
+          <a:fontRef idx="minor">
+            <a:schemeClr val="tx1"/>
+          </a:fontRef>
+        </p:style>
+      </p:cxnSp>
+      <p:cxnSp>
+        <p:nvCxnSpPr>
+          <p:cNvPr id="20" name="コネクタ: 曲線 19">
+            <a:extLst>
+              <a:ext uri="{FF2B5EF4-FFF2-40B4-BE49-F238E27FC236}">
+                <a16:creationId xmlns:a16="http://schemas.microsoft.com/office/drawing/2014/main" id="{BBCE6CF0-FC4B-4F0A-A557-77D1D37DA3C8}"/>
+              </a:ext>
+            </a:extLst>
+          </p:cNvPr>
+          <p:cNvCxnSpPr>
+            <a:cxnSpLocks/>
+            <a:stCxn id="14" idx="2"/>
+            <a:endCxn id="15" idx="0"/>
+          </p:cNvCxnSpPr>
+          <p:nvPr/>
+        </p:nvCxnSpPr>
+        <p:spPr>
+          <a:xfrm rot="5400000" flipH="1">
+            <a:off x="6472137" y="2626469"/>
+            <a:ext cx="311285" cy="5966297"/>
+          </a:xfrm>
+          <a:prstGeom prst="curvedConnector5">
+            <a:avLst>
+              <a:gd name="adj1" fmla="val -73438"/>
+              <a:gd name="adj2" fmla="val 50707"/>
+              <a:gd name="adj3" fmla="val 173438"/>
+            </a:avLst>
+          </a:prstGeom>
+          <a:ln w="19050">
+            <a:solidFill>
+              <a:srgbClr val="FF0000"/>
+            </a:solidFill>
+            <a:prstDash val="sysDash"/>
+            <a:tailEnd type="triangle"/>
+          </a:ln>
+        </p:spPr>
+        <p:style>
+          <a:lnRef idx="1">
+            <a:schemeClr val="accent1"/>
+          </a:lnRef>
+          <a:fillRef idx="0">
+            <a:schemeClr val="accent1"/>
+          </a:fillRef>
+          <a:effectRef idx="0">
+            <a:schemeClr val="accent1"/>
+          </a:effectRef>
+          <a:fontRef idx="minor">
+            <a:schemeClr val="tx1"/>
+          </a:fontRef>
+        </p:style>
+      </p:cxnSp>
+    </p:spTree>
+    <p:extLst>
+      <p:ext uri="{BB962C8B-B14F-4D97-AF65-F5344CB8AC3E}">
+        <p14:creationId xmlns:p14="http://schemas.microsoft.com/office/powerpoint/2010/main" val="121972996"/>
+      </p:ext>
+    </p:extLst>
+  </p:cSld>
+  <p:clrMapOvr>
+    <a:masterClrMapping/>
+  </p:clrMapOvr>
+</p:sld>
+</file>
+
 <file path=ppt/theme/theme1.xml><?xml version="1.0" encoding="utf-8"?>
 <a:theme xmlns:a="http://schemas.openxmlformats.org/drawingml/2006/main" name="Office テーマ">
   <a:themeElements>

--- a/Resources/Part1/Part1_Resources.pptx
+++ b/Resources/Part1/Part1_Resources.pptx
@@ -11,6 +11,10 @@
     <p:sldId id="259" r:id="rId5"/>
     <p:sldId id="260" r:id="rId6"/>
     <p:sldId id="261" r:id="rId7"/>
+    <p:sldId id="262" r:id="rId8"/>
+    <p:sldId id="263" r:id="rId9"/>
+    <p:sldId id="264" r:id="rId10"/>
+    <p:sldId id="265" r:id="rId11"/>
   </p:sldIdLst>
   <p:sldSz cx="12192000" cy="6858000"/>
   <p:notesSz cx="6858000" cy="9144000"/>
@@ -13569,7 +13573,7 @@
           <a:p>
             <a:fld id="{1A086832-2622-4354-BD9D-64D40320B320}" type="datetimeFigureOut">
               <a:rPr kumimoji="1" lang="ja-JP" altLang="en-US" smtClean="0"/>
-              <a:t>2024/9/29</a:t>
+              <a:t>2024/11/2</a:t>
             </a:fld>
             <a:endParaRPr kumimoji="1" lang="ja-JP" altLang="en-US"/>
           </a:p>
@@ -13799,7 +13803,7 @@
           <a:p>
             <a:fld id="{1A086832-2622-4354-BD9D-64D40320B320}" type="datetimeFigureOut">
               <a:rPr kumimoji="1" lang="ja-JP" altLang="en-US" smtClean="0"/>
-              <a:t>2024/9/29</a:t>
+              <a:t>2024/11/2</a:t>
             </a:fld>
             <a:endParaRPr kumimoji="1" lang="ja-JP" altLang="en-US"/>
           </a:p>
@@ -14039,7 +14043,7 @@
           <a:p>
             <a:fld id="{1A086832-2622-4354-BD9D-64D40320B320}" type="datetimeFigureOut">
               <a:rPr kumimoji="1" lang="ja-JP" altLang="en-US" smtClean="0"/>
-              <a:t>2024/9/29</a:t>
+              <a:t>2024/11/2</a:t>
             </a:fld>
             <a:endParaRPr kumimoji="1" lang="ja-JP" altLang="en-US"/>
           </a:p>
@@ -14269,7 +14273,7 @@
           <a:p>
             <a:fld id="{1A086832-2622-4354-BD9D-64D40320B320}" type="datetimeFigureOut">
               <a:rPr kumimoji="1" lang="ja-JP" altLang="en-US" smtClean="0"/>
-              <a:t>2024/9/29</a:t>
+              <a:t>2024/11/2</a:t>
             </a:fld>
             <a:endParaRPr kumimoji="1" lang="ja-JP" altLang="en-US"/>
           </a:p>
@@ -14544,7 +14548,7 @@
           <a:p>
             <a:fld id="{1A086832-2622-4354-BD9D-64D40320B320}" type="datetimeFigureOut">
               <a:rPr kumimoji="1" lang="ja-JP" altLang="en-US" smtClean="0"/>
-              <a:t>2024/9/29</a:t>
+              <a:t>2024/11/2</a:t>
             </a:fld>
             <a:endParaRPr kumimoji="1" lang="ja-JP" altLang="en-US"/>
           </a:p>
@@ -14873,7 +14877,7 @@
           <a:p>
             <a:fld id="{1A086832-2622-4354-BD9D-64D40320B320}" type="datetimeFigureOut">
               <a:rPr kumimoji="1" lang="ja-JP" altLang="en-US" smtClean="0"/>
-              <a:t>2024/9/29</a:t>
+              <a:t>2024/11/2</a:t>
             </a:fld>
             <a:endParaRPr kumimoji="1" lang="ja-JP" altLang="en-US"/>
           </a:p>
@@ -15349,7 +15353,7 @@
           <a:p>
             <a:fld id="{1A086832-2622-4354-BD9D-64D40320B320}" type="datetimeFigureOut">
               <a:rPr kumimoji="1" lang="ja-JP" altLang="en-US" smtClean="0"/>
-              <a:t>2024/9/29</a:t>
+              <a:t>2024/11/2</a:t>
             </a:fld>
             <a:endParaRPr kumimoji="1" lang="ja-JP" altLang="en-US"/>
           </a:p>
@@ -15490,7 +15494,7 @@
           <a:p>
             <a:fld id="{1A086832-2622-4354-BD9D-64D40320B320}" type="datetimeFigureOut">
               <a:rPr kumimoji="1" lang="ja-JP" altLang="en-US" smtClean="0"/>
-              <a:t>2024/9/29</a:t>
+              <a:t>2024/11/2</a:t>
             </a:fld>
             <a:endParaRPr kumimoji="1" lang="ja-JP" altLang="en-US"/>
           </a:p>
@@ -15603,7 +15607,7 @@
           <a:p>
             <a:fld id="{1A086832-2622-4354-BD9D-64D40320B320}" type="datetimeFigureOut">
               <a:rPr kumimoji="1" lang="ja-JP" altLang="en-US" smtClean="0"/>
-              <a:t>2024/9/29</a:t>
+              <a:t>2024/11/2</a:t>
             </a:fld>
             <a:endParaRPr kumimoji="1" lang="ja-JP" altLang="en-US"/>
           </a:p>
@@ -15946,7 +15950,7 @@
           <a:p>
             <a:fld id="{1A086832-2622-4354-BD9D-64D40320B320}" type="datetimeFigureOut">
               <a:rPr kumimoji="1" lang="ja-JP" altLang="en-US" smtClean="0"/>
-              <a:t>2024/9/29</a:t>
+              <a:t>2024/11/2</a:t>
             </a:fld>
             <a:endParaRPr kumimoji="1" lang="ja-JP" altLang="en-US"/>
           </a:p>
@@ -16234,7 +16238,7 @@
           <a:p>
             <a:fld id="{1A086832-2622-4354-BD9D-64D40320B320}" type="datetimeFigureOut">
               <a:rPr kumimoji="1" lang="ja-JP" altLang="en-US" smtClean="0"/>
-              <a:t>2024/9/29</a:t>
+              <a:t>2024/11/2</a:t>
             </a:fld>
             <a:endParaRPr kumimoji="1" lang="ja-JP" altLang="en-US"/>
           </a:p>
@@ -16507,7 +16511,7 @@
           <a:p>
             <a:fld id="{1A086832-2622-4354-BD9D-64D40320B320}" type="datetimeFigureOut">
               <a:rPr kumimoji="1" lang="ja-JP" altLang="en-US" smtClean="0"/>
-              <a:t>2024/9/29</a:t>
+              <a:t>2024/11/2</a:t>
             </a:fld>
             <a:endParaRPr kumimoji="1" lang="ja-JP" altLang="en-US"/>
           </a:p>
@@ -18022,6 +18026,317 @@
     <p:extLst>
       <p:ext uri="{BB962C8B-B14F-4D97-AF65-F5344CB8AC3E}">
         <p14:creationId xmlns:p14="http://schemas.microsoft.com/office/powerpoint/2010/main" val="180846524"/>
+      </p:ext>
+    </p:extLst>
+  </p:cSld>
+  <p:clrMapOvr>
+    <a:masterClrMapping/>
+  </p:clrMapOvr>
+</p:sld>
+</file>
+
+<file path=ppt/slides/slide10.xml><?xml version="1.0" encoding="utf-8"?>
+<p:sld xmlns:a="http://schemas.openxmlformats.org/drawingml/2006/main" xmlns:r="http://schemas.openxmlformats.org/officeDocument/2006/relationships" xmlns:p="http://schemas.openxmlformats.org/presentationml/2006/main">
+  <p:cSld>
+    <p:spTree>
+      <p:nvGrpSpPr>
+        <p:cNvPr id="1" name=""/>
+        <p:cNvGrpSpPr/>
+        <p:nvPr/>
+      </p:nvGrpSpPr>
+      <p:grpSpPr>
+        <a:xfrm>
+          <a:off x="0" y="0"/>
+          <a:ext cx="0" cy="0"/>
+          <a:chOff x="0" y="0"/>
+          <a:chExt cx="0" cy="0"/>
+        </a:xfrm>
+      </p:grpSpPr>
+      <p:pic>
+        <p:nvPicPr>
+          <p:cNvPr id="4" name="図 3">
+            <a:extLst>
+              <a:ext uri="{FF2B5EF4-FFF2-40B4-BE49-F238E27FC236}">
+                <a16:creationId xmlns:a16="http://schemas.microsoft.com/office/drawing/2014/main" id="{232005F9-0501-463F-A920-D2F1BEDE3348}"/>
+              </a:ext>
+            </a:extLst>
+          </p:cNvPr>
+          <p:cNvPicPr>
+            <a:picLocks noChangeAspect="1"/>
+          </p:cNvPicPr>
+          <p:nvPr/>
+        </p:nvPicPr>
+        <p:blipFill>
+          <a:blip r:embed="rId2"/>
+          <a:stretch>
+            <a:fillRect/>
+          </a:stretch>
+        </p:blipFill>
+        <p:spPr>
+          <a:xfrm>
+            <a:off x="2200275" y="685800"/>
+            <a:ext cx="7791450" cy="5486400"/>
+          </a:xfrm>
+          <a:prstGeom prst="rect">
+            <a:avLst/>
+          </a:prstGeom>
+        </p:spPr>
+      </p:pic>
+      <p:sp>
+        <p:nvSpPr>
+          <p:cNvPr id="5" name="正方形/長方形 4">
+            <a:extLst>
+              <a:ext uri="{FF2B5EF4-FFF2-40B4-BE49-F238E27FC236}">
+                <a16:creationId xmlns:a16="http://schemas.microsoft.com/office/drawing/2014/main" id="{B1501D10-2805-4692-98B6-21FE09391555}"/>
+              </a:ext>
+            </a:extLst>
+          </p:cNvPr>
+          <p:cNvSpPr/>
+          <p:nvPr/>
+        </p:nvSpPr>
+        <p:spPr>
+          <a:xfrm>
+            <a:off x="4724400" y="5400675"/>
+            <a:ext cx="533400" cy="333374"/>
+          </a:xfrm>
+          <a:prstGeom prst="rect">
+            <a:avLst/>
+          </a:prstGeom>
+          <a:noFill/>
+          <a:ln w="25400">
+            <a:solidFill>
+              <a:srgbClr val="FF0000"/>
+            </a:solidFill>
+          </a:ln>
+        </p:spPr>
+        <p:style>
+          <a:lnRef idx="2">
+            <a:schemeClr val="accent1">
+              <a:shade val="50000"/>
+            </a:schemeClr>
+          </a:lnRef>
+          <a:fillRef idx="1">
+            <a:schemeClr val="accent1"/>
+          </a:fillRef>
+          <a:effectRef idx="0">
+            <a:schemeClr val="accent1"/>
+          </a:effectRef>
+          <a:fontRef idx="minor">
+            <a:schemeClr val="lt1"/>
+          </a:fontRef>
+        </p:style>
+        <p:txBody>
+          <a:bodyPr rtlCol="0" anchor="ctr"/>
+          <a:lstStyle/>
+          <a:p>
+            <a:pPr algn="ctr"/>
+            <a:endParaRPr lang="en-US"/>
+          </a:p>
+        </p:txBody>
+      </p:sp>
+      <p:sp>
+        <p:nvSpPr>
+          <p:cNvPr id="6" name="正方形/長方形 5">
+            <a:extLst>
+              <a:ext uri="{FF2B5EF4-FFF2-40B4-BE49-F238E27FC236}">
+                <a16:creationId xmlns:a16="http://schemas.microsoft.com/office/drawing/2014/main" id="{3F61A940-CD29-45E1-8D29-0ACEAE030C7A}"/>
+              </a:ext>
+            </a:extLst>
+          </p:cNvPr>
+          <p:cNvSpPr/>
+          <p:nvPr/>
+        </p:nvSpPr>
+        <p:spPr>
+          <a:xfrm>
+            <a:off x="6029325" y="5243513"/>
+            <a:ext cx="533400" cy="252412"/>
+          </a:xfrm>
+          <a:prstGeom prst="rect">
+            <a:avLst/>
+          </a:prstGeom>
+          <a:noFill/>
+          <a:ln w="25400">
+            <a:solidFill>
+              <a:srgbClr val="FF0000"/>
+            </a:solidFill>
+          </a:ln>
+        </p:spPr>
+        <p:style>
+          <a:lnRef idx="2">
+            <a:schemeClr val="accent1">
+              <a:shade val="50000"/>
+            </a:schemeClr>
+          </a:lnRef>
+          <a:fillRef idx="1">
+            <a:schemeClr val="accent1"/>
+          </a:fillRef>
+          <a:effectRef idx="0">
+            <a:schemeClr val="accent1"/>
+          </a:effectRef>
+          <a:fontRef idx="minor">
+            <a:schemeClr val="lt1"/>
+          </a:fontRef>
+        </p:style>
+        <p:txBody>
+          <a:bodyPr rtlCol="0" anchor="ctr"/>
+          <a:lstStyle/>
+          <a:p>
+            <a:pPr algn="ctr"/>
+            <a:endParaRPr lang="en-US"/>
+          </a:p>
+        </p:txBody>
+      </p:sp>
+      <p:sp>
+        <p:nvSpPr>
+          <p:cNvPr id="7" name="正方形/長方形 6">
+            <a:extLst>
+              <a:ext uri="{FF2B5EF4-FFF2-40B4-BE49-F238E27FC236}">
+                <a16:creationId xmlns:a16="http://schemas.microsoft.com/office/drawing/2014/main" id="{4593035A-A16B-4AAA-BCC6-C7AADC717C16}"/>
+              </a:ext>
+            </a:extLst>
+          </p:cNvPr>
+          <p:cNvSpPr/>
+          <p:nvPr/>
+        </p:nvSpPr>
+        <p:spPr>
+          <a:xfrm>
+            <a:off x="9163049" y="4090987"/>
+            <a:ext cx="657225" cy="509587"/>
+          </a:xfrm>
+          <a:prstGeom prst="rect">
+            <a:avLst/>
+          </a:prstGeom>
+          <a:noFill/>
+          <a:ln w="25400">
+            <a:solidFill>
+              <a:srgbClr val="FF0000"/>
+            </a:solidFill>
+          </a:ln>
+        </p:spPr>
+        <p:style>
+          <a:lnRef idx="2">
+            <a:schemeClr val="accent1">
+              <a:shade val="50000"/>
+            </a:schemeClr>
+          </a:lnRef>
+          <a:fillRef idx="1">
+            <a:schemeClr val="accent1"/>
+          </a:fillRef>
+          <a:effectRef idx="0">
+            <a:schemeClr val="accent1"/>
+          </a:effectRef>
+          <a:fontRef idx="minor">
+            <a:schemeClr val="lt1"/>
+          </a:fontRef>
+        </p:style>
+        <p:txBody>
+          <a:bodyPr rtlCol="0" anchor="ctr"/>
+          <a:lstStyle/>
+          <a:p>
+            <a:pPr algn="ctr"/>
+            <a:endParaRPr lang="en-US"/>
+          </a:p>
+        </p:txBody>
+      </p:sp>
+      <p:cxnSp>
+        <p:nvCxnSpPr>
+          <p:cNvPr id="10" name="直線コネクタ 9">
+            <a:extLst>
+              <a:ext uri="{FF2B5EF4-FFF2-40B4-BE49-F238E27FC236}">
+                <a16:creationId xmlns:a16="http://schemas.microsoft.com/office/drawing/2014/main" id="{56B8F6DF-16A7-4BED-8C53-43C9709E2AA7}"/>
+              </a:ext>
+            </a:extLst>
+          </p:cNvPr>
+          <p:cNvCxnSpPr>
+            <a:cxnSpLocks/>
+          </p:cNvCxnSpPr>
+          <p:nvPr/>
+        </p:nvCxnSpPr>
+        <p:spPr>
+          <a:xfrm>
+            <a:off x="5353050" y="5257801"/>
+            <a:ext cx="504825" cy="0"/>
+          </a:xfrm>
+          <a:prstGeom prst="line">
+            <a:avLst/>
+          </a:prstGeom>
+          <a:ln w="28575">
+            <a:solidFill>
+              <a:srgbClr val="FF0000"/>
+            </a:solidFill>
+          </a:ln>
+        </p:spPr>
+        <p:style>
+          <a:lnRef idx="1">
+            <a:schemeClr val="accent1"/>
+          </a:lnRef>
+          <a:fillRef idx="0">
+            <a:schemeClr val="accent1"/>
+          </a:fillRef>
+          <a:effectRef idx="0">
+            <a:schemeClr val="accent1"/>
+          </a:effectRef>
+          <a:fontRef idx="minor">
+            <a:schemeClr val="tx1"/>
+          </a:fontRef>
+        </p:style>
+      </p:cxnSp>
+      <p:sp>
+        <p:nvSpPr>
+          <p:cNvPr id="12" name="正方形/長方形 11">
+            <a:extLst>
+              <a:ext uri="{FF2B5EF4-FFF2-40B4-BE49-F238E27FC236}">
+                <a16:creationId xmlns:a16="http://schemas.microsoft.com/office/drawing/2014/main" id="{70498CE6-98D3-4522-A656-AAF936B13819}"/>
+              </a:ext>
+            </a:extLst>
+          </p:cNvPr>
+          <p:cNvSpPr/>
+          <p:nvPr/>
+        </p:nvSpPr>
+        <p:spPr>
+          <a:xfrm>
+            <a:off x="6962774" y="1310803"/>
+            <a:ext cx="1857376" cy="298922"/>
+          </a:xfrm>
+          <a:prstGeom prst="rect">
+            <a:avLst/>
+          </a:prstGeom>
+          <a:noFill/>
+          <a:ln w="25400">
+            <a:solidFill>
+              <a:srgbClr val="FF0000"/>
+            </a:solidFill>
+          </a:ln>
+        </p:spPr>
+        <p:style>
+          <a:lnRef idx="2">
+            <a:schemeClr val="accent1">
+              <a:shade val="50000"/>
+            </a:schemeClr>
+          </a:lnRef>
+          <a:fillRef idx="1">
+            <a:schemeClr val="accent1"/>
+          </a:fillRef>
+          <a:effectRef idx="0">
+            <a:schemeClr val="accent1"/>
+          </a:effectRef>
+          <a:fontRef idx="minor">
+            <a:schemeClr val="lt1"/>
+          </a:fontRef>
+        </p:style>
+        <p:txBody>
+          <a:bodyPr rtlCol="0" anchor="ctr"/>
+          <a:lstStyle/>
+          <a:p>
+            <a:pPr algn="ctr"/>
+            <a:endParaRPr lang="en-US"/>
+          </a:p>
+        </p:txBody>
+      </p:sp>
+    </p:spTree>
+    <p:extLst>
+      <p:ext uri="{BB962C8B-B14F-4D97-AF65-F5344CB8AC3E}">
+        <p14:creationId xmlns:p14="http://schemas.microsoft.com/office/powerpoint/2010/main" val="3256643030"/>
       </p:ext>
     </p:extLst>
   </p:cSld>
@@ -21544,6 +21859,1209 @@
 </p:sld>
 </file>
 
+<file path=ppt/slides/slide7.xml><?xml version="1.0" encoding="utf-8"?>
+<p:sld xmlns:a="http://schemas.openxmlformats.org/drawingml/2006/main" xmlns:r="http://schemas.openxmlformats.org/officeDocument/2006/relationships" xmlns:p="http://schemas.openxmlformats.org/presentationml/2006/main">
+  <p:cSld>
+    <p:spTree>
+      <p:nvGrpSpPr>
+        <p:cNvPr id="1" name=""/>
+        <p:cNvGrpSpPr/>
+        <p:nvPr/>
+      </p:nvGrpSpPr>
+      <p:grpSpPr>
+        <a:xfrm>
+          <a:off x="0" y="0"/>
+          <a:ext cx="0" cy="0"/>
+          <a:chOff x="0" y="0"/>
+          <a:chExt cx="0" cy="0"/>
+        </a:xfrm>
+      </p:grpSpPr>
+      <p:pic>
+        <p:nvPicPr>
+          <p:cNvPr id="4" name="図 3">
+            <a:extLst>
+              <a:ext uri="{FF2B5EF4-FFF2-40B4-BE49-F238E27FC236}">
+                <a16:creationId xmlns:a16="http://schemas.microsoft.com/office/drawing/2014/main" id="{1E7FAB03-D48D-473B-B873-38BE93E12318}"/>
+              </a:ext>
+            </a:extLst>
+          </p:cNvPr>
+          <p:cNvPicPr>
+            <a:picLocks noChangeAspect="1"/>
+          </p:cNvPicPr>
+          <p:nvPr/>
+        </p:nvPicPr>
+        <p:blipFill>
+          <a:blip r:embed="rId2"/>
+          <a:stretch>
+            <a:fillRect/>
+          </a:stretch>
+        </p:blipFill>
+        <p:spPr>
+          <a:xfrm>
+            <a:off x="3733800" y="652462"/>
+            <a:ext cx="4724400" cy="5553075"/>
+          </a:xfrm>
+          <a:prstGeom prst="rect">
+            <a:avLst/>
+          </a:prstGeom>
+        </p:spPr>
+      </p:pic>
+      <p:sp>
+        <p:nvSpPr>
+          <p:cNvPr id="5" name="正方形/長方形 4">
+            <a:extLst>
+              <a:ext uri="{FF2B5EF4-FFF2-40B4-BE49-F238E27FC236}">
+                <a16:creationId xmlns:a16="http://schemas.microsoft.com/office/drawing/2014/main" id="{3E4997B6-F98C-41E3-BC77-5C13DC9D21ED}"/>
+              </a:ext>
+            </a:extLst>
+          </p:cNvPr>
+          <p:cNvSpPr/>
+          <p:nvPr/>
+        </p:nvSpPr>
+        <p:spPr>
+          <a:xfrm>
+            <a:off x="5410200" y="1419225"/>
+            <a:ext cx="333375" cy="447675"/>
+          </a:xfrm>
+          <a:prstGeom prst="rect">
+            <a:avLst/>
+          </a:prstGeom>
+          <a:noFill/>
+          <a:ln w="25400">
+            <a:solidFill>
+              <a:srgbClr val="FF0000"/>
+            </a:solidFill>
+          </a:ln>
+        </p:spPr>
+        <p:style>
+          <a:lnRef idx="2">
+            <a:schemeClr val="accent1">
+              <a:shade val="50000"/>
+            </a:schemeClr>
+          </a:lnRef>
+          <a:fillRef idx="1">
+            <a:schemeClr val="accent1"/>
+          </a:fillRef>
+          <a:effectRef idx="0">
+            <a:schemeClr val="accent1"/>
+          </a:effectRef>
+          <a:fontRef idx="minor">
+            <a:schemeClr val="lt1"/>
+          </a:fontRef>
+        </p:style>
+        <p:txBody>
+          <a:bodyPr rtlCol="0" anchor="ctr"/>
+          <a:lstStyle/>
+          <a:p>
+            <a:pPr algn="ctr"/>
+            <a:endParaRPr lang="en-US"/>
+          </a:p>
+        </p:txBody>
+      </p:sp>
+      <p:sp>
+        <p:nvSpPr>
+          <p:cNvPr id="6" name="正方形/長方形 5">
+            <a:extLst>
+              <a:ext uri="{FF2B5EF4-FFF2-40B4-BE49-F238E27FC236}">
+                <a16:creationId xmlns:a16="http://schemas.microsoft.com/office/drawing/2014/main" id="{10588E47-8A5C-4FD3-A9F1-1965F7180DFF}"/>
+              </a:ext>
+            </a:extLst>
+          </p:cNvPr>
+          <p:cNvSpPr/>
+          <p:nvPr/>
+        </p:nvSpPr>
+        <p:spPr>
+          <a:xfrm>
+            <a:off x="5114925" y="4095750"/>
+            <a:ext cx="266700" cy="438150"/>
+          </a:xfrm>
+          <a:prstGeom prst="rect">
+            <a:avLst/>
+          </a:prstGeom>
+          <a:noFill/>
+          <a:ln w="25400">
+            <a:solidFill>
+              <a:srgbClr val="FF0000"/>
+            </a:solidFill>
+          </a:ln>
+        </p:spPr>
+        <p:style>
+          <a:lnRef idx="2">
+            <a:schemeClr val="accent1">
+              <a:shade val="50000"/>
+            </a:schemeClr>
+          </a:lnRef>
+          <a:fillRef idx="1">
+            <a:schemeClr val="accent1"/>
+          </a:fillRef>
+          <a:effectRef idx="0">
+            <a:schemeClr val="accent1"/>
+          </a:effectRef>
+          <a:fontRef idx="minor">
+            <a:schemeClr val="lt1"/>
+          </a:fontRef>
+        </p:style>
+        <p:txBody>
+          <a:bodyPr rtlCol="0" anchor="ctr"/>
+          <a:lstStyle/>
+          <a:p>
+            <a:pPr algn="ctr"/>
+            <a:endParaRPr lang="en-US"/>
+          </a:p>
+        </p:txBody>
+      </p:sp>
+      <p:sp>
+        <p:nvSpPr>
+          <p:cNvPr id="7" name="正方形/長方形 6">
+            <a:extLst>
+              <a:ext uri="{FF2B5EF4-FFF2-40B4-BE49-F238E27FC236}">
+                <a16:creationId xmlns:a16="http://schemas.microsoft.com/office/drawing/2014/main" id="{00728878-DB7A-4B46-B58E-EB03BF1F0AAE}"/>
+              </a:ext>
+            </a:extLst>
+          </p:cNvPr>
+          <p:cNvSpPr/>
+          <p:nvPr/>
+        </p:nvSpPr>
+        <p:spPr>
+          <a:xfrm>
+            <a:off x="5086350" y="4552951"/>
+            <a:ext cx="266700" cy="438150"/>
+          </a:xfrm>
+          <a:prstGeom prst="rect">
+            <a:avLst/>
+          </a:prstGeom>
+          <a:noFill/>
+          <a:ln w="25400">
+            <a:solidFill>
+              <a:srgbClr val="FF0000"/>
+            </a:solidFill>
+          </a:ln>
+        </p:spPr>
+        <p:style>
+          <a:lnRef idx="2">
+            <a:schemeClr val="accent1">
+              <a:shade val="50000"/>
+            </a:schemeClr>
+          </a:lnRef>
+          <a:fillRef idx="1">
+            <a:schemeClr val="accent1"/>
+          </a:fillRef>
+          <a:effectRef idx="0">
+            <a:schemeClr val="accent1"/>
+          </a:effectRef>
+          <a:fontRef idx="minor">
+            <a:schemeClr val="lt1"/>
+          </a:fontRef>
+        </p:style>
+        <p:txBody>
+          <a:bodyPr rtlCol="0" anchor="ctr"/>
+          <a:lstStyle/>
+          <a:p>
+            <a:pPr algn="ctr"/>
+            <a:endParaRPr lang="en-US"/>
+          </a:p>
+        </p:txBody>
+      </p:sp>
+      <p:sp>
+        <p:nvSpPr>
+          <p:cNvPr id="8" name="テキスト ボックス 7">
+            <a:extLst>
+              <a:ext uri="{FF2B5EF4-FFF2-40B4-BE49-F238E27FC236}">
+                <a16:creationId xmlns:a16="http://schemas.microsoft.com/office/drawing/2014/main" id="{9FBD32E6-EF03-4FFF-9E75-526B6B97C2CF}"/>
+              </a:ext>
+            </a:extLst>
+          </p:cNvPr>
+          <p:cNvSpPr txBox="1"/>
+          <p:nvPr/>
+        </p:nvSpPr>
+        <p:spPr>
+          <a:xfrm>
+            <a:off x="1959261" y="1458396"/>
+            <a:ext cx="1059906" cy="369332"/>
+          </a:xfrm>
+          <a:prstGeom prst="rect">
+            <a:avLst/>
+          </a:prstGeom>
+          <a:noFill/>
+        </p:spPr>
+        <p:txBody>
+          <a:bodyPr wrap="none" rtlCol="0">
+            <a:spAutoFit/>
+          </a:bodyPr>
+          <a:lstStyle/>
+          <a:p>
+            <a:r>
+              <a:rPr lang="en-US" dirty="0">
+                <a:latin typeface="Calibri" panose="020F0502020204030204" pitchFamily="34" charset="0"/>
+                <a:cs typeface="Calibri" panose="020F0502020204030204" pitchFamily="34" charset="0"/>
+              </a:rPr>
+              <a:t>X1, 8Mhz</a:t>
+            </a:r>
+          </a:p>
+        </p:txBody>
+      </p:sp>
+      <p:sp>
+        <p:nvSpPr>
+          <p:cNvPr id="9" name="テキスト ボックス 8">
+            <a:extLst>
+              <a:ext uri="{FF2B5EF4-FFF2-40B4-BE49-F238E27FC236}">
+                <a16:creationId xmlns:a16="http://schemas.microsoft.com/office/drawing/2014/main" id="{1D56FB8B-D0FF-45CE-85E2-5318DBBD4670}"/>
+              </a:ext>
+            </a:extLst>
+          </p:cNvPr>
+          <p:cNvSpPr txBox="1"/>
+          <p:nvPr/>
+        </p:nvSpPr>
+        <p:spPr>
+          <a:xfrm>
+            <a:off x="1959261" y="4095750"/>
+            <a:ext cx="1515158" cy="369332"/>
+          </a:xfrm>
+          <a:prstGeom prst="rect">
+            <a:avLst/>
+          </a:prstGeom>
+          <a:noFill/>
+        </p:spPr>
+        <p:txBody>
+          <a:bodyPr wrap="none" rtlCol="0">
+            <a:spAutoFit/>
+          </a:bodyPr>
+          <a:lstStyle/>
+          <a:p>
+            <a:r>
+              <a:rPr lang="en-US" dirty="0">
+                <a:latin typeface="Calibri" panose="020F0502020204030204" pitchFamily="34" charset="0"/>
+                <a:cs typeface="Calibri" panose="020F0502020204030204" pitchFamily="34" charset="0"/>
+              </a:rPr>
+              <a:t>X2, 32.768kHz</a:t>
+            </a:r>
+          </a:p>
+        </p:txBody>
+      </p:sp>
+      <p:sp>
+        <p:nvSpPr>
+          <p:cNvPr id="10" name="テキスト ボックス 9">
+            <a:extLst>
+              <a:ext uri="{FF2B5EF4-FFF2-40B4-BE49-F238E27FC236}">
+                <a16:creationId xmlns:a16="http://schemas.microsoft.com/office/drawing/2014/main" id="{DCBEA8C2-200A-4CDD-9159-B8FA733464DB}"/>
+              </a:ext>
+            </a:extLst>
+          </p:cNvPr>
+          <p:cNvSpPr txBox="1"/>
+          <p:nvPr/>
+        </p:nvSpPr>
+        <p:spPr>
+          <a:xfrm>
+            <a:off x="1959261" y="4700112"/>
+            <a:ext cx="1225015" cy="369332"/>
+          </a:xfrm>
+          <a:prstGeom prst="rect">
+            <a:avLst/>
+          </a:prstGeom>
+          <a:noFill/>
+        </p:spPr>
+        <p:txBody>
+          <a:bodyPr wrap="none" rtlCol="0">
+            <a:spAutoFit/>
+          </a:bodyPr>
+          <a:lstStyle/>
+          <a:p>
+            <a:r>
+              <a:rPr lang="en-US" dirty="0">
+                <a:latin typeface="Calibri" panose="020F0502020204030204" pitchFamily="34" charset="0"/>
+                <a:cs typeface="Calibri" panose="020F0502020204030204" pitchFamily="34" charset="0"/>
+              </a:rPr>
+              <a:t>X3, </a:t>
+            </a:r>
+            <a:r>
+              <a:rPr lang="ja-JP" altLang="en-US" dirty="0">
+                <a:latin typeface="Calibri" panose="020F0502020204030204" pitchFamily="34" charset="0"/>
+                <a:cs typeface="Calibri" panose="020F0502020204030204" pitchFamily="34" charset="0"/>
+              </a:rPr>
+              <a:t>未実装</a:t>
+            </a:r>
+            <a:endParaRPr lang="en-US" dirty="0">
+              <a:latin typeface="Calibri" panose="020F0502020204030204" pitchFamily="34" charset="0"/>
+              <a:cs typeface="Calibri" panose="020F0502020204030204" pitchFamily="34" charset="0"/>
+            </a:endParaRPr>
+          </a:p>
+        </p:txBody>
+      </p:sp>
+      <p:cxnSp>
+        <p:nvCxnSpPr>
+          <p:cNvPr id="12" name="直線矢印コネクタ 11">
+            <a:extLst>
+              <a:ext uri="{FF2B5EF4-FFF2-40B4-BE49-F238E27FC236}">
+                <a16:creationId xmlns:a16="http://schemas.microsoft.com/office/drawing/2014/main" id="{67E64D6C-2ED6-4D90-87DC-6AD1B610AA6D}"/>
+              </a:ext>
+            </a:extLst>
+          </p:cNvPr>
+          <p:cNvCxnSpPr>
+            <a:stCxn id="8" idx="3"/>
+            <a:endCxn id="5" idx="1"/>
+          </p:cNvCxnSpPr>
+          <p:nvPr/>
+        </p:nvCxnSpPr>
+        <p:spPr>
+          <a:xfrm>
+            <a:off x="3019167" y="1643062"/>
+            <a:ext cx="2391033" cy="1"/>
+          </a:xfrm>
+          <a:prstGeom prst="straightConnector1">
+            <a:avLst/>
+          </a:prstGeom>
+          <a:ln>
+            <a:solidFill>
+              <a:srgbClr val="FF0000"/>
+            </a:solidFill>
+            <a:prstDash val="dash"/>
+            <a:tailEnd type="triangle"/>
+          </a:ln>
+        </p:spPr>
+        <p:style>
+          <a:lnRef idx="1">
+            <a:schemeClr val="accent1"/>
+          </a:lnRef>
+          <a:fillRef idx="0">
+            <a:schemeClr val="accent1"/>
+          </a:fillRef>
+          <a:effectRef idx="0">
+            <a:schemeClr val="accent1"/>
+          </a:effectRef>
+          <a:fontRef idx="minor">
+            <a:schemeClr val="tx1"/>
+          </a:fontRef>
+        </p:style>
+      </p:cxnSp>
+      <p:cxnSp>
+        <p:nvCxnSpPr>
+          <p:cNvPr id="13" name="直線矢印コネクタ 12">
+            <a:extLst>
+              <a:ext uri="{FF2B5EF4-FFF2-40B4-BE49-F238E27FC236}">
+                <a16:creationId xmlns:a16="http://schemas.microsoft.com/office/drawing/2014/main" id="{76D63F39-297B-4750-9808-6D084B94C20F}"/>
+              </a:ext>
+            </a:extLst>
+          </p:cNvPr>
+          <p:cNvCxnSpPr>
+            <a:cxnSpLocks/>
+            <a:stCxn id="9" idx="3"/>
+            <a:endCxn id="6" idx="1"/>
+          </p:cNvCxnSpPr>
+          <p:nvPr/>
+        </p:nvCxnSpPr>
+        <p:spPr>
+          <a:xfrm>
+            <a:off x="3474419" y="4280416"/>
+            <a:ext cx="1640506" cy="34409"/>
+          </a:xfrm>
+          <a:prstGeom prst="straightConnector1">
+            <a:avLst/>
+          </a:prstGeom>
+          <a:ln>
+            <a:solidFill>
+              <a:srgbClr val="FF0000"/>
+            </a:solidFill>
+            <a:prstDash val="dash"/>
+            <a:tailEnd type="triangle"/>
+          </a:ln>
+        </p:spPr>
+        <p:style>
+          <a:lnRef idx="1">
+            <a:schemeClr val="accent1"/>
+          </a:lnRef>
+          <a:fillRef idx="0">
+            <a:schemeClr val="accent1"/>
+          </a:fillRef>
+          <a:effectRef idx="0">
+            <a:schemeClr val="accent1"/>
+          </a:effectRef>
+          <a:fontRef idx="minor">
+            <a:schemeClr val="tx1"/>
+          </a:fontRef>
+        </p:style>
+      </p:cxnSp>
+      <p:cxnSp>
+        <p:nvCxnSpPr>
+          <p:cNvPr id="16" name="直線矢印コネクタ 15">
+            <a:extLst>
+              <a:ext uri="{FF2B5EF4-FFF2-40B4-BE49-F238E27FC236}">
+                <a16:creationId xmlns:a16="http://schemas.microsoft.com/office/drawing/2014/main" id="{BC932662-27BD-4D90-B8B7-C0776E9B6A6E}"/>
+              </a:ext>
+            </a:extLst>
+          </p:cNvPr>
+          <p:cNvCxnSpPr>
+            <a:cxnSpLocks/>
+            <a:stCxn id="10" idx="3"/>
+            <a:endCxn id="7" idx="1"/>
+          </p:cNvCxnSpPr>
+          <p:nvPr/>
+        </p:nvCxnSpPr>
+        <p:spPr>
+          <a:xfrm flipV="1">
+            <a:off x="3184276" y="4772026"/>
+            <a:ext cx="1902074" cy="112752"/>
+          </a:xfrm>
+          <a:prstGeom prst="straightConnector1">
+            <a:avLst/>
+          </a:prstGeom>
+          <a:ln>
+            <a:solidFill>
+              <a:srgbClr val="FF0000"/>
+            </a:solidFill>
+            <a:prstDash val="dash"/>
+            <a:tailEnd type="triangle"/>
+          </a:ln>
+        </p:spPr>
+        <p:style>
+          <a:lnRef idx="1">
+            <a:schemeClr val="accent1"/>
+          </a:lnRef>
+          <a:fillRef idx="0">
+            <a:schemeClr val="accent1"/>
+          </a:fillRef>
+          <a:effectRef idx="0">
+            <a:schemeClr val="accent1"/>
+          </a:effectRef>
+          <a:fontRef idx="minor">
+            <a:schemeClr val="tx1"/>
+          </a:fontRef>
+        </p:style>
+      </p:cxnSp>
+    </p:spTree>
+    <p:extLst>
+      <p:ext uri="{BB962C8B-B14F-4D97-AF65-F5344CB8AC3E}">
+        <p14:creationId xmlns:p14="http://schemas.microsoft.com/office/powerpoint/2010/main" val="685413897"/>
+      </p:ext>
+    </p:extLst>
+  </p:cSld>
+  <p:clrMapOvr>
+    <a:masterClrMapping/>
+  </p:clrMapOvr>
+</p:sld>
+</file>
+
+<file path=ppt/slides/slide8.xml><?xml version="1.0" encoding="utf-8"?>
+<p:sld xmlns:a="http://schemas.openxmlformats.org/drawingml/2006/main" xmlns:r="http://schemas.openxmlformats.org/officeDocument/2006/relationships" xmlns:p="http://schemas.openxmlformats.org/presentationml/2006/main">
+  <p:cSld>
+    <p:spTree>
+      <p:nvGrpSpPr>
+        <p:cNvPr id="1" name=""/>
+        <p:cNvGrpSpPr/>
+        <p:nvPr/>
+      </p:nvGrpSpPr>
+      <p:grpSpPr>
+        <a:xfrm>
+          <a:off x="0" y="0"/>
+          <a:ext cx="0" cy="0"/>
+          <a:chOff x="0" y="0"/>
+          <a:chExt cx="0" cy="0"/>
+        </a:xfrm>
+      </p:grpSpPr>
+      <p:pic>
+        <p:nvPicPr>
+          <p:cNvPr id="4" name="図 3">
+            <a:extLst>
+              <a:ext uri="{FF2B5EF4-FFF2-40B4-BE49-F238E27FC236}">
+                <a16:creationId xmlns:a16="http://schemas.microsoft.com/office/drawing/2014/main" id="{76104B41-AB35-4CB0-811A-6C0FA176C133}"/>
+              </a:ext>
+            </a:extLst>
+          </p:cNvPr>
+          <p:cNvPicPr>
+            <a:picLocks noChangeAspect="1"/>
+          </p:cNvPicPr>
+          <p:nvPr/>
+        </p:nvPicPr>
+        <p:blipFill>
+          <a:blip r:embed="rId2"/>
+          <a:stretch>
+            <a:fillRect/>
+          </a:stretch>
+        </p:blipFill>
+        <p:spPr>
+          <a:xfrm>
+            <a:off x="423862" y="461962"/>
+            <a:ext cx="5191125" cy="1609725"/>
+          </a:xfrm>
+          <a:prstGeom prst="rect">
+            <a:avLst/>
+          </a:prstGeom>
+        </p:spPr>
+      </p:pic>
+      <p:sp>
+        <p:nvSpPr>
+          <p:cNvPr id="5" name="テキスト ボックス 4">
+            <a:extLst>
+              <a:ext uri="{FF2B5EF4-FFF2-40B4-BE49-F238E27FC236}">
+                <a16:creationId xmlns:a16="http://schemas.microsoft.com/office/drawing/2014/main" id="{3B9124B6-D8EA-4133-8E31-E09C3D7AFCDA}"/>
+              </a:ext>
+            </a:extLst>
+          </p:cNvPr>
+          <p:cNvSpPr txBox="1"/>
+          <p:nvPr/>
+        </p:nvSpPr>
+        <p:spPr>
+          <a:xfrm>
+            <a:off x="423862" y="92630"/>
+            <a:ext cx="976101" cy="369332"/>
+          </a:xfrm>
+          <a:prstGeom prst="rect">
+            <a:avLst/>
+          </a:prstGeom>
+          <a:noFill/>
+        </p:spPr>
+        <p:txBody>
+          <a:bodyPr wrap="none" rtlCol="0">
+            <a:spAutoFit/>
+          </a:bodyPr>
+          <a:lstStyle/>
+          <a:p>
+            <a:r>
+              <a:rPr lang="en-US" dirty="0">
+                <a:latin typeface="Calibri" panose="020F0502020204030204" pitchFamily="34" charset="0"/>
+                <a:cs typeface="Calibri" panose="020F0502020204030204" pitchFamily="34" charset="0"/>
+              </a:rPr>
+              <a:t>2,3 Page</a:t>
+            </a:r>
+          </a:p>
+        </p:txBody>
+      </p:sp>
+      <p:cxnSp>
+        <p:nvCxnSpPr>
+          <p:cNvPr id="8" name="直線コネクタ 7">
+            <a:extLst>
+              <a:ext uri="{FF2B5EF4-FFF2-40B4-BE49-F238E27FC236}">
+                <a16:creationId xmlns:a16="http://schemas.microsoft.com/office/drawing/2014/main" id="{74BC3752-6F1A-4FAC-928A-A6BA17154390}"/>
+              </a:ext>
+            </a:extLst>
+          </p:cNvPr>
+          <p:cNvCxnSpPr/>
+          <p:nvPr/>
+        </p:nvCxnSpPr>
+        <p:spPr>
+          <a:xfrm>
+            <a:off x="1790700" y="1695450"/>
+            <a:ext cx="2295525" cy="0"/>
+          </a:xfrm>
+          <a:prstGeom prst="line">
+            <a:avLst/>
+          </a:prstGeom>
+          <a:ln w="28575">
+            <a:solidFill>
+              <a:srgbClr val="FF0000"/>
+            </a:solidFill>
+          </a:ln>
+        </p:spPr>
+        <p:style>
+          <a:lnRef idx="1">
+            <a:schemeClr val="accent1"/>
+          </a:lnRef>
+          <a:fillRef idx="0">
+            <a:schemeClr val="accent1"/>
+          </a:fillRef>
+          <a:effectRef idx="0">
+            <a:schemeClr val="accent1"/>
+          </a:effectRef>
+          <a:fontRef idx="minor">
+            <a:schemeClr val="tx1"/>
+          </a:fontRef>
+        </p:style>
+      </p:cxnSp>
+      <p:cxnSp>
+        <p:nvCxnSpPr>
+          <p:cNvPr id="9" name="直線コネクタ 8">
+            <a:extLst>
+              <a:ext uri="{FF2B5EF4-FFF2-40B4-BE49-F238E27FC236}">
+                <a16:creationId xmlns:a16="http://schemas.microsoft.com/office/drawing/2014/main" id="{5615716D-366B-4425-9324-AD7C682F8737}"/>
+              </a:ext>
+            </a:extLst>
+          </p:cNvPr>
+          <p:cNvCxnSpPr>
+            <a:cxnSpLocks/>
+          </p:cNvCxnSpPr>
+          <p:nvPr/>
+        </p:nvCxnSpPr>
+        <p:spPr>
+          <a:xfrm>
+            <a:off x="433387" y="666750"/>
+            <a:ext cx="871538" cy="0"/>
+          </a:xfrm>
+          <a:prstGeom prst="line">
+            <a:avLst/>
+          </a:prstGeom>
+          <a:ln w="28575">
+            <a:solidFill>
+              <a:srgbClr val="FF0000"/>
+            </a:solidFill>
+          </a:ln>
+        </p:spPr>
+        <p:style>
+          <a:lnRef idx="1">
+            <a:schemeClr val="accent1"/>
+          </a:lnRef>
+          <a:fillRef idx="0">
+            <a:schemeClr val="accent1"/>
+          </a:fillRef>
+          <a:effectRef idx="0">
+            <a:schemeClr val="accent1"/>
+          </a:effectRef>
+          <a:fontRef idx="minor">
+            <a:schemeClr val="tx1"/>
+          </a:fontRef>
+        </p:style>
+      </p:cxnSp>
+      <p:cxnSp>
+        <p:nvCxnSpPr>
+          <p:cNvPr id="11" name="直線コネクタ 10">
+            <a:extLst>
+              <a:ext uri="{FF2B5EF4-FFF2-40B4-BE49-F238E27FC236}">
+                <a16:creationId xmlns:a16="http://schemas.microsoft.com/office/drawing/2014/main" id="{8BAAA92F-DFA0-45AD-872E-F6B42F0F86D8}"/>
+              </a:ext>
+            </a:extLst>
+          </p:cNvPr>
+          <p:cNvCxnSpPr>
+            <a:cxnSpLocks/>
+          </p:cNvCxnSpPr>
+          <p:nvPr/>
+        </p:nvCxnSpPr>
+        <p:spPr>
+          <a:xfrm>
+            <a:off x="3593306" y="781050"/>
+            <a:ext cx="1073944" cy="0"/>
+          </a:xfrm>
+          <a:prstGeom prst="line">
+            <a:avLst/>
+          </a:prstGeom>
+          <a:ln w="28575">
+            <a:solidFill>
+              <a:srgbClr val="FF0000"/>
+            </a:solidFill>
+          </a:ln>
+        </p:spPr>
+        <p:style>
+          <a:lnRef idx="1">
+            <a:schemeClr val="accent1"/>
+          </a:lnRef>
+          <a:fillRef idx="0">
+            <a:schemeClr val="accent1"/>
+          </a:fillRef>
+          <a:effectRef idx="0">
+            <a:schemeClr val="accent1"/>
+          </a:effectRef>
+          <a:fontRef idx="minor">
+            <a:schemeClr val="tx1"/>
+          </a:fontRef>
+        </p:style>
+      </p:cxnSp>
+      <p:pic>
+        <p:nvPicPr>
+          <p:cNvPr id="13" name="図 12">
+            <a:extLst>
+              <a:ext uri="{FF2B5EF4-FFF2-40B4-BE49-F238E27FC236}">
+                <a16:creationId xmlns:a16="http://schemas.microsoft.com/office/drawing/2014/main" id="{27A8213F-DCB5-4348-95B7-8BE0C75F25C5}"/>
+              </a:ext>
+            </a:extLst>
+          </p:cNvPr>
+          <p:cNvPicPr>
+            <a:picLocks noChangeAspect="1"/>
+          </p:cNvPicPr>
+          <p:nvPr/>
+        </p:nvPicPr>
+        <p:blipFill>
+          <a:blip r:embed="rId3"/>
+          <a:stretch>
+            <a:fillRect/>
+          </a:stretch>
+        </p:blipFill>
+        <p:spPr>
+          <a:xfrm>
+            <a:off x="450718" y="2219325"/>
+            <a:ext cx="6285175" cy="3662354"/>
+          </a:xfrm>
+          <a:prstGeom prst="rect">
+            <a:avLst/>
+          </a:prstGeom>
+        </p:spPr>
+      </p:pic>
+      <p:sp>
+        <p:nvSpPr>
+          <p:cNvPr id="14" name="正方形/長方形 13">
+            <a:extLst>
+              <a:ext uri="{FF2B5EF4-FFF2-40B4-BE49-F238E27FC236}">
+                <a16:creationId xmlns:a16="http://schemas.microsoft.com/office/drawing/2014/main" id="{75AFAA3E-ADE0-4855-A661-77A70726A8ED}"/>
+              </a:ext>
+            </a:extLst>
+          </p:cNvPr>
+          <p:cNvSpPr/>
+          <p:nvPr/>
+        </p:nvSpPr>
+        <p:spPr>
+          <a:xfrm>
+            <a:off x="1790700" y="5181600"/>
+            <a:ext cx="5038725" cy="361950"/>
+          </a:xfrm>
+          <a:prstGeom prst="rect">
+            <a:avLst/>
+          </a:prstGeom>
+          <a:noFill/>
+          <a:ln w="25400">
+            <a:solidFill>
+              <a:srgbClr val="FF0000"/>
+            </a:solidFill>
+          </a:ln>
+        </p:spPr>
+        <p:style>
+          <a:lnRef idx="2">
+            <a:schemeClr val="accent1">
+              <a:shade val="50000"/>
+            </a:schemeClr>
+          </a:lnRef>
+          <a:fillRef idx="1">
+            <a:schemeClr val="accent1"/>
+          </a:fillRef>
+          <a:effectRef idx="0">
+            <a:schemeClr val="accent1"/>
+          </a:effectRef>
+          <a:fontRef idx="minor">
+            <a:schemeClr val="lt1"/>
+          </a:fontRef>
+        </p:style>
+        <p:txBody>
+          <a:bodyPr rtlCol="0" anchor="ctr"/>
+          <a:lstStyle/>
+          <a:p>
+            <a:pPr algn="ctr"/>
+            <a:endParaRPr lang="en-US"/>
+          </a:p>
+        </p:txBody>
+      </p:sp>
+    </p:spTree>
+    <p:extLst>
+      <p:ext uri="{BB962C8B-B14F-4D97-AF65-F5344CB8AC3E}">
+        <p14:creationId xmlns:p14="http://schemas.microsoft.com/office/powerpoint/2010/main" val="3064912749"/>
+      </p:ext>
+    </p:extLst>
+  </p:cSld>
+  <p:clrMapOvr>
+    <a:masterClrMapping/>
+  </p:clrMapOvr>
+</p:sld>
+</file>
+
+<file path=ppt/slides/slide9.xml><?xml version="1.0" encoding="utf-8"?>
+<p:sld xmlns:a="http://schemas.openxmlformats.org/drawingml/2006/main" xmlns:r="http://schemas.openxmlformats.org/officeDocument/2006/relationships" xmlns:p="http://schemas.openxmlformats.org/presentationml/2006/main">
+  <p:cSld>
+    <p:spTree>
+      <p:nvGrpSpPr>
+        <p:cNvPr id="1" name=""/>
+        <p:cNvGrpSpPr/>
+        <p:nvPr/>
+      </p:nvGrpSpPr>
+      <p:grpSpPr>
+        <a:xfrm>
+          <a:off x="0" y="0"/>
+          <a:ext cx="0" cy="0"/>
+          <a:chOff x="0" y="0"/>
+          <a:chExt cx="0" cy="0"/>
+        </a:xfrm>
+      </p:grpSpPr>
+      <p:pic>
+        <p:nvPicPr>
+          <p:cNvPr id="4" name="図 3">
+            <a:extLst>
+              <a:ext uri="{FF2B5EF4-FFF2-40B4-BE49-F238E27FC236}">
+                <a16:creationId xmlns:a16="http://schemas.microsoft.com/office/drawing/2014/main" id="{59F3F3A9-B80A-4638-99A4-E176201F37DF}"/>
+              </a:ext>
+            </a:extLst>
+          </p:cNvPr>
+          <p:cNvPicPr>
+            <a:picLocks noChangeAspect="1"/>
+          </p:cNvPicPr>
+          <p:nvPr/>
+        </p:nvPicPr>
+        <p:blipFill>
+          <a:blip r:embed="rId2"/>
+          <a:stretch>
+            <a:fillRect/>
+          </a:stretch>
+        </p:blipFill>
+        <p:spPr>
+          <a:xfrm>
+            <a:off x="752475" y="1038225"/>
+            <a:ext cx="10687050" cy="4781550"/>
+          </a:xfrm>
+          <a:prstGeom prst="rect">
+            <a:avLst/>
+          </a:prstGeom>
+        </p:spPr>
+      </p:pic>
+      <p:sp>
+        <p:nvSpPr>
+          <p:cNvPr id="5" name="正方形/長方形 4">
+            <a:extLst>
+              <a:ext uri="{FF2B5EF4-FFF2-40B4-BE49-F238E27FC236}">
+                <a16:creationId xmlns:a16="http://schemas.microsoft.com/office/drawing/2014/main" id="{55768233-40C9-4084-80BA-44E960DC5836}"/>
+              </a:ext>
+            </a:extLst>
+          </p:cNvPr>
+          <p:cNvSpPr/>
+          <p:nvPr/>
+        </p:nvSpPr>
+        <p:spPr>
+          <a:xfrm>
+            <a:off x="962024" y="2758603"/>
+            <a:ext cx="1409701" cy="260822"/>
+          </a:xfrm>
+          <a:prstGeom prst="rect">
+            <a:avLst/>
+          </a:prstGeom>
+          <a:noFill/>
+          <a:ln w="25400">
+            <a:solidFill>
+              <a:srgbClr val="FF0000"/>
+            </a:solidFill>
+          </a:ln>
+        </p:spPr>
+        <p:style>
+          <a:lnRef idx="2">
+            <a:schemeClr val="accent1">
+              <a:shade val="50000"/>
+            </a:schemeClr>
+          </a:lnRef>
+          <a:fillRef idx="1">
+            <a:schemeClr val="accent1"/>
+          </a:fillRef>
+          <a:effectRef idx="0">
+            <a:schemeClr val="accent1"/>
+          </a:effectRef>
+          <a:fontRef idx="minor">
+            <a:schemeClr val="lt1"/>
+          </a:fontRef>
+        </p:style>
+        <p:txBody>
+          <a:bodyPr rtlCol="0" anchor="ctr"/>
+          <a:lstStyle/>
+          <a:p>
+            <a:pPr algn="ctr"/>
+            <a:endParaRPr lang="en-US"/>
+          </a:p>
+        </p:txBody>
+      </p:sp>
+      <p:sp>
+        <p:nvSpPr>
+          <p:cNvPr id="6" name="正方形/長方形 5">
+            <a:extLst>
+              <a:ext uri="{FF2B5EF4-FFF2-40B4-BE49-F238E27FC236}">
+                <a16:creationId xmlns:a16="http://schemas.microsoft.com/office/drawing/2014/main" id="{B0E12099-8672-4F3A-AFF6-FEA61181197E}"/>
+              </a:ext>
+            </a:extLst>
+          </p:cNvPr>
+          <p:cNvSpPr/>
+          <p:nvPr/>
+        </p:nvSpPr>
+        <p:spPr>
+          <a:xfrm>
+            <a:off x="4181474" y="2329978"/>
+            <a:ext cx="3657601" cy="317972"/>
+          </a:xfrm>
+          <a:prstGeom prst="rect">
+            <a:avLst/>
+          </a:prstGeom>
+          <a:noFill/>
+          <a:ln w="25400">
+            <a:solidFill>
+              <a:srgbClr val="FF0000"/>
+            </a:solidFill>
+          </a:ln>
+        </p:spPr>
+        <p:style>
+          <a:lnRef idx="2">
+            <a:schemeClr val="accent1">
+              <a:shade val="50000"/>
+            </a:schemeClr>
+          </a:lnRef>
+          <a:fillRef idx="1">
+            <a:schemeClr val="accent1"/>
+          </a:fillRef>
+          <a:effectRef idx="0">
+            <a:schemeClr val="accent1"/>
+          </a:effectRef>
+          <a:fontRef idx="minor">
+            <a:schemeClr val="lt1"/>
+          </a:fontRef>
+        </p:style>
+        <p:txBody>
+          <a:bodyPr rtlCol="0" anchor="ctr"/>
+          <a:lstStyle/>
+          <a:p>
+            <a:pPr algn="ctr"/>
+            <a:endParaRPr lang="en-US"/>
+          </a:p>
+        </p:txBody>
+      </p:sp>
+      <p:sp>
+        <p:nvSpPr>
+          <p:cNvPr id="7" name="正方形/長方形 6">
+            <a:extLst>
+              <a:ext uri="{FF2B5EF4-FFF2-40B4-BE49-F238E27FC236}">
+                <a16:creationId xmlns:a16="http://schemas.microsoft.com/office/drawing/2014/main" id="{09CC9266-C61C-4EA8-8A83-0632A2276244}"/>
+              </a:ext>
+            </a:extLst>
+          </p:cNvPr>
+          <p:cNvSpPr/>
+          <p:nvPr/>
+        </p:nvSpPr>
+        <p:spPr>
+          <a:xfrm>
+            <a:off x="4352925" y="4654078"/>
+            <a:ext cx="1933576" cy="222722"/>
+          </a:xfrm>
+          <a:prstGeom prst="rect">
+            <a:avLst/>
+          </a:prstGeom>
+          <a:noFill/>
+          <a:ln w="25400">
+            <a:solidFill>
+              <a:srgbClr val="FF0000"/>
+            </a:solidFill>
+          </a:ln>
+        </p:spPr>
+        <p:style>
+          <a:lnRef idx="2">
+            <a:schemeClr val="accent1">
+              <a:shade val="50000"/>
+            </a:schemeClr>
+          </a:lnRef>
+          <a:fillRef idx="1">
+            <a:schemeClr val="accent1"/>
+          </a:fillRef>
+          <a:effectRef idx="0">
+            <a:schemeClr val="accent1"/>
+          </a:effectRef>
+          <a:fontRef idx="minor">
+            <a:schemeClr val="lt1"/>
+          </a:fontRef>
+        </p:style>
+        <p:txBody>
+          <a:bodyPr rtlCol="0" anchor="ctr"/>
+          <a:lstStyle/>
+          <a:p>
+            <a:pPr algn="ctr"/>
+            <a:endParaRPr lang="en-US"/>
+          </a:p>
+        </p:txBody>
+      </p:sp>
+      <p:sp>
+        <p:nvSpPr>
+          <p:cNvPr id="8" name="正方形/長方形 7">
+            <a:extLst>
+              <a:ext uri="{FF2B5EF4-FFF2-40B4-BE49-F238E27FC236}">
+                <a16:creationId xmlns:a16="http://schemas.microsoft.com/office/drawing/2014/main" id="{333E2FB7-F36B-4925-971F-227328E9AAB1}"/>
+              </a:ext>
+            </a:extLst>
+          </p:cNvPr>
+          <p:cNvSpPr/>
+          <p:nvPr/>
+        </p:nvSpPr>
+        <p:spPr>
+          <a:xfrm>
+            <a:off x="8143876" y="3825402"/>
+            <a:ext cx="2667000" cy="232247"/>
+          </a:xfrm>
+          <a:prstGeom prst="rect">
+            <a:avLst/>
+          </a:prstGeom>
+          <a:noFill/>
+          <a:ln w="25400">
+            <a:solidFill>
+              <a:srgbClr val="FF0000"/>
+            </a:solidFill>
+          </a:ln>
+        </p:spPr>
+        <p:style>
+          <a:lnRef idx="2">
+            <a:schemeClr val="accent1">
+              <a:shade val="50000"/>
+            </a:schemeClr>
+          </a:lnRef>
+          <a:fillRef idx="1">
+            <a:schemeClr val="accent1"/>
+          </a:fillRef>
+          <a:effectRef idx="0">
+            <a:schemeClr val="accent1"/>
+          </a:effectRef>
+          <a:fontRef idx="minor">
+            <a:schemeClr val="lt1"/>
+          </a:fontRef>
+        </p:style>
+        <p:txBody>
+          <a:bodyPr rtlCol="0" anchor="ctr"/>
+          <a:lstStyle/>
+          <a:p>
+            <a:pPr algn="ctr"/>
+            <a:endParaRPr lang="en-US"/>
+          </a:p>
+        </p:txBody>
+      </p:sp>
+      <p:cxnSp>
+        <p:nvCxnSpPr>
+          <p:cNvPr id="9" name="コネクタ: 曲線 8">
+            <a:extLst>
+              <a:ext uri="{FF2B5EF4-FFF2-40B4-BE49-F238E27FC236}">
+                <a16:creationId xmlns:a16="http://schemas.microsoft.com/office/drawing/2014/main" id="{4B2B9D24-C2A9-47D8-A298-D6BBC3D299F2}"/>
+              </a:ext>
+            </a:extLst>
+          </p:cNvPr>
+          <p:cNvCxnSpPr>
+            <a:cxnSpLocks/>
+            <a:stCxn id="5" idx="3"/>
+            <a:endCxn id="6" idx="1"/>
+          </p:cNvCxnSpPr>
+          <p:nvPr/>
+        </p:nvCxnSpPr>
+        <p:spPr>
+          <a:xfrm flipV="1">
+            <a:off x="2371725" y="2488964"/>
+            <a:ext cx="1809749" cy="400050"/>
+          </a:xfrm>
+          <a:prstGeom prst="curvedConnector3">
+            <a:avLst>
+              <a:gd name="adj1" fmla="val 50000"/>
+            </a:avLst>
+          </a:prstGeom>
+          <a:ln w="19050">
+            <a:solidFill>
+              <a:srgbClr val="FF0000"/>
+            </a:solidFill>
+            <a:prstDash val="sysDash"/>
+            <a:tailEnd type="triangle"/>
+          </a:ln>
+        </p:spPr>
+        <p:style>
+          <a:lnRef idx="1">
+            <a:schemeClr val="accent1"/>
+          </a:lnRef>
+          <a:fillRef idx="0">
+            <a:schemeClr val="accent1"/>
+          </a:fillRef>
+          <a:effectRef idx="0">
+            <a:schemeClr val="accent1"/>
+          </a:effectRef>
+          <a:fontRef idx="minor">
+            <a:schemeClr val="tx1"/>
+          </a:fontRef>
+        </p:style>
+      </p:cxnSp>
+      <p:cxnSp>
+        <p:nvCxnSpPr>
+          <p:cNvPr id="12" name="コネクタ: 曲線 11">
+            <a:extLst>
+              <a:ext uri="{FF2B5EF4-FFF2-40B4-BE49-F238E27FC236}">
+                <a16:creationId xmlns:a16="http://schemas.microsoft.com/office/drawing/2014/main" id="{32EC7779-3915-461A-9E64-163669ED707F}"/>
+              </a:ext>
+            </a:extLst>
+          </p:cNvPr>
+          <p:cNvCxnSpPr>
+            <a:cxnSpLocks/>
+            <a:stCxn id="6" idx="2"/>
+            <a:endCxn id="7" idx="0"/>
+          </p:cNvCxnSpPr>
+          <p:nvPr/>
+        </p:nvCxnSpPr>
+        <p:spPr>
+          <a:xfrm rot="5400000">
+            <a:off x="4661930" y="3305733"/>
+            <a:ext cx="2006128" cy="690562"/>
+          </a:xfrm>
+          <a:prstGeom prst="curvedConnector3">
+            <a:avLst>
+              <a:gd name="adj1" fmla="val 50000"/>
+            </a:avLst>
+          </a:prstGeom>
+          <a:ln w="19050">
+            <a:solidFill>
+              <a:srgbClr val="FF0000"/>
+            </a:solidFill>
+            <a:prstDash val="sysDash"/>
+            <a:tailEnd type="triangle"/>
+          </a:ln>
+        </p:spPr>
+        <p:style>
+          <a:lnRef idx="1">
+            <a:schemeClr val="accent1"/>
+          </a:lnRef>
+          <a:fillRef idx="0">
+            <a:schemeClr val="accent1"/>
+          </a:fillRef>
+          <a:effectRef idx="0">
+            <a:schemeClr val="accent1"/>
+          </a:effectRef>
+          <a:fontRef idx="minor">
+            <a:schemeClr val="tx1"/>
+          </a:fontRef>
+        </p:style>
+      </p:cxnSp>
+      <p:cxnSp>
+        <p:nvCxnSpPr>
+          <p:cNvPr id="15" name="コネクタ: 曲線 14">
+            <a:extLst>
+              <a:ext uri="{FF2B5EF4-FFF2-40B4-BE49-F238E27FC236}">
+                <a16:creationId xmlns:a16="http://schemas.microsoft.com/office/drawing/2014/main" id="{CC67824B-6365-4D51-9F28-C99F22C8812C}"/>
+              </a:ext>
+            </a:extLst>
+          </p:cNvPr>
+          <p:cNvCxnSpPr>
+            <a:cxnSpLocks/>
+            <a:stCxn id="7" idx="3"/>
+            <a:endCxn id="8" idx="1"/>
+          </p:cNvCxnSpPr>
+          <p:nvPr/>
+        </p:nvCxnSpPr>
+        <p:spPr>
+          <a:xfrm flipV="1">
+            <a:off x="6286501" y="3941526"/>
+            <a:ext cx="1857375" cy="823913"/>
+          </a:xfrm>
+          <a:prstGeom prst="curvedConnector3">
+            <a:avLst>
+              <a:gd name="adj1" fmla="val 50000"/>
+            </a:avLst>
+          </a:prstGeom>
+          <a:ln w="19050">
+            <a:solidFill>
+              <a:srgbClr val="FF0000"/>
+            </a:solidFill>
+            <a:prstDash val="sysDash"/>
+            <a:tailEnd type="triangle"/>
+          </a:ln>
+        </p:spPr>
+        <p:style>
+          <a:lnRef idx="1">
+            <a:schemeClr val="accent1"/>
+          </a:lnRef>
+          <a:fillRef idx="0">
+            <a:schemeClr val="accent1"/>
+          </a:fillRef>
+          <a:effectRef idx="0">
+            <a:schemeClr val="accent1"/>
+          </a:effectRef>
+          <a:fontRef idx="minor">
+            <a:schemeClr val="tx1"/>
+          </a:fontRef>
+        </p:style>
+      </p:cxnSp>
+    </p:spTree>
+    <p:extLst>
+      <p:ext uri="{BB962C8B-B14F-4D97-AF65-F5344CB8AC3E}">
+        <p14:creationId xmlns:p14="http://schemas.microsoft.com/office/powerpoint/2010/main" val="3946380708"/>
+      </p:ext>
+    </p:extLst>
+  </p:cSld>
+  <p:clrMapOvr>
+    <a:masterClrMapping/>
+  </p:clrMapOvr>
+</p:sld>
+</file>
+
 <file path=ppt/theme/theme1.xml><?xml version="1.0" encoding="utf-8"?>
 <a:theme xmlns:a="http://schemas.openxmlformats.org/drawingml/2006/main" name="Office テーマ">
   <a:themeElements>

--- a/Resources/Part1/Part1_Resources.pptx
+++ b/Resources/Part1/Part1_Resources.pptx
@@ -15,6 +15,10 @@
     <p:sldId id="263" r:id="rId9"/>
     <p:sldId id="264" r:id="rId10"/>
     <p:sldId id="265" r:id="rId11"/>
+    <p:sldId id="266" r:id="rId12"/>
+    <p:sldId id="267" r:id="rId13"/>
+    <p:sldId id="268" r:id="rId14"/>
+    <p:sldId id="269" r:id="rId15"/>
   </p:sldIdLst>
   <p:sldSz cx="12192000" cy="6858000"/>
   <p:notesSz cx="6858000" cy="9144000"/>
@@ -13573,7 +13577,7 @@
           <a:p>
             <a:fld id="{1A086832-2622-4354-BD9D-64D40320B320}" type="datetimeFigureOut">
               <a:rPr kumimoji="1" lang="ja-JP" altLang="en-US" smtClean="0"/>
-              <a:t>2024/11/2</a:t>
+              <a:t>2024/11/3</a:t>
             </a:fld>
             <a:endParaRPr kumimoji="1" lang="ja-JP" altLang="en-US"/>
           </a:p>
@@ -13803,7 +13807,7 @@
           <a:p>
             <a:fld id="{1A086832-2622-4354-BD9D-64D40320B320}" type="datetimeFigureOut">
               <a:rPr kumimoji="1" lang="ja-JP" altLang="en-US" smtClean="0"/>
-              <a:t>2024/11/2</a:t>
+              <a:t>2024/11/3</a:t>
             </a:fld>
             <a:endParaRPr kumimoji="1" lang="ja-JP" altLang="en-US"/>
           </a:p>
@@ -14043,7 +14047,7 @@
           <a:p>
             <a:fld id="{1A086832-2622-4354-BD9D-64D40320B320}" type="datetimeFigureOut">
               <a:rPr kumimoji="1" lang="ja-JP" altLang="en-US" smtClean="0"/>
-              <a:t>2024/11/2</a:t>
+              <a:t>2024/11/3</a:t>
             </a:fld>
             <a:endParaRPr kumimoji="1" lang="ja-JP" altLang="en-US"/>
           </a:p>
@@ -14273,7 +14277,7 @@
           <a:p>
             <a:fld id="{1A086832-2622-4354-BD9D-64D40320B320}" type="datetimeFigureOut">
               <a:rPr kumimoji="1" lang="ja-JP" altLang="en-US" smtClean="0"/>
-              <a:t>2024/11/2</a:t>
+              <a:t>2024/11/3</a:t>
             </a:fld>
             <a:endParaRPr kumimoji="1" lang="ja-JP" altLang="en-US"/>
           </a:p>
@@ -14548,7 +14552,7 @@
           <a:p>
             <a:fld id="{1A086832-2622-4354-BD9D-64D40320B320}" type="datetimeFigureOut">
               <a:rPr kumimoji="1" lang="ja-JP" altLang="en-US" smtClean="0"/>
-              <a:t>2024/11/2</a:t>
+              <a:t>2024/11/3</a:t>
             </a:fld>
             <a:endParaRPr kumimoji="1" lang="ja-JP" altLang="en-US"/>
           </a:p>
@@ -14877,7 +14881,7 @@
           <a:p>
             <a:fld id="{1A086832-2622-4354-BD9D-64D40320B320}" type="datetimeFigureOut">
               <a:rPr kumimoji="1" lang="ja-JP" altLang="en-US" smtClean="0"/>
-              <a:t>2024/11/2</a:t>
+              <a:t>2024/11/3</a:t>
             </a:fld>
             <a:endParaRPr kumimoji="1" lang="ja-JP" altLang="en-US"/>
           </a:p>
@@ -15353,7 +15357,7 @@
           <a:p>
             <a:fld id="{1A086832-2622-4354-BD9D-64D40320B320}" type="datetimeFigureOut">
               <a:rPr kumimoji="1" lang="ja-JP" altLang="en-US" smtClean="0"/>
-              <a:t>2024/11/2</a:t>
+              <a:t>2024/11/3</a:t>
             </a:fld>
             <a:endParaRPr kumimoji="1" lang="ja-JP" altLang="en-US"/>
           </a:p>
@@ -15494,7 +15498,7 @@
           <a:p>
             <a:fld id="{1A086832-2622-4354-BD9D-64D40320B320}" type="datetimeFigureOut">
               <a:rPr kumimoji="1" lang="ja-JP" altLang="en-US" smtClean="0"/>
-              <a:t>2024/11/2</a:t>
+              <a:t>2024/11/3</a:t>
             </a:fld>
             <a:endParaRPr kumimoji="1" lang="ja-JP" altLang="en-US"/>
           </a:p>
@@ -15607,7 +15611,7 @@
           <a:p>
             <a:fld id="{1A086832-2622-4354-BD9D-64D40320B320}" type="datetimeFigureOut">
               <a:rPr kumimoji="1" lang="ja-JP" altLang="en-US" smtClean="0"/>
-              <a:t>2024/11/2</a:t>
+              <a:t>2024/11/3</a:t>
             </a:fld>
             <a:endParaRPr kumimoji="1" lang="ja-JP" altLang="en-US"/>
           </a:p>
@@ -15950,7 +15954,7 @@
           <a:p>
             <a:fld id="{1A086832-2622-4354-BD9D-64D40320B320}" type="datetimeFigureOut">
               <a:rPr kumimoji="1" lang="ja-JP" altLang="en-US" smtClean="0"/>
-              <a:t>2024/11/2</a:t>
+              <a:t>2024/11/3</a:t>
             </a:fld>
             <a:endParaRPr kumimoji="1" lang="ja-JP" altLang="en-US"/>
           </a:p>
@@ -16238,7 +16242,7 @@
           <a:p>
             <a:fld id="{1A086832-2622-4354-BD9D-64D40320B320}" type="datetimeFigureOut">
               <a:rPr kumimoji="1" lang="ja-JP" altLang="en-US" smtClean="0"/>
-              <a:t>2024/11/2</a:t>
+              <a:t>2024/11/3</a:t>
             </a:fld>
             <a:endParaRPr kumimoji="1" lang="ja-JP" altLang="en-US"/>
           </a:p>
@@ -16511,7 +16515,7 @@
           <a:p>
             <a:fld id="{1A086832-2622-4354-BD9D-64D40320B320}" type="datetimeFigureOut">
               <a:rPr kumimoji="1" lang="ja-JP" altLang="en-US" smtClean="0"/>
-              <a:t>2024/11/2</a:t>
+              <a:t>2024/11/3</a:t>
             </a:fld>
             <a:endParaRPr kumimoji="1" lang="ja-JP" altLang="en-US"/>
           </a:p>
@@ -18337,6 +18341,853 @@
     <p:extLst>
       <p:ext uri="{BB962C8B-B14F-4D97-AF65-F5344CB8AC3E}">
         <p14:creationId xmlns:p14="http://schemas.microsoft.com/office/powerpoint/2010/main" val="3256643030"/>
+      </p:ext>
+    </p:extLst>
+  </p:cSld>
+  <p:clrMapOvr>
+    <a:masterClrMapping/>
+  </p:clrMapOvr>
+</p:sld>
+</file>
+
+<file path=ppt/slides/slide11.xml><?xml version="1.0" encoding="utf-8"?>
+<p:sld xmlns:a="http://schemas.openxmlformats.org/drawingml/2006/main" xmlns:r="http://schemas.openxmlformats.org/officeDocument/2006/relationships" xmlns:p="http://schemas.openxmlformats.org/presentationml/2006/main">
+  <p:cSld>
+    <p:spTree>
+      <p:nvGrpSpPr>
+        <p:cNvPr id="1" name=""/>
+        <p:cNvGrpSpPr/>
+        <p:nvPr/>
+      </p:nvGrpSpPr>
+      <p:grpSpPr>
+        <a:xfrm>
+          <a:off x="0" y="0"/>
+          <a:ext cx="0" cy="0"/>
+          <a:chOff x="0" y="0"/>
+          <a:chExt cx="0" cy="0"/>
+        </a:xfrm>
+      </p:grpSpPr>
+      <p:pic>
+        <p:nvPicPr>
+          <p:cNvPr id="4" name="図 3">
+            <a:extLst>
+              <a:ext uri="{FF2B5EF4-FFF2-40B4-BE49-F238E27FC236}">
+                <a16:creationId xmlns:a16="http://schemas.microsoft.com/office/drawing/2014/main" id="{1E7FAB03-D48D-473B-B873-38BE93E12318}"/>
+              </a:ext>
+            </a:extLst>
+          </p:cNvPr>
+          <p:cNvPicPr>
+            <a:picLocks noChangeAspect="1"/>
+          </p:cNvPicPr>
+          <p:nvPr/>
+        </p:nvPicPr>
+        <p:blipFill>
+          <a:blip r:embed="rId2"/>
+          <a:stretch>
+            <a:fillRect/>
+          </a:stretch>
+        </p:blipFill>
+        <p:spPr>
+          <a:xfrm>
+            <a:off x="3733800" y="652462"/>
+            <a:ext cx="4724400" cy="5553075"/>
+          </a:xfrm>
+          <a:prstGeom prst="rect">
+            <a:avLst/>
+          </a:prstGeom>
+        </p:spPr>
+      </p:pic>
+      <p:sp>
+        <p:nvSpPr>
+          <p:cNvPr id="5" name="正方形/長方形 4">
+            <a:extLst>
+              <a:ext uri="{FF2B5EF4-FFF2-40B4-BE49-F238E27FC236}">
+                <a16:creationId xmlns:a16="http://schemas.microsoft.com/office/drawing/2014/main" id="{3E4997B6-F98C-41E3-BC77-5C13DC9D21ED}"/>
+              </a:ext>
+            </a:extLst>
+          </p:cNvPr>
+          <p:cNvSpPr/>
+          <p:nvPr/>
+        </p:nvSpPr>
+        <p:spPr>
+          <a:xfrm>
+            <a:off x="7280946" y="2348918"/>
+            <a:ext cx="277536" cy="318782"/>
+          </a:xfrm>
+          <a:prstGeom prst="rect">
+            <a:avLst/>
+          </a:prstGeom>
+          <a:noFill/>
+          <a:ln w="25400">
+            <a:solidFill>
+              <a:srgbClr val="FF0000"/>
+            </a:solidFill>
+          </a:ln>
+        </p:spPr>
+        <p:style>
+          <a:lnRef idx="2">
+            <a:schemeClr val="accent1">
+              <a:shade val="50000"/>
+            </a:schemeClr>
+          </a:lnRef>
+          <a:fillRef idx="1">
+            <a:schemeClr val="accent1"/>
+          </a:fillRef>
+          <a:effectRef idx="0">
+            <a:schemeClr val="accent1"/>
+          </a:effectRef>
+          <a:fontRef idx="minor">
+            <a:schemeClr val="lt1"/>
+          </a:fontRef>
+        </p:style>
+        <p:txBody>
+          <a:bodyPr rtlCol="0" anchor="ctr"/>
+          <a:lstStyle/>
+          <a:p>
+            <a:pPr algn="ctr"/>
+            <a:endParaRPr lang="en-US"/>
+          </a:p>
+        </p:txBody>
+      </p:sp>
+      <p:sp>
+        <p:nvSpPr>
+          <p:cNvPr id="8" name="テキスト ボックス 7">
+            <a:extLst>
+              <a:ext uri="{FF2B5EF4-FFF2-40B4-BE49-F238E27FC236}">
+                <a16:creationId xmlns:a16="http://schemas.microsoft.com/office/drawing/2014/main" id="{9FBD32E6-EF03-4FFF-9E75-526B6B97C2CF}"/>
+              </a:ext>
+            </a:extLst>
+          </p:cNvPr>
+          <p:cNvSpPr txBox="1"/>
+          <p:nvPr/>
+        </p:nvSpPr>
+        <p:spPr>
+          <a:xfrm>
+            <a:off x="8880179" y="2323643"/>
+            <a:ext cx="542136" cy="369332"/>
+          </a:xfrm>
+          <a:prstGeom prst="rect">
+            <a:avLst/>
+          </a:prstGeom>
+          <a:noFill/>
+        </p:spPr>
+        <p:txBody>
+          <a:bodyPr wrap="none" rtlCol="0">
+            <a:spAutoFit/>
+          </a:bodyPr>
+          <a:lstStyle/>
+          <a:p>
+            <a:r>
+              <a:rPr lang="en-US" dirty="0">
+                <a:latin typeface="Calibri" panose="020F0502020204030204" pitchFamily="34" charset="0"/>
+                <a:cs typeface="Calibri" panose="020F0502020204030204" pitchFamily="34" charset="0"/>
+              </a:rPr>
+              <a:t>LD4</a:t>
+            </a:r>
+          </a:p>
+        </p:txBody>
+      </p:sp>
+      <p:cxnSp>
+        <p:nvCxnSpPr>
+          <p:cNvPr id="12" name="直線矢印コネクタ 11">
+            <a:extLst>
+              <a:ext uri="{FF2B5EF4-FFF2-40B4-BE49-F238E27FC236}">
+                <a16:creationId xmlns:a16="http://schemas.microsoft.com/office/drawing/2014/main" id="{67E64D6C-2ED6-4D90-87DC-6AD1B610AA6D}"/>
+              </a:ext>
+            </a:extLst>
+          </p:cNvPr>
+          <p:cNvCxnSpPr>
+            <a:cxnSpLocks/>
+            <a:stCxn id="8" idx="1"/>
+            <a:endCxn id="5" idx="3"/>
+          </p:cNvCxnSpPr>
+          <p:nvPr/>
+        </p:nvCxnSpPr>
+        <p:spPr>
+          <a:xfrm flipH="1">
+            <a:off x="7558482" y="2508309"/>
+            <a:ext cx="1321697" cy="0"/>
+          </a:xfrm>
+          <a:prstGeom prst="straightConnector1">
+            <a:avLst/>
+          </a:prstGeom>
+          <a:ln>
+            <a:solidFill>
+              <a:srgbClr val="FF0000"/>
+            </a:solidFill>
+            <a:prstDash val="dash"/>
+            <a:tailEnd type="triangle"/>
+          </a:ln>
+        </p:spPr>
+        <p:style>
+          <a:lnRef idx="1">
+            <a:schemeClr val="accent1"/>
+          </a:lnRef>
+          <a:fillRef idx="0">
+            <a:schemeClr val="accent1"/>
+          </a:fillRef>
+          <a:effectRef idx="0">
+            <a:schemeClr val="accent1"/>
+          </a:effectRef>
+          <a:fontRef idx="minor">
+            <a:schemeClr val="tx1"/>
+          </a:fontRef>
+        </p:style>
+      </p:cxnSp>
+    </p:spTree>
+    <p:extLst>
+      <p:ext uri="{BB962C8B-B14F-4D97-AF65-F5344CB8AC3E}">
+        <p14:creationId xmlns:p14="http://schemas.microsoft.com/office/powerpoint/2010/main" val="3697869305"/>
+      </p:ext>
+    </p:extLst>
+  </p:cSld>
+  <p:clrMapOvr>
+    <a:masterClrMapping/>
+  </p:clrMapOvr>
+</p:sld>
+</file>
+
+<file path=ppt/slides/slide12.xml><?xml version="1.0" encoding="utf-8"?>
+<p:sld xmlns:a="http://schemas.openxmlformats.org/drawingml/2006/main" xmlns:r="http://schemas.openxmlformats.org/officeDocument/2006/relationships" xmlns:p="http://schemas.openxmlformats.org/presentationml/2006/main">
+  <p:cSld>
+    <p:spTree>
+      <p:nvGrpSpPr>
+        <p:cNvPr id="1" name=""/>
+        <p:cNvGrpSpPr/>
+        <p:nvPr/>
+      </p:nvGrpSpPr>
+      <p:grpSpPr>
+        <a:xfrm>
+          <a:off x="0" y="0"/>
+          <a:ext cx="0" cy="0"/>
+          <a:chOff x="0" y="0"/>
+          <a:chExt cx="0" cy="0"/>
+        </a:xfrm>
+      </p:grpSpPr>
+      <p:pic>
+        <p:nvPicPr>
+          <p:cNvPr id="4" name="図 3">
+            <a:extLst>
+              <a:ext uri="{FF2B5EF4-FFF2-40B4-BE49-F238E27FC236}">
+                <a16:creationId xmlns:a16="http://schemas.microsoft.com/office/drawing/2014/main" id="{56E7AD53-EA96-47C2-94A3-E8A1576F3A41}"/>
+              </a:ext>
+            </a:extLst>
+          </p:cNvPr>
+          <p:cNvPicPr>
+            <a:picLocks noChangeAspect="1"/>
+          </p:cNvPicPr>
+          <p:nvPr/>
+        </p:nvPicPr>
+        <p:blipFill>
+          <a:blip r:embed="rId2"/>
+          <a:stretch>
+            <a:fillRect/>
+          </a:stretch>
+        </p:blipFill>
+        <p:spPr>
+          <a:xfrm>
+            <a:off x="3033712" y="1490662"/>
+            <a:ext cx="6124575" cy="3876675"/>
+          </a:xfrm>
+          <a:prstGeom prst="rect">
+            <a:avLst/>
+          </a:prstGeom>
+        </p:spPr>
+      </p:pic>
+      <p:sp>
+        <p:nvSpPr>
+          <p:cNvPr id="5" name="テキスト ボックス 4">
+            <a:extLst>
+              <a:ext uri="{FF2B5EF4-FFF2-40B4-BE49-F238E27FC236}">
+                <a16:creationId xmlns:a16="http://schemas.microsoft.com/office/drawing/2014/main" id="{2811E029-B8B5-4CD1-A5DA-97C174581117}"/>
+              </a:ext>
+            </a:extLst>
+          </p:cNvPr>
+          <p:cNvSpPr txBox="1"/>
+          <p:nvPr/>
+        </p:nvSpPr>
+        <p:spPr>
+          <a:xfrm>
+            <a:off x="3033712" y="1121330"/>
+            <a:ext cx="801373" cy="369332"/>
+          </a:xfrm>
+          <a:prstGeom prst="rect">
+            <a:avLst/>
+          </a:prstGeom>
+          <a:noFill/>
+        </p:spPr>
+        <p:txBody>
+          <a:bodyPr wrap="none" rtlCol="0">
+            <a:spAutoFit/>
+          </a:bodyPr>
+          <a:lstStyle/>
+          <a:p>
+            <a:r>
+              <a:rPr lang="en-US" dirty="0">
+                <a:latin typeface="Calibri" panose="020F0502020204030204" pitchFamily="34" charset="0"/>
+                <a:cs typeface="Calibri" panose="020F0502020204030204" pitchFamily="34" charset="0"/>
+              </a:rPr>
+              <a:t>5 Page</a:t>
+            </a:r>
+          </a:p>
+        </p:txBody>
+      </p:sp>
+    </p:spTree>
+    <p:extLst>
+      <p:ext uri="{BB962C8B-B14F-4D97-AF65-F5344CB8AC3E}">
+        <p14:creationId xmlns:p14="http://schemas.microsoft.com/office/powerpoint/2010/main" val="922243165"/>
+      </p:ext>
+    </p:extLst>
+  </p:cSld>
+  <p:clrMapOvr>
+    <a:masterClrMapping/>
+  </p:clrMapOvr>
+</p:sld>
+</file>
+
+<file path=ppt/slides/slide13.xml><?xml version="1.0" encoding="utf-8"?>
+<p:sld xmlns:a="http://schemas.openxmlformats.org/drawingml/2006/main" xmlns:r="http://schemas.openxmlformats.org/officeDocument/2006/relationships" xmlns:p="http://schemas.openxmlformats.org/presentationml/2006/main">
+  <p:cSld>
+    <p:spTree>
+      <p:nvGrpSpPr>
+        <p:cNvPr id="1" name=""/>
+        <p:cNvGrpSpPr/>
+        <p:nvPr/>
+      </p:nvGrpSpPr>
+      <p:grpSpPr>
+        <a:xfrm>
+          <a:off x="0" y="0"/>
+          <a:ext cx="0" cy="0"/>
+          <a:chOff x="0" y="0"/>
+          <a:chExt cx="0" cy="0"/>
+        </a:xfrm>
+      </p:grpSpPr>
+      <p:pic>
+        <p:nvPicPr>
+          <p:cNvPr id="4" name="図 3">
+            <a:extLst>
+              <a:ext uri="{FF2B5EF4-FFF2-40B4-BE49-F238E27FC236}">
+                <a16:creationId xmlns:a16="http://schemas.microsoft.com/office/drawing/2014/main" id="{70A61A42-014E-4D32-96C2-217049CA6EE9}"/>
+              </a:ext>
+            </a:extLst>
+          </p:cNvPr>
+          <p:cNvPicPr>
+            <a:picLocks noChangeAspect="1"/>
+          </p:cNvPicPr>
+          <p:nvPr/>
+        </p:nvPicPr>
+        <p:blipFill>
+          <a:blip r:embed="rId2"/>
+          <a:stretch>
+            <a:fillRect/>
+          </a:stretch>
+        </p:blipFill>
+        <p:spPr>
+          <a:xfrm>
+            <a:off x="1800225" y="257175"/>
+            <a:ext cx="8591550" cy="6343650"/>
+          </a:xfrm>
+          <a:prstGeom prst="rect">
+            <a:avLst/>
+          </a:prstGeom>
+        </p:spPr>
+      </p:pic>
+      <p:sp>
+        <p:nvSpPr>
+          <p:cNvPr id="5" name="正方形/長方形 4">
+            <a:extLst>
+              <a:ext uri="{FF2B5EF4-FFF2-40B4-BE49-F238E27FC236}">
+                <a16:creationId xmlns:a16="http://schemas.microsoft.com/office/drawing/2014/main" id="{175594B0-DCE7-4B9F-8B7A-40B6C5C5B5B1}"/>
+              </a:ext>
+            </a:extLst>
+          </p:cNvPr>
+          <p:cNvSpPr/>
+          <p:nvPr/>
+        </p:nvSpPr>
+        <p:spPr>
+          <a:xfrm flipV="1">
+            <a:off x="7029974" y="2776756"/>
+            <a:ext cx="1098958" cy="3254928"/>
+          </a:xfrm>
+          <a:prstGeom prst="rect">
+            <a:avLst/>
+          </a:prstGeom>
+          <a:noFill/>
+          <a:ln w="25400">
+            <a:solidFill>
+              <a:srgbClr val="FF0000"/>
+            </a:solidFill>
+          </a:ln>
+        </p:spPr>
+        <p:style>
+          <a:lnRef idx="2">
+            <a:schemeClr val="accent1">
+              <a:shade val="50000"/>
+            </a:schemeClr>
+          </a:lnRef>
+          <a:fillRef idx="1">
+            <a:schemeClr val="accent1"/>
+          </a:fillRef>
+          <a:effectRef idx="0">
+            <a:schemeClr val="accent1"/>
+          </a:effectRef>
+          <a:fontRef idx="minor">
+            <a:schemeClr val="lt1"/>
+          </a:fontRef>
+        </p:style>
+        <p:txBody>
+          <a:bodyPr rtlCol="0" anchor="ctr"/>
+          <a:lstStyle/>
+          <a:p>
+            <a:pPr algn="ctr"/>
+            <a:endParaRPr lang="en-US"/>
+          </a:p>
+        </p:txBody>
+      </p:sp>
+      <p:cxnSp>
+        <p:nvCxnSpPr>
+          <p:cNvPr id="6" name="直線コネクタ 5">
+            <a:extLst>
+              <a:ext uri="{FF2B5EF4-FFF2-40B4-BE49-F238E27FC236}">
+                <a16:creationId xmlns:a16="http://schemas.microsoft.com/office/drawing/2014/main" id="{E0826A50-A570-4202-9F45-8FDCA00EF12E}"/>
+              </a:ext>
+            </a:extLst>
+          </p:cNvPr>
+          <p:cNvCxnSpPr>
+            <a:cxnSpLocks/>
+          </p:cNvCxnSpPr>
+          <p:nvPr/>
+        </p:nvCxnSpPr>
+        <p:spPr>
+          <a:xfrm>
+            <a:off x="7148294" y="4309845"/>
+            <a:ext cx="712190" cy="0"/>
+          </a:xfrm>
+          <a:prstGeom prst="line">
+            <a:avLst/>
+          </a:prstGeom>
+          <a:ln w="28575">
+            <a:solidFill>
+              <a:srgbClr val="FF0000"/>
+            </a:solidFill>
+          </a:ln>
+        </p:spPr>
+        <p:style>
+          <a:lnRef idx="1">
+            <a:schemeClr val="accent1"/>
+          </a:lnRef>
+          <a:fillRef idx="0">
+            <a:schemeClr val="accent1"/>
+          </a:fillRef>
+          <a:effectRef idx="0">
+            <a:schemeClr val="accent1"/>
+          </a:effectRef>
+          <a:fontRef idx="minor">
+            <a:schemeClr val="tx1"/>
+          </a:fontRef>
+        </p:style>
+      </p:cxnSp>
+      <p:cxnSp>
+        <p:nvCxnSpPr>
+          <p:cNvPr id="8" name="直線コネクタ 7">
+            <a:extLst>
+              <a:ext uri="{FF2B5EF4-FFF2-40B4-BE49-F238E27FC236}">
+                <a16:creationId xmlns:a16="http://schemas.microsoft.com/office/drawing/2014/main" id="{2D71944A-DDEE-4498-9378-4A45EF1578CD}"/>
+              </a:ext>
+            </a:extLst>
+          </p:cNvPr>
+          <p:cNvCxnSpPr>
+            <a:cxnSpLocks/>
+          </p:cNvCxnSpPr>
+          <p:nvPr/>
+        </p:nvCxnSpPr>
+        <p:spPr>
+          <a:xfrm>
+            <a:off x="7158081" y="4487412"/>
+            <a:ext cx="712190" cy="0"/>
+          </a:xfrm>
+          <a:prstGeom prst="line">
+            <a:avLst/>
+          </a:prstGeom>
+          <a:ln w="28575">
+            <a:solidFill>
+              <a:srgbClr val="FF0000"/>
+            </a:solidFill>
+          </a:ln>
+        </p:spPr>
+        <p:style>
+          <a:lnRef idx="1">
+            <a:schemeClr val="accent1"/>
+          </a:lnRef>
+          <a:fillRef idx="0">
+            <a:schemeClr val="accent1"/>
+          </a:fillRef>
+          <a:effectRef idx="0">
+            <a:schemeClr val="accent1"/>
+          </a:effectRef>
+          <a:fontRef idx="minor">
+            <a:schemeClr val="tx1"/>
+          </a:fontRef>
+        </p:style>
+      </p:cxnSp>
+    </p:spTree>
+    <p:extLst>
+      <p:ext uri="{BB962C8B-B14F-4D97-AF65-F5344CB8AC3E}">
+        <p14:creationId xmlns:p14="http://schemas.microsoft.com/office/powerpoint/2010/main" val="2539354491"/>
+      </p:ext>
+    </p:extLst>
+  </p:cSld>
+  <p:clrMapOvr>
+    <a:masterClrMapping/>
+  </p:clrMapOvr>
+</p:sld>
+</file>
+
+<file path=ppt/slides/slide14.xml><?xml version="1.0" encoding="utf-8"?>
+<p:sld xmlns:a="http://schemas.openxmlformats.org/drawingml/2006/main" xmlns:r="http://schemas.openxmlformats.org/officeDocument/2006/relationships" xmlns:p="http://schemas.openxmlformats.org/presentationml/2006/main">
+  <p:cSld>
+    <p:spTree>
+      <p:nvGrpSpPr>
+        <p:cNvPr id="1" name=""/>
+        <p:cNvGrpSpPr/>
+        <p:nvPr/>
+      </p:nvGrpSpPr>
+      <p:grpSpPr>
+        <a:xfrm>
+          <a:off x="0" y="0"/>
+          <a:ext cx="0" cy="0"/>
+          <a:chOff x="0" y="0"/>
+          <a:chExt cx="0" cy="0"/>
+        </a:xfrm>
+      </p:grpSpPr>
+      <p:pic>
+        <p:nvPicPr>
+          <p:cNvPr id="4" name="図 3">
+            <a:extLst>
+              <a:ext uri="{FF2B5EF4-FFF2-40B4-BE49-F238E27FC236}">
+                <a16:creationId xmlns:a16="http://schemas.microsoft.com/office/drawing/2014/main" id="{01BDD99F-402F-4A55-A495-D5817C0B13DA}"/>
+              </a:ext>
+            </a:extLst>
+          </p:cNvPr>
+          <p:cNvPicPr>
+            <a:picLocks noChangeAspect="1"/>
+          </p:cNvPicPr>
+          <p:nvPr/>
+        </p:nvPicPr>
+        <p:blipFill>
+          <a:blip r:embed="rId2"/>
+          <a:stretch>
+            <a:fillRect/>
+          </a:stretch>
+        </p:blipFill>
+        <p:spPr>
+          <a:xfrm>
+            <a:off x="302004" y="238465"/>
+            <a:ext cx="8575214" cy="4794930"/>
+          </a:xfrm>
+          <a:prstGeom prst="rect">
+            <a:avLst/>
+          </a:prstGeom>
+        </p:spPr>
+      </p:pic>
+      <p:sp>
+        <p:nvSpPr>
+          <p:cNvPr id="5" name="正方形/長方形 4">
+            <a:extLst>
+              <a:ext uri="{FF2B5EF4-FFF2-40B4-BE49-F238E27FC236}">
+                <a16:creationId xmlns:a16="http://schemas.microsoft.com/office/drawing/2014/main" id="{BFFF4589-8867-4CBD-895C-6528E21C8CE9}"/>
+              </a:ext>
+            </a:extLst>
+          </p:cNvPr>
+          <p:cNvSpPr/>
+          <p:nvPr/>
+        </p:nvSpPr>
+        <p:spPr>
+          <a:xfrm>
+            <a:off x="3741490" y="1971413"/>
+            <a:ext cx="2379677" cy="167780"/>
+          </a:xfrm>
+          <a:prstGeom prst="rect">
+            <a:avLst/>
+          </a:prstGeom>
+          <a:noFill/>
+          <a:ln w="25400">
+            <a:solidFill>
+              <a:srgbClr val="FF0000"/>
+            </a:solidFill>
+          </a:ln>
+        </p:spPr>
+        <p:style>
+          <a:lnRef idx="2">
+            <a:schemeClr val="accent1">
+              <a:shade val="50000"/>
+            </a:schemeClr>
+          </a:lnRef>
+          <a:fillRef idx="1">
+            <a:schemeClr val="accent1"/>
+          </a:fillRef>
+          <a:effectRef idx="0">
+            <a:schemeClr val="accent1"/>
+          </a:effectRef>
+          <a:fontRef idx="minor">
+            <a:schemeClr val="lt1"/>
+          </a:fontRef>
+        </p:style>
+        <p:txBody>
+          <a:bodyPr rtlCol="0" anchor="ctr"/>
+          <a:lstStyle/>
+          <a:p>
+            <a:pPr algn="ctr"/>
+            <a:endParaRPr lang="en-US"/>
+          </a:p>
+        </p:txBody>
+      </p:sp>
+      <p:sp>
+        <p:nvSpPr>
+          <p:cNvPr id="6" name="正方形/長方形 5">
+            <a:extLst>
+              <a:ext uri="{FF2B5EF4-FFF2-40B4-BE49-F238E27FC236}">
+                <a16:creationId xmlns:a16="http://schemas.microsoft.com/office/drawing/2014/main" id="{D4D5A786-F03F-496D-9BA3-5F0B724C4243}"/>
+              </a:ext>
+            </a:extLst>
+          </p:cNvPr>
+          <p:cNvSpPr/>
+          <p:nvPr/>
+        </p:nvSpPr>
+        <p:spPr>
+          <a:xfrm>
+            <a:off x="3507996" y="2132202"/>
+            <a:ext cx="2613171" cy="167780"/>
+          </a:xfrm>
+          <a:prstGeom prst="rect">
+            <a:avLst/>
+          </a:prstGeom>
+          <a:noFill/>
+          <a:ln w="25400">
+            <a:solidFill>
+              <a:srgbClr val="FF0000"/>
+            </a:solidFill>
+          </a:ln>
+        </p:spPr>
+        <p:style>
+          <a:lnRef idx="2">
+            <a:schemeClr val="accent1">
+              <a:shade val="50000"/>
+            </a:schemeClr>
+          </a:lnRef>
+          <a:fillRef idx="1">
+            <a:schemeClr val="accent1"/>
+          </a:fillRef>
+          <a:effectRef idx="0">
+            <a:schemeClr val="accent1"/>
+          </a:effectRef>
+          <a:fontRef idx="minor">
+            <a:schemeClr val="lt1"/>
+          </a:fontRef>
+        </p:style>
+        <p:txBody>
+          <a:bodyPr rtlCol="0" anchor="ctr"/>
+          <a:lstStyle/>
+          <a:p>
+            <a:pPr algn="ctr"/>
+            <a:endParaRPr lang="en-US"/>
+          </a:p>
+        </p:txBody>
+      </p:sp>
+      <p:sp>
+        <p:nvSpPr>
+          <p:cNvPr id="7" name="正方形/長方形 6">
+            <a:extLst>
+              <a:ext uri="{FF2B5EF4-FFF2-40B4-BE49-F238E27FC236}">
+                <a16:creationId xmlns:a16="http://schemas.microsoft.com/office/drawing/2014/main" id="{E3A5AF5F-E390-4839-B788-983220FF94CC}"/>
+              </a:ext>
+            </a:extLst>
+          </p:cNvPr>
+          <p:cNvSpPr/>
+          <p:nvPr/>
+        </p:nvSpPr>
+        <p:spPr>
+          <a:xfrm>
+            <a:off x="3098334" y="3303165"/>
+            <a:ext cx="1683392" cy="167780"/>
+          </a:xfrm>
+          <a:prstGeom prst="rect">
+            <a:avLst/>
+          </a:prstGeom>
+          <a:noFill/>
+          <a:ln w="25400">
+            <a:solidFill>
+              <a:srgbClr val="FF0000"/>
+            </a:solidFill>
+          </a:ln>
+        </p:spPr>
+        <p:style>
+          <a:lnRef idx="2">
+            <a:schemeClr val="accent1">
+              <a:shade val="50000"/>
+            </a:schemeClr>
+          </a:lnRef>
+          <a:fillRef idx="1">
+            <a:schemeClr val="accent1"/>
+          </a:fillRef>
+          <a:effectRef idx="0">
+            <a:schemeClr val="accent1"/>
+          </a:effectRef>
+          <a:fontRef idx="minor">
+            <a:schemeClr val="lt1"/>
+          </a:fontRef>
+        </p:style>
+        <p:txBody>
+          <a:bodyPr rtlCol="0" anchor="ctr"/>
+          <a:lstStyle/>
+          <a:p>
+            <a:pPr algn="ctr"/>
+            <a:endParaRPr lang="en-US"/>
+          </a:p>
+        </p:txBody>
+      </p:sp>
+      <p:cxnSp>
+        <p:nvCxnSpPr>
+          <p:cNvPr id="9" name="直線コネクタ 8">
+            <a:extLst>
+              <a:ext uri="{FF2B5EF4-FFF2-40B4-BE49-F238E27FC236}">
+                <a16:creationId xmlns:a16="http://schemas.microsoft.com/office/drawing/2014/main" id="{E7488077-FCD6-4A5A-8FB0-6C9BD943AFB8}"/>
+              </a:ext>
+            </a:extLst>
+          </p:cNvPr>
+          <p:cNvCxnSpPr>
+            <a:cxnSpLocks/>
+          </p:cNvCxnSpPr>
+          <p:nvPr/>
+        </p:nvCxnSpPr>
+        <p:spPr>
+          <a:xfrm>
+            <a:off x="3390550" y="3982675"/>
+            <a:ext cx="1609289" cy="0"/>
+          </a:xfrm>
+          <a:prstGeom prst="line">
+            <a:avLst/>
+          </a:prstGeom>
+          <a:ln w="28575">
+            <a:solidFill>
+              <a:srgbClr val="FF0000"/>
+            </a:solidFill>
+          </a:ln>
+        </p:spPr>
+        <p:style>
+          <a:lnRef idx="1">
+            <a:schemeClr val="accent1"/>
+          </a:lnRef>
+          <a:fillRef idx="0">
+            <a:schemeClr val="accent1"/>
+          </a:fillRef>
+          <a:effectRef idx="0">
+            <a:schemeClr val="accent1"/>
+          </a:effectRef>
+          <a:fontRef idx="minor">
+            <a:schemeClr val="tx1"/>
+          </a:fontRef>
+        </p:style>
+      </p:cxnSp>
+      <p:cxnSp>
+        <p:nvCxnSpPr>
+          <p:cNvPr id="13" name="直線コネクタ 12">
+            <a:extLst>
+              <a:ext uri="{FF2B5EF4-FFF2-40B4-BE49-F238E27FC236}">
+                <a16:creationId xmlns:a16="http://schemas.microsoft.com/office/drawing/2014/main" id="{008A9BFF-5188-464D-A764-07AD5D0AA5FE}"/>
+              </a:ext>
+            </a:extLst>
+          </p:cNvPr>
+          <p:cNvCxnSpPr>
+            <a:cxnSpLocks/>
+          </p:cNvCxnSpPr>
+          <p:nvPr/>
+        </p:nvCxnSpPr>
+        <p:spPr>
+          <a:xfrm>
+            <a:off x="3390550" y="4210576"/>
+            <a:ext cx="1953237" cy="0"/>
+          </a:xfrm>
+          <a:prstGeom prst="line">
+            <a:avLst/>
+          </a:prstGeom>
+          <a:ln w="28575">
+            <a:solidFill>
+              <a:srgbClr val="FF0000"/>
+            </a:solidFill>
+          </a:ln>
+        </p:spPr>
+        <p:style>
+          <a:lnRef idx="1">
+            <a:schemeClr val="accent1"/>
+          </a:lnRef>
+          <a:fillRef idx="0">
+            <a:schemeClr val="accent1"/>
+          </a:fillRef>
+          <a:effectRef idx="0">
+            <a:schemeClr val="accent1"/>
+          </a:effectRef>
+          <a:fontRef idx="minor">
+            <a:schemeClr val="tx1"/>
+          </a:fontRef>
+        </p:style>
+      </p:cxnSp>
+      <p:sp>
+        <p:nvSpPr>
+          <p:cNvPr id="15" name="正方形/長方形 14">
+            <a:extLst>
+              <a:ext uri="{FF2B5EF4-FFF2-40B4-BE49-F238E27FC236}">
+                <a16:creationId xmlns:a16="http://schemas.microsoft.com/office/drawing/2014/main" id="{75C1804A-2A43-4823-88AB-356E24AA2947}"/>
+              </a:ext>
+            </a:extLst>
+          </p:cNvPr>
+          <p:cNvSpPr/>
+          <p:nvPr/>
+        </p:nvSpPr>
+        <p:spPr>
+          <a:xfrm>
+            <a:off x="7418665" y="3301068"/>
+            <a:ext cx="167780" cy="608202"/>
+          </a:xfrm>
+          <a:prstGeom prst="rect">
+            <a:avLst/>
+          </a:prstGeom>
+          <a:noFill/>
+          <a:ln w="25400">
+            <a:solidFill>
+              <a:srgbClr val="FF0000"/>
+            </a:solidFill>
+          </a:ln>
+        </p:spPr>
+        <p:style>
+          <a:lnRef idx="2">
+            <a:schemeClr val="accent1">
+              <a:shade val="50000"/>
+            </a:schemeClr>
+          </a:lnRef>
+          <a:fillRef idx="1">
+            <a:schemeClr val="accent1"/>
+          </a:fillRef>
+          <a:effectRef idx="0">
+            <a:schemeClr val="accent1"/>
+          </a:effectRef>
+          <a:fontRef idx="minor">
+            <a:schemeClr val="lt1"/>
+          </a:fontRef>
+        </p:style>
+        <p:txBody>
+          <a:bodyPr rtlCol="0" anchor="ctr"/>
+          <a:lstStyle/>
+          <a:p>
+            <a:pPr algn="ctr"/>
+            <a:endParaRPr lang="en-US"/>
+          </a:p>
+        </p:txBody>
+      </p:sp>
+    </p:spTree>
+    <p:extLst>
+      <p:ext uri="{BB962C8B-B14F-4D97-AF65-F5344CB8AC3E}">
+        <p14:creationId xmlns:p14="http://schemas.microsoft.com/office/powerpoint/2010/main" val="8039550"/>
       </p:ext>
     </p:extLst>
   </p:cSld>

--- a/Resources/Part1/Part1_Resources.pptx
+++ b/Resources/Part1/Part1_Resources.pptx
@@ -13577,7 +13577,7 @@
           <a:p>
             <a:fld id="{1A086832-2622-4354-BD9D-64D40320B320}" type="datetimeFigureOut">
               <a:rPr kumimoji="1" lang="ja-JP" altLang="en-US" smtClean="0"/>
-              <a:t>2024/11/3</a:t>
+              <a:t>2024/11/7</a:t>
             </a:fld>
             <a:endParaRPr kumimoji="1" lang="ja-JP" altLang="en-US"/>
           </a:p>
@@ -13807,7 +13807,7 @@
           <a:p>
             <a:fld id="{1A086832-2622-4354-BD9D-64D40320B320}" type="datetimeFigureOut">
               <a:rPr kumimoji="1" lang="ja-JP" altLang="en-US" smtClean="0"/>
-              <a:t>2024/11/3</a:t>
+              <a:t>2024/11/7</a:t>
             </a:fld>
             <a:endParaRPr kumimoji="1" lang="ja-JP" altLang="en-US"/>
           </a:p>
@@ -14047,7 +14047,7 @@
           <a:p>
             <a:fld id="{1A086832-2622-4354-BD9D-64D40320B320}" type="datetimeFigureOut">
               <a:rPr kumimoji="1" lang="ja-JP" altLang="en-US" smtClean="0"/>
-              <a:t>2024/11/3</a:t>
+              <a:t>2024/11/7</a:t>
             </a:fld>
             <a:endParaRPr kumimoji="1" lang="ja-JP" altLang="en-US"/>
           </a:p>
@@ -14277,7 +14277,7 @@
           <a:p>
             <a:fld id="{1A086832-2622-4354-BD9D-64D40320B320}" type="datetimeFigureOut">
               <a:rPr kumimoji="1" lang="ja-JP" altLang="en-US" smtClean="0"/>
-              <a:t>2024/11/3</a:t>
+              <a:t>2024/11/7</a:t>
             </a:fld>
             <a:endParaRPr kumimoji="1" lang="ja-JP" altLang="en-US"/>
           </a:p>
@@ -14552,7 +14552,7 @@
           <a:p>
             <a:fld id="{1A086832-2622-4354-BD9D-64D40320B320}" type="datetimeFigureOut">
               <a:rPr kumimoji="1" lang="ja-JP" altLang="en-US" smtClean="0"/>
-              <a:t>2024/11/3</a:t>
+              <a:t>2024/11/7</a:t>
             </a:fld>
             <a:endParaRPr kumimoji="1" lang="ja-JP" altLang="en-US"/>
           </a:p>
@@ -14881,7 +14881,7 @@
           <a:p>
             <a:fld id="{1A086832-2622-4354-BD9D-64D40320B320}" type="datetimeFigureOut">
               <a:rPr kumimoji="1" lang="ja-JP" altLang="en-US" smtClean="0"/>
-              <a:t>2024/11/3</a:t>
+              <a:t>2024/11/7</a:t>
             </a:fld>
             <a:endParaRPr kumimoji="1" lang="ja-JP" altLang="en-US"/>
           </a:p>
@@ -15357,7 +15357,7 @@
           <a:p>
             <a:fld id="{1A086832-2622-4354-BD9D-64D40320B320}" type="datetimeFigureOut">
               <a:rPr kumimoji="1" lang="ja-JP" altLang="en-US" smtClean="0"/>
-              <a:t>2024/11/3</a:t>
+              <a:t>2024/11/7</a:t>
             </a:fld>
             <a:endParaRPr kumimoji="1" lang="ja-JP" altLang="en-US"/>
           </a:p>
@@ -15498,7 +15498,7 @@
           <a:p>
             <a:fld id="{1A086832-2622-4354-BD9D-64D40320B320}" type="datetimeFigureOut">
               <a:rPr kumimoji="1" lang="ja-JP" altLang="en-US" smtClean="0"/>
-              <a:t>2024/11/3</a:t>
+              <a:t>2024/11/7</a:t>
             </a:fld>
             <a:endParaRPr kumimoji="1" lang="ja-JP" altLang="en-US"/>
           </a:p>
@@ -15611,7 +15611,7 @@
           <a:p>
             <a:fld id="{1A086832-2622-4354-BD9D-64D40320B320}" type="datetimeFigureOut">
               <a:rPr kumimoji="1" lang="ja-JP" altLang="en-US" smtClean="0"/>
-              <a:t>2024/11/3</a:t>
+              <a:t>2024/11/7</a:t>
             </a:fld>
             <a:endParaRPr kumimoji="1" lang="ja-JP" altLang="en-US"/>
           </a:p>
@@ -15954,7 +15954,7 @@
           <a:p>
             <a:fld id="{1A086832-2622-4354-BD9D-64D40320B320}" type="datetimeFigureOut">
               <a:rPr kumimoji="1" lang="ja-JP" altLang="en-US" smtClean="0"/>
-              <a:t>2024/11/3</a:t>
+              <a:t>2024/11/7</a:t>
             </a:fld>
             <a:endParaRPr kumimoji="1" lang="ja-JP" altLang="en-US"/>
           </a:p>
@@ -16242,7 +16242,7 @@
           <a:p>
             <a:fld id="{1A086832-2622-4354-BD9D-64D40320B320}" type="datetimeFigureOut">
               <a:rPr kumimoji="1" lang="ja-JP" altLang="en-US" smtClean="0"/>
-              <a:t>2024/11/3</a:t>
+              <a:t>2024/11/7</a:t>
             </a:fld>
             <a:endParaRPr kumimoji="1" lang="ja-JP" altLang="en-US"/>
           </a:p>
@@ -16515,7 +16515,7 @@
           <a:p>
             <a:fld id="{1A086832-2622-4354-BD9D-64D40320B320}" type="datetimeFigureOut">
               <a:rPr kumimoji="1" lang="ja-JP" altLang="en-US" smtClean="0"/>
-              <a:t>2024/11/3</a:t>
+              <a:t>2024/11/7</a:t>
             </a:fld>
             <a:endParaRPr kumimoji="1" lang="ja-JP" altLang="en-US"/>
           </a:p>
@@ -20004,7 +20004,7 @@
             <a:chExt cx="1169789" cy="718839"/>
           </a:xfrm>
           <a:solidFill>
-            <a:schemeClr val="accent3">
+            <a:schemeClr val="accent1">
               <a:lumMod val="60000"/>
               <a:lumOff val="40000"/>
             </a:schemeClr>
